--- a/NodeJS.pptx
+++ b/NodeJS.pptx
@@ -15,6 +15,10 @@
     <p:sldId id="386" r:id="rId9"/>
     <p:sldId id="387" r:id="rId10"/>
     <p:sldId id="388" r:id="rId11"/>
+    <p:sldId id="389" r:id="rId12"/>
+    <p:sldId id="390" r:id="rId13"/>
+    <p:sldId id="391" r:id="rId14"/>
+    <p:sldId id="392" r:id="rId15"/>
   </p:sldIdLst>
   <p:sldSz cx="12192000" cy="6858000"/>
   <p:notesSz cx="12192000" cy="6858000"/>
@@ -271,7 +275,7 @@
           <a:p>
             <a:fld id="{1D8BD707-D9CF-40AE-B4C6-C98DA3205C09}" type="datetimeFigureOut">
               <a:rPr lang="en-US"/>
-              <a:t>1/19/2024</a:t>
+              <a:t>1/23/2024</a:t>
             </a:fld>
             <a:endParaRPr lang="en-US"/>
           </a:p>
@@ -448,7 +452,7 @@
           <a:p>
             <a:fld id="{1D8BD707-D9CF-40AE-B4C6-C98DA3205C09}" type="datetimeFigureOut">
               <a:rPr lang="en-US"/>
-              <a:t>1/19/2024</a:t>
+              <a:t>1/23/2024</a:t>
             </a:fld>
             <a:endParaRPr lang="en-US"/>
           </a:p>
@@ -662,7 +666,7 @@
           <a:p>
             <a:fld id="{1D8BD707-D9CF-40AE-B4C6-C98DA3205C09}" type="datetimeFigureOut">
               <a:rPr lang="en-US"/>
-              <a:t>1/19/2024</a:t>
+              <a:t>1/23/2024</a:t>
             </a:fld>
             <a:endParaRPr lang="en-US"/>
           </a:p>
@@ -810,7 +814,7 @@
           <a:p>
             <a:fld id="{1D8BD707-D9CF-40AE-B4C6-C98DA3205C09}" type="datetimeFigureOut">
               <a:rPr lang="en-US"/>
-              <a:t>1/19/2024</a:t>
+              <a:t>1/23/2024</a:t>
             </a:fld>
             <a:endParaRPr lang="en-US"/>
           </a:p>
@@ -937,7 +941,7 @@
           <a:p>
             <a:fld id="{1D8BD707-D9CF-40AE-B4C6-C98DA3205C09}" type="datetimeFigureOut">
               <a:rPr lang="en-US"/>
-              <a:t>1/19/2024</a:t>
+              <a:t>1/23/2024</a:t>
             </a:fld>
             <a:endParaRPr lang="en-US"/>
           </a:p>
@@ -1191,7 +1195,7 @@
           <a:p>
             <a:fld id="{1D8BD707-D9CF-40AE-B4C6-C98DA3205C09}" type="datetimeFigureOut">
               <a:rPr lang="en-US"/>
-              <a:t>1/19/2024</a:t>
+              <a:t>1/23/2024</a:t>
             </a:fld>
             <a:endParaRPr lang="en-US"/>
           </a:p>
@@ -2260,6 +2264,1770 @@
     <p:extLst>
       <p:ext uri="{BB962C8B-B14F-4D97-AF65-F5344CB8AC3E}">
         <p14:creationId xmlns:p14="http://schemas.microsoft.com/office/powerpoint/2010/main" val="2446604423"/>
+      </p:ext>
+    </p:extLst>
+  </p:cSld>
+  <p:clrMapOvr>
+    <a:masterClrMapping/>
+  </p:clrMapOvr>
+</p:sld>
+</file>
+
+<file path=ppt/slides/slide11.xml><?xml version="1.0" encoding="utf-8"?>
+<p:sld xmlns:a="http://schemas.openxmlformats.org/drawingml/2006/main" xmlns:r="http://schemas.openxmlformats.org/officeDocument/2006/relationships" xmlns:p="http://schemas.openxmlformats.org/presentationml/2006/main">
+  <p:cSld>
+    <p:spTree>
+      <p:nvGrpSpPr>
+        <p:cNvPr id="1" name=""/>
+        <p:cNvGrpSpPr/>
+        <p:nvPr/>
+      </p:nvGrpSpPr>
+      <p:grpSpPr>
+        <a:xfrm>
+          <a:off x="0" y="0"/>
+          <a:ext cx="0" cy="0"/>
+          <a:chOff x="0" y="0"/>
+          <a:chExt cx="0" cy="0"/>
+        </a:xfrm>
+      </p:grpSpPr>
+      <p:sp>
+        <p:nvSpPr>
+          <p:cNvPr id="2" name="object 2"/>
+          <p:cNvSpPr/>
+          <p:nvPr/>
+        </p:nvSpPr>
+        <p:spPr>
+          <a:xfrm>
+            <a:off x="1" y="44199"/>
+            <a:ext cx="12191999" cy="7118601"/>
+          </a:xfrm>
+          <a:prstGeom prst="rect">
+            <a:avLst/>
+          </a:prstGeom>
+          <a:blipFill>
+            <a:blip r:embed="rId2" cstate="print"/>
+            <a:stretch>
+              <a:fillRect/>
+            </a:stretch>
+          </a:blipFill>
+        </p:spPr>
+        <p:txBody>
+          <a:bodyPr wrap="square" lIns="0" tIns="0" rIns="0" bIns="0" rtlCol="0"/>
+          <a:lstStyle/>
+          <a:p>
+            <a:endParaRPr b="1" dirty="0">
+              <a:ln w="13462">
+                <a:solidFill>
+                  <a:schemeClr val="bg1"/>
+                </a:solidFill>
+                <a:prstDash val="solid"/>
+              </a:ln>
+              <a:solidFill>
+                <a:schemeClr val="tx1">
+                  <a:lumMod val="85000"/>
+                  <a:lumOff val="15000"/>
+                </a:schemeClr>
+              </a:solidFill>
+              <a:effectLst>
+                <a:outerShdw dist="38100" dir="2700000" algn="bl" rotWithShape="0">
+                  <a:schemeClr val="accent5"/>
+                </a:outerShdw>
+              </a:effectLst>
+            </a:endParaRPr>
+          </a:p>
+        </p:txBody>
+      </p:sp>
+      <p:sp>
+        <p:nvSpPr>
+          <p:cNvPr id="3" name="object 3"/>
+          <p:cNvSpPr txBox="1">
+            <a:spLocks noGrp="1"/>
+          </p:cNvSpPr>
+          <p:nvPr>
+            <p:ph type="title"/>
+          </p:nvPr>
+        </p:nvSpPr>
+        <p:spPr>
+          <a:xfrm>
+            <a:off x="838200" y="304800"/>
+            <a:ext cx="4471315" cy="535403"/>
+          </a:xfrm>
+          <a:prstGeom prst="rect">
+            <a:avLst/>
+          </a:prstGeom>
+        </p:spPr>
+        <p:txBody>
+          <a:bodyPr vert="horz" wrap="square" lIns="0" tIns="12065" rIns="0" bIns="0" rtlCol="0">
+            <a:spAutoFit/>
+          </a:bodyPr>
+          <a:lstStyle/>
+          <a:p>
+            <a:pPr marL="12700">
+              <a:lnSpc>
+                <a:spcPct val="100000"/>
+              </a:lnSpc>
+              <a:spcBef>
+                <a:spcPts val="95"/>
+              </a:spcBef>
+            </a:pPr>
+            <a:r>
+              <a:rPr lang="en-US" sz="3400" b="1" spc="-5" dirty="0">
+                <a:solidFill>
+                  <a:srgbClr val="FFFFFF"/>
+                </a:solidFill>
+                <a:latin typeface="Carlito"/>
+                <a:cs typeface="Carlito"/>
+              </a:rPr>
+              <a:t>Express Methods</a:t>
+            </a:r>
+          </a:p>
+        </p:txBody>
+      </p:sp>
+      <p:sp>
+        <p:nvSpPr>
+          <p:cNvPr id="5" name="object 5"/>
+          <p:cNvSpPr/>
+          <p:nvPr/>
+        </p:nvSpPr>
+        <p:spPr>
+          <a:xfrm>
+            <a:off x="9816083" y="262127"/>
+            <a:ext cx="1976627" cy="822960"/>
+          </a:xfrm>
+          <a:prstGeom prst="rect">
+            <a:avLst/>
+          </a:prstGeom>
+          <a:blipFill>
+            <a:blip r:embed="rId3" cstate="print"/>
+            <a:stretch>
+              <a:fillRect/>
+            </a:stretch>
+          </a:blipFill>
+        </p:spPr>
+        <p:txBody>
+          <a:bodyPr wrap="square" lIns="0" tIns="0" rIns="0" bIns="0" rtlCol="0"/>
+          <a:lstStyle/>
+          <a:p>
+            <a:endParaRPr/>
+          </a:p>
+        </p:txBody>
+      </p:sp>
+      <p:sp>
+        <p:nvSpPr>
+          <p:cNvPr id="4" name="object 3">
+            <a:extLst>
+              <a:ext uri="{FF2B5EF4-FFF2-40B4-BE49-F238E27FC236}">
+                <a16:creationId xmlns:a16="http://schemas.microsoft.com/office/drawing/2014/main" id="{1ED9D45B-4B0D-FC76-3A8C-E89F6CD72254}"/>
+              </a:ext>
+            </a:extLst>
+          </p:cNvPr>
+          <p:cNvSpPr txBox="1">
+            <a:spLocks/>
+          </p:cNvSpPr>
+          <p:nvPr/>
+        </p:nvSpPr>
+        <p:spPr>
+          <a:xfrm>
+            <a:off x="762000" y="914400"/>
+            <a:ext cx="11283579" cy="5754781"/>
+          </a:xfrm>
+          <a:prstGeom prst="rect">
+            <a:avLst/>
+          </a:prstGeom>
+        </p:spPr>
+        <p:txBody>
+          <a:bodyPr vert="horz" wrap="square" lIns="0" tIns="12065" rIns="0" bIns="0" rtlCol="0">
+            <a:spAutoFit/>
+          </a:bodyPr>
+          <a:lstStyle>
+            <a:lvl1pPr>
+              <a:defRPr sz="6000" b="0" i="0">
+                <a:solidFill>
+                  <a:srgbClr val="E7E6E6"/>
+                </a:solidFill>
+                <a:latin typeface="Trebuchet MS"/>
+                <a:ea typeface="+mj-ea"/>
+                <a:cs typeface="Trebuchet MS"/>
+              </a:defRPr>
+            </a:lvl1pPr>
+          </a:lstStyle>
+          <a:p>
+            <a:pPr marL="527050" indent="-514350">
+              <a:spcBef>
+                <a:spcPts val="95"/>
+              </a:spcBef>
+              <a:buAutoNum type="arabicPeriod"/>
+            </a:pPr>
+            <a:r>
+              <a:rPr lang="en-US" sz="2800" kern="0" dirty="0" err="1">
+                <a:latin typeface="+mn-lt"/>
+                <a:cs typeface="Carlito"/>
+              </a:rPr>
+              <a:t>app.use</a:t>
+            </a:r>
+            <a:r>
+              <a:rPr lang="en-US" sz="2800" kern="0" dirty="0">
+                <a:latin typeface="+mn-lt"/>
+                <a:cs typeface="Carlito"/>
+              </a:rPr>
+              <a:t>([path]callback [,callback]) : it runs middleware (callbacks) when path hits the routes .</a:t>
+            </a:r>
+          </a:p>
+          <a:p>
+            <a:pPr marL="527050" indent="-514350">
+              <a:spcBef>
+                <a:spcPts val="95"/>
+              </a:spcBef>
+              <a:buAutoNum type="arabicPeriod"/>
+            </a:pPr>
+            <a:r>
+              <a:rPr lang="en-US" sz="2800" kern="0" dirty="0">
+                <a:latin typeface="+mn-lt"/>
+                <a:cs typeface="Carlito"/>
+              </a:rPr>
+              <a:t>Middleware : just a function that will run on hitting routes.</a:t>
+            </a:r>
+          </a:p>
+          <a:p>
+            <a:pPr marL="527050" indent="-514350">
+              <a:spcBef>
+                <a:spcPts val="95"/>
+              </a:spcBef>
+              <a:buAutoNum type="arabicPeriod"/>
+            </a:pPr>
+            <a:endParaRPr lang="en-US" sz="2800" kern="0" dirty="0">
+              <a:latin typeface="+mn-lt"/>
+              <a:cs typeface="Carlito"/>
+            </a:endParaRPr>
+          </a:p>
+          <a:p>
+            <a:pPr marL="527050" indent="-514350">
+              <a:spcBef>
+                <a:spcPts val="95"/>
+              </a:spcBef>
+              <a:buAutoNum type="arabicPeriod"/>
+            </a:pPr>
+            <a:endParaRPr lang="en-US" sz="2800" kern="0" dirty="0">
+              <a:latin typeface="+mn-lt"/>
+              <a:cs typeface="Carlito"/>
+            </a:endParaRPr>
+          </a:p>
+          <a:p>
+            <a:pPr marL="527050" indent="-514350">
+              <a:spcBef>
+                <a:spcPts val="95"/>
+              </a:spcBef>
+              <a:buAutoNum type="arabicPeriod"/>
+            </a:pPr>
+            <a:endParaRPr lang="en-US" sz="2800" kern="0" dirty="0">
+              <a:latin typeface="+mn-lt"/>
+              <a:cs typeface="Carlito"/>
+            </a:endParaRPr>
+          </a:p>
+          <a:p>
+            <a:pPr marL="527050" indent="-514350">
+              <a:spcBef>
+                <a:spcPts val="95"/>
+              </a:spcBef>
+              <a:buAutoNum type="arabicPeriod"/>
+            </a:pPr>
+            <a:r>
+              <a:rPr lang="en-US" sz="2800" kern="0" dirty="0">
+                <a:latin typeface="+mn-lt"/>
+                <a:cs typeface="Carlito"/>
+              </a:rPr>
+              <a:t>Routing : HTTP methods are:- </a:t>
+            </a:r>
+            <a:r>
+              <a:rPr lang="en-US" sz="2800" kern="0" dirty="0" err="1">
+                <a:latin typeface="+mn-lt"/>
+                <a:cs typeface="Carlito"/>
+              </a:rPr>
+              <a:t>i.get</a:t>
+            </a:r>
+            <a:r>
+              <a:rPr lang="en-US" sz="2800" kern="0" dirty="0">
+                <a:latin typeface="+mn-lt"/>
+                <a:cs typeface="Carlito"/>
+              </a:rPr>
+              <a:t> </a:t>
+            </a:r>
+            <a:r>
+              <a:rPr lang="en-US" sz="2800" kern="0" dirty="0" err="1">
+                <a:latin typeface="+mn-lt"/>
+                <a:cs typeface="Carlito"/>
+              </a:rPr>
+              <a:t>ii.post</a:t>
+            </a:r>
+            <a:r>
+              <a:rPr lang="en-US" sz="2800" kern="0" dirty="0">
+                <a:latin typeface="+mn-lt"/>
+                <a:cs typeface="Carlito"/>
+              </a:rPr>
+              <a:t> </a:t>
+            </a:r>
+            <a:r>
+              <a:rPr lang="en-US" sz="2800" kern="0" dirty="0" err="1">
+                <a:latin typeface="+mn-lt"/>
+                <a:cs typeface="Carlito"/>
+              </a:rPr>
+              <a:t>iii.patch</a:t>
+            </a:r>
+            <a:r>
+              <a:rPr lang="en-US" sz="2800" kern="0" dirty="0">
+                <a:latin typeface="+mn-lt"/>
+                <a:cs typeface="Carlito"/>
+              </a:rPr>
+              <a:t> </a:t>
+            </a:r>
+            <a:r>
+              <a:rPr lang="en-US" sz="2800" kern="0" dirty="0" err="1">
+                <a:latin typeface="+mn-lt"/>
+                <a:cs typeface="Carlito"/>
+              </a:rPr>
+              <a:t>iv.put</a:t>
+            </a:r>
+            <a:r>
+              <a:rPr lang="en-US" sz="2800" kern="0" dirty="0">
+                <a:latin typeface="+mn-lt"/>
+                <a:cs typeface="Carlito"/>
+              </a:rPr>
+              <a:t> </a:t>
+            </a:r>
+            <a:r>
+              <a:rPr lang="en-US" sz="2800" kern="0" dirty="0" err="1">
+                <a:latin typeface="+mn-lt"/>
+                <a:cs typeface="Carlito"/>
+              </a:rPr>
+              <a:t>v.delete</a:t>
+            </a:r>
+            <a:endParaRPr lang="en-US" sz="2800" kern="0" dirty="0">
+              <a:latin typeface="+mn-lt"/>
+              <a:cs typeface="Carlito"/>
+            </a:endParaRPr>
+          </a:p>
+          <a:p>
+            <a:pPr marL="527050" indent="-514350">
+              <a:spcBef>
+                <a:spcPts val="95"/>
+              </a:spcBef>
+              <a:buAutoNum type="arabicPeriod"/>
+            </a:pPr>
+            <a:r>
+              <a:rPr lang="en-US" sz="2800" kern="0" dirty="0" err="1">
+                <a:latin typeface="+mn-lt"/>
+                <a:cs typeface="Carlito"/>
+              </a:rPr>
+              <a:t>app.get</a:t>
+            </a:r>
+            <a:r>
+              <a:rPr lang="en-US" sz="2800" kern="0" dirty="0">
+                <a:latin typeface="+mn-lt"/>
+                <a:cs typeface="Carlito"/>
+              </a:rPr>
+              <a:t>(</a:t>
+            </a:r>
+            <a:r>
+              <a:rPr lang="en-US" sz="2800" kern="0" dirty="0" err="1">
+                <a:latin typeface="+mn-lt"/>
+                <a:cs typeface="Carlito"/>
+              </a:rPr>
+              <a:t>path,callback</a:t>
+            </a:r>
+            <a:r>
+              <a:rPr lang="en-US" sz="2800" kern="0" dirty="0">
+                <a:latin typeface="+mn-lt"/>
+                <a:cs typeface="Carlito"/>
+              </a:rPr>
+              <a:t>) :- </a:t>
+            </a:r>
+          </a:p>
+          <a:p>
+            <a:pPr marL="12700">
+              <a:spcBef>
+                <a:spcPts val="95"/>
+              </a:spcBef>
+            </a:pPr>
+            <a:r>
+              <a:rPr lang="en-US" sz="2800" kern="0" dirty="0">
+                <a:latin typeface="+mn-lt"/>
+                <a:cs typeface="Carlito"/>
+              </a:rPr>
+              <a:t>HTTP get will run</a:t>
+            </a:r>
+          </a:p>
+          <a:p>
+            <a:pPr marL="12700">
+              <a:spcBef>
+                <a:spcPts val="95"/>
+              </a:spcBef>
+            </a:pPr>
+            <a:endParaRPr lang="en-US" sz="2800" kern="0" dirty="0">
+              <a:latin typeface="+mn-lt"/>
+              <a:cs typeface="Carlito"/>
+            </a:endParaRPr>
+          </a:p>
+          <a:p>
+            <a:pPr marL="527050" indent="-514350">
+              <a:spcBef>
+                <a:spcPts val="95"/>
+              </a:spcBef>
+              <a:buAutoNum type="arabicPeriod" startAt="5"/>
+            </a:pPr>
+            <a:r>
+              <a:rPr lang="en-US" sz="2800" kern="0" dirty="0">
+                <a:latin typeface="+mn-lt"/>
+                <a:cs typeface="Carlito"/>
+              </a:rPr>
+              <a:t>Handle bad request : </a:t>
+            </a:r>
+          </a:p>
+          <a:p>
+            <a:pPr marL="12700">
+              <a:spcBef>
+                <a:spcPts val="95"/>
+              </a:spcBef>
+            </a:pPr>
+            <a:r>
+              <a:rPr lang="en-US" sz="2800" kern="0" dirty="0">
+                <a:latin typeface="+mn-lt"/>
+                <a:cs typeface="Carlito"/>
+              </a:rPr>
+              <a:t>Put this at the last</a:t>
+            </a:r>
+          </a:p>
+          <a:p>
+            <a:pPr marL="12700">
+              <a:spcBef>
+                <a:spcPts val="95"/>
+              </a:spcBef>
+            </a:pPr>
+            <a:endParaRPr lang="en-US" sz="2800" kern="0" dirty="0">
+              <a:latin typeface="+mn-lt"/>
+              <a:cs typeface="Carlito"/>
+            </a:endParaRPr>
+          </a:p>
+        </p:txBody>
+      </p:sp>
+      <p:pic>
+        <p:nvPicPr>
+          <p:cNvPr id="7" name="Picture 6">
+            <a:extLst>
+              <a:ext uri="{FF2B5EF4-FFF2-40B4-BE49-F238E27FC236}">
+                <a16:creationId xmlns:a16="http://schemas.microsoft.com/office/drawing/2014/main" id="{C6415D6D-59B4-4C27-1340-803C7B7B17FA}"/>
+              </a:ext>
+            </a:extLst>
+          </p:cNvPr>
+          <p:cNvPicPr>
+            <a:picLocks noChangeAspect="1"/>
+          </p:cNvPicPr>
+          <p:nvPr/>
+        </p:nvPicPr>
+        <p:blipFill>
+          <a:blip r:embed="rId4"/>
+          <a:stretch>
+            <a:fillRect/>
+          </a:stretch>
+        </p:blipFill>
+        <p:spPr>
+          <a:xfrm>
+            <a:off x="5638800" y="2306265"/>
+            <a:ext cx="4495800" cy="1305232"/>
+          </a:xfrm>
+          <a:prstGeom prst="rect">
+            <a:avLst/>
+          </a:prstGeom>
+        </p:spPr>
+      </p:pic>
+      <p:pic>
+        <p:nvPicPr>
+          <p:cNvPr id="9" name="Picture 8">
+            <a:extLst>
+              <a:ext uri="{FF2B5EF4-FFF2-40B4-BE49-F238E27FC236}">
+                <a16:creationId xmlns:a16="http://schemas.microsoft.com/office/drawing/2014/main" id="{F1C2C181-DAFC-A65C-5342-46FED222BC6F}"/>
+              </a:ext>
+            </a:extLst>
+          </p:cNvPr>
+          <p:cNvPicPr>
+            <a:picLocks noChangeAspect="1"/>
+          </p:cNvPicPr>
+          <p:nvPr/>
+        </p:nvPicPr>
+        <p:blipFill>
+          <a:blip r:embed="rId5"/>
+          <a:stretch>
+            <a:fillRect/>
+          </a:stretch>
+        </p:blipFill>
+        <p:spPr>
+          <a:xfrm>
+            <a:off x="5624064" y="3967222"/>
+            <a:ext cx="4192019" cy="1061978"/>
+          </a:xfrm>
+          <a:prstGeom prst="rect">
+            <a:avLst/>
+          </a:prstGeom>
+        </p:spPr>
+      </p:pic>
+      <p:pic>
+        <p:nvPicPr>
+          <p:cNvPr id="11" name="Picture 10">
+            <a:extLst>
+              <a:ext uri="{FF2B5EF4-FFF2-40B4-BE49-F238E27FC236}">
+                <a16:creationId xmlns:a16="http://schemas.microsoft.com/office/drawing/2014/main" id="{A590B0FE-155E-560B-F3F2-7E32C106D37C}"/>
+              </a:ext>
+            </a:extLst>
+          </p:cNvPr>
+          <p:cNvPicPr>
+            <a:picLocks noChangeAspect="1"/>
+          </p:cNvPicPr>
+          <p:nvPr/>
+        </p:nvPicPr>
+        <p:blipFill>
+          <a:blip r:embed="rId6"/>
+          <a:stretch>
+            <a:fillRect/>
+          </a:stretch>
+        </p:blipFill>
+        <p:spPr>
+          <a:xfrm>
+            <a:off x="5624064" y="5247326"/>
+            <a:ext cx="3857993" cy="1156005"/>
+          </a:xfrm>
+          <a:prstGeom prst="rect">
+            <a:avLst/>
+          </a:prstGeom>
+        </p:spPr>
+      </p:pic>
+    </p:spTree>
+    <p:extLst>
+      <p:ext uri="{BB962C8B-B14F-4D97-AF65-F5344CB8AC3E}">
+        <p14:creationId xmlns:p14="http://schemas.microsoft.com/office/powerpoint/2010/main" val="3937753696"/>
+      </p:ext>
+    </p:extLst>
+  </p:cSld>
+  <p:clrMapOvr>
+    <a:masterClrMapping/>
+  </p:clrMapOvr>
+</p:sld>
+</file>
+
+<file path=ppt/slides/slide12.xml><?xml version="1.0" encoding="utf-8"?>
+<p:sld xmlns:a="http://schemas.openxmlformats.org/drawingml/2006/main" xmlns:r="http://schemas.openxmlformats.org/officeDocument/2006/relationships" xmlns:p="http://schemas.openxmlformats.org/presentationml/2006/main">
+  <p:cSld>
+    <p:spTree>
+      <p:nvGrpSpPr>
+        <p:cNvPr id="1" name=""/>
+        <p:cNvGrpSpPr/>
+        <p:nvPr/>
+      </p:nvGrpSpPr>
+      <p:grpSpPr>
+        <a:xfrm>
+          <a:off x="0" y="0"/>
+          <a:ext cx="0" cy="0"/>
+          <a:chOff x="0" y="0"/>
+          <a:chExt cx="0" cy="0"/>
+        </a:xfrm>
+      </p:grpSpPr>
+      <p:sp>
+        <p:nvSpPr>
+          <p:cNvPr id="2" name="object 2"/>
+          <p:cNvSpPr/>
+          <p:nvPr/>
+        </p:nvSpPr>
+        <p:spPr>
+          <a:xfrm>
+            <a:off x="1" y="44199"/>
+            <a:ext cx="12191999" cy="7118601"/>
+          </a:xfrm>
+          <a:prstGeom prst="rect">
+            <a:avLst/>
+          </a:prstGeom>
+          <a:blipFill>
+            <a:blip r:embed="rId2" cstate="print"/>
+            <a:stretch>
+              <a:fillRect/>
+            </a:stretch>
+          </a:blipFill>
+        </p:spPr>
+        <p:txBody>
+          <a:bodyPr wrap="square" lIns="0" tIns="0" rIns="0" bIns="0" rtlCol="0"/>
+          <a:lstStyle/>
+          <a:p>
+            <a:endParaRPr b="1" dirty="0">
+              <a:ln w="13462">
+                <a:solidFill>
+                  <a:schemeClr val="bg1"/>
+                </a:solidFill>
+                <a:prstDash val="solid"/>
+              </a:ln>
+              <a:solidFill>
+                <a:schemeClr val="tx1">
+                  <a:lumMod val="85000"/>
+                  <a:lumOff val="15000"/>
+                </a:schemeClr>
+              </a:solidFill>
+              <a:effectLst>
+                <a:outerShdw dist="38100" dir="2700000" algn="bl" rotWithShape="0">
+                  <a:schemeClr val="accent5"/>
+                </a:outerShdw>
+              </a:effectLst>
+            </a:endParaRPr>
+          </a:p>
+        </p:txBody>
+      </p:sp>
+      <p:sp>
+        <p:nvSpPr>
+          <p:cNvPr id="3" name="object 3"/>
+          <p:cNvSpPr txBox="1">
+            <a:spLocks noGrp="1"/>
+          </p:cNvSpPr>
+          <p:nvPr>
+            <p:ph type="title"/>
+          </p:nvPr>
+        </p:nvSpPr>
+        <p:spPr>
+          <a:xfrm>
+            <a:off x="838200" y="304800"/>
+            <a:ext cx="4471315" cy="535403"/>
+          </a:xfrm>
+          <a:prstGeom prst="rect">
+            <a:avLst/>
+          </a:prstGeom>
+        </p:spPr>
+        <p:txBody>
+          <a:bodyPr vert="horz" wrap="square" lIns="0" tIns="12065" rIns="0" bIns="0" rtlCol="0">
+            <a:spAutoFit/>
+          </a:bodyPr>
+          <a:lstStyle/>
+          <a:p>
+            <a:pPr marL="12700">
+              <a:lnSpc>
+                <a:spcPct val="100000"/>
+              </a:lnSpc>
+              <a:spcBef>
+                <a:spcPts val="95"/>
+              </a:spcBef>
+            </a:pPr>
+            <a:r>
+              <a:rPr lang="en-US" sz="3400" b="1" spc="-5" dirty="0">
+                <a:solidFill>
+                  <a:srgbClr val="FFFFFF"/>
+                </a:solidFill>
+                <a:latin typeface="Carlito"/>
+                <a:cs typeface="Carlito"/>
+              </a:rPr>
+              <a:t>Express Methods</a:t>
+            </a:r>
+          </a:p>
+        </p:txBody>
+      </p:sp>
+      <p:sp>
+        <p:nvSpPr>
+          <p:cNvPr id="5" name="object 5"/>
+          <p:cNvSpPr/>
+          <p:nvPr/>
+        </p:nvSpPr>
+        <p:spPr>
+          <a:xfrm>
+            <a:off x="9816083" y="262127"/>
+            <a:ext cx="1976627" cy="822960"/>
+          </a:xfrm>
+          <a:prstGeom prst="rect">
+            <a:avLst/>
+          </a:prstGeom>
+          <a:blipFill>
+            <a:blip r:embed="rId3" cstate="print"/>
+            <a:stretch>
+              <a:fillRect/>
+            </a:stretch>
+          </a:blipFill>
+        </p:spPr>
+        <p:txBody>
+          <a:bodyPr wrap="square" lIns="0" tIns="0" rIns="0" bIns="0" rtlCol="0"/>
+          <a:lstStyle/>
+          <a:p>
+            <a:endParaRPr/>
+          </a:p>
+        </p:txBody>
+      </p:sp>
+      <p:sp>
+        <p:nvSpPr>
+          <p:cNvPr id="4" name="object 3">
+            <a:extLst>
+              <a:ext uri="{FF2B5EF4-FFF2-40B4-BE49-F238E27FC236}">
+                <a16:creationId xmlns:a16="http://schemas.microsoft.com/office/drawing/2014/main" id="{1ED9D45B-4B0D-FC76-3A8C-E89F6CD72254}"/>
+              </a:ext>
+            </a:extLst>
+          </p:cNvPr>
+          <p:cNvSpPr txBox="1">
+            <a:spLocks/>
+          </p:cNvSpPr>
+          <p:nvPr/>
+        </p:nvSpPr>
+        <p:spPr>
+          <a:xfrm>
+            <a:off x="762000" y="914400"/>
+            <a:ext cx="11283579" cy="6211316"/>
+          </a:xfrm>
+          <a:prstGeom prst="rect">
+            <a:avLst/>
+          </a:prstGeom>
+        </p:spPr>
+        <p:txBody>
+          <a:bodyPr vert="horz" wrap="square" lIns="0" tIns="12065" rIns="0" bIns="0" rtlCol="0">
+            <a:spAutoFit/>
+          </a:bodyPr>
+          <a:lstStyle>
+            <a:lvl1pPr>
+              <a:defRPr sz="6000" b="0" i="0">
+                <a:solidFill>
+                  <a:srgbClr val="E7E6E6"/>
+                </a:solidFill>
+                <a:latin typeface="Trebuchet MS"/>
+                <a:ea typeface="+mj-ea"/>
+                <a:cs typeface="Trebuchet MS"/>
+              </a:defRPr>
+            </a:lvl1pPr>
+          </a:lstStyle>
+          <a:p>
+            <a:pPr marL="12700">
+              <a:spcBef>
+                <a:spcPts val="95"/>
+              </a:spcBef>
+            </a:pPr>
+            <a:r>
+              <a:rPr lang="en-US" sz="2800" kern="0" dirty="0">
+                <a:latin typeface="+mn-lt"/>
+                <a:cs typeface="Carlito"/>
+              </a:rPr>
+              <a:t>Note : to restart server when change happens we will use ‘</a:t>
+            </a:r>
+            <a:r>
+              <a:rPr lang="en-US" sz="2800" kern="0" dirty="0" err="1">
+                <a:latin typeface="+mn-lt"/>
+                <a:cs typeface="Carlito"/>
+              </a:rPr>
+              <a:t>Nodemon</a:t>
+            </a:r>
+            <a:r>
+              <a:rPr lang="en-US" sz="2800" kern="0" dirty="0">
+                <a:latin typeface="+mn-lt"/>
+                <a:cs typeface="Carlito"/>
+              </a:rPr>
+              <a:t>’.</a:t>
+            </a:r>
+          </a:p>
+          <a:p>
+            <a:pPr marL="527050" indent="-514350">
+              <a:spcBef>
+                <a:spcPts val="95"/>
+              </a:spcBef>
+              <a:buAutoNum type="arabicPeriod"/>
+            </a:pPr>
+            <a:r>
+              <a:rPr lang="en-US" sz="2800" kern="0" dirty="0">
+                <a:latin typeface="+mn-lt"/>
+                <a:cs typeface="Carlito"/>
+              </a:rPr>
+              <a:t>create start in scripts , and use “</a:t>
+            </a:r>
+            <a:r>
+              <a:rPr lang="en-US" sz="2800" kern="0" dirty="0" err="1">
+                <a:latin typeface="+mn-lt"/>
+                <a:cs typeface="Carlito"/>
+              </a:rPr>
+              <a:t>nodemon</a:t>
+            </a:r>
+            <a:r>
+              <a:rPr lang="en-US" sz="2800" kern="0" dirty="0">
+                <a:latin typeface="+mn-lt"/>
+                <a:cs typeface="Carlito"/>
+              </a:rPr>
+              <a:t> index.js”</a:t>
+            </a:r>
+          </a:p>
+          <a:p>
+            <a:pPr marL="527050" indent="-514350">
+              <a:spcBef>
+                <a:spcPts val="95"/>
+              </a:spcBef>
+              <a:buAutoNum type="arabicPeriod"/>
+            </a:pPr>
+            <a:r>
+              <a:rPr lang="en-US" sz="2800" kern="0" dirty="0">
+                <a:latin typeface="+mn-lt"/>
+                <a:cs typeface="Carlito"/>
+              </a:rPr>
+              <a:t>Then we can use </a:t>
+            </a:r>
+            <a:r>
+              <a:rPr lang="en-US" sz="2800" kern="0" dirty="0" err="1">
+                <a:latin typeface="+mn-lt"/>
+                <a:cs typeface="Carlito"/>
+              </a:rPr>
+              <a:t>npm</a:t>
+            </a:r>
+            <a:r>
+              <a:rPr lang="en-US" sz="2800" kern="0" dirty="0">
+                <a:latin typeface="+mn-lt"/>
+                <a:cs typeface="Carlito"/>
+              </a:rPr>
+              <a:t> start </a:t>
+            </a:r>
+          </a:p>
+          <a:p>
+            <a:pPr marL="12700">
+              <a:spcBef>
+                <a:spcPts val="95"/>
+              </a:spcBef>
+            </a:pPr>
+            <a:endParaRPr lang="en-US" sz="2800" kern="0" dirty="0">
+              <a:latin typeface="+mn-lt"/>
+              <a:cs typeface="Carlito"/>
+            </a:endParaRPr>
+          </a:p>
+          <a:p>
+            <a:pPr marL="12700">
+              <a:spcBef>
+                <a:spcPts val="95"/>
+              </a:spcBef>
+            </a:pPr>
+            <a:r>
+              <a:rPr lang="en-US" sz="2800" kern="0" dirty="0">
+                <a:latin typeface="+mn-lt"/>
+                <a:cs typeface="Carlito"/>
+              </a:rPr>
+              <a:t>Now to get </a:t>
+            </a:r>
+            <a:r>
+              <a:rPr lang="en-US" sz="2800" kern="0" dirty="0" err="1">
+                <a:latin typeface="+mn-lt"/>
+                <a:cs typeface="Carlito"/>
+              </a:rPr>
+              <a:t>Subpaths</a:t>
+            </a:r>
+            <a:r>
+              <a:rPr lang="en-US" sz="2800" kern="0" dirty="0">
+                <a:latin typeface="+mn-lt"/>
+                <a:cs typeface="Carlito"/>
+              </a:rPr>
+              <a:t> for (e.g. subreddit ) we have to get help from URL</a:t>
+            </a:r>
+          </a:p>
+          <a:p>
+            <a:pPr marL="527050" indent="-514350">
+              <a:spcBef>
+                <a:spcPts val="95"/>
+              </a:spcBef>
+              <a:buAutoNum type="arabicPeriod"/>
+            </a:pPr>
+            <a:r>
+              <a:rPr lang="en-US" sz="2800" kern="0" dirty="0">
+                <a:latin typeface="+mn-lt"/>
+                <a:cs typeface="Carlito"/>
+              </a:rPr>
+              <a:t>We have path and query </a:t>
+            </a:r>
+          </a:p>
+          <a:p>
+            <a:pPr marL="12700">
+              <a:spcBef>
+                <a:spcPts val="95"/>
+              </a:spcBef>
+            </a:pPr>
+            <a:r>
+              <a:rPr lang="en-US" sz="2800" kern="0" dirty="0">
+                <a:latin typeface="+mn-lt"/>
+                <a:cs typeface="Carlito"/>
+              </a:rPr>
+              <a:t>present in our request this can be</a:t>
+            </a:r>
+          </a:p>
+          <a:p>
+            <a:pPr marL="12700">
+              <a:spcBef>
+                <a:spcPts val="95"/>
+              </a:spcBef>
+            </a:pPr>
+            <a:r>
+              <a:rPr lang="en-US" sz="2800" kern="0" dirty="0">
+                <a:latin typeface="+mn-lt"/>
+                <a:cs typeface="Carlito"/>
+              </a:rPr>
+              <a:t>used to render in our browser too.</a:t>
+            </a:r>
+          </a:p>
+          <a:p>
+            <a:pPr marL="12700">
+              <a:spcBef>
+                <a:spcPts val="95"/>
+              </a:spcBef>
+            </a:pPr>
+            <a:endParaRPr lang="en-US" sz="2800" kern="0" dirty="0">
+              <a:latin typeface="+mn-lt"/>
+              <a:cs typeface="Carlito"/>
+            </a:endParaRPr>
+          </a:p>
+          <a:p>
+            <a:pPr marL="12700">
+              <a:spcBef>
+                <a:spcPts val="95"/>
+              </a:spcBef>
+            </a:pPr>
+            <a:r>
+              <a:rPr lang="en-US" sz="2800" kern="0" dirty="0">
+                <a:latin typeface="+mn-lt"/>
+                <a:cs typeface="Carlito"/>
+              </a:rPr>
+              <a:t>2.  Params (after ‘ : ’)can be fetched from URL with the help of </a:t>
+            </a:r>
+            <a:r>
+              <a:rPr lang="en-US" sz="2800" kern="0" dirty="0" err="1">
+                <a:latin typeface="+mn-lt"/>
+                <a:cs typeface="Carlito"/>
+              </a:rPr>
+              <a:t>req.params</a:t>
+            </a:r>
+            <a:r>
+              <a:rPr lang="en-US" sz="2800" kern="0" dirty="0">
+                <a:latin typeface="+mn-lt"/>
+                <a:cs typeface="Carlito"/>
+              </a:rPr>
+              <a:t>.</a:t>
+            </a:r>
+          </a:p>
+          <a:p>
+            <a:pPr marL="12700">
+              <a:spcBef>
+                <a:spcPts val="95"/>
+              </a:spcBef>
+            </a:pPr>
+            <a:r>
+              <a:rPr lang="en-US" sz="2800" kern="0" dirty="0">
+                <a:latin typeface="+mn-lt"/>
+                <a:cs typeface="Carlito"/>
+              </a:rPr>
+              <a:t>URL: </a:t>
+            </a:r>
+          </a:p>
+          <a:p>
+            <a:pPr marL="12700">
+              <a:spcBef>
+                <a:spcPts val="95"/>
+              </a:spcBef>
+            </a:pPr>
+            <a:endParaRPr lang="en-US" sz="2800" kern="0" dirty="0">
+              <a:latin typeface="+mn-lt"/>
+              <a:cs typeface="Carlito"/>
+            </a:endParaRPr>
+          </a:p>
+          <a:p>
+            <a:pPr marL="12700">
+              <a:spcBef>
+                <a:spcPts val="95"/>
+              </a:spcBef>
+            </a:pPr>
+            <a:r>
+              <a:rPr lang="en-US" sz="2800" kern="0" dirty="0">
+                <a:latin typeface="+mn-lt"/>
+                <a:cs typeface="Carlito"/>
+              </a:rPr>
+              <a:t>O/P:</a:t>
+            </a:r>
+          </a:p>
+          <a:p>
+            <a:pPr marL="527050" indent="-514350">
+              <a:spcBef>
+                <a:spcPts val="95"/>
+              </a:spcBef>
+              <a:buAutoNum type="arabicPeriod"/>
+            </a:pPr>
+            <a:endParaRPr lang="en-US" sz="2800" kern="0" dirty="0">
+              <a:latin typeface="+mn-lt"/>
+              <a:cs typeface="Carlito"/>
+            </a:endParaRPr>
+          </a:p>
+        </p:txBody>
+      </p:sp>
+      <p:pic>
+        <p:nvPicPr>
+          <p:cNvPr id="8" name="Picture 7">
+            <a:extLst>
+              <a:ext uri="{FF2B5EF4-FFF2-40B4-BE49-F238E27FC236}">
+                <a16:creationId xmlns:a16="http://schemas.microsoft.com/office/drawing/2014/main" id="{3A5FB300-FBBC-EA34-C560-0863090CAFBE}"/>
+              </a:ext>
+            </a:extLst>
+          </p:cNvPr>
+          <p:cNvPicPr>
+            <a:picLocks noChangeAspect="1"/>
+          </p:cNvPicPr>
+          <p:nvPr/>
+        </p:nvPicPr>
+        <p:blipFill>
+          <a:blip r:embed="rId4"/>
+          <a:stretch>
+            <a:fillRect/>
+          </a:stretch>
+        </p:blipFill>
+        <p:spPr>
+          <a:xfrm>
+            <a:off x="6443105" y="3048000"/>
+            <a:ext cx="5215495" cy="1585162"/>
+          </a:xfrm>
+          <a:prstGeom prst="rect">
+            <a:avLst/>
+          </a:prstGeom>
+        </p:spPr>
+      </p:pic>
+      <p:pic>
+        <p:nvPicPr>
+          <p:cNvPr id="18" name="Picture 17">
+            <a:extLst>
+              <a:ext uri="{FF2B5EF4-FFF2-40B4-BE49-F238E27FC236}">
+                <a16:creationId xmlns:a16="http://schemas.microsoft.com/office/drawing/2014/main" id="{20CD417C-1F0D-7D5A-6A55-2C3EC9E15F00}"/>
+              </a:ext>
+            </a:extLst>
+          </p:cNvPr>
+          <p:cNvPicPr>
+            <a:picLocks noChangeAspect="1"/>
+          </p:cNvPicPr>
+          <p:nvPr/>
+        </p:nvPicPr>
+        <p:blipFill>
+          <a:blip r:embed="rId5"/>
+          <a:stretch>
+            <a:fillRect/>
+          </a:stretch>
+        </p:blipFill>
+        <p:spPr>
+          <a:xfrm>
+            <a:off x="2133600" y="5334000"/>
+            <a:ext cx="3648584" cy="571580"/>
+          </a:xfrm>
+          <a:prstGeom prst="rect">
+            <a:avLst/>
+          </a:prstGeom>
+        </p:spPr>
+      </p:pic>
+      <p:pic>
+        <p:nvPicPr>
+          <p:cNvPr id="20" name="Picture 19">
+            <a:extLst>
+              <a:ext uri="{FF2B5EF4-FFF2-40B4-BE49-F238E27FC236}">
+                <a16:creationId xmlns:a16="http://schemas.microsoft.com/office/drawing/2014/main" id="{A5015777-572F-249D-0365-5B94B58B4BD3}"/>
+              </a:ext>
+            </a:extLst>
+          </p:cNvPr>
+          <p:cNvPicPr>
+            <a:picLocks noChangeAspect="1"/>
+          </p:cNvPicPr>
+          <p:nvPr/>
+        </p:nvPicPr>
+        <p:blipFill>
+          <a:blip r:embed="rId6"/>
+          <a:stretch>
+            <a:fillRect/>
+          </a:stretch>
+        </p:blipFill>
+        <p:spPr>
+          <a:xfrm>
+            <a:off x="2209800" y="6118504"/>
+            <a:ext cx="2362200" cy="587096"/>
+          </a:xfrm>
+          <a:prstGeom prst="rect">
+            <a:avLst/>
+          </a:prstGeom>
+        </p:spPr>
+      </p:pic>
+    </p:spTree>
+    <p:extLst>
+      <p:ext uri="{BB962C8B-B14F-4D97-AF65-F5344CB8AC3E}">
+        <p14:creationId xmlns:p14="http://schemas.microsoft.com/office/powerpoint/2010/main" val="663956474"/>
+      </p:ext>
+    </p:extLst>
+  </p:cSld>
+  <p:clrMapOvr>
+    <a:masterClrMapping/>
+  </p:clrMapOvr>
+</p:sld>
+</file>
+
+<file path=ppt/slides/slide13.xml><?xml version="1.0" encoding="utf-8"?>
+<p:sld xmlns:a="http://schemas.openxmlformats.org/drawingml/2006/main" xmlns:r="http://schemas.openxmlformats.org/officeDocument/2006/relationships" xmlns:p="http://schemas.openxmlformats.org/presentationml/2006/main">
+  <p:cSld>
+    <p:spTree>
+      <p:nvGrpSpPr>
+        <p:cNvPr id="1" name=""/>
+        <p:cNvGrpSpPr/>
+        <p:nvPr/>
+      </p:nvGrpSpPr>
+      <p:grpSpPr>
+        <a:xfrm>
+          <a:off x="0" y="0"/>
+          <a:ext cx="0" cy="0"/>
+          <a:chOff x="0" y="0"/>
+          <a:chExt cx="0" cy="0"/>
+        </a:xfrm>
+      </p:grpSpPr>
+      <p:sp>
+        <p:nvSpPr>
+          <p:cNvPr id="2" name="object 2"/>
+          <p:cNvSpPr/>
+          <p:nvPr/>
+        </p:nvSpPr>
+        <p:spPr>
+          <a:xfrm>
+            <a:off x="1" y="44199"/>
+            <a:ext cx="12191999" cy="7118601"/>
+          </a:xfrm>
+          <a:prstGeom prst="rect">
+            <a:avLst/>
+          </a:prstGeom>
+          <a:blipFill>
+            <a:blip r:embed="rId2" cstate="print"/>
+            <a:stretch>
+              <a:fillRect/>
+            </a:stretch>
+          </a:blipFill>
+        </p:spPr>
+        <p:txBody>
+          <a:bodyPr wrap="square" lIns="0" tIns="0" rIns="0" bIns="0" rtlCol="0"/>
+          <a:lstStyle/>
+          <a:p>
+            <a:endParaRPr b="1" dirty="0">
+              <a:ln w="13462">
+                <a:solidFill>
+                  <a:schemeClr val="bg1"/>
+                </a:solidFill>
+                <a:prstDash val="solid"/>
+              </a:ln>
+              <a:solidFill>
+                <a:schemeClr val="tx1">
+                  <a:lumMod val="85000"/>
+                  <a:lumOff val="15000"/>
+                </a:schemeClr>
+              </a:solidFill>
+              <a:effectLst>
+                <a:outerShdw dist="38100" dir="2700000" algn="bl" rotWithShape="0">
+                  <a:schemeClr val="accent5"/>
+                </a:outerShdw>
+              </a:effectLst>
+            </a:endParaRPr>
+          </a:p>
+        </p:txBody>
+      </p:sp>
+      <p:sp>
+        <p:nvSpPr>
+          <p:cNvPr id="3" name="object 3"/>
+          <p:cNvSpPr txBox="1">
+            <a:spLocks noGrp="1"/>
+          </p:cNvSpPr>
+          <p:nvPr>
+            <p:ph type="title"/>
+          </p:nvPr>
+        </p:nvSpPr>
+        <p:spPr>
+          <a:xfrm>
+            <a:off x="838200" y="304800"/>
+            <a:ext cx="4471315" cy="535403"/>
+          </a:xfrm>
+          <a:prstGeom prst="rect">
+            <a:avLst/>
+          </a:prstGeom>
+        </p:spPr>
+        <p:txBody>
+          <a:bodyPr vert="horz" wrap="square" lIns="0" tIns="12065" rIns="0" bIns="0" rtlCol="0">
+            <a:spAutoFit/>
+          </a:bodyPr>
+          <a:lstStyle/>
+          <a:p>
+            <a:pPr marL="12700">
+              <a:lnSpc>
+                <a:spcPct val="100000"/>
+              </a:lnSpc>
+              <a:spcBef>
+                <a:spcPts val="95"/>
+              </a:spcBef>
+            </a:pPr>
+            <a:r>
+              <a:rPr lang="en-US" sz="3400" b="1" spc="-5" dirty="0">
+                <a:solidFill>
+                  <a:srgbClr val="FFFFFF"/>
+                </a:solidFill>
+                <a:latin typeface="Carlito"/>
+                <a:cs typeface="Carlito"/>
+              </a:rPr>
+              <a:t>Express Methods</a:t>
+            </a:r>
+          </a:p>
+        </p:txBody>
+      </p:sp>
+      <p:sp>
+        <p:nvSpPr>
+          <p:cNvPr id="5" name="object 5"/>
+          <p:cNvSpPr/>
+          <p:nvPr/>
+        </p:nvSpPr>
+        <p:spPr>
+          <a:xfrm>
+            <a:off x="9816083" y="262127"/>
+            <a:ext cx="1976627" cy="822960"/>
+          </a:xfrm>
+          <a:prstGeom prst="rect">
+            <a:avLst/>
+          </a:prstGeom>
+          <a:blipFill>
+            <a:blip r:embed="rId3" cstate="print"/>
+            <a:stretch>
+              <a:fillRect/>
+            </a:stretch>
+          </a:blipFill>
+        </p:spPr>
+        <p:txBody>
+          <a:bodyPr wrap="square" lIns="0" tIns="0" rIns="0" bIns="0" rtlCol="0"/>
+          <a:lstStyle/>
+          <a:p>
+            <a:endParaRPr/>
+          </a:p>
+        </p:txBody>
+      </p:sp>
+      <p:sp>
+        <p:nvSpPr>
+          <p:cNvPr id="4" name="object 3">
+            <a:extLst>
+              <a:ext uri="{FF2B5EF4-FFF2-40B4-BE49-F238E27FC236}">
+                <a16:creationId xmlns:a16="http://schemas.microsoft.com/office/drawing/2014/main" id="{1ED9D45B-4B0D-FC76-3A8C-E89F6CD72254}"/>
+              </a:ext>
+            </a:extLst>
+          </p:cNvPr>
+          <p:cNvSpPr txBox="1">
+            <a:spLocks/>
+          </p:cNvSpPr>
+          <p:nvPr/>
+        </p:nvSpPr>
+        <p:spPr>
+          <a:xfrm>
+            <a:off x="762000" y="914400"/>
+            <a:ext cx="11283579" cy="3105337"/>
+          </a:xfrm>
+          <a:prstGeom prst="rect">
+            <a:avLst/>
+          </a:prstGeom>
+        </p:spPr>
+        <p:txBody>
+          <a:bodyPr vert="horz" wrap="square" lIns="0" tIns="12065" rIns="0" bIns="0" rtlCol="0">
+            <a:spAutoFit/>
+          </a:bodyPr>
+          <a:lstStyle>
+            <a:lvl1pPr>
+              <a:defRPr sz="6000" b="0" i="0">
+                <a:solidFill>
+                  <a:srgbClr val="E7E6E6"/>
+                </a:solidFill>
+                <a:latin typeface="Trebuchet MS"/>
+                <a:ea typeface="+mj-ea"/>
+                <a:cs typeface="Trebuchet MS"/>
+              </a:defRPr>
+            </a:lvl1pPr>
+          </a:lstStyle>
+          <a:p>
+            <a:pPr marL="527050" indent="-514350">
+              <a:spcBef>
+                <a:spcPts val="95"/>
+              </a:spcBef>
+              <a:buAutoNum type="arabicPeriod"/>
+            </a:pPr>
+            <a:r>
+              <a:rPr lang="en-US" sz="2800" kern="0" dirty="0">
+                <a:latin typeface="+mn-lt"/>
+                <a:cs typeface="Carlito"/>
+              </a:rPr>
+              <a:t>Query: We get query as object from </a:t>
+            </a:r>
+            <a:r>
+              <a:rPr lang="en-US" sz="2800" kern="0" dirty="0" err="1">
+                <a:latin typeface="+mn-lt"/>
+                <a:cs typeface="Carlito"/>
+              </a:rPr>
+              <a:t>url</a:t>
+            </a:r>
+            <a:r>
+              <a:rPr lang="en-US" sz="2800" kern="0" dirty="0">
+                <a:latin typeface="+mn-lt"/>
+                <a:cs typeface="Carlito"/>
+              </a:rPr>
+              <a:t>. (</a:t>
+            </a:r>
+            <a:r>
+              <a:rPr lang="en-US" sz="2800" kern="0" dirty="0" err="1">
+                <a:latin typeface="+mn-lt"/>
+                <a:cs typeface="Carlito"/>
+              </a:rPr>
+              <a:t>e.g</a:t>
+            </a:r>
+            <a:r>
+              <a:rPr lang="en-US" sz="2800" kern="0" dirty="0">
+                <a:latin typeface="+mn-lt"/>
+                <a:cs typeface="Carlito"/>
+              </a:rPr>
+              <a:t> when </a:t>
+            </a:r>
+            <a:r>
+              <a:rPr lang="en-US" sz="2800" kern="0" dirty="0" err="1">
+                <a:latin typeface="+mn-lt"/>
+                <a:cs typeface="Carlito"/>
+              </a:rPr>
+              <a:t>req.query</a:t>
+            </a:r>
+            <a:r>
+              <a:rPr lang="en-US" sz="2800" kern="0" dirty="0">
+                <a:latin typeface="+mn-lt"/>
+                <a:cs typeface="Carlito"/>
+              </a:rPr>
+              <a:t> in </a:t>
+            </a:r>
+            <a:r>
+              <a:rPr lang="en-US" sz="2800" kern="0" dirty="0" err="1">
+                <a:latin typeface="+mn-lt"/>
+                <a:cs typeface="Carlito"/>
+              </a:rPr>
+              <a:t>res.send</a:t>
+            </a:r>
+            <a:r>
+              <a:rPr lang="en-US" sz="2800" kern="0" dirty="0">
+                <a:latin typeface="+mn-lt"/>
+                <a:cs typeface="Carlito"/>
+              </a:rPr>
+              <a:t>)</a:t>
+            </a:r>
+          </a:p>
+          <a:p>
+            <a:pPr marL="527050" indent="-514350">
+              <a:spcBef>
+                <a:spcPts val="95"/>
+              </a:spcBef>
+              <a:buAutoNum type="arabicPeriod"/>
+            </a:pPr>
+            <a:endParaRPr lang="en-US" sz="2800" kern="0" dirty="0">
+              <a:latin typeface="+mn-lt"/>
+              <a:cs typeface="Carlito"/>
+            </a:endParaRPr>
+          </a:p>
+          <a:p>
+            <a:pPr marL="527050" indent="-514350">
+              <a:spcBef>
+                <a:spcPts val="95"/>
+              </a:spcBef>
+              <a:buAutoNum type="arabicPeriod"/>
+            </a:pPr>
+            <a:endParaRPr lang="en-US" sz="2800" kern="0" dirty="0">
+              <a:latin typeface="+mn-lt"/>
+              <a:cs typeface="Carlito"/>
+            </a:endParaRPr>
+          </a:p>
+          <a:p>
+            <a:pPr marL="527050" indent="-514350">
+              <a:spcBef>
+                <a:spcPts val="95"/>
+              </a:spcBef>
+              <a:buAutoNum type="arabicPeriod"/>
+            </a:pPr>
+            <a:endParaRPr lang="en-US" sz="2800" kern="0" dirty="0">
+              <a:latin typeface="+mn-lt"/>
+              <a:cs typeface="Carlito"/>
+            </a:endParaRPr>
+          </a:p>
+          <a:p>
+            <a:pPr marL="527050" indent="-514350">
+              <a:spcBef>
+                <a:spcPts val="95"/>
+              </a:spcBef>
+              <a:buAutoNum type="arabicPeriod"/>
+            </a:pPr>
+            <a:endParaRPr lang="en-US" sz="2800" kern="0" dirty="0">
+              <a:latin typeface="+mn-lt"/>
+              <a:cs typeface="Carlito"/>
+            </a:endParaRPr>
+          </a:p>
+          <a:p>
+            <a:pPr marL="527050" indent="-514350">
+              <a:spcBef>
+                <a:spcPts val="95"/>
+              </a:spcBef>
+              <a:buAutoNum type="arabicPeriod"/>
+            </a:pPr>
+            <a:endParaRPr lang="en-US" sz="2800" kern="0" dirty="0">
+              <a:latin typeface="+mn-lt"/>
+              <a:cs typeface="Carlito"/>
+            </a:endParaRPr>
+          </a:p>
+          <a:p>
+            <a:pPr marL="12700">
+              <a:spcBef>
+                <a:spcPts val="95"/>
+              </a:spcBef>
+            </a:pPr>
+            <a:endParaRPr lang="en-US" sz="2800" kern="0" dirty="0">
+              <a:latin typeface="+mn-lt"/>
+              <a:cs typeface="Carlito"/>
+            </a:endParaRPr>
+          </a:p>
+        </p:txBody>
+      </p:sp>
+      <p:pic>
+        <p:nvPicPr>
+          <p:cNvPr id="6" name="Picture 5">
+            <a:extLst>
+              <a:ext uri="{FF2B5EF4-FFF2-40B4-BE49-F238E27FC236}">
+                <a16:creationId xmlns:a16="http://schemas.microsoft.com/office/drawing/2014/main" id="{86916787-A5A4-9F06-33B8-619D370764C9}"/>
+              </a:ext>
+            </a:extLst>
+          </p:cNvPr>
+          <p:cNvPicPr>
+            <a:picLocks noChangeAspect="1"/>
+          </p:cNvPicPr>
+          <p:nvPr/>
+        </p:nvPicPr>
+        <p:blipFill>
+          <a:blip r:embed="rId4"/>
+          <a:stretch>
+            <a:fillRect/>
+          </a:stretch>
+        </p:blipFill>
+        <p:spPr>
+          <a:xfrm>
+            <a:off x="3429000" y="1541712"/>
+            <a:ext cx="3510559" cy="1604603"/>
+          </a:xfrm>
+          <a:prstGeom prst="rect">
+            <a:avLst/>
+          </a:prstGeom>
+        </p:spPr>
+      </p:pic>
+      <p:pic>
+        <p:nvPicPr>
+          <p:cNvPr id="9" name="Picture 8">
+            <a:extLst>
+              <a:ext uri="{FF2B5EF4-FFF2-40B4-BE49-F238E27FC236}">
+                <a16:creationId xmlns:a16="http://schemas.microsoft.com/office/drawing/2014/main" id="{C6AFB6AE-60FC-FDA3-85C3-03A8CE1EC841}"/>
+              </a:ext>
+            </a:extLst>
+          </p:cNvPr>
+          <p:cNvPicPr>
+            <a:picLocks noChangeAspect="1"/>
+          </p:cNvPicPr>
+          <p:nvPr/>
+        </p:nvPicPr>
+        <p:blipFill>
+          <a:blip r:embed="rId5"/>
+          <a:stretch>
+            <a:fillRect/>
+          </a:stretch>
+        </p:blipFill>
+        <p:spPr>
+          <a:xfrm>
+            <a:off x="838200" y="1534964"/>
+            <a:ext cx="2438400" cy="1581665"/>
+          </a:xfrm>
+          <a:prstGeom prst="rect">
+            <a:avLst/>
+          </a:prstGeom>
+        </p:spPr>
+      </p:pic>
+      <p:pic>
+        <p:nvPicPr>
+          <p:cNvPr id="11" name="Picture 10">
+            <a:extLst>
+              <a:ext uri="{FF2B5EF4-FFF2-40B4-BE49-F238E27FC236}">
+                <a16:creationId xmlns:a16="http://schemas.microsoft.com/office/drawing/2014/main" id="{5BCDE056-1B1B-F63D-0BF3-D8B554F5D562}"/>
+              </a:ext>
+            </a:extLst>
+          </p:cNvPr>
+          <p:cNvPicPr>
+            <a:picLocks noChangeAspect="1"/>
+          </p:cNvPicPr>
+          <p:nvPr/>
+        </p:nvPicPr>
+        <p:blipFill>
+          <a:blip r:embed="rId6"/>
+          <a:stretch>
+            <a:fillRect/>
+          </a:stretch>
+        </p:blipFill>
+        <p:spPr>
+          <a:xfrm>
+            <a:off x="7086600" y="1524000"/>
+            <a:ext cx="4911385" cy="1321424"/>
+          </a:xfrm>
+          <a:prstGeom prst="rect">
+            <a:avLst/>
+          </a:prstGeom>
+        </p:spPr>
+      </p:pic>
+    </p:spTree>
+    <p:extLst>
+      <p:ext uri="{BB962C8B-B14F-4D97-AF65-F5344CB8AC3E}">
+        <p14:creationId xmlns:p14="http://schemas.microsoft.com/office/powerpoint/2010/main" val="3690689105"/>
+      </p:ext>
+    </p:extLst>
+  </p:cSld>
+  <p:clrMapOvr>
+    <a:masterClrMapping/>
+  </p:clrMapOvr>
+</p:sld>
+</file>
+
+<file path=ppt/slides/slide14.xml><?xml version="1.0" encoding="utf-8"?>
+<p:sld xmlns:a="http://schemas.openxmlformats.org/drawingml/2006/main" xmlns:r="http://schemas.openxmlformats.org/officeDocument/2006/relationships" xmlns:p="http://schemas.openxmlformats.org/presentationml/2006/main">
+  <p:cSld>
+    <p:spTree>
+      <p:nvGrpSpPr>
+        <p:cNvPr id="1" name=""/>
+        <p:cNvGrpSpPr/>
+        <p:nvPr/>
+      </p:nvGrpSpPr>
+      <p:grpSpPr>
+        <a:xfrm>
+          <a:off x="0" y="0"/>
+          <a:ext cx="0" cy="0"/>
+          <a:chOff x="0" y="0"/>
+          <a:chExt cx="0" cy="0"/>
+        </a:xfrm>
+      </p:grpSpPr>
+      <p:sp>
+        <p:nvSpPr>
+          <p:cNvPr id="2" name="object 2"/>
+          <p:cNvSpPr/>
+          <p:nvPr/>
+        </p:nvSpPr>
+        <p:spPr>
+          <a:xfrm>
+            <a:off x="1" y="44199"/>
+            <a:ext cx="12191999" cy="7118601"/>
+          </a:xfrm>
+          <a:prstGeom prst="rect">
+            <a:avLst/>
+          </a:prstGeom>
+          <a:blipFill>
+            <a:blip r:embed="rId2" cstate="print"/>
+            <a:stretch>
+              <a:fillRect/>
+            </a:stretch>
+          </a:blipFill>
+        </p:spPr>
+        <p:txBody>
+          <a:bodyPr wrap="square" lIns="0" tIns="0" rIns="0" bIns="0" rtlCol="0"/>
+          <a:lstStyle/>
+          <a:p>
+            <a:endParaRPr b="1" dirty="0">
+              <a:ln w="13462">
+                <a:solidFill>
+                  <a:schemeClr val="bg1"/>
+                </a:solidFill>
+                <a:prstDash val="solid"/>
+              </a:ln>
+              <a:solidFill>
+                <a:schemeClr val="tx1">
+                  <a:lumMod val="85000"/>
+                  <a:lumOff val="15000"/>
+                </a:schemeClr>
+              </a:solidFill>
+              <a:effectLst>
+                <a:outerShdw dist="38100" dir="2700000" algn="bl" rotWithShape="0">
+                  <a:schemeClr val="accent5"/>
+                </a:outerShdw>
+              </a:effectLst>
+            </a:endParaRPr>
+          </a:p>
+        </p:txBody>
+      </p:sp>
+      <p:sp>
+        <p:nvSpPr>
+          <p:cNvPr id="3" name="object 3"/>
+          <p:cNvSpPr txBox="1">
+            <a:spLocks noGrp="1"/>
+          </p:cNvSpPr>
+          <p:nvPr>
+            <p:ph type="title"/>
+          </p:nvPr>
+        </p:nvSpPr>
+        <p:spPr>
+          <a:xfrm>
+            <a:off x="838200" y="304800"/>
+            <a:ext cx="4471315" cy="535403"/>
+          </a:xfrm>
+          <a:prstGeom prst="rect">
+            <a:avLst/>
+          </a:prstGeom>
+        </p:spPr>
+        <p:txBody>
+          <a:bodyPr vert="horz" wrap="square" lIns="0" tIns="12065" rIns="0" bIns="0" rtlCol="0">
+            <a:spAutoFit/>
+          </a:bodyPr>
+          <a:lstStyle/>
+          <a:p>
+            <a:pPr marL="12700">
+              <a:lnSpc>
+                <a:spcPct val="100000"/>
+              </a:lnSpc>
+              <a:spcBef>
+                <a:spcPts val="95"/>
+              </a:spcBef>
+            </a:pPr>
+            <a:r>
+              <a:rPr lang="en-US" sz="3400" b="1" spc="-5" dirty="0">
+                <a:solidFill>
+                  <a:srgbClr val="FFFFFF"/>
+                </a:solidFill>
+                <a:latin typeface="Carlito"/>
+                <a:cs typeface="Carlito"/>
+              </a:rPr>
+              <a:t>Templating</a:t>
+            </a:r>
+          </a:p>
+        </p:txBody>
+      </p:sp>
+      <p:sp>
+        <p:nvSpPr>
+          <p:cNvPr id="5" name="object 5"/>
+          <p:cNvSpPr/>
+          <p:nvPr/>
+        </p:nvSpPr>
+        <p:spPr>
+          <a:xfrm>
+            <a:off x="9816083" y="262127"/>
+            <a:ext cx="1976627" cy="822960"/>
+          </a:xfrm>
+          <a:prstGeom prst="rect">
+            <a:avLst/>
+          </a:prstGeom>
+          <a:blipFill>
+            <a:blip r:embed="rId3" cstate="print"/>
+            <a:stretch>
+              <a:fillRect/>
+            </a:stretch>
+          </a:blipFill>
+        </p:spPr>
+        <p:txBody>
+          <a:bodyPr wrap="square" lIns="0" tIns="0" rIns="0" bIns="0" rtlCol="0"/>
+          <a:lstStyle/>
+          <a:p>
+            <a:endParaRPr/>
+          </a:p>
+        </p:txBody>
+      </p:sp>
+      <p:sp>
+        <p:nvSpPr>
+          <p:cNvPr id="4" name="object 3">
+            <a:extLst>
+              <a:ext uri="{FF2B5EF4-FFF2-40B4-BE49-F238E27FC236}">
+                <a16:creationId xmlns:a16="http://schemas.microsoft.com/office/drawing/2014/main" id="{1ED9D45B-4B0D-FC76-3A8C-E89F6CD72254}"/>
+              </a:ext>
+            </a:extLst>
+          </p:cNvPr>
+          <p:cNvSpPr txBox="1">
+            <a:spLocks/>
+          </p:cNvSpPr>
+          <p:nvPr/>
+        </p:nvSpPr>
+        <p:spPr>
+          <a:xfrm>
+            <a:off x="762000" y="914400"/>
+            <a:ext cx="11283579" cy="2205091"/>
+          </a:xfrm>
+          <a:prstGeom prst="rect">
+            <a:avLst/>
+          </a:prstGeom>
+        </p:spPr>
+        <p:txBody>
+          <a:bodyPr vert="horz" wrap="square" lIns="0" tIns="12065" rIns="0" bIns="0" rtlCol="0">
+            <a:spAutoFit/>
+          </a:bodyPr>
+          <a:lstStyle>
+            <a:lvl1pPr>
+              <a:defRPr sz="6000" b="0" i="0">
+                <a:solidFill>
+                  <a:srgbClr val="E7E6E6"/>
+                </a:solidFill>
+                <a:latin typeface="Trebuchet MS"/>
+                <a:ea typeface="+mj-ea"/>
+                <a:cs typeface="Trebuchet MS"/>
+              </a:defRPr>
+            </a:lvl1pPr>
+          </a:lstStyle>
+          <a:p>
+            <a:pPr marL="527050" indent="-514350">
+              <a:spcBef>
+                <a:spcPts val="95"/>
+              </a:spcBef>
+              <a:buAutoNum type="arabicPeriod"/>
+            </a:pPr>
+            <a:r>
+              <a:rPr lang="en-US" sz="2800" kern="0" dirty="0">
+                <a:latin typeface="+mn-lt"/>
+                <a:cs typeface="Carlito"/>
+              </a:rPr>
+              <a:t>We have </a:t>
+            </a:r>
+            <a:r>
+              <a:rPr lang="en-US" sz="2800" kern="0" dirty="0" err="1">
+                <a:latin typeface="+mn-lt"/>
+                <a:cs typeface="Carlito"/>
+              </a:rPr>
+              <a:t>res.render</a:t>
+            </a:r>
+            <a:r>
+              <a:rPr lang="en-US" sz="2800" kern="0" dirty="0">
+                <a:latin typeface="+mn-lt"/>
+                <a:cs typeface="Carlito"/>
+              </a:rPr>
+              <a:t>(view,[local],[callback]): Here view is the templating engine, that is going to be used.</a:t>
+            </a:r>
+          </a:p>
+          <a:p>
+            <a:pPr marL="527050" indent="-514350">
+              <a:spcBef>
+                <a:spcPts val="95"/>
+              </a:spcBef>
+              <a:buAutoNum type="arabicPeriod"/>
+            </a:pPr>
+            <a:r>
+              <a:rPr lang="en-US" sz="2800" kern="0" dirty="0">
+                <a:latin typeface="+mn-lt"/>
+                <a:cs typeface="Carlito"/>
+              </a:rPr>
+              <a:t>Templating : Rendering the pages with our changes in it.</a:t>
+            </a:r>
+          </a:p>
+          <a:p>
+            <a:pPr marL="12700">
+              <a:spcBef>
+                <a:spcPts val="95"/>
+              </a:spcBef>
+            </a:pPr>
+            <a:endParaRPr lang="en-US" sz="2800" kern="0" dirty="0">
+              <a:latin typeface="+mn-lt"/>
+              <a:cs typeface="Carlito"/>
+            </a:endParaRPr>
+          </a:p>
+          <a:p>
+            <a:pPr marL="12700">
+              <a:spcBef>
+                <a:spcPts val="95"/>
+              </a:spcBef>
+            </a:pPr>
+            <a:endParaRPr lang="en-US" sz="2800" kern="0" dirty="0">
+              <a:latin typeface="+mn-lt"/>
+              <a:cs typeface="Carlito"/>
+            </a:endParaRPr>
+          </a:p>
+        </p:txBody>
+      </p:sp>
+    </p:spTree>
+    <p:extLst>
+      <p:ext uri="{BB962C8B-B14F-4D97-AF65-F5344CB8AC3E}">
+        <p14:creationId xmlns:p14="http://schemas.microsoft.com/office/powerpoint/2010/main" val="4231205235"/>
       </p:ext>
     </p:extLst>
   </p:cSld>

--- a/NodeJS.pptx
+++ b/NodeJS.pptx
@@ -19,6 +19,10 @@
     <p:sldId id="390" r:id="rId13"/>
     <p:sldId id="391" r:id="rId14"/>
     <p:sldId id="392" r:id="rId15"/>
+    <p:sldId id="393" r:id="rId16"/>
+    <p:sldId id="394" r:id="rId17"/>
+    <p:sldId id="395" r:id="rId18"/>
+    <p:sldId id="396" r:id="rId19"/>
   </p:sldIdLst>
   <p:sldSz cx="12192000" cy="6858000"/>
   <p:notesSz cx="12192000" cy="6858000"/>
@@ -3934,7 +3938,7 @@
         <p:spPr>
           <a:xfrm>
             <a:off x="762000" y="914400"/>
-            <a:ext cx="11283579" cy="2205091"/>
+            <a:ext cx="11283579" cy="5741956"/>
           </a:xfrm>
           <a:prstGeom prst="rect">
             <a:avLst/>
@@ -3997,7 +4001,22 @@
                 <a:latin typeface="+mn-lt"/>
                 <a:cs typeface="Carlito"/>
               </a:rPr>
-              <a:t>Templating : Rendering the pages with our changes in it.</a:t>
+              <a:t>Templating : Rendering the pages with our changes in it. </a:t>
+            </a:r>
+          </a:p>
+          <a:p>
+            <a:pPr marL="527050" indent="-514350">
+              <a:spcBef>
+                <a:spcPts val="95"/>
+              </a:spcBef>
+              <a:buAutoNum type="arabicPeriod"/>
+            </a:pPr>
+            <a:r>
+              <a:rPr lang="en-US" sz="2800" kern="0" dirty="0">
+                <a:latin typeface="+mn-lt"/>
+                <a:cs typeface="Carlito"/>
+              </a:rPr>
+              <a:t>We’re going to use EJS , Tags that will be used to write the HTML</a:t>
             </a:r>
           </a:p>
           <a:p>
@@ -4005,17 +4024,2164 @@
               <a:spcBef>
                 <a:spcPts val="95"/>
               </a:spcBef>
+            </a:pPr>
+            <a:r>
+              <a:rPr lang="en-US" sz="2800" kern="0" dirty="0">
+                <a:latin typeface="+mn-lt"/>
+                <a:cs typeface="Carlito"/>
+              </a:rPr>
+              <a:t>	&lt;% :-  '</a:t>
+            </a:r>
+            <a:r>
+              <a:rPr lang="en-US" sz="2800" kern="0" dirty="0" err="1">
+                <a:latin typeface="+mn-lt"/>
+                <a:cs typeface="Carlito"/>
+              </a:rPr>
+              <a:t>Scriptlet</a:t>
+            </a:r>
+            <a:r>
+              <a:rPr lang="en-US" sz="2800" kern="0" dirty="0">
+                <a:latin typeface="+mn-lt"/>
+                <a:cs typeface="Carlito"/>
+              </a:rPr>
+              <a:t>' tag, for control-flow, no output</a:t>
+            </a:r>
+          </a:p>
+          <a:p>
+            <a:pPr marL="12700">
+              <a:spcBef>
+                <a:spcPts val="95"/>
+              </a:spcBef>
+            </a:pPr>
+            <a:r>
+              <a:rPr lang="en-US" sz="2800" kern="0" dirty="0">
+                <a:latin typeface="+mn-lt"/>
+                <a:cs typeface="Carlito"/>
+              </a:rPr>
+              <a:t>	&lt;%= :- Outputs the value into the template (HTML escaped)</a:t>
+            </a:r>
+          </a:p>
+          <a:p>
+            <a:pPr marL="527050" indent="-514350">
+              <a:spcBef>
+                <a:spcPts val="95"/>
+              </a:spcBef>
+              <a:buAutoNum type="arabicPeriod" startAt="4"/>
+            </a:pPr>
+            <a:r>
+              <a:rPr lang="en-US" sz="2800" kern="0" dirty="0">
+                <a:latin typeface="+mn-lt"/>
+                <a:cs typeface="Carlito"/>
+              </a:rPr>
+              <a:t>Mention the view engine</a:t>
+            </a:r>
+          </a:p>
+          <a:p>
+            <a:pPr marL="527050" indent="-514350">
+              <a:spcBef>
+                <a:spcPts val="95"/>
+              </a:spcBef>
+              <a:buAutoNum type="arabicPeriod" startAt="4"/>
+            </a:pPr>
+            <a:r>
+              <a:rPr lang="en-US" sz="2800" kern="0" dirty="0">
+                <a:latin typeface="+mn-lt"/>
+                <a:cs typeface="Carlito"/>
+              </a:rPr>
+              <a:t>Views folder will be made to keep templates and extension of ‘.</a:t>
+            </a:r>
+            <a:r>
+              <a:rPr lang="en-US" sz="2800" kern="0" dirty="0" err="1">
+                <a:latin typeface="+mn-lt"/>
+                <a:cs typeface="Carlito"/>
+              </a:rPr>
+              <a:t>ejs</a:t>
+            </a:r>
+            <a:r>
+              <a:rPr lang="en-US" sz="2800" kern="0" dirty="0">
+                <a:latin typeface="+mn-lt"/>
+                <a:cs typeface="Carlito"/>
+              </a:rPr>
+              <a:t>’</a:t>
+            </a:r>
+          </a:p>
+          <a:p>
+            <a:pPr marL="527050" indent="-514350">
+              <a:spcBef>
+                <a:spcPts val="95"/>
+              </a:spcBef>
+              <a:buAutoNum type="arabicPeriod" startAt="4"/>
+            </a:pPr>
+            <a:r>
+              <a:rPr lang="en-US" sz="2800" kern="0" dirty="0">
+                <a:latin typeface="+mn-lt"/>
+                <a:cs typeface="Carlito"/>
+              </a:rPr>
+              <a:t>This will be called using response .render and we will not need to mention views because it will automatically go there to call it.(default path )</a:t>
+            </a:r>
+          </a:p>
+          <a:p>
+            <a:pPr marL="527050" indent="-514350">
+              <a:spcBef>
+                <a:spcPts val="95"/>
+              </a:spcBef>
+              <a:buAutoNum type="arabicPeriod" startAt="4"/>
+            </a:pPr>
+            <a:r>
+              <a:rPr lang="en-US" sz="2800" kern="0" dirty="0">
+                <a:latin typeface="+mn-lt"/>
+                <a:cs typeface="Carlito"/>
+              </a:rPr>
+              <a:t>We can also write JS inside EJS also.</a:t>
+            </a:r>
+          </a:p>
+          <a:p>
+            <a:pPr marL="527050" indent="-514350">
+              <a:spcBef>
+                <a:spcPts val="95"/>
+              </a:spcBef>
+              <a:buAutoNum type="arabicPeriod" startAt="4"/>
+            </a:pPr>
+            <a:r>
+              <a:rPr lang="en-US" sz="2800" kern="0" dirty="0">
+                <a:latin typeface="+mn-lt"/>
+                <a:cs typeface="Carlito"/>
+              </a:rPr>
+              <a:t>Now set the path using the </a:t>
+            </a:r>
+            <a:r>
+              <a:rPr lang="en-US" sz="2800" kern="0" dirty="0" err="1">
+                <a:latin typeface="+mn-lt"/>
+                <a:cs typeface="Carlito"/>
+              </a:rPr>
+              <a:t>app.set</a:t>
+            </a:r>
+            <a:r>
+              <a:rPr lang="en-US" sz="2800" kern="0" dirty="0">
+                <a:latin typeface="+mn-lt"/>
+                <a:cs typeface="Carlito"/>
+              </a:rPr>
+              <a:t> so our template works anywhere . </a:t>
+            </a:r>
+          </a:p>
+          <a:p>
+            <a:pPr marL="527050" indent="-514350">
+              <a:spcBef>
+                <a:spcPts val="95"/>
+              </a:spcBef>
+              <a:buAutoNum type="arabicPeriod" startAt="4"/>
             </a:pPr>
             <a:endParaRPr lang="en-US" sz="2800" kern="0" dirty="0">
               <a:latin typeface="+mn-lt"/>
               <a:cs typeface="Carlito"/>
             </a:endParaRPr>
           </a:p>
+        </p:txBody>
+      </p:sp>
+      <p:pic>
+        <p:nvPicPr>
+          <p:cNvPr id="13" name="Picture 12">
+            <a:extLst>
+              <a:ext uri="{FF2B5EF4-FFF2-40B4-BE49-F238E27FC236}">
+                <a16:creationId xmlns:a16="http://schemas.microsoft.com/office/drawing/2014/main" id="{D38D9BA8-9E92-38DB-8583-F8BB7404CB95}"/>
+              </a:ext>
+            </a:extLst>
+          </p:cNvPr>
+          <p:cNvPicPr>
+            <a:picLocks noChangeAspect="1"/>
+          </p:cNvPicPr>
+          <p:nvPr/>
+        </p:nvPicPr>
+        <p:blipFill>
+          <a:blip r:embed="rId4"/>
+          <a:stretch>
+            <a:fillRect/>
+          </a:stretch>
+        </p:blipFill>
+        <p:spPr>
+          <a:xfrm>
+            <a:off x="5105400" y="3505200"/>
+            <a:ext cx="4325102" cy="557831"/>
+          </a:xfrm>
+          <a:prstGeom prst="rect">
+            <a:avLst/>
+          </a:prstGeom>
+        </p:spPr>
+      </p:pic>
+      <p:pic>
+        <p:nvPicPr>
+          <p:cNvPr id="19" name="Picture 18">
+            <a:extLst>
+              <a:ext uri="{FF2B5EF4-FFF2-40B4-BE49-F238E27FC236}">
+                <a16:creationId xmlns:a16="http://schemas.microsoft.com/office/drawing/2014/main" id="{1A25D838-1BA3-5261-377C-A599BC41CF0B}"/>
+              </a:ext>
+            </a:extLst>
+          </p:cNvPr>
+          <p:cNvPicPr>
+            <a:picLocks noChangeAspect="1"/>
+          </p:cNvPicPr>
+          <p:nvPr/>
+        </p:nvPicPr>
+        <p:blipFill>
+          <a:blip r:embed="rId5"/>
+          <a:stretch>
+            <a:fillRect/>
+          </a:stretch>
+        </p:blipFill>
+        <p:spPr>
+          <a:xfrm>
+            <a:off x="1295400" y="6172200"/>
+            <a:ext cx="4191000" cy="454895"/>
+          </a:xfrm>
+          <a:prstGeom prst="rect">
+            <a:avLst/>
+          </a:prstGeom>
+        </p:spPr>
+      </p:pic>
+      <p:pic>
+        <p:nvPicPr>
+          <p:cNvPr id="21" name="Picture 20">
+            <a:extLst>
+              <a:ext uri="{FF2B5EF4-FFF2-40B4-BE49-F238E27FC236}">
+                <a16:creationId xmlns:a16="http://schemas.microsoft.com/office/drawing/2014/main" id="{775A3883-8309-FA46-BBC8-6386A1058F51}"/>
+              </a:ext>
+            </a:extLst>
+          </p:cNvPr>
+          <p:cNvPicPr>
+            <a:picLocks noChangeAspect="1"/>
+          </p:cNvPicPr>
+          <p:nvPr/>
+        </p:nvPicPr>
+        <p:blipFill>
+          <a:blip r:embed="rId6"/>
+          <a:stretch>
+            <a:fillRect/>
+          </a:stretch>
+        </p:blipFill>
+        <p:spPr>
+          <a:xfrm>
+            <a:off x="1295400" y="6492624"/>
+            <a:ext cx="6529388" cy="456980"/>
+          </a:xfrm>
+          <a:prstGeom prst="rect">
+            <a:avLst/>
+          </a:prstGeom>
+        </p:spPr>
+      </p:pic>
+      <p:pic>
+        <p:nvPicPr>
+          <p:cNvPr id="23" name="Picture 22">
+            <a:extLst>
+              <a:ext uri="{FF2B5EF4-FFF2-40B4-BE49-F238E27FC236}">
+                <a16:creationId xmlns:a16="http://schemas.microsoft.com/office/drawing/2014/main" id="{56349058-4E01-C8EC-2C6A-C0CDFC36E842}"/>
+              </a:ext>
+            </a:extLst>
+          </p:cNvPr>
+          <p:cNvPicPr>
+            <a:picLocks noChangeAspect="1"/>
+          </p:cNvPicPr>
+          <p:nvPr/>
+        </p:nvPicPr>
+        <p:blipFill rotWithShape="1">
+          <a:blip r:embed="rId7"/>
+          <a:srcRect l="19737" t="-25173" b="-1"/>
+          <a:stretch/>
+        </p:blipFill>
+        <p:spPr>
+          <a:xfrm>
+            <a:off x="6477000" y="5258021"/>
+            <a:ext cx="5638800" cy="456980"/>
+          </a:xfrm>
+          <a:prstGeom prst="rect">
+            <a:avLst/>
+          </a:prstGeom>
+        </p:spPr>
+      </p:pic>
+    </p:spTree>
+    <p:extLst>
+      <p:ext uri="{BB962C8B-B14F-4D97-AF65-F5344CB8AC3E}">
+        <p14:creationId xmlns:p14="http://schemas.microsoft.com/office/powerpoint/2010/main" val="4231205235"/>
+      </p:ext>
+    </p:extLst>
+  </p:cSld>
+  <p:clrMapOvr>
+    <a:masterClrMapping/>
+  </p:clrMapOvr>
+</p:sld>
+</file>
+
+<file path=ppt/slides/slide15.xml><?xml version="1.0" encoding="utf-8"?>
+<p:sld xmlns:a="http://schemas.openxmlformats.org/drawingml/2006/main" xmlns:r="http://schemas.openxmlformats.org/officeDocument/2006/relationships" xmlns:p="http://schemas.openxmlformats.org/presentationml/2006/main">
+  <p:cSld>
+    <p:spTree>
+      <p:nvGrpSpPr>
+        <p:cNvPr id="1" name=""/>
+        <p:cNvGrpSpPr/>
+        <p:nvPr/>
+      </p:nvGrpSpPr>
+      <p:grpSpPr>
+        <a:xfrm>
+          <a:off x="0" y="0"/>
+          <a:ext cx="0" cy="0"/>
+          <a:chOff x="0" y="0"/>
+          <a:chExt cx="0" cy="0"/>
+        </a:xfrm>
+      </p:grpSpPr>
+      <p:sp>
+        <p:nvSpPr>
+          <p:cNvPr id="2" name="object 2"/>
+          <p:cNvSpPr/>
+          <p:nvPr/>
+        </p:nvSpPr>
+        <p:spPr>
+          <a:xfrm>
+            <a:off x="1" y="44199"/>
+            <a:ext cx="12191999" cy="7118601"/>
+          </a:xfrm>
+          <a:prstGeom prst="rect">
+            <a:avLst/>
+          </a:prstGeom>
+          <a:blipFill>
+            <a:blip r:embed="rId2" cstate="print"/>
+            <a:stretch>
+              <a:fillRect/>
+            </a:stretch>
+          </a:blipFill>
+        </p:spPr>
+        <p:txBody>
+          <a:bodyPr wrap="square" lIns="0" tIns="0" rIns="0" bIns="0" rtlCol="0"/>
+          <a:lstStyle/>
+          <a:p>
+            <a:endParaRPr b="1" dirty="0">
+              <a:ln w="13462">
+                <a:solidFill>
+                  <a:schemeClr val="bg1"/>
+                </a:solidFill>
+                <a:prstDash val="solid"/>
+              </a:ln>
+              <a:solidFill>
+                <a:schemeClr val="tx1">
+                  <a:lumMod val="85000"/>
+                  <a:lumOff val="15000"/>
+                </a:schemeClr>
+              </a:solidFill>
+              <a:effectLst>
+                <a:outerShdw dist="38100" dir="2700000" algn="bl" rotWithShape="0">
+                  <a:schemeClr val="accent5"/>
+                </a:outerShdw>
+              </a:effectLst>
+            </a:endParaRPr>
+          </a:p>
+        </p:txBody>
+      </p:sp>
+      <p:sp>
+        <p:nvSpPr>
+          <p:cNvPr id="3" name="object 3"/>
+          <p:cNvSpPr txBox="1">
+            <a:spLocks noGrp="1"/>
+          </p:cNvSpPr>
+          <p:nvPr>
+            <p:ph type="title"/>
+          </p:nvPr>
+        </p:nvSpPr>
+        <p:spPr>
+          <a:xfrm>
+            <a:off x="838200" y="304800"/>
+            <a:ext cx="4471315" cy="535403"/>
+          </a:xfrm>
+          <a:prstGeom prst="rect">
+            <a:avLst/>
+          </a:prstGeom>
+        </p:spPr>
+        <p:txBody>
+          <a:bodyPr vert="horz" wrap="square" lIns="0" tIns="12065" rIns="0" bIns="0" rtlCol="0">
+            <a:spAutoFit/>
+          </a:bodyPr>
+          <a:lstStyle/>
           <a:p>
             <a:pPr marL="12700">
-              <a:spcBef>
-                <a:spcPts val="95"/>
-              </a:spcBef>
+              <a:lnSpc>
+                <a:spcPct val="100000"/>
+              </a:lnSpc>
+              <a:spcBef>
+                <a:spcPts val="95"/>
+              </a:spcBef>
+            </a:pPr>
+            <a:r>
+              <a:rPr lang="en-US" sz="3400" b="1" spc="-5" dirty="0">
+                <a:solidFill>
+                  <a:srgbClr val="FFFFFF"/>
+                </a:solidFill>
+                <a:latin typeface="Carlito"/>
+                <a:cs typeface="Carlito"/>
+              </a:rPr>
+              <a:t>Templating</a:t>
+            </a:r>
+          </a:p>
+        </p:txBody>
+      </p:sp>
+      <p:sp>
+        <p:nvSpPr>
+          <p:cNvPr id="5" name="object 5"/>
+          <p:cNvSpPr/>
+          <p:nvPr/>
+        </p:nvSpPr>
+        <p:spPr>
+          <a:xfrm>
+            <a:off x="9816083" y="262127"/>
+            <a:ext cx="1976627" cy="822960"/>
+          </a:xfrm>
+          <a:prstGeom prst="rect">
+            <a:avLst/>
+          </a:prstGeom>
+          <a:blipFill>
+            <a:blip r:embed="rId3" cstate="print"/>
+            <a:stretch>
+              <a:fillRect/>
+            </a:stretch>
+          </a:blipFill>
+        </p:spPr>
+        <p:txBody>
+          <a:bodyPr wrap="square" lIns="0" tIns="0" rIns="0" bIns="0" rtlCol="0"/>
+          <a:lstStyle/>
+          <a:p>
+            <a:endParaRPr/>
+          </a:p>
+        </p:txBody>
+      </p:sp>
+      <p:sp>
+        <p:nvSpPr>
+          <p:cNvPr id="4" name="object 3">
+            <a:extLst>
+              <a:ext uri="{FF2B5EF4-FFF2-40B4-BE49-F238E27FC236}">
+                <a16:creationId xmlns:a16="http://schemas.microsoft.com/office/drawing/2014/main" id="{1ED9D45B-4B0D-FC76-3A8C-E89F6CD72254}"/>
+              </a:ext>
+            </a:extLst>
+          </p:cNvPr>
+          <p:cNvSpPr txBox="1">
+            <a:spLocks/>
+          </p:cNvSpPr>
+          <p:nvPr/>
+        </p:nvSpPr>
+        <p:spPr>
+          <a:xfrm>
+            <a:off x="762000" y="914400"/>
+            <a:ext cx="11283579" cy="4510850"/>
+          </a:xfrm>
+          <a:prstGeom prst="rect">
+            <a:avLst/>
+          </a:prstGeom>
+        </p:spPr>
+        <p:txBody>
+          <a:bodyPr vert="horz" wrap="square" lIns="0" tIns="12065" rIns="0" bIns="0" rtlCol="0">
+            <a:spAutoFit/>
+          </a:bodyPr>
+          <a:lstStyle>
+            <a:lvl1pPr>
+              <a:defRPr sz="6000" b="0" i="0">
+                <a:solidFill>
+                  <a:srgbClr val="E7E6E6"/>
+                </a:solidFill>
+                <a:latin typeface="Trebuchet MS"/>
+                <a:ea typeface="+mj-ea"/>
+                <a:cs typeface="Trebuchet MS"/>
+              </a:defRPr>
+            </a:lvl1pPr>
+          </a:lstStyle>
+          <a:p>
+            <a:pPr marL="527050" indent="-514350">
+              <a:spcBef>
+                <a:spcPts val="95"/>
+              </a:spcBef>
+              <a:buAutoNum type="arabicPeriod" startAt="9"/>
+            </a:pPr>
+            <a:r>
+              <a:rPr lang="en-US" sz="2800" kern="0" dirty="0">
+                <a:latin typeface="+mn-lt"/>
+                <a:cs typeface="Carlito"/>
+              </a:rPr>
+              <a:t>We can also pass values from routes to </a:t>
+            </a:r>
+            <a:r>
+              <a:rPr lang="en-US" sz="2800" kern="0" dirty="0" err="1">
+                <a:latin typeface="+mn-lt"/>
+                <a:cs typeface="Carlito"/>
+              </a:rPr>
+              <a:t>ejs</a:t>
+            </a:r>
+            <a:r>
+              <a:rPr lang="en-US" sz="2800" kern="0" dirty="0">
+                <a:latin typeface="+mn-lt"/>
+                <a:cs typeface="Carlito"/>
+              </a:rPr>
+              <a:t> files </a:t>
+            </a:r>
+          </a:p>
+          <a:p>
+            <a:pPr marL="12700">
+              <a:spcBef>
+                <a:spcPts val="95"/>
+              </a:spcBef>
+            </a:pPr>
+            <a:r>
+              <a:rPr lang="en-US" sz="2000" kern="0" dirty="0">
+                <a:latin typeface="Consolas" panose="020B0609020204030204" pitchFamily="49" charset="0"/>
+                <a:cs typeface="Carlito"/>
+              </a:rPr>
+              <a:t>					   “inside </a:t>
+            </a:r>
+            <a:r>
+              <a:rPr lang="en-US" sz="2000" kern="0" dirty="0" err="1">
+                <a:latin typeface="Consolas" panose="020B0609020204030204" pitchFamily="49" charset="0"/>
+                <a:cs typeface="Carlito"/>
+              </a:rPr>
+              <a:t>ejs</a:t>
+            </a:r>
+            <a:r>
+              <a:rPr lang="en-US" sz="2000" kern="0" dirty="0">
+                <a:latin typeface="Consolas" panose="020B0609020204030204" pitchFamily="49" charset="0"/>
+                <a:cs typeface="Carlito"/>
+              </a:rPr>
+              <a:t> file”</a:t>
+            </a:r>
+          </a:p>
+          <a:p>
+            <a:pPr marL="12700">
+              <a:spcBef>
+                <a:spcPts val="95"/>
+              </a:spcBef>
+            </a:pPr>
+            <a:endParaRPr lang="en-US" sz="2000" kern="0" dirty="0">
+              <a:latin typeface="Consolas" panose="020B0609020204030204" pitchFamily="49" charset="0"/>
+              <a:cs typeface="Carlito"/>
+            </a:endParaRPr>
+          </a:p>
+          <a:p>
+            <a:pPr marL="12700">
+              <a:spcBef>
+                <a:spcPts val="95"/>
+              </a:spcBef>
+            </a:pPr>
+            <a:endParaRPr lang="en-US" sz="2000" kern="0" dirty="0">
+              <a:latin typeface="Consolas" panose="020B0609020204030204" pitchFamily="49" charset="0"/>
+              <a:cs typeface="Carlito"/>
+            </a:endParaRPr>
+          </a:p>
+          <a:p>
+            <a:pPr marL="527050" indent="-514350">
+              <a:spcBef>
+                <a:spcPts val="95"/>
+              </a:spcBef>
+              <a:buAutoNum type="arabicPeriod" startAt="10"/>
+            </a:pPr>
+            <a:r>
+              <a:rPr lang="en-US" sz="2800" kern="0" dirty="0">
+                <a:latin typeface="+mn-lt"/>
+                <a:cs typeface="Carlito"/>
+              </a:rPr>
+              <a:t>To make loops or conditionals we use &lt;% %&gt;</a:t>
+            </a:r>
+          </a:p>
+          <a:p>
+            <a:pPr marL="527050" indent="-514350">
+              <a:spcBef>
+                <a:spcPts val="95"/>
+              </a:spcBef>
+              <a:buAutoNum type="arabicPeriod" startAt="10"/>
+            </a:pPr>
+            <a:endParaRPr lang="en-US" sz="2800" kern="0" dirty="0">
+              <a:latin typeface="+mn-lt"/>
+              <a:cs typeface="Carlito"/>
+            </a:endParaRPr>
+          </a:p>
+          <a:p>
+            <a:pPr marL="527050" indent="-514350">
+              <a:spcBef>
+                <a:spcPts val="95"/>
+              </a:spcBef>
+              <a:buAutoNum type="arabicPeriod" startAt="10"/>
+            </a:pPr>
+            <a:endParaRPr lang="en-US" sz="2800" kern="0" dirty="0">
+              <a:latin typeface="+mn-lt"/>
+              <a:cs typeface="Carlito"/>
+            </a:endParaRPr>
+          </a:p>
+          <a:p>
+            <a:pPr marL="527050" indent="-514350">
+              <a:spcBef>
+                <a:spcPts val="95"/>
+              </a:spcBef>
+              <a:buAutoNum type="arabicPeriod" startAt="10"/>
+            </a:pPr>
+            <a:endParaRPr lang="en-US" sz="2800" kern="0" dirty="0">
+              <a:latin typeface="+mn-lt"/>
+              <a:cs typeface="Carlito"/>
+            </a:endParaRPr>
+          </a:p>
+          <a:p>
+            <a:pPr marL="527050" indent="-514350">
+              <a:spcBef>
+                <a:spcPts val="95"/>
+              </a:spcBef>
+              <a:buAutoNum type="arabicPeriod" startAt="10"/>
+            </a:pPr>
+            <a:endParaRPr lang="en-US" sz="2800" kern="0" dirty="0">
+              <a:latin typeface="+mn-lt"/>
+              <a:cs typeface="Carlito"/>
+            </a:endParaRPr>
+          </a:p>
+          <a:p>
+            <a:pPr marL="527050" indent="-514350">
+              <a:spcBef>
+                <a:spcPts val="95"/>
+              </a:spcBef>
+              <a:buAutoNum type="arabicPeriod" startAt="10"/>
+            </a:pPr>
+            <a:endParaRPr lang="en-US" sz="2800" kern="0" dirty="0">
+              <a:latin typeface="+mn-lt"/>
+              <a:cs typeface="Carlito"/>
+            </a:endParaRPr>
+          </a:p>
+          <a:p>
+            <a:pPr marL="12700">
+              <a:spcBef>
+                <a:spcPts val="95"/>
+              </a:spcBef>
+            </a:pPr>
+            <a:r>
+              <a:rPr lang="en-US" sz="2800" kern="0" dirty="0">
+                <a:latin typeface="+mn-lt"/>
+                <a:cs typeface="Carlito"/>
+              </a:rPr>
+              <a:t>					</a:t>
+            </a:r>
+          </a:p>
+        </p:txBody>
+      </p:sp>
+      <p:pic>
+        <p:nvPicPr>
+          <p:cNvPr id="7" name="Picture 6">
+            <a:extLst>
+              <a:ext uri="{FF2B5EF4-FFF2-40B4-BE49-F238E27FC236}">
+                <a16:creationId xmlns:a16="http://schemas.microsoft.com/office/drawing/2014/main" id="{F2FC93F6-1954-66DB-1F7E-C1DD904E1707}"/>
+              </a:ext>
+            </a:extLst>
+          </p:cNvPr>
+          <p:cNvPicPr>
+            <a:picLocks noChangeAspect="1"/>
+          </p:cNvPicPr>
+          <p:nvPr/>
+        </p:nvPicPr>
+        <p:blipFill rotWithShape="1">
+          <a:blip r:embed="rId4"/>
+          <a:srcRect t="9284"/>
+          <a:stretch/>
+        </p:blipFill>
+        <p:spPr>
+          <a:xfrm>
+            <a:off x="1476007" y="1485266"/>
+            <a:ext cx="3781793" cy="724534"/>
+          </a:xfrm>
+          <a:prstGeom prst="rect">
+            <a:avLst/>
+          </a:prstGeom>
+        </p:spPr>
+      </p:pic>
+      <p:pic>
+        <p:nvPicPr>
+          <p:cNvPr id="9" name="Picture 8">
+            <a:extLst>
+              <a:ext uri="{FF2B5EF4-FFF2-40B4-BE49-F238E27FC236}">
+                <a16:creationId xmlns:a16="http://schemas.microsoft.com/office/drawing/2014/main" id="{0614426E-791C-6D75-80B9-727F67C26138}"/>
+              </a:ext>
+            </a:extLst>
+          </p:cNvPr>
+          <p:cNvPicPr>
+            <a:picLocks noChangeAspect="1"/>
+          </p:cNvPicPr>
+          <p:nvPr/>
+        </p:nvPicPr>
+        <p:blipFill>
+          <a:blip r:embed="rId5"/>
+          <a:stretch>
+            <a:fillRect/>
+          </a:stretch>
+        </p:blipFill>
+        <p:spPr>
+          <a:xfrm>
+            <a:off x="5693992" y="1801181"/>
+            <a:ext cx="5277587" cy="376453"/>
+          </a:xfrm>
+          <a:prstGeom prst="rect">
+            <a:avLst/>
+          </a:prstGeom>
+        </p:spPr>
+      </p:pic>
+      <p:pic>
+        <p:nvPicPr>
+          <p:cNvPr id="11" name="Picture 10">
+            <a:extLst>
+              <a:ext uri="{FF2B5EF4-FFF2-40B4-BE49-F238E27FC236}">
+                <a16:creationId xmlns:a16="http://schemas.microsoft.com/office/drawing/2014/main" id="{3377B917-B846-AEA7-F2C0-5A2D992EDDCB}"/>
+              </a:ext>
+            </a:extLst>
+          </p:cNvPr>
+          <p:cNvPicPr>
+            <a:picLocks noChangeAspect="1"/>
+          </p:cNvPicPr>
+          <p:nvPr/>
+        </p:nvPicPr>
+        <p:blipFill>
+          <a:blip r:embed="rId6"/>
+          <a:stretch>
+            <a:fillRect/>
+          </a:stretch>
+        </p:blipFill>
+        <p:spPr>
+          <a:xfrm>
+            <a:off x="1447800" y="2819400"/>
+            <a:ext cx="2804897" cy="1365467"/>
+          </a:xfrm>
+          <a:prstGeom prst="rect">
+            <a:avLst/>
+          </a:prstGeom>
+        </p:spPr>
+      </p:pic>
+      <p:pic>
+        <p:nvPicPr>
+          <p:cNvPr id="14" name="Picture 13">
+            <a:extLst>
+              <a:ext uri="{FF2B5EF4-FFF2-40B4-BE49-F238E27FC236}">
+                <a16:creationId xmlns:a16="http://schemas.microsoft.com/office/drawing/2014/main" id="{26C90929-25ED-7758-DE1A-DB689D024A84}"/>
+              </a:ext>
+            </a:extLst>
+          </p:cNvPr>
+          <p:cNvPicPr>
+            <a:picLocks noChangeAspect="1"/>
+          </p:cNvPicPr>
+          <p:nvPr/>
+        </p:nvPicPr>
+        <p:blipFill>
+          <a:blip r:embed="rId7"/>
+          <a:stretch>
+            <a:fillRect/>
+          </a:stretch>
+        </p:blipFill>
+        <p:spPr>
+          <a:xfrm>
+            <a:off x="5715000" y="2727339"/>
+            <a:ext cx="4573212" cy="1101892"/>
+          </a:xfrm>
+          <a:prstGeom prst="rect">
+            <a:avLst/>
+          </a:prstGeom>
+        </p:spPr>
+      </p:pic>
+    </p:spTree>
+    <p:extLst>
+      <p:ext uri="{BB962C8B-B14F-4D97-AF65-F5344CB8AC3E}">
+        <p14:creationId xmlns:p14="http://schemas.microsoft.com/office/powerpoint/2010/main" val="421399714"/>
+      </p:ext>
+    </p:extLst>
+  </p:cSld>
+  <p:clrMapOvr>
+    <a:masterClrMapping/>
+  </p:clrMapOvr>
+</p:sld>
+</file>
+
+<file path=ppt/slides/slide16.xml><?xml version="1.0" encoding="utf-8"?>
+<p:sld xmlns:a="http://schemas.openxmlformats.org/drawingml/2006/main" xmlns:r="http://schemas.openxmlformats.org/officeDocument/2006/relationships" xmlns:p="http://schemas.openxmlformats.org/presentationml/2006/main">
+  <p:cSld>
+    <p:spTree>
+      <p:nvGrpSpPr>
+        <p:cNvPr id="1" name=""/>
+        <p:cNvGrpSpPr/>
+        <p:nvPr/>
+      </p:nvGrpSpPr>
+      <p:grpSpPr>
+        <a:xfrm>
+          <a:off x="0" y="0"/>
+          <a:ext cx="0" cy="0"/>
+          <a:chOff x="0" y="0"/>
+          <a:chExt cx="0" cy="0"/>
+        </a:xfrm>
+      </p:grpSpPr>
+      <p:sp>
+        <p:nvSpPr>
+          <p:cNvPr id="2" name="object 2"/>
+          <p:cNvSpPr/>
+          <p:nvPr/>
+        </p:nvSpPr>
+        <p:spPr>
+          <a:xfrm>
+            <a:off x="1" y="44199"/>
+            <a:ext cx="12191999" cy="7118601"/>
+          </a:xfrm>
+          <a:prstGeom prst="rect">
+            <a:avLst/>
+          </a:prstGeom>
+          <a:blipFill>
+            <a:blip r:embed="rId2" cstate="print"/>
+            <a:stretch>
+              <a:fillRect/>
+            </a:stretch>
+          </a:blipFill>
+        </p:spPr>
+        <p:txBody>
+          <a:bodyPr wrap="square" lIns="0" tIns="0" rIns="0" bIns="0" rtlCol="0"/>
+          <a:lstStyle/>
+          <a:p>
+            <a:endParaRPr b="1" dirty="0">
+              <a:ln w="13462">
+                <a:solidFill>
+                  <a:schemeClr val="bg1"/>
+                </a:solidFill>
+                <a:prstDash val="solid"/>
+              </a:ln>
+              <a:solidFill>
+                <a:schemeClr val="tx1">
+                  <a:lumMod val="85000"/>
+                  <a:lumOff val="15000"/>
+                </a:schemeClr>
+              </a:solidFill>
+              <a:effectLst>
+                <a:outerShdw dist="38100" dir="2700000" algn="bl" rotWithShape="0">
+                  <a:schemeClr val="accent5"/>
+                </a:outerShdw>
+              </a:effectLst>
+            </a:endParaRPr>
+          </a:p>
+        </p:txBody>
+      </p:sp>
+      <p:sp>
+        <p:nvSpPr>
+          <p:cNvPr id="3" name="object 3"/>
+          <p:cNvSpPr txBox="1">
+            <a:spLocks noGrp="1"/>
+          </p:cNvSpPr>
+          <p:nvPr>
+            <p:ph type="title"/>
+          </p:nvPr>
+        </p:nvSpPr>
+        <p:spPr>
+          <a:xfrm>
+            <a:off x="762000" y="304800"/>
+            <a:ext cx="4471315" cy="535403"/>
+          </a:xfrm>
+          <a:prstGeom prst="rect">
+            <a:avLst/>
+          </a:prstGeom>
+        </p:spPr>
+        <p:txBody>
+          <a:bodyPr vert="horz" wrap="square" lIns="0" tIns="12065" rIns="0" bIns="0" rtlCol="0">
+            <a:spAutoFit/>
+          </a:bodyPr>
+          <a:lstStyle/>
+          <a:p>
+            <a:pPr marL="12700">
+              <a:lnSpc>
+                <a:spcPct val="100000"/>
+              </a:lnSpc>
+              <a:spcBef>
+                <a:spcPts val="95"/>
+              </a:spcBef>
+            </a:pPr>
+            <a:r>
+              <a:rPr lang="en-US" sz="3400" b="1" spc="-5" dirty="0">
+                <a:solidFill>
+                  <a:srgbClr val="FFFFFF"/>
+                </a:solidFill>
+                <a:latin typeface="Carlito"/>
+                <a:cs typeface="Carlito"/>
+              </a:rPr>
+              <a:t>Serving Static Files</a:t>
+            </a:r>
+          </a:p>
+        </p:txBody>
+      </p:sp>
+      <p:sp>
+        <p:nvSpPr>
+          <p:cNvPr id="5" name="object 5"/>
+          <p:cNvSpPr/>
+          <p:nvPr/>
+        </p:nvSpPr>
+        <p:spPr>
+          <a:xfrm>
+            <a:off x="9816083" y="262127"/>
+            <a:ext cx="1976627" cy="822960"/>
+          </a:xfrm>
+          <a:prstGeom prst="rect">
+            <a:avLst/>
+          </a:prstGeom>
+          <a:blipFill>
+            <a:blip r:embed="rId3" cstate="print"/>
+            <a:stretch>
+              <a:fillRect/>
+            </a:stretch>
+          </a:blipFill>
+        </p:spPr>
+        <p:txBody>
+          <a:bodyPr wrap="square" lIns="0" tIns="0" rIns="0" bIns="0" rtlCol="0"/>
+          <a:lstStyle/>
+          <a:p>
+            <a:endParaRPr/>
+          </a:p>
+        </p:txBody>
+      </p:sp>
+      <p:sp>
+        <p:nvSpPr>
+          <p:cNvPr id="4" name="object 3">
+            <a:extLst>
+              <a:ext uri="{FF2B5EF4-FFF2-40B4-BE49-F238E27FC236}">
+                <a16:creationId xmlns:a16="http://schemas.microsoft.com/office/drawing/2014/main" id="{1ED9D45B-4B0D-FC76-3A8C-E89F6CD72254}"/>
+              </a:ext>
+            </a:extLst>
+          </p:cNvPr>
+          <p:cNvSpPr txBox="1">
+            <a:spLocks/>
+          </p:cNvSpPr>
+          <p:nvPr/>
+        </p:nvSpPr>
+        <p:spPr>
+          <a:xfrm>
+            <a:off x="762000" y="914400"/>
+            <a:ext cx="11283579" cy="4410823"/>
+          </a:xfrm>
+          <a:prstGeom prst="rect">
+            <a:avLst/>
+          </a:prstGeom>
+        </p:spPr>
+        <p:txBody>
+          <a:bodyPr vert="horz" wrap="square" lIns="0" tIns="12065" rIns="0" bIns="0" rtlCol="0">
+            <a:spAutoFit/>
+          </a:bodyPr>
+          <a:lstStyle>
+            <a:lvl1pPr>
+              <a:defRPr sz="6000" b="0" i="0">
+                <a:solidFill>
+                  <a:srgbClr val="E7E6E6"/>
+                </a:solidFill>
+                <a:latin typeface="Trebuchet MS"/>
+                <a:ea typeface="+mj-ea"/>
+                <a:cs typeface="Trebuchet MS"/>
+              </a:defRPr>
+            </a:lvl1pPr>
+          </a:lstStyle>
+          <a:p>
+            <a:pPr marL="12700">
+              <a:spcBef>
+                <a:spcPts val="95"/>
+              </a:spcBef>
+            </a:pPr>
+            <a:r>
+              <a:rPr lang="en-US" sz="2800" kern="0" dirty="0">
+                <a:latin typeface="+mn-lt"/>
+                <a:cs typeface="Carlito"/>
+              </a:rPr>
+              <a:t>Public : we put static files in our public folder.</a:t>
+            </a:r>
+          </a:p>
+          <a:p>
+            <a:pPr marL="527050" indent="-514350">
+              <a:spcBef>
+                <a:spcPts val="95"/>
+              </a:spcBef>
+              <a:buAutoNum type="arabicPeriod"/>
+            </a:pPr>
+            <a:r>
+              <a:rPr lang="en-US" sz="2800" kern="0" dirty="0">
+                <a:latin typeface="+mn-lt"/>
+                <a:cs typeface="Carlito"/>
+              </a:rPr>
+              <a:t>Make a public folder in the project and make </a:t>
+            </a:r>
+            <a:r>
+              <a:rPr lang="en-US" sz="2800" kern="0" dirty="0" err="1">
+                <a:latin typeface="+mn-lt"/>
+                <a:cs typeface="Carlito"/>
+              </a:rPr>
+              <a:t>css</a:t>
+            </a:r>
+            <a:r>
+              <a:rPr lang="en-US" sz="2800" kern="0" dirty="0">
+                <a:latin typeface="+mn-lt"/>
+                <a:cs typeface="Carlito"/>
+              </a:rPr>
+              <a:t> and </a:t>
+            </a:r>
+            <a:r>
+              <a:rPr lang="en-US" sz="2800" kern="0" dirty="0" err="1">
+                <a:latin typeface="+mn-lt"/>
+                <a:cs typeface="Carlito"/>
+              </a:rPr>
+              <a:t>js</a:t>
+            </a:r>
+            <a:r>
+              <a:rPr lang="en-US" sz="2800" kern="0" dirty="0">
+                <a:latin typeface="+mn-lt"/>
+                <a:cs typeface="Carlito"/>
+              </a:rPr>
+              <a:t> folders .</a:t>
+            </a:r>
+          </a:p>
+          <a:p>
+            <a:pPr marL="527050" indent="-514350">
+              <a:spcBef>
+                <a:spcPts val="95"/>
+              </a:spcBef>
+              <a:buAutoNum type="arabicPeriod"/>
+            </a:pPr>
+            <a:r>
+              <a:rPr lang="en-US" sz="2800" kern="0" dirty="0">
+                <a:latin typeface="+mn-lt"/>
+                <a:cs typeface="Carlito"/>
+              </a:rPr>
+              <a:t>Now make a </a:t>
+            </a:r>
+            <a:r>
+              <a:rPr lang="en-US" sz="2800" kern="0" dirty="0" err="1">
+                <a:latin typeface="+mn-lt"/>
+                <a:cs typeface="Carlito"/>
+              </a:rPr>
+              <a:t>ejs</a:t>
+            </a:r>
+            <a:r>
+              <a:rPr lang="en-US" sz="2800" kern="0" dirty="0">
+                <a:latin typeface="+mn-lt"/>
+                <a:cs typeface="Carlito"/>
+              </a:rPr>
+              <a:t> file and connect the </a:t>
+            </a:r>
+            <a:r>
+              <a:rPr lang="en-US" sz="2800" kern="0" dirty="0" err="1">
+                <a:latin typeface="+mn-lt"/>
+                <a:cs typeface="Carlito"/>
+              </a:rPr>
+              <a:t>css</a:t>
+            </a:r>
+            <a:r>
+              <a:rPr lang="en-US" sz="2800" kern="0" dirty="0">
+                <a:latin typeface="+mn-lt"/>
+                <a:cs typeface="Carlito"/>
+              </a:rPr>
+              <a:t> and JS files we made . </a:t>
+            </a:r>
+          </a:p>
+          <a:p>
+            <a:pPr marL="527050" indent="-514350">
+              <a:spcBef>
+                <a:spcPts val="95"/>
+              </a:spcBef>
+              <a:buAutoNum type="arabicPeriod"/>
+            </a:pPr>
+            <a:r>
+              <a:rPr lang="en-US" sz="2800" kern="0" dirty="0">
+                <a:latin typeface="+mn-lt"/>
+                <a:cs typeface="Carlito"/>
+              </a:rPr>
+              <a:t>Here since the path till the public is set so we don’t need to think about till that.</a:t>
+            </a:r>
+          </a:p>
+          <a:p>
+            <a:pPr marL="527050" indent="-514350">
+              <a:spcBef>
+                <a:spcPts val="95"/>
+              </a:spcBef>
+              <a:buAutoNum type="arabicPeriod"/>
+            </a:pPr>
+            <a:r>
+              <a:rPr lang="en-US" sz="2800" kern="0" dirty="0">
+                <a:latin typeface="+mn-lt"/>
+                <a:cs typeface="Carlito"/>
+              </a:rPr>
+              <a:t>Now </a:t>
+            </a:r>
+            <a:r>
+              <a:rPr lang="en-US" sz="2800" kern="0" dirty="0" err="1">
+                <a:latin typeface="+mn-lt"/>
+                <a:cs typeface="Carlito"/>
+              </a:rPr>
+              <a:t>app.use</a:t>
+            </a:r>
+            <a:r>
+              <a:rPr lang="en-US" sz="2800" kern="0" dirty="0">
+                <a:latin typeface="+mn-lt"/>
+                <a:cs typeface="Carlito"/>
+              </a:rPr>
+              <a:t>() to start using static files</a:t>
+            </a:r>
+          </a:p>
+          <a:p>
+            <a:pPr marL="527050" indent="-514350">
+              <a:spcBef>
+                <a:spcPts val="95"/>
+              </a:spcBef>
+              <a:buAutoNum type="arabicPeriod"/>
+            </a:pPr>
+            <a:endParaRPr lang="en-US" sz="2800" kern="0" dirty="0">
+              <a:latin typeface="+mn-lt"/>
+              <a:cs typeface="Carlito"/>
+            </a:endParaRPr>
+          </a:p>
+          <a:p>
+            <a:pPr marL="527050" indent="-514350">
+              <a:spcBef>
+                <a:spcPts val="95"/>
+              </a:spcBef>
+              <a:buAutoNum type="arabicPeriod"/>
+            </a:pPr>
+            <a:r>
+              <a:rPr lang="en-US" sz="2800" kern="0" dirty="0">
+                <a:latin typeface="+mn-lt"/>
+                <a:cs typeface="Carlito"/>
+              </a:rPr>
+              <a:t>We can also separate the files into </a:t>
+            </a:r>
+            <a:r>
+              <a:rPr lang="en-US" sz="2800" kern="0" dirty="0" err="1">
+                <a:latin typeface="+mn-lt"/>
+                <a:cs typeface="Carlito"/>
+              </a:rPr>
+              <a:t>header.ejs</a:t>
+            </a:r>
+            <a:r>
+              <a:rPr lang="en-US" sz="2800" kern="0" dirty="0">
+                <a:latin typeface="+mn-lt"/>
+                <a:cs typeface="Carlito"/>
+              </a:rPr>
+              <a:t> and </a:t>
+            </a:r>
+            <a:r>
+              <a:rPr lang="en-US" sz="2800" kern="0" dirty="0" err="1">
+                <a:latin typeface="+mn-lt"/>
+                <a:cs typeface="Carlito"/>
+              </a:rPr>
+              <a:t>footer.ejs</a:t>
+            </a:r>
+            <a:r>
+              <a:rPr lang="en-US" sz="2800" kern="0" dirty="0">
+                <a:latin typeface="+mn-lt"/>
+                <a:cs typeface="Carlito"/>
+              </a:rPr>
+              <a:t> . This will be made inside a folder called partials.</a:t>
+            </a:r>
+          </a:p>
+          <a:p>
+            <a:pPr marL="527050" indent="-514350">
+              <a:spcBef>
+                <a:spcPts val="95"/>
+              </a:spcBef>
+              <a:buAutoNum type="arabicPeriod"/>
+            </a:pPr>
+            <a:r>
+              <a:rPr lang="en-US" sz="2800" kern="0" dirty="0">
+                <a:latin typeface="+mn-lt"/>
+                <a:cs typeface="Carlito"/>
+              </a:rPr>
+              <a:t>Now include </a:t>
+            </a:r>
+            <a:r>
+              <a:rPr lang="en-US" sz="2800" kern="0" dirty="0" err="1">
+                <a:latin typeface="+mn-lt"/>
+                <a:cs typeface="Carlito"/>
+              </a:rPr>
+              <a:t>header.ejs</a:t>
+            </a:r>
+            <a:r>
+              <a:rPr lang="en-US" sz="2800" kern="0" dirty="0">
+                <a:latin typeface="+mn-lt"/>
+                <a:cs typeface="Carlito"/>
+              </a:rPr>
+              <a:t> and </a:t>
+            </a:r>
+            <a:r>
+              <a:rPr lang="en-US" sz="2800" kern="0" dirty="0" err="1">
+                <a:latin typeface="+mn-lt"/>
+                <a:cs typeface="Carlito"/>
+              </a:rPr>
+              <a:t>footer.ejs</a:t>
+            </a:r>
+            <a:r>
+              <a:rPr lang="en-US" sz="2800" kern="0" dirty="0">
+                <a:latin typeface="+mn-lt"/>
+                <a:cs typeface="Carlito"/>
+              </a:rPr>
+              <a:t> using &lt;%-   %&gt;</a:t>
+            </a:r>
+          </a:p>
+        </p:txBody>
+      </p:sp>
+      <p:pic>
+        <p:nvPicPr>
+          <p:cNvPr id="8" name="Picture 7">
+            <a:extLst>
+              <a:ext uri="{FF2B5EF4-FFF2-40B4-BE49-F238E27FC236}">
+                <a16:creationId xmlns:a16="http://schemas.microsoft.com/office/drawing/2014/main" id="{148EC3D4-FAC3-DB24-38D7-1C1E5382BD21}"/>
+              </a:ext>
+            </a:extLst>
+          </p:cNvPr>
+          <p:cNvPicPr>
+            <a:picLocks noChangeAspect="1"/>
+          </p:cNvPicPr>
+          <p:nvPr/>
+        </p:nvPicPr>
+        <p:blipFill>
+          <a:blip r:embed="rId4"/>
+          <a:stretch>
+            <a:fillRect/>
+          </a:stretch>
+        </p:blipFill>
+        <p:spPr>
+          <a:xfrm>
+            <a:off x="1328062" y="3561652"/>
+            <a:ext cx="5225138" cy="400748"/>
+          </a:xfrm>
+          <a:prstGeom prst="rect">
+            <a:avLst/>
+          </a:prstGeom>
+        </p:spPr>
+      </p:pic>
+      <p:pic>
+        <p:nvPicPr>
+          <p:cNvPr id="12" name="Picture 11">
+            <a:extLst>
+              <a:ext uri="{FF2B5EF4-FFF2-40B4-BE49-F238E27FC236}">
+                <a16:creationId xmlns:a16="http://schemas.microsoft.com/office/drawing/2014/main" id="{EDDF120F-CED8-A91C-A083-9648E7C07F51}"/>
+              </a:ext>
+            </a:extLst>
+          </p:cNvPr>
+          <p:cNvPicPr>
+            <a:picLocks noChangeAspect="1"/>
+          </p:cNvPicPr>
+          <p:nvPr/>
+        </p:nvPicPr>
+        <p:blipFill>
+          <a:blip r:embed="rId5"/>
+          <a:stretch>
+            <a:fillRect/>
+          </a:stretch>
+        </p:blipFill>
+        <p:spPr>
+          <a:xfrm>
+            <a:off x="9144000" y="4513806"/>
+            <a:ext cx="1682379" cy="2478292"/>
+          </a:xfrm>
+          <a:prstGeom prst="rect">
+            <a:avLst/>
+          </a:prstGeom>
+        </p:spPr>
+      </p:pic>
+      <p:pic>
+        <p:nvPicPr>
+          <p:cNvPr id="15" name="Picture 14">
+            <a:extLst>
+              <a:ext uri="{FF2B5EF4-FFF2-40B4-BE49-F238E27FC236}">
+                <a16:creationId xmlns:a16="http://schemas.microsoft.com/office/drawing/2014/main" id="{1528663A-A3C4-81D1-13A3-A64DF63402D5}"/>
+              </a:ext>
+            </a:extLst>
+          </p:cNvPr>
+          <p:cNvPicPr>
+            <a:picLocks noChangeAspect="1"/>
+          </p:cNvPicPr>
+          <p:nvPr/>
+        </p:nvPicPr>
+        <p:blipFill>
+          <a:blip r:embed="rId6"/>
+          <a:stretch>
+            <a:fillRect/>
+          </a:stretch>
+        </p:blipFill>
+        <p:spPr>
+          <a:xfrm>
+            <a:off x="1291191" y="5312053"/>
+            <a:ext cx="4853505" cy="1663525"/>
+          </a:xfrm>
+          <a:prstGeom prst="rect">
+            <a:avLst/>
+          </a:prstGeom>
+        </p:spPr>
+      </p:pic>
+    </p:spTree>
+    <p:extLst>
+      <p:ext uri="{BB962C8B-B14F-4D97-AF65-F5344CB8AC3E}">
+        <p14:creationId xmlns:p14="http://schemas.microsoft.com/office/powerpoint/2010/main" val="1557931236"/>
+      </p:ext>
+    </p:extLst>
+  </p:cSld>
+  <p:clrMapOvr>
+    <a:masterClrMapping/>
+  </p:clrMapOvr>
+</p:sld>
+</file>
+
+<file path=ppt/slides/slide17.xml><?xml version="1.0" encoding="utf-8"?>
+<p:sld xmlns:a="http://schemas.openxmlformats.org/drawingml/2006/main" xmlns:r="http://schemas.openxmlformats.org/officeDocument/2006/relationships" xmlns:p="http://schemas.openxmlformats.org/presentationml/2006/main">
+  <p:cSld>
+    <p:spTree>
+      <p:nvGrpSpPr>
+        <p:cNvPr id="1" name=""/>
+        <p:cNvGrpSpPr/>
+        <p:nvPr/>
+      </p:nvGrpSpPr>
+      <p:grpSpPr>
+        <a:xfrm>
+          <a:off x="0" y="0"/>
+          <a:ext cx="0" cy="0"/>
+          <a:chOff x="0" y="0"/>
+          <a:chExt cx="0" cy="0"/>
+        </a:xfrm>
+      </p:grpSpPr>
+      <p:sp>
+        <p:nvSpPr>
+          <p:cNvPr id="2" name="object 2"/>
+          <p:cNvSpPr/>
+          <p:nvPr/>
+        </p:nvSpPr>
+        <p:spPr>
+          <a:xfrm>
+            <a:off x="1" y="44199"/>
+            <a:ext cx="12191999" cy="7118601"/>
+          </a:xfrm>
+          <a:prstGeom prst="rect">
+            <a:avLst/>
+          </a:prstGeom>
+          <a:blipFill>
+            <a:blip r:embed="rId2" cstate="print"/>
+            <a:stretch>
+              <a:fillRect/>
+            </a:stretch>
+          </a:blipFill>
+        </p:spPr>
+        <p:txBody>
+          <a:bodyPr wrap="square" lIns="0" tIns="0" rIns="0" bIns="0" rtlCol="0"/>
+          <a:lstStyle/>
+          <a:p>
+            <a:endParaRPr b="1" dirty="0">
+              <a:ln w="13462">
+                <a:solidFill>
+                  <a:schemeClr val="bg1"/>
+                </a:solidFill>
+                <a:prstDash val="solid"/>
+              </a:ln>
+              <a:solidFill>
+                <a:schemeClr val="tx1">
+                  <a:lumMod val="85000"/>
+                  <a:lumOff val="15000"/>
+                </a:schemeClr>
+              </a:solidFill>
+              <a:effectLst>
+                <a:outerShdw dist="38100" dir="2700000" algn="bl" rotWithShape="0">
+                  <a:schemeClr val="accent5"/>
+                </a:outerShdw>
+              </a:effectLst>
+            </a:endParaRPr>
+          </a:p>
+        </p:txBody>
+      </p:sp>
+      <p:sp>
+        <p:nvSpPr>
+          <p:cNvPr id="3" name="object 3"/>
+          <p:cNvSpPr txBox="1">
+            <a:spLocks noGrp="1"/>
+          </p:cNvSpPr>
+          <p:nvPr>
+            <p:ph type="title"/>
+          </p:nvPr>
+        </p:nvSpPr>
+        <p:spPr>
+          <a:xfrm>
+            <a:off x="762000" y="304800"/>
+            <a:ext cx="4471315" cy="535403"/>
+          </a:xfrm>
+          <a:prstGeom prst="rect">
+            <a:avLst/>
+          </a:prstGeom>
+        </p:spPr>
+        <p:txBody>
+          <a:bodyPr vert="horz" wrap="square" lIns="0" tIns="12065" rIns="0" bIns="0" rtlCol="0">
+            <a:spAutoFit/>
+          </a:bodyPr>
+          <a:lstStyle/>
+          <a:p>
+            <a:pPr marL="12700">
+              <a:lnSpc>
+                <a:spcPct val="100000"/>
+              </a:lnSpc>
+              <a:spcBef>
+                <a:spcPts val="95"/>
+              </a:spcBef>
+            </a:pPr>
+            <a:r>
+              <a:rPr lang="en-US" sz="3400" b="1" spc="-5" dirty="0">
+                <a:solidFill>
+                  <a:srgbClr val="FFFFFF"/>
+                </a:solidFill>
+                <a:latin typeface="Carlito"/>
+                <a:cs typeface="Carlito"/>
+              </a:rPr>
+              <a:t>GET VS POST</a:t>
+            </a:r>
+          </a:p>
+        </p:txBody>
+      </p:sp>
+      <p:sp>
+        <p:nvSpPr>
+          <p:cNvPr id="5" name="object 5"/>
+          <p:cNvSpPr/>
+          <p:nvPr/>
+        </p:nvSpPr>
+        <p:spPr>
+          <a:xfrm>
+            <a:off x="9816083" y="262127"/>
+            <a:ext cx="1976627" cy="822960"/>
+          </a:xfrm>
+          <a:prstGeom prst="rect">
+            <a:avLst/>
+          </a:prstGeom>
+          <a:blipFill>
+            <a:blip r:embed="rId3" cstate="print"/>
+            <a:stretch>
+              <a:fillRect/>
+            </a:stretch>
+          </a:blipFill>
+        </p:spPr>
+        <p:txBody>
+          <a:bodyPr wrap="square" lIns="0" tIns="0" rIns="0" bIns="0" rtlCol="0"/>
+          <a:lstStyle/>
+          <a:p>
+            <a:endParaRPr/>
+          </a:p>
+        </p:txBody>
+      </p:sp>
+      <p:graphicFrame>
+        <p:nvGraphicFramePr>
+          <p:cNvPr id="6" name="Table 5">
+            <a:extLst>
+              <a:ext uri="{FF2B5EF4-FFF2-40B4-BE49-F238E27FC236}">
+                <a16:creationId xmlns:a16="http://schemas.microsoft.com/office/drawing/2014/main" id="{6B74FB72-CAED-93EB-9182-702ECEC1D4A1}"/>
+              </a:ext>
+            </a:extLst>
+          </p:cNvPr>
+          <p:cNvGraphicFramePr>
+            <a:graphicFrameLocks noGrp="1"/>
+          </p:cNvGraphicFramePr>
+          <p:nvPr>
+            <p:extLst>
+              <p:ext uri="{D42A27DB-BD31-4B8C-83A1-F6EECF244321}">
+                <p14:modId xmlns:p14="http://schemas.microsoft.com/office/powerpoint/2010/main" val="2520796059"/>
+              </p:ext>
+            </p:extLst>
+          </p:nvPr>
+        </p:nvGraphicFramePr>
+        <p:xfrm>
+          <a:off x="762000" y="1100804"/>
+          <a:ext cx="9144000" cy="4981720"/>
+        </p:xfrm>
+        <a:graphic>
+          <a:graphicData uri="http://schemas.openxmlformats.org/drawingml/2006/table">
+            <a:tbl>
+              <a:tblPr firstRow="1" bandRow="1">
+                <a:tableStyleId>{9D7B26C5-4107-4FEC-AEDC-1716B250A1EF}</a:tableStyleId>
+              </a:tblPr>
+              <a:tblGrid>
+                <a:gridCol w="4572000">
+                  <a:extLst>
+                    <a:ext uri="{9D8B030D-6E8A-4147-A177-3AD203B41FA5}">
+                      <a16:colId xmlns:a16="http://schemas.microsoft.com/office/drawing/2014/main" val="4294600775"/>
+                    </a:ext>
+                  </a:extLst>
+                </a:gridCol>
+                <a:gridCol w="4572000">
+                  <a:extLst>
+                    <a:ext uri="{9D8B030D-6E8A-4147-A177-3AD203B41FA5}">
+                      <a16:colId xmlns:a16="http://schemas.microsoft.com/office/drawing/2014/main" val="3208613597"/>
+                    </a:ext>
+                  </a:extLst>
+                </a:gridCol>
+              </a:tblGrid>
+              <a:tr h="605350">
+                <a:tc>
+                  <a:txBody>
+                    <a:bodyPr/>
+                    <a:lstStyle/>
+                    <a:p>
+                      <a:r>
+                        <a:rPr lang="en-US" dirty="0">
+                          <a:solidFill>
+                            <a:schemeClr val="bg1"/>
+                          </a:solidFill>
+                        </a:rPr>
+                        <a:t>GET</a:t>
+                      </a:r>
+                      <a:endParaRPr lang="en-IN" dirty="0">
+                        <a:solidFill>
+                          <a:schemeClr val="bg1"/>
+                        </a:solidFill>
+                      </a:endParaRPr>
+                    </a:p>
+                  </a:txBody>
+                  <a:tcPr/>
+                </a:tc>
+                <a:tc>
+                  <a:txBody>
+                    <a:bodyPr/>
+                    <a:lstStyle/>
+                    <a:p>
+                      <a:r>
+                        <a:rPr lang="en-US" dirty="0">
+                          <a:solidFill>
+                            <a:schemeClr val="bg1"/>
+                          </a:solidFill>
+                        </a:rPr>
+                        <a:t>POST</a:t>
+                      </a:r>
+                      <a:endParaRPr lang="en-IN" dirty="0">
+                        <a:solidFill>
+                          <a:schemeClr val="bg1"/>
+                        </a:solidFill>
+                      </a:endParaRPr>
+                    </a:p>
+                  </a:txBody>
+                  <a:tcPr/>
+                </a:tc>
+                <a:extLst>
+                  <a:ext uri="{0D108BD9-81ED-4DB2-BD59-A6C34878D82A}">
+                    <a16:rowId xmlns:a16="http://schemas.microsoft.com/office/drawing/2014/main" val="1114832224"/>
+                  </a:ext>
+                </a:extLst>
+              </a:tr>
+              <a:tr h="605350">
+                <a:tc>
+                  <a:txBody>
+                    <a:bodyPr/>
+                    <a:lstStyle/>
+                    <a:p>
+                      <a:pPr marL="12700">
+                        <a:spcBef>
+                          <a:spcPts val="95"/>
+                        </a:spcBef>
+                      </a:pPr>
+                      <a:r>
+                        <a:rPr lang="en-US" sz="1800" kern="0" dirty="0">
+                          <a:solidFill>
+                            <a:schemeClr val="bg1"/>
+                          </a:solidFill>
+                          <a:latin typeface="+mn-lt"/>
+                          <a:cs typeface="Carlito"/>
+                        </a:rPr>
+                        <a:t>1. Should be used to retrieve data.</a:t>
+                      </a:r>
+                    </a:p>
+                    <a:p>
+                      <a:endParaRPr lang="en-IN" dirty="0">
+                        <a:solidFill>
+                          <a:schemeClr val="bg1"/>
+                        </a:solidFill>
+                      </a:endParaRPr>
+                    </a:p>
+                  </a:txBody>
+                  <a:tcPr/>
+                </a:tc>
+                <a:tc>
+                  <a:txBody>
+                    <a:bodyPr/>
+                    <a:lstStyle/>
+                    <a:p>
+                      <a:r>
+                        <a:rPr lang="en-US" dirty="0">
+                          <a:solidFill>
+                            <a:schemeClr val="bg1"/>
+                          </a:solidFill>
+                        </a:rPr>
+                        <a:t>1. Should be used to make changes in server. i.e. in DB</a:t>
+                      </a:r>
+                      <a:endParaRPr lang="en-IN" dirty="0">
+                        <a:solidFill>
+                          <a:schemeClr val="bg1"/>
+                        </a:solidFill>
+                      </a:endParaRPr>
+                    </a:p>
+                  </a:txBody>
+                  <a:tcPr/>
+                </a:tc>
+                <a:extLst>
+                  <a:ext uri="{0D108BD9-81ED-4DB2-BD59-A6C34878D82A}">
+                    <a16:rowId xmlns:a16="http://schemas.microsoft.com/office/drawing/2014/main" val="1440154856"/>
+                  </a:ext>
+                </a:extLst>
+              </a:tr>
+              <a:tr h="605350">
+                <a:tc>
+                  <a:txBody>
+                    <a:bodyPr/>
+                    <a:lstStyle/>
+                    <a:p>
+                      <a:pPr marL="0" marR="0" lvl="0" indent="0" defTabSz="914400" eaLnBrk="1" fontAlgn="auto" latinLnBrk="0" hangingPunct="1">
+                        <a:lnSpc>
+                          <a:spcPct val="100000"/>
+                        </a:lnSpc>
+                        <a:spcBef>
+                          <a:spcPts val="0"/>
+                        </a:spcBef>
+                        <a:spcAft>
+                          <a:spcPts val="0"/>
+                        </a:spcAft>
+                        <a:buClrTx/>
+                        <a:buSzTx/>
+                        <a:buFontTx/>
+                        <a:buNone/>
+                        <a:tabLst/>
+                        <a:defRPr/>
+                      </a:pPr>
+                      <a:r>
+                        <a:rPr lang="en-US" sz="1800" kern="0" dirty="0">
+                          <a:solidFill>
+                            <a:schemeClr val="bg1"/>
+                          </a:solidFill>
+                          <a:latin typeface="+mn-lt"/>
+                          <a:cs typeface="Carlito"/>
+                        </a:rPr>
+                        <a:t>2.  data available inside query parameter</a:t>
+                      </a:r>
+                    </a:p>
+                    <a:p>
+                      <a:endParaRPr lang="en-IN" dirty="0">
+                        <a:solidFill>
+                          <a:schemeClr val="bg1"/>
+                        </a:solidFill>
+                      </a:endParaRPr>
+                    </a:p>
+                  </a:txBody>
+                  <a:tcPr/>
+                </a:tc>
+                <a:tc>
+                  <a:txBody>
+                    <a:bodyPr/>
+                    <a:lstStyle/>
+                    <a:p>
+                      <a:r>
+                        <a:rPr lang="en-US" dirty="0">
+                          <a:solidFill>
+                            <a:schemeClr val="bg1"/>
+                          </a:solidFill>
+                        </a:rPr>
+                        <a:t>2. Data is available as </a:t>
+                      </a:r>
+                      <a:r>
+                        <a:rPr lang="en-US" dirty="0" err="1">
+                          <a:solidFill>
+                            <a:schemeClr val="bg1"/>
+                          </a:solidFill>
+                        </a:rPr>
+                        <a:t>req.body</a:t>
+                      </a:r>
+                      <a:r>
+                        <a:rPr lang="en-US" dirty="0">
+                          <a:solidFill>
+                            <a:schemeClr val="bg1"/>
+                          </a:solidFill>
+                        </a:rPr>
+                        <a:t>.</a:t>
+                      </a:r>
+                      <a:endParaRPr lang="en-IN" dirty="0">
+                        <a:solidFill>
+                          <a:schemeClr val="bg1"/>
+                        </a:solidFill>
+                      </a:endParaRPr>
+                    </a:p>
+                  </a:txBody>
+                  <a:tcPr/>
+                </a:tc>
+                <a:extLst>
+                  <a:ext uri="{0D108BD9-81ED-4DB2-BD59-A6C34878D82A}">
+                    <a16:rowId xmlns:a16="http://schemas.microsoft.com/office/drawing/2014/main" val="3705764043"/>
+                  </a:ext>
+                </a:extLst>
+              </a:tr>
+              <a:tr h="605350">
+                <a:tc>
+                  <a:txBody>
+                    <a:bodyPr/>
+                    <a:lstStyle/>
+                    <a:p>
+                      <a:r>
+                        <a:rPr lang="en-US" dirty="0">
+                          <a:solidFill>
+                            <a:schemeClr val="bg1"/>
+                          </a:solidFill>
+                        </a:rPr>
+                        <a:t>3 . Less Secure</a:t>
+                      </a:r>
+                    </a:p>
+                    <a:p>
+                      <a:endParaRPr lang="en-IN" dirty="0">
+                        <a:solidFill>
+                          <a:schemeClr val="bg1"/>
+                        </a:solidFill>
+                      </a:endParaRPr>
+                    </a:p>
+                  </a:txBody>
+                  <a:tcPr/>
+                </a:tc>
+                <a:tc>
+                  <a:txBody>
+                    <a:bodyPr/>
+                    <a:lstStyle/>
+                    <a:p>
+                      <a:r>
+                        <a:rPr lang="en-US" dirty="0">
+                          <a:solidFill>
+                            <a:schemeClr val="bg1"/>
+                          </a:solidFill>
+                        </a:rPr>
+                        <a:t>3. More secure</a:t>
+                      </a:r>
+                      <a:endParaRPr lang="en-IN" dirty="0">
+                        <a:solidFill>
+                          <a:schemeClr val="bg1"/>
+                        </a:solidFill>
+                      </a:endParaRPr>
+                    </a:p>
+                  </a:txBody>
+                  <a:tcPr/>
+                </a:tc>
+                <a:extLst>
+                  <a:ext uri="{0D108BD9-81ED-4DB2-BD59-A6C34878D82A}">
+                    <a16:rowId xmlns:a16="http://schemas.microsoft.com/office/drawing/2014/main" val="4130491929"/>
+                  </a:ext>
+                </a:extLst>
+              </a:tr>
+              <a:tr h="605350">
+                <a:tc>
+                  <a:txBody>
+                    <a:bodyPr/>
+                    <a:lstStyle/>
+                    <a:p>
+                      <a:r>
+                        <a:rPr lang="en-US" dirty="0">
+                          <a:solidFill>
+                            <a:schemeClr val="bg1"/>
+                          </a:solidFill>
+                        </a:rPr>
+                        <a:t>4 . data will be plain string and only in query parameter</a:t>
+                      </a:r>
+                      <a:endParaRPr lang="en-IN" dirty="0">
+                        <a:solidFill>
+                          <a:schemeClr val="bg1"/>
+                        </a:solidFill>
+                      </a:endParaRPr>
+                    </a:p>
+                  </a:txBody>
+                  <a:tcPr/>
+                </a:tc>
+                <a:tc>
+                  <a:txBody>
+                    <a:bodyPr/>
+                    <a:lstStyle/>
+                    <a:p>
+                      <a:r>
+                        <a:rPr lang="en-US" dirty="0">
+                          <a:solidFill>
+                            <a:schemeClr val="bg1"/>
+                          </a:solidFill>
+                        </a:rPr>
+                        <a:t>4. Data of diff types can be sent text , JSON , XML </a:t>
+                      </a:r>
+                      <a:r>
+                        <a:rPr lang="en-US" dirty="0" err="1">
+                          <a:solidFill>
+                            <a:schemeClr val="bg1"/>
+                          </a:solidFill>
+                        </a:rPr>
+                        <a:t>etc</a:t>
+                      </a:r>
+                      <a:endParaRPr lang="en-IN" dirty="0">
+                        <a:solidFill>
+                          <a:schemeClr val="bg1"/>
+                        </a:solidFill>
+                      </a:endParaRPr>
+                    </a:p>
+                  </a:txBody>
+                  <a:tcPr/>
+                </a:tc>
+                <a:extLst>
+                  <a:ext uri="{0D108BD9-81ED-4DB2-BD59-A6C34878D82A}">
+                    <a16:rowId xmlns:a16="http://schemas.microsoft.com/office/drawing/2014/main" val="4170735839"/>
+                  </a:ext>
+                </a:extLst>
+              </a:tr>
+              <a:tr h="605350">
+                <a:tc>
+                  <a:txBody>
+                    <a:bodyPr/>
+                    <a:lstStyle/>
+                    <a:p>
+                      <a:r>
+                        <a:rPr lang="en-US" dirty="0">
+                          <a:solidFill>
+                            <a:schemeClr val="bg1"/>
+                          </a:solidFill>
+                        </a:rPr>
+                        <a:t>5 . Limited data can be send</a:t>
+                      </a:r>
+                      <a:endParaRPr lang="en-IN" dirty="0">
+                        <a:solidFill>
+                          <a:schemeClr val="bg1"/>
+                        </a:solidFill>
+                      </a:endParaRPr>
+                    </a:p>
+                  </a:txBody>
+                  <a:tcPr/>
+                </a:tc>
+                <a:tc>
+                  <a:txBody>
+                    <a:bodyPr/>
+                    <a:lstStyle/>
+                    <a:p>
+                      <a:r>
+                        <a:rPr lang="en-US" dirty="0">
+                          <a:solidFill>
+                            <a:schemeClr val="bg1"/>
+                          </a:solidFill>
+                        </a:rPr>
+                        <a:t>5. Huge data can be send .</a:t>
+                      </a:r>
+                      <a:endParaRPr lang="en-IN" dirty="0">
+                        <a:solidFill>
+                          <a:schemeClr val="bg1"/>
+                        </a:solidFill>
+                      </a:endParaRPr>
+                    </a:p>
+                  </a:txBody>
+                  <a:tcPr/>
+                </a:tc>
+                <a:extLst>
+                  <a:ext uri="{0D108BD9-81ED-4DB2-BD59-A6C34878D82A}">
+                    <a16:rowId xmlns:a16="http://schemas.microsoft.com/office/drawing/2014/main" val="3042280138"/>
+                  </a:ext>
+                </a:extLst>
+              </a:tr>
+              <a:tr h="605350">
+                <a:tc>
+                  <a:txBody>
+                    <a:bodyPr/>
+                    <a:lstStyle/>
+                    <a:p>
+                      <a:endParaRPr lang="en-IN" dirty="0">
+                        <a:solidFill>
+                          <a:schemeClr val="bg1"/>
+                        </a:solidFill>
+                      </a:endParaRPr>
+                    </a:p>
+                  </a:txBody>
+                  <a:tcPr/>
+                </a:tc>
+                <a:tc>
+                  <a:txBody>
+                    <a:bodyPr/>
+                    <a:lstStyle/>
+                    <a:p>
+                      <a:endParaRPr lang="en-IN">
+                        <a:solidFill>
+                          <a:schemeClr val="bg1"/>
+                        </a:solidFill>
+                      </a:endParaRPr>
+                    </a:p>
+                  </a:txBody>
+                  <a:tcPr/>
+                </a:tc>
+                <a:extLst>
+                  <a:ext uri="{0D108BD9-81ED-4DB2-BD59-A6C34878D82A}">
+                    <a16:rowId xmlns:a16="http://schemas.microsoft.com/office/drawing/2014/main" val="3468899302"/>
+                  </a:ext>
+                </a:extLst>
+              </a:tr>
+              <a:tr h="605350">
+                <a:tc>
+                  <a:txBody>
+                    <a:bodyPr/>
+                    <a:lstStyle/>
+                    <a:p>
+                      <a:endParaRPr lang="en-IN" dirty="0">
+                        <a:solidFill>
+                          <a:schemeClr val="bg1"/>
+                        </a:solidFill>
+                      </a:endParaRPr>
+                    </a:p>
+                  </a:txBody>
+                  <a:tcPr/>
+                </a:tc>
+                <a:tc>
+                  <a:txBody>
+                    <a:bodyPr/>
+                    <a:lstStyle/>
+                    <a:p>
+                      <a:endParaRPr lang="en-IN" dirty="0">
+                        <a:solidFill>
+                          <a:schemeClr val="bg1"/>
+                        </a:solidFill>
+                      </a:endParaRPr>
+                    </a:p>
+                  </a:txBody>
+                  <a:tcPr/>
+                </a:tc>
+                <a:extLst>
+                  <a:ext uri="{0D108BD9-81ED-4DB2-BD59-A6C34878D82A}">
+                    <a16:rowId xmlns:a16="http://schemas.microsoft.com/office/drawing/2014/main" val="2531125908"/>
+                  </a:ext>
+                </a:extLst>
+              </a:tr>
+            </a:tbl>
+          </a:graphicData>
+        </a:graphic>
+      </p:graphicFrame>
+    </p:spTree>
+    <p:extLst>
+      <p:ext uri="{BB962C8B-B14F-4D97-AF65-F5344CB8AC3E}">
+        <p14:creationId xmlns:p14="http://schemas.microsoft.com/office/powerpoint/2010/main" val="1596002002"/>
+      </p:ext>
+    </p:extLst>
+  </p:cSld>
+  <p:clrMapOvr>
+    <a:masterClrMapping/>
+  </p:clrMapOvr>
+</p:sld>
+</file>
+
+<file path=ppt/slides/slide18.xml><?xml version="1.0" encoding="utf-8"?>
+<p:sld xmlns:a="http://schemas.openxmlformats.org/drawingml/2006/main" xmlns:r="http://schemas.openxmlformats.org/officeDocument/2006/relationships" xmlns:p="http://schemas.openxmlformats.org/presentationml/2006/main">
+  <p:cSld>
+    <p:spTree>
+      <p:nvGrpSpPr>
+        <p:cNvPr id="1" name=""/>
+        <p:cNvGrpSpPr/>
+        <p:nvPr/>
+      </p:nvGrpSpPr>
+      <p:grpSpPr>
+        <a:xfrm>
+          <a:off x="0" y="0"/>
+          <a:ext cx="0" cy="0"/>
+          <a:chOff x="0" y="0"/>
+          <a:chExt cx="0" cy="0"/>
+        </a:xfrm>
+      </p:grpSpPr>
+      <p:sp>
+        <p:nvSpPr>
+          <p:cNvPr id="2" name="object 2"/>
+          <p:cNvSpPr/>
+          <p:nvPr/>
+        </p:nvSpPr>
+        <p:spPr>
+          <a:xfrm>
+            <a:off x="1" y="44199"/>
+            <a:ext cx="12191999" cy="7118601"/>
+          </a:xfrm>
+          <a:prstGeom prst="rect">
+            <a:avLst/>
+          </a:prstGeom>
+          <a:blipFill>
+            <a:blip r:embed="rId2" cstate="print"/>
+            <a:stretch>
+              <a:fillRect/>
+            </a:stretch>
+          </a:blipFill>
+        </p:spPr>
+        <p:txBody>
+          <a:bodyPr wrap="square" lIns="0" tIns="0" rIns="0" bIns="0" rtlCol="0"/>
+          <a:lstStyle/>
+          <a:p>
+            <a:endParaRPr b="1" dirty="0">
+              <a:ln w="13462">
+                <a:solidFill>
+                  <a:schemeClr val="bg1"/>
+                </a:solidFill>
+                <a:prstDash val="solid"/>
+              </a:ln>
+              <a:solidFill>
+                <a:schemeClr val="tx1">
+                  <a:lumMod val="85000"/>
+                  <a:lumOff val="15000"/>
+                </a:schemeClr>
+              </a:solidFill>
+              <a:effectLst>
+                <a:outerShdw dist="38100" dir="2700000" algn="bl" rotWithShape="0">
+                  <a:schemeClr val="accent5"/>
+                </a:outerShdw>
+              </a:effectLst>
+            </a:endParaRPr>
+          </a:p>
+        </p:txBody>
+      </p:sp>
+      <p:sp>
+        <p:nvSpPr>
+          <p:cNvPr id="3" name="object 3"/>
+          <p:cNvSpPr txBox="1">
+            <a:spLocks noGrp="1"/>
+          </p:cNvSpPr>
+          <p:nvPr>
+            <p:ph type="title"/>
+          </p:nvPr>
+        </p:nvSpPr>
+        <p:spPr>
+          <a:xfrm>
+            <a:off x="762000" y="304800"/>
+            <a:ext cx="4471315" cy="535403"/>
+          </a:xfrm>
+          <a:prstGeom prst="rect">
+            <a:avLst/>
+          </a:prstGeom>
+        </p:spPr>
+        <p:txBody>
+          <a:bodyPr vert="horz" wrap="square" lIns="0" tIns="12065" rIns="0" bIns="0" rtlCol="0">
+            <a:spAutoFit/>
+          </a:bodyPr>
+          <a:lstStyle/>
+          <a:p>
+            <a:pPr marL="12700">
+              <a:lnSpc>
+                <a:spcPct val="100000"/>
+              </a:lnSpc>
+              <a:spcBef>
+                <a:spcPts val="95"/>
+              </a:spcBef>
+            </a:pPr>
+            <a:r>
+              <a:rPr lang="en-US" sz="3400" b="1" spc="-5" dirty="0">
+                <a:solidFill>
+                  <a:srgbClr val="FFFFFF"/>
+                </a:solidFill>
+                <a:latin typeface="Carlito"/>
+                <a:cs typeface="Carlito"/>
+              </a:rPr>
+              <a:t>Serving Static Files</a:t>
+            </a:r>
+          </a:p>
+        </p:txBody>
+      </p:sp>
+      <p:sp>
+        <p:nvSpPr>
+          <p:cNvPr id="5" name="object 5"/>
+          <p:cNvSpPr/>
+          <p:nvPr/>
+        </p:nvSpPr>
+        <p:spPr>
+          <a:xfrm>
+            <a:off x="9816083" y="262127"/>
+            <a:ext cx="1976627" cy="822960"/>
+          </a:xfrm>
+          <a:prstGeom prst="rect">
+            <a:avLst/>
+          </a:prstGeom>
+          <a:blipFill>
+            <a:blip r:embed="rId3" cstate="print"/>
+            <a:stretch>
+              <a:fillRect/>
+            </a:stretch>
+          </a:blipFill>
+        </p:spPr>
+        <p:txBody>
+          <a:bodyPr wrap="square" lIns="0" tIns="0" rIns="0" bIns="0" rtlCol="0"/>
+          <a:lstStyle/>
+          <a:p>
+            <a:endParaRPr/>
+          </a:p>
+        </p:txBody>
+      </p:sp>
+      <p:sp>
+        <p:nvSpPr>
+          <p:cNvPr id="4" name="object 3">
+            <a:extLst>
+              <a:ext uri="{FF2B5EF4-FFF2-40B4-BE49-F238E27FC236}">
+                <a16:creationId xmlns:a16="http://schemas.microsoft.com/office/drawing/2014/main" id="{1ED9D45B-4B0D-FC76-3A8C-E89F6CD72254}"/>
+              </a:ext>
+            </a:extLst>
+          </p:cNvPr>
+          <p:cNvSpPr txBox="1">
+            <a:spLocks/>
+          </p:cNvSpPr>
+          <p:nvPr/>
+        </p:nvSpPr>
+        <p:spPr>
+          <a:xfrm>
+            <a:off x="762000" y="914400"/>
+            <a:ext cx="11283579" cy="2205091"/>
+          </a:xfrm>
+          <a:prstGeom prst="rect">
+            <a:avLst/>
+          </a:prstGeom>
+        </p:spPr>
+        <p:txBody>
+          <a:bodyPr vert="horz" wrap="square" lIns="0" tIns="12065" rIns="0" bIns="0" rtlCol="0">
+            <a:spAutoFit/>
+          </a:bodyPr>
+          <a:lstStyle>
+            <a:lvl1pPr>
+              <a:defRPr sz="6000" b="0" i="0">
+                <a:solidFill>
+                  <a:srgbClr val="E7E6E6"/>
+                </a:solidFill>
+                <a:latin typeface="Trebuchet MS"/>
+                <a:ea typeface="+mj-ea"/>
+                <a:cs typeface="Trebuchet MS"/>
+              </a:defRPr>
+            </a:lvl1pPr>
+          </a:lstStyle>
+          <a:p>
+            <a:pPr marL="527050" indent="-514350">
+              <a:spcBef>
+                <a:spcPts val="95"/>
+              </a:spcBef>
+              <a:buAutoNum type="arabicPeriod"/>
+            </a:pPr>
+            <a:r>
+              <a:rPr lang="en-US" sz="2800" kern="0" dirty="0">
+                <a:latin typeface="+mn-lt"/>
+                <a:cs typeface="Carlito"/>
+              </a:rPr>
+              <a:t>In form the name tells us the attribute that is binding with which key .</a:t>
+            </a:r>
+          </a:p>
+          <a:p>
+            <a:pPr marL="527050" indent="-514350">
+              <a:spcBef>
+                <a:spcPts val="95"/>
+              </a:spcBef>
+              <a:buAutoNum type="arabicPeriod"/>
+            </a:pPr>
+            <a:r>
+              <a:rPr lang="en-US" sz="2800" kern="0" dirty="0">
+                <a:latin typeface="+mn-lt"/>
+                <a:cs typeface="Carlito"/>
+              </a:rPr>
+              <a:t>We don’t have to write our entire path everywhere in node and express this is called ‘Strongly coupled </a:t>
+            </a:r>
+            <a:r>
+              <a:rPr lang="en-US" sz="2800" kern="0">
+                <a:latin typeface="+mn-lt"/>
+                <a:cs typeface="Carlito"/>
+              </a:rPr>
+              <a:t>application’.</a:t>
+            </a:r>
+          </a:p>
+          <a:p>
+            <a:pPr marL="527050" indent="-514350">
+              <a:spcBef>
+                <a:spcPts val="95"/>
+              </a:spcBef>
+              <a:buAutoNum type="arabicPeriod"/>
+            </a:pPr>
+            <a:endParaRPr lang="en-US" sz="2800" kern="0" dirty="0">
+              <a:latin typeface="+mn-lt"/>
+              <a:cs typeface="Carlito"/>
+            </a:endParaRPr>
+          </a:p>
+          <a:p>
+            <a:pPr marL="527050" indent="-514350">
+              <a:spcBef>
+                <a:spcPts val="95"/>
+              </a:spcBef>
+              <a:buAutoNum type="arabicPeriod"/>
             </a:pPr>
             <a:endParaRPr lang="en-US" sz="2800" kern="0" dirty="0">
               <a:latin typeface="+mn-lt"/>
@@ -4027,7 +6193,7 @@
     </p:spTree>
     <p:extLst>
       <p:ext uri="{BB962C8B-B14F-4D97-AF65-F5344CB8AC3E}">
-        <p14:creationId xmlns:p14="http://schemas.microsoft.com/office/powerpoint/2010/main" val="4231205235"/>
+        <p14:creationId xmlns:p14="http://schemas.microsoft.com/office/powerpoint/2010/main" val="749658887"/>
       </p:ext>
     </p:extLst>
   </p:cSld>

--- a/NodeJS.pptx
+++ b/NodeJS.pptx
@@ -6105,7 +6105,7 @@
         <p:spPr>
           <a:xfrm>
             <a:off x="762000" y="914400"/>
-            <a:ext cx="11283579" cy="2205091"/>
+            <a:ext cx="11283579" cy="5754781"/>
           </a:xfrm>
           <a:prstGeom prst="rect">
             <a:avLst/>
@@ -6154,14 +6154,37 @@
                 <a:latin typeface="+mn-lt"/>
                 <a:cs typeface="Carlito"/>
               </a:rPr>
-              <a:t>We don’t have to write our entire path everywhere in node and express this is called ‘Strongly coupled </a:t>
-            </a:r>
-            <a:r>
-              <a:rPr lang="en-US" sz="2800" kern="0">
-                <a:latin typeface="+mn-lt"/>
-                <a:cs typeface="Carlito"/>
-              </a:rPr>
-              <a:t>application’.</a:t>
+              <a:t>We don’t have to write our entire path everywhere in node and express this is called ‘Strongly coupled application’.</a:t>
+            </a:r>
+          </a:p>
+          <a:p>
+            <a:pPr marL="527050" indent="-514350">
+              <a:spcBef>
+                <a:spcPts val="95"/>
+              </a:spcBef>
+              <a:buAutoNum type="arabicPeriod"/>
+            </a:pPr>
+            <a:r>
+              <a:rPr lang="en-US" sz="2800" kern="0" dirty="0">
+                <a:latin typeface="+mn-lt"/>
+                <a:cs typeface="Carlito"/>
+              </a:rPr>
+              <a:t>By default we have GET request in form.</a:t>
+            </a:r>
+          </a:p>
+          <a:p>
+            <a:pPr marL="527050" indent="-514350">
+              <a:spcBef>
+                <a:spcPts val="95"/>
+              </a:spcBef>
+              <a:buAutoNum type="arabicPeriod"/>
+            </a:pPr>
+            <a:r>
+              <a:rPr lang="en-US" sz="2800" kern="0" dirty="0">
+                <a:latin typeface="+mn-lt"/>
+                <a:cs typeface="Carlito"/>
+              </a:rPr>
+              <a:t>Make changes in index.js (entry file)</a:t>
             </a:r>
           </a:p>
           <a:p>
@@ -6188,8 +6211,244 @@
               <a:cs typeface="Carlito"/>
             </a:endParaRPr>
           </a:p>
+          <a:p>
+            <a:pPr marL="527050" indent="-514350">
+              <a:spcBef>
+                <a:spcPts val="95"/>
+              </a:spcBef>
+              <a:buAutoNum type="arabicPeriod"/>
+            </a:pPr>
+            <a:r>
+              <a:rPr lang="en-US" sz="2800" kern="0" dirty="0">
+                <a:latin typeface="+mn-lt"/>
+                <a:cs typeface="Carlito"/>
+              </a:rPr>
+              <a:t>Make the method POST and in index.js</a:t>
+            </a:r>
+          </a:p>
+          <a:p>
+            <a:pPr marL="12700">
+              <a:spcBef>
+                <a:spcPts val="95"/>
+              </a:spcBef>
+            </a:pPr>
+            <a:r>
+              <a:rPr lang="en-US" sz="2800" kern="0" dirty="0">
+                <a:latin typeface="+mn-lt"/>
+                <a:cs typeface="Carlito"/>
+              </a:rPr>
+              <a:t>use </a:t>
+            </a:r>
+            <a:r>
+              <a:rPr lang="en-US" sz="2800" kern="0" dirty="0" err="1">
+                <a:latin typeface="+mn-lt"/>
+                <a:cs typeface="Carlito"/>
+              </a:rPr>
+              <a:t>app.post</a:t>
+            </a:r>
+            <a:endParaRPr lang="en-US" sz="2800" kern="0" dirty="0">
+              <a:latin typeface="+mn-lt"/>
+              <a:cs typeface="Carlito"/>
+            </a:endParaRPr>
+          </a:p>
+          <a:p>
+            <a:pPr marL="12700">
+              <a:spcBef>
+                <a:spcPts val="95"/>
+              </a:spcBef>
+            </a:pPr>
+            <a:endParaRPr lang="en-US" sz="2800" kern="0" dirty="0">
+              <a:latin typeface="+mn-lt"/>
+              <a:cs typeface="Carlito"/>
+            </a:endParaRPr>
+          </a:p>
+          <a:p>
+            <a:pPr marL="12700">
+              <a:spcBef>
+                <a:spcPts val="95"/>
+              </a:spcBef>
+            </a:pPr>
+            <a:r>
+              <a:rPr lang="en-US" sz="2800" kern="0" dirty="0">
+                <a:latin typeface="+mn-lt"/>
+                <a:cs typeface="Carlito"/>
+              </a:rPr>
+              <a:t>6. By default </a:t>
+            </a:r>
+            <a:r>
+              <a:rPr lang="en-US" sz="2800" kern="0" dirty="0" err="1">
+                <a:latin typeface="+mn-lt"/>
+                <a:cs typeface="Carlito"/>
+              </a:rPr>
+              <a:t>req.body</a:t>
+            </a:r>
+            <a:r>
+              <a:rPr lang="en-US" sz="2800" kern="0" dirty="0">
+                <a:latin typeface="+mn-lt"/>
+                <a:cs typeface="Carlito"/>
+              </a:rPr>
+              <a:t> gives undefined so we</a:t>
+            </a:r>
+          </a:p>
+          <a:p>
+            <a:pPr marL="12700">
+              <a:spcBef>
+                <a:spcPts val="95"/>
+              </a:spcBef>
+            </a:pPr>
+            <a:r>
+              <a:rPr lang="en-US" sz="2800" kern="0" dirty="0">
+                <a:latin typeface="+mn-lt"/>
+                <a:cs typeface="Carlito"/>
+              </a:rPr>
+              <a:t>have to use a middleware </a:t>
+            </a:r>
+            <a:r>
+              <a:rPr lang="en-US" sz="2800" kern="0" dirty="0" err="1">
+                <a:latin typeface="+mn-lt"/>
+                <a:cs typeface="Carlito"/>
+              </a:rPr>
+              <a:t>i.e</a:t>
+            </a:r>
+            <a:endParaRPr lang="en-US" sz="2800" kern="0" dirty="0">
+              <a:latin typeface="+mn-lt"/>
+              <a:cs typeface="Carlito"/>
+            </a:endParaRPr>
+          </a:p>
+          <a:p>
+            <a:pPr marL="527050" indent="-514350">
+              <a:spcBef>
+                <a:spcPts val="95"/>
+              </a:spcBef>
+              <a:buAutoNum type="arabicPeriod"/>
+            </a:pPr>
+            <a:endParaRPr lang="en-US" sz="2800" kern="0" dirty="0">
+              <a:latin typeface="+mn-lt"/>
+              <a:cs typeface="Carlito"/>
+            </a:endParaRPr>
+          </a:p>
         </p:txBody>
       </p:sp>
+      <p:pic>
+        <p:nvPicPr>
+          <p:cNvPr id="7" name="Picture 6">
+            <a:extLst>
+              <a:ext uri="{FF2B5EF4-FFF2-40B4-BE49-F238E27FC236}">
+                <a16:creationId xmlns:a16="http://schemas.microsoft.com/office/drawing/2014/main" id="{40EAEABA-7960-F85F-9F5B-77163C483FB1}"/>
+              </a:ext>
+            </a:extLst>
+          </p:cNvPr>
+          <p:cNvPicPr>
+            <a:picLocks noChangeAspect="1"/>
+          </p:cNvPicPr>
+          <p:nvPr/>
+        </p:nvPicPr>
+        <p:blipFill>
+          <a:blip r:embed="rId4"/>
+          <a:stretch>
+            <a:fillRect/>
+          </a:stretch>
+        </p:blipFill>
+        <p:spPr>
+          <a:xfrm>
+            <a:off x="7613989" y="1974750"/>
+            <a:ext cx="4421758" cy="2140050"/>
+          </a:xfrm>
+          <a:prstGeom prst="rect">
+            <a:avLst/>
+          </a:prstGeom>
+        </p:spPr>
+      </p:pic>
+      <p:pic>
+        <p:nvPicPr>
+          <p:cNvPr id="10" name="Picture 9">
+            <a:extLst>
+              <a:ext uri="{FF2B5EF4-FFF2-40B4-BE49-F238E27FC236}">
+                <a16:creationId xmlns:a16="http://schemas.microsoft.com/office/drawing/2014/main" id="{9173BAF6-6426-FF7E-1B8D-5CA54E497F25}"/>
+              </a:ext>
+            </a:extLst>
+          </p:cNvPr>
+          <p:cNvPicPr>
+            <a:picLocks noChangeAspect="1"/>
+          </p:cNvPicPr>
+          <p:nvPr/>
+        </p:nvPicPr>
+        <p:blipFill>
+          <a:blip r:embed="rId5"/>
+          <a:stretch>
+            <a:fillRect/>
+          </a:stretch>
+        </p:blipFill>
+        <p:spPr>
+          <a:xfrm>
+            <a:off x="762000" y="3124200"/>
+            <a:ext cx="3858206" cy="956884"/>
+          </a:xfrm>
+          <a:prstGeom prst="rect">
+            <a:avLst/>
+          </a:prstGeom>
+        </p:spPr>
+      </p:pic>
+      <p:pic>
+        <p:nvPicPr>
+          <p:cNvPr id="13" name="Picture 12">
+            <a:extLst>
+              <a:ext uri="{FF2B5EF4-FFF2-40B4-BE49-F238E27FC236}">
+                <a16:creationId xmlns:a16="http://schemas.microsoft.com/office/drawing/2014/main" id="{735E8BB4-C60B-B943-3D67-E03D970C0288}"/>
+              </a:ext>
+            </a:extLst>
+          </p:cNvPr>
+          <p:cNvPicPr>
+            <a:picLocks noChangeAspect="1"/>
+          </p:cNvPicPr>
+          <p:nvPr/>
+        </p:nvPicPr>
+        <p:blipFill>
+          <a:blip r:embed="rId6"/>
+          <a:stretch>
+            <a:fillRect/>
+          </a:stretch>
+        </p:blipFill>
+        <p:spPr>
+          <a:xfrm>
+            <a:off x="7618905" y="4371173"/>
+            <a:ext cx="4215230" cy="1266579"/>
+          </a:xfrm>
+          <a:prstGeom prst="rect">
+            <a:avLst/>
+          </a:prstGeom>
+        </p:spPr>
+      </p:pic>
+      <p:pic>
+        <p:nvPicPr>
+          <p:cNvPr id="16" name="Picture 15">
+            <a:extLst>
+              <a:ext uri="{FF2B5EF4-FFF2-40B4-BE49-F238E27FC236}">
+                <a16:creationId xmlns:a16="http://schemas.microsoft.com/office/drawing/2014/main" id="{92B613DE-D43B-C7E4-581F-5A6CEDC90BEE}"/>
+              </a:ext>
+            </a:extLst>
+          </p:cNvPr>
+          <p:cNvPicPr>
+            <a:picLocks noChangeAspect="1"/>
+          </p:cNvPicPr>
+          <p:nvPr/>
+        </p:nvPicPr>
+        <p:blipFill>
+          <a:blip r:embed="rId7"/>
+          <a:stretch>
+            <a:fillRect/>
+          </a:stretch>
+        </p:blipFill>
+        <p:spPr>
+          <a:xfrm>
+            <a:off x="762000" y="6169155"/>
+            <a:ext cx="7706407" cy="841245"/>
+          </a:xfrm>
+          <a:prstGeom prst="rect">
+            <a:avLst/>
+          </a:prstGeom>
+        </p:spPr>
+      </p:pic>
     </p:spTree>
     <p:extLst>
       <p:ext uri="{BB962C8B-B14F-4D97-AF65-F5344CB8AC3E}">

--- a/NodeJS.pptx
+++ b/NodeJS.pptx
@@ -6026,7 +6026,7 @@
         <p:spPr>
           <a:xfrm>
             <a:off x="762000" y="304800"/>
-            <a:ext cx="4471315" cy="535403"/>
+            <a:ext cx="7239000" cy="535403"/>
           </a:xfrm>
           <a:prstGeom prst="rect">
             <a:avLst/>
@@ -6054,7 +6054,7 @@
                 <a:latin typeface="Carlito"/>
                 <a:cs typeface="Carlito"/>
               </a:rPr>
-              <a:t>Serving Static Files</a:t>
+              <a:t>Getter and Setter Methods</a:t>
             </a:r>
           </a:p>
         </p:txBody>

--- a/NodeJS.pptx
+++ b/NodeJS.pptx
@@ -23,6 +23,12 @@
     <p:sldId id="394" r:id="rId17"/>
     <p:sldId id="395" r:id="rId18"/>
     <p:sldId id="396" r:id="rId19"/>
+    <p:sldId id="397" r:id="rId20"/>
+    <p:sldId id="398" r:id="rId21"/>
+    <p:sldId id="399" r:id="rId22"/>
+    <p:sldId id="400" r:id="rId23"/>
+    <p:sldId id="401" r:id="rId24"/>
+    <p:sldId id="402" r:id="rId25"/>
   </p:sldIdLst>
   <p:sldSz cx="12192000" cy="6858000"/>
   <p:notesSz cx="12192000" cy="6858000"/>
@@ -140,6 +146,258 @@
 </p:presentation>
 </file>
 
+<file path=ppt/ink/ink1.xml><?xml version="1.0" encoding="utf-8"?>
+<inkml:ink xmlns:inkml="http://www.w3.org/2003/InkML">
+  <inkml:definitions>
+    <inkml:context xml:id="ctx0">
+      <inkml:inkSource xml:id="inkSrc0">
+        <inkml:traceFormat>
+          <inkml:channel name="X" type="integer" min="-2.14748E9" max="2.14748E9" units="cm"/>
+          <inkml:channel name="Y" type="integer" min="-2.14748E9" max="2.14748E9" units="cm"/>
+        </inkml:traceFormat>
+        <inkml:channelProperties>
+          <inkml:channelProperty channel="X" name="resolution" value="1000" units="1/cm"/>
+          <inkml:channelProperty channel="Y" name="resolution" value="1000" units="1/cm"/>
+        </inkml:channelProperties>
+      </inkml:inkSource>
+      <inkml:timestamp xml:id="ts0" timeString="2024-02-04T05:15:20.226"/>
+    </inkml:context>
+    <inkml:brush xml:id="br0">
+      <inkml:brushProperty name="width" value="0.05" units="cm"/>
+      <inkml:brushProperty name="height" value="0.3" units="cm"/>
+      <inkml:brushProperty name="color" value="#FFFFFF"/>
+      <inkml:brushProperty name="ignorePressure" value="1"/>
+      <inkml:brushProperty name="inkEffects" value="pencil"/>
+    </inkml:brush>
+  </inkml:definitions>
+  <inkml:trace contextRef="#ctx0" brushRef="#br0">25 28,'0'3,"0"5,0 5,0 3,0 3,0 1,0 1,0 1,0-1,0 0,0-7,0-10,0-11,0-10,0-4,0-2,0-1,0 0,0 1,0 0,0 2,-3 3,-2 9,-3 9,0 5</inkml:trace>
+</inkml:ink>
+</file>
+
+<file path=ppt/ink/ink2.xml><?xml version="1.0" encoding="utf-8"?>
+<inkml:ink xmlns:inkml="http://www.w3.org/2003/InkML">
+  <inkml:definitions>
+    <inkml:context xml:id="ctx0">
+      <inkml:inkSource xml:id="inkSrc0">
+        <inkml:traceFormat>
+          <inkml:channel name="X" type="integer" min="-2.14748E9" max="2.14748E9" units="cm"/>
+          <inkml:channel name="Y" type="integer" min="-2.14748E9" max="2.14748E9" units="cm"/>
+        </inkml:traceFormat>
+        <inkml:channelProperties>
+          <inkml:channelProperty channel="X" name="resolution" value="1000" units="1/cm"/>
+          <inkml:channelProperty channel="Y" name="resolution" value="1000" units="1/cm"/>
+        </inkml:channelProperties>
+      </inkml:inkSource>
+      <inkml:timestamp xml:id="ts0" timeString="2024-02-04T05:15:41.115"/>
+    </inkml:context>
+    <inkml:brush xml:id="br0">
+      <inkml:brushProperty name="width" value="0.05" units="cm"/>
+      <inkml:brushProperty name="height" value="0.3" units="cm"/>
+      <inkml:brushProperty name="color" value="#FFFFFF"/>
+      <inkml:brushProperty name="ignorePressure" value="1"/>
+      <inkml:brushProperty name="inkEffects" value="pencil"/>
+    </inkml:brush>
+  </inkml:definitions>
+  <inkml:trace contextRef="#ctx0" brushRef="#br0">124 100,'0'4,"0"4,0 4,0 5,0 1,0 3,0 0,0 0,0 0,0 0,0 1,0-2,0 1,0 0,0-11,0-11,0-15,0-15,0-10,0-1,0-1,0 4,0 5,0 5,0 10,0 16,0 12,0 8,0 4,0 3,0 0,0-1,0 0,0 0,0-2,0 0,0-7,0-10,0-12,0-16,0-6,0-6,0 0,0 2,0 5,0 2,0 3,0 2,0 8,0 14,0 14,0 7,-3 8,-1 2,-1-1,2-1,0-3,2-2,0-2,0-11,1-15,1-10,-1-10,0-4,0-1,0 2,0 1,0 1,0 2,0 2,0 7,0 13,0 14,-3 12,-2 5,1 1,1-2,0-2,2-2,0-1,0-3,1-7,0-10,1-9,-1-7,0-8,-3 9,-2 10,1 12,0 12,2 8,-3 3,-1 2,1-1,1-4,2-3,0-2,1-11,1-10,0-9,1-9,-1-4,0-3,0-2,0-1,0 1,0-1,0 2,0 6,0 14,0 10,0 11,0 5,-3 2,-2 0,1-1,1-9,0-14,2-11,0-8,0-4,5 1,4 4,2 0,-2 1,2 1,-1 0,1 2,-1 0,-1-2,-4-3,-1-1,-1-2,2 3,0 0,0 7,-1 8,-1 7,-4 11,-2 8,0 5,-3-1,0-1,-3-2,1-1,2-3,2-1,2 0,1-8,1-12,1-18,1-9,-1-7,0-1,1 1,-1 4,0 2,0 10,0 11,0 10,0 8,0 5,0 3,0 3,0-1,0 1,-4-4,0-9,-1-10,1-8,5-6,6 0,1-3,0 0,1 1,4 4,-2 1,2 2,2 3,-2-2,1 2,-3 4,-2 10,-4 10,-2 6,-5 9,-2 6,-4 4,-1-3,2-4,1-5,-1-4,0-11,1-10,2-15,6-4,1-5,1-2,0-1,2-1,-2 8,-3 8,-2 10,-3 3,-2 5,-3 0,0 2,-2-2,1-7,2-7,3-7,1-5,3-8,0-3,1-1,1 1,2 4,2 2,0 2,-1-1,-1 0,-2-1,0-1,-1 1,0-2,0 1,0-1,0 11,0 10,-1 9,1 7,0 3,0 2,0 1,0 1,0-1,0 0,0-7,0-11,0-8,0-8,0-5,0-2,0-3,0 0,0-1,0 1,0 8,0 12,0 11,0 7,0 4,0 3,0 0,0 0,-3-7,-2-10,1-10,1-7,0-6,2-3,0-1,0-2,1 1,0 0,1 0,-1 1,0 7,0 13,0 14,0 7,0 5,0 2,0-2,0 0,0-9,0-10,0-9,0-8,0-6,0-3,0-2,0 0,0-1,0 1,0 7,0 13,0 11,0 7,0 5,0 1,0 2,-3-5,-2-8,1-9,0-9,2-7,0-4,2-3,-1-1,1-1,0 1,1 0,-1 8,0 9,0 9,0 11,0 7,0 2,0 1,0-7,0-10,0-10,0-8,0-10,0-4,0-2,0 7,0 13,0 12,0 8,0 6,0 2,0 1,0-7,0-10,0-8,0-9,0-5,0-4,0-1,0 5,0 10,0 9,0 8,0 5,0 3,0 3,0 0,0 0,0 0,0-7,0-13,0-11,0-11,4-1,0-1,0-1,3 5,4 4,-1 9,-1 8,-3 7,-2 6,-2 3,-1 3,0 0,-2 0,1 0,-1-1,-2 1,-2-1,0-1,2 1,0-1,2-6,0-13,0-11,1-9,1-7,-1-1,0 1,0 7,0 11,0 10,0 9,0 5,0 4,0 2,0-10,0-14,0-14,0-10,0-5,0-1,0 3,0 8,0 16,0 12,0 11,0 6,0 4,-3-5,-2-8,1-15,1-17,0-9,2-12,0-5,0 1,1 4,0 5,1 12,-1 12,0 16,0 12,0 8,0 5,0 2,0-3,0-2,0-10,4-15,0-15,4-13,4-2,-1-4,3 3,-3 4,-2 8,-3 13,-2 16,-3 7,0 4,-1 2,-4-1,-1-1,0-8,1-11,1-13,1-9,2-5,-1-3,1 6,0 11,1 8,-1 9,0 6,0 3,0-8,0-10,0-1,0 3,0 4,-3 4,-6 1,0-5,1-8,2-10,1-7,3-4,1-2,1 7,0 10,0 9,0 8,1-4,-1-7,0-11,0-9,0 1,0 9,0 8,0 2,0 5,-3 1,-2 4,-2 3,-1 4,1 2,2 2,1 1,3 0,-4-4,0-7,0-9,2-9,1-6,0-5,2-1,-1-2,2-1,-1 8,-4 6,-3 4,-2 0,1-2,2 2,2 7,2 6,1-2,0-6,2-5,-1 0,0 2</inkml:trace>
+</inkml:ink>
+</file>
+
+<file path=ppt/ink/ink3.xml><?xml version="1.0" encoding="utf-8"?>
+<inkml:ink xmlns:inkml="http://www.w3.org/2003/InkML">
+  <inkml:definitions>
+    <inkml:context xml:id="ctx0">
+      <inkml:inkSource xml:id="inkSrc0">
+        <inkml:traceFormat>
+          <inkml:channel name="X" type="integer" min="-2.14748E9" max="2.14748E9" units="cm"/>
+          <inkml:channel name="Y" type="integer" min="-2.14748E9" max="2.14748E9" units="cm"/>
+        </inkml:traceFormat>
+        <inkml:channelProperties>
+          <inkml:channelProperty channel="X" name="resolution" value="1000" units="1/cm"/>
+          <inkml:channelProperty channel="Y" name="resolution" value="1000" units="1/cm"/>
+        </inkml:channelProperties>
+      </inkml:inkSource>
+      <inkml:timestamp xml:id="ts0" timeString="2024-02-04T05:15:52.467"/>
+    </inkml:context>
+    <inkml:brush xml:id="br0">
+      <inkml:brushProperty name="width" value="0.05" units="cm"/>
+      <inkml:brushProperty name="height" value="0.3" units="cm"/>
+      <inkml:brushProperty name="color" value="#FFFFFF"/>
+      <inkml:brushProperty name="ignorePressure" value="1"/>
+      <inkml:brushProperty name="inkEffects" value="pencil"/>
+    </inkml:brush>
+  </inkml:definitions>
+  <inkml:trace contextRef="#ctx0" brushRef="#br0">2 17,'1'0,"1"-1,0-3,0 2,-1 2,0 3,-1 2,0 0,0-4,2-3,0-3,1 0,1-2,-1 3,-1 3,0 5,-3 4,-1 1,0 2,1-1,-1 0,3-1,2-3,2-2,1-3,0-2,0-3,-2-1,-3-1,-3 1,-2 2,-3 2,0 4,0 2,-1 0,1 2,3 0,0-2,2-4,2-3,1-3,1-2,2-1,0 1,1 1,-1 3,0 3,-1 3</inkml:trace>
+</inkml:ink>
+</file>
+
+<file path=ppt/ink/ink4.xml><?xml version="1.0" encoding="utf-8"?>
+<inkml:ink xmlns:inkml="http://www.w3.org/2003/InkML">
+  <inkml:definitions>
+    <inkml:context xml:id="ctx0">
+      <inkml:inkSource xml:id="inkSrc0">
+        <inkml:traceFormat>
+          <inkml:channel name="X" type="integer" min="-2.14748E9" max="2.14748E9" units="cm"/>
+          <inkml:channel name="Y" type="integer" min="-2.14748E9" max="2.14748E9" units="cm"/>
+        </inkml:traceFormat>
+        <inkml:channelProperties>
+          <inkml:channelProperty channel="X" name="resolution" value="1000" units="1/cm"/>
+          <inkml:channelProperty channel="Y" name="resolution" value="1000" units="1/cm"/>
+        </inkml:channelProperties>
+      </inkml:inkSource>
+      <inkml:timestamp xml:id="ts0" timeString="2024-02-04T05:15:53.498"/>
+    </inkml:context>
+    <inkml:brush xml:id="br0">
+      <inkml:brushProperty name="width" value="0.05" units="cm"/>
+      <inkml:brushProperty name="height" value="0.3" units="cm"/>
+      <inkml:brushProperty name="color" value="#FFFFFF"/>
+      <inkml:brushProperty name="ignorePressure" value="1"/>
+      <inkml:brushProperty name="inkEffects" value="pencil"/>
+    </inkml:brush>
+  </inkml:definitions>
+  <inkml:trace contextRef="#ctx0" brushRef="#br0">0 0,'0'0</inkml:trace>
+</inkml:ink>
+</file>
+
+<file path=ppt/ink/ink5.xml><?xml version="1.0" encoding="utf-8"?>
+<inkml:ink xmlns:inkml="http://www.w3.org/2003/InkML">
+  <inkml:definitions>
+    <inkml:context xml:id="ctx0">
+      <inkml:inkSource xml:id="inkSrc0">
+        <inkml:traceFormat>
+          <inkml:channel name="X" type="integer" min="-2.14748E9" max="2.14748E9" units="cm"/>
+          <inkml:channel name="Y" type="integer" min="-2.14748E9" max="2.14748E9" units="cm"/>
+        </inkml:traceFormat>
+        <inkml:channelProperties>
+          <inkml:channelProperty channel="X" name="resolution" value="1000" units="1/cm"/>
+          <inkml:channelProperty channel="Y" name="resolution" value="1000" units="1/cm"/>
+        </inkml:channelProperties>
+      </inkml:inkSource>
+      <inkml:timestamp xml:id="ts0" timeString="2024-02-04T05:15:53.748"/>
+    </inkml:context>
+    <inkml:brush xml:id="br0">
+      <inkml:brushProperty name="width" value="0.05" units="cm"/>
+      <inkml:brushProperty name="height" value="0.3" units="cm"/>
+      <inkml:brushProperty name="color" value="#FFFFFF"/>
+      <inkml:brushProperty name="ignorePressure" value="1"/>
+      <inkml:brushProperty name="inkEffects" value="pencil"/>
+    </inkml:brush>
+  </inkml:definitions>
+  <inkml:trace contextRef="#ctx0" brushRef="#br0">0 0,'0'0</inkml:trace>
+</inkml:ink>
+</file>
+
+<file path=ppt/ink/ink6.xml><?xml version="1.0" encoding="utf-8"?>
+<inkml:ink xmlns:inkml="http://www.w3.org/2003/InkML">
+  <inkml:definitions>
+    <inkml:context xml:id="ctx0">
+      <inkml:inkSource xml:id="inkSrc0">
+        <inkml:traceFormat>
+          <inkml:channel name="X" type="integer" min="-2.14748E9" max="2.14748E9" units="cm"/>
+          <inkml:channel name="Y" type="integer" min="-2.14748E9" max="2.14748E9" units="cm"/>
+        </inkml:traceFormat>
+        <inkml:channelProperties>
+          <inkml:channelProperty channel="X" name="resolution" value="1000" units="1/cm"/>
+          <inkml:channelProperty channel="Y" name="resolution" value="1000" units="1/cm"/>
+        </inkml:channelProperties>
+      </inkml:inkSource>
+      <inkml:timestamp xml:id="ts0" timeString="2024-02-04T05:15:53.982"/>
+    </inkml:context>
+    <inkml:brush xml:id="br0">
+      <inkml:brushProperty name="width" value="0.05" units="cm"/>
+      <inkml:brushProperty name="height" value="0.3" units="cm"/>
+      <inkml:brushProperty name="color" value="#FFFFFF"/>
+      <inkml:brushProperty name="ignorePressure" value="1"/>
+      <inkml:brushProperty name="inkEffects" value="pencil"/>
+    </inkml:brush>
+  </inkml:definitions>
+  <inkml:trace contextRef="#ctx0" brushRef="#br0">0 0,'0'0</inkml:trace>
+</inkml:ink>
+</file>
+
+<file path=ppt/ink/ink7.xml><?xml version="1.0" encoding="utf-8"?>
+<inkml:ink xmlns:inkml="http://www.w3.org/2003/InkML">
+  <inkml:definitions>
+    <inkml:context xml:id="ctx0">
+      <inkml:inkSource xml:id="inkSrc0">
+        <inkml:traceFormat>
+          <inkml:channel name="X" type="integer" min="-2.14748E9" max="2.14748E9" units="cm"/>
+          <inkml:channel name="Y" type="integer" min="-2.14748E9" max="2.14748E9" units="cm"/>
+          <inkml:channel name="F" type="integer" max="32767" units="dev"/>
+        </inkml:traceFormat>
+        <inkml:channelProperties>
+          <inkml:channelProperty channel="X" name="resolution" value="1000" units="1/cm"/>
+          <inkml:channelProperty channel="Y" name="resolution" value="1000" units="1/cm"/>
+          <inkml:channelProperty channel="F" name="resolution" value="0" units="1/dev"/>
+        </inkml:channelProperties>
+      </inkml:inkSource>
+      <inkml:timestamp xml:id="ts0" timeString="2024-02-04T05:16:02.946"/>
+    </inkml:context>
+    <inkml:brush xml:id="br0">
+      <inkml:brushProperty name="width" value="0.2" units="cm"/>
+      <inkml:brushProperty name="height" value="0.2" units="cm"/>
+      <inkml:brushProperty name="color" value="#FFFFFF"/>
+    </inkml:brush>
+  </inkml:definitions>
+  <inkml:trace contextRef="#ctx0" brushRef="#br0">1 1 24575</inkml:trace>
+</inkml:ink>
+</file>
+
+<file path=ppt/ink/ink8.xml><?xml version="1.0" encoding="utf-8"?>
+<inkml:ink xmlns:inkml="http://www.w3.org/2003/InkML">
+  <inkml:definitions>
+    <inkml:context xml:id="ctx0">
+      <inkml:inkSource xml:id="inkSrc0">
+        <inkml:traceFormat>
+          <inkml:channel name="X" type="integer" min="-2.14748E9" max="2.14748E9" units="cm"/>
+          <inkml:channel name="Y" type="integer" min="-2.14748E9" max="2.14748E9" units="cm"/>
+          <inkml:channel name="F" type="integer" max="32767" units="dev"/>
+        </inkml:traceFormat>
+        <inkml:channelProperties>
+          <inkml:channelProperty channel="X" name="resolution" value="1000" units="1/cm"/>
+          <inkml:channelProperty channel="Y" name="resolution" value="1000" units="1/cm"/>
+          <inkml:channelProperty channel="F" name="resolution" value="0" units="1/dev"/>
+        </inkml:channelProperties>
+      </inkml:inkSource>
+      <inkml:timestamp xml:id="ts0" timeString="2024-02-04T05:16:05.461"/>
+    </inkml:context>
+    <inkml:brush xml:id="br0">
+      <inkml:brushProperty name="width" value="0.2" units="cm"/>
+      <inkml:brushProperty name="height" value="0.2" units="cm"/>
+      <inkml:brushProperty name="color" value="#FFFFFF"/>
+    </inkml:brush>
+  </inkml:definitions>
+  <inkml:trace contextRef="#ctx0" brushRef="#br0">1 1 24575,'0'0'-8191</inkml:trace>
+</inkml:ink>
+</file>
+
+<file path=ppt/ink/ink9.xml><?xml version="1.0" encoding="utf-8"?>
+<inkml:ink xmlns:inkml="http://www.w3.org/2003/InkML">
+  <inkml:definitions>
+    <inkml:context xml:id="ctx0">
+      <inkml:inkSource xml:id="inkSrc0">
+        <inkml:traceFormat>
+          <inkml:channel name="X" type="integer" min="-2.14748E9" max="2.14748E9" units="cm"/>
+          <inkml:channel name="Y" type="integer" min="-2.14748E9" max="2.14748E9" units="cm"/>
+          <inkml:channel name="F" type="integer" max="32767" units="dev"/>
+        </inkml:traceFormat>
+        <inkml:channelProperties>
+          <inkml:channelProperty channel="X" name="resolution" value="1000" units="1/cm"/>
+          <inkml:channelProperty channel="Y" name="resolution" value="1000" units="1/cm"/>
+          <inkml:channelProperty channel="F" name="resolution" value="0" units="1/dev"/>
+        </inkml:channelProperties>
+      </inkml:inkSource>
+      <inkml:timestamp xml:id="ts0" timeString="2024-02-04T05:16:08.039"/>
+    </inkml:context>
+    <inkml:brush xml:id="br0">
+      <inkml:brushProperty name="width" value="0.2" units="cm"/>
+      <inkml:brushProperty name="height" value="0.2" units="cm"/>
+      <inkml:brushProperty name="color" value="#FFFFFF"/>
+    </inkml:brush>
+  </inkml:definitions>
+  <inkml:trace contextRef="#ctx0" brushRef="#br0">0 1 24575,'0'0'-8191</inkml:trace>
+</inkml:ink>
+</file>
+
 <file path=ppt/slideLayouts/slideLayout1.xml><?xml version="1.0" encoding="utf-8"?>
 <p:sldLayout xmlns:a="http://schemas.openxmlformats.org/drawingml/2006/main" xmlns:r="http://schemas.openxmlformats.org/officeDocument/2006/relationships" xmlns:p="http://schemas.openxmlformats.org/presentationml/2006/main" type="obj" preserve="1">
   <p:cSld name="Title Slide">
@@ -279,7 +537,7 @@
           <a:p>
             <a:fld id="{1D8BD707-D9CF-40AE-B4C6-C98DA3205C09}" type="datetimeFigureOut">
               <a:rPr lang="en-US"/>
-              <a:t>1/23/2024</a:t>
+              <a:t>2/1/2024</a:t>
             </a:fld>
             <a:endParaRPr lang="en-US"/>
           </a:p>
@@ -456,7 +714,7 @@
           <a:p>
             <a:fld id="{1D8BD707-D9CF-40AE-B4C6-C98DA3205C09}" type="datetimeFigureOut">
               <a:rPr lang="en-US"/>
-              <a:t>1/23/2024</a:t>
+              <a:t>2/1/2024</a:t>
             </a:fld>
             <a:endParaRPr lang="en-US"/>
           </a:p>
@@ -670,7 +928,7 @@
           <a:p>
             <a:fld id="{1D8BD707-D9CF-40AE-B4C6-C98DA3205C09}" type="datetimeFigureOut">
               <a:rPr lang="en-US"/>
-              <a:t>1/23/2024</a:t>
+              <a:t>2/1/2024</a:t>
             </a:fld>
             <a:endParaRPr lang="en-US"/>
           </a:p>
@@ -818,7 +1076,7 @@
           <a:p>
             <a:fld id="{1D8BD707-D9CF-40AE-B4C6-C98DA3205C09}" type="datetimeFigureOut">
               <a:rPr lang="en-US"/>
-              <a:t>1/23/2024</a:t>
+              <a:t>2/1/2024</a:t>
             </a:fld>
             <a:endParaRPr lang="en-US"/>
           </a:p>
@@ -945,7 +1203,7 @@
           <a:p>
             <a:fld id="{1D8BD707-D9CF-40AE-B4C6-C98DA3205C09}" type="datetimeFigureOut">
               <a:rPr lang="en-US"/>
-              <a:t>1/23/2024</a:t>
+              <a:t>2/1/2024</a:t>
             </a:fld>
             <a:endParaRPr lang="en-US"/>
           </a:p>
@@ -1199,7 +1457,7 @@
           <a:p>
             <a:fld id="{1D8BD707-D9CF-40AE-B4C6-C98DA3205C09}" type="datetimeFigureOut">
               <a:rPr lang="en-US"/>
-              <a:t>1/23/2024</a:t>
+              <a:t>2/1/2024</a:t>
             </a:fld>
             <a:endParaRPr lang="en-US"/>
           </a:p>
@@ -5469,14 +5727,14 @@
           <p:nvPr>
             <p:extLst>
               <p:ext uri="{D42A27DB-BD31-4B8C-83A1-F6EECF244321}">
-                <p14:modId xmlns:p14="http://schemas.microsoft.com/office/powerpoint/2010/main" val="2520796059"/>
+                <p14:modId xmlns:p14="http://schemas.microsoft.com/office/powerpoint/2010/main" val="766649165"/>
               </p:ext>
             </p:extLst>
           </p:nvPr>
         </p:nvGraphicFramePr>
         <p:xfrm>
-          <a:off x="762000" y="1100804"/>
-          <a:ext cx="9144000" cy="4981720"/>
+          <a:off x="762000" y="1100803"/>
+          <a:ext cx="10134600" cy="5495068"/>
         </p:xfrm>
         <a:graphic>
           <a:graphicData uri="http://schemas.openxmlformats.org/drawingml/2006/table">
@@ -5485,14 +5743,14 @@
                 <a:tableStyleId>{9D7B26C5-4107-4FEC-AEDC-1716B250A1EF}</a:tableStyleId>
               </a:tblPr>
               <a:tblGrid>
-                <a:gridCol w="4572000">
+                <a:gridCol w="5067300">
                   <a:extLst>
                     <a:ext uri="{9D8B030D-6E8A-4147-A177-3AD203B41FA5}">
                       <a16:colId xmlns:a16="http://schemas.microsoft.com/office/drawing/2014/main" val="4294600775"/>
                     </a:ext>
                   </a:extLst>
                 </a:gridCol>
-                <a:gridCol w="4572000">
+                <a:gridCol w="5067300">
                   <a:extLst>
                     <a:ext uri="{9D8B030D-6E8A-4147-A177-3AD203B41FA5}">
                       <a16:colId xmlns:a16="http://schemas.microsoft.com/office/drawing/2014/main" val="3208613597"/>
@@ -5500,7 +5758,7 @@
                   </a:extLst>
                 </a:gridCol>
               </a:tblGrid>
-              <a:tr h="605350">
+              <a:tr h="667729">
                 <a:tc>
                   <a:txBody>
                     <a:bodyPr/>
@@ -5551,7 +5809,7 @@
                   </a:ext>
                 </a:extLst>
               </a:tr>
-              <a:tr h="605350">
+              <a:tr h="706038">
                 <a:tc>
                   <a:txBody>
                     <a:bodyPr/>
@@ -5611,7 +5869,7 @@
                   </a:ext>
                 </a:extLst>
               </a:tr>
-              <a:tr h="605350">
+              <a:tr h="706038">
                 <a:tc>
                   <a:txBody>
                     <a:bodyPr/>
@@ -5674,7 +5932,7 @@
                             <a:schemeClr val="bg1"/>
                           </a:solidFill>
                         </a:rPr>
-                        <a:t>req.body</a:t>
+                        <a:t>reqest.body</a:t>
                       </a:r>
                       <a:r>
                         <a:rPr lang="en-US" dirty="0">
@@ -5699,7 +5957,7 @@
                   </a:ext>
                 </a:extLst>
               </a:tr>
-              <a:tr h="605350">
+              <a:tr h="706038">
                 <a:tc>
                   <a:txBody>
                     <a:bodyPr/>
@@ -5752,7 +6010,7 @@
                   </a:ext>
                 </a:extLst>
               </a:tr>
-              <a:tr h="605350">
+              <a:tr h="706038">
                 <a:tc>
                   <a:txBody>
                     <a:bodyPr/>
@@ -5811,7 +6069,7 @@
                   </a:ext>
                 </a:extLst>
               </a:tr>
-              <a:tr h="605350">
+              <a:tr h="667729">
                 <a:tc>
                   <a:txBody>
                     <a:bodyPr/>
@@ -5862,7 +6120,7 @@
                   </a:ext>
                 </a:extLst>
               </a:tr>
-              <a:tr h="605350">
+              <a:tr h="667729">
                 <a:tc>
                   <a:txBody>
                     <a:bodyPr/>
@@ -5897,7 +6155,7 @@
                   </a:ext>
                 </a:extLst>
               </a:tr>
-              <a:tr h="605350">
+              <a:tr h="667729">
                 <a:tc>
                   <a:txBody>
                     <a:bodyPr/>
@@ -5974,7 +6232,7 @@
         </p:nvSpPr>
         <p:spPr>
           <a:xfrm>
-            <a:off x="1" y="44199"/>
+            <a:off x="1" y="0"/>
             <a:ext cx="12191999" cy="7118601"/>
           </a:xfrm>
           <a:prstGeom prst="rect">
@@ -6105,7 +6363,7 @@
         <p:spPr>
           <a:xfrm>
             <a:off x="762000" y="914400"/>
-            <a:ext cx="11283579" cy="5754781"/>
+            <a:ext cx="11283579" cy="4867358"/>
           </a:xfrm>
           <a:prstGeom prst="rect">
             <a:avLst/>
@@ -6194,6 +6452,21 @@
               </a:spcBef>
               <a:buAutoNum type="arabicPeriod"/>
             </a:pPr>
+            <a:r>
+              <a:rPr lang="en-US" sz="2800" kern="0" dirty="0">
+                <a:latin typeface="+mn-lt"/>
+                <a:cs typeface="Carlito"/>
+              </a:rPr>
+              <a:t>Our page gets render in root(‘/’) path.</a:t>
+            </a:r>
+          </a:p>
+          <a:p>
+            <a:pPr marL="527050" indent="-514350">
+              <a:spcBef>
+                <a:spcPts val="95"/>
+              </a:spcBef>
+              <a:buAutoNum type="arabicPeriod"/>
+            </a:pPr>
             <a:endParaRPr lang="en-US" sz="2800" kern="0" dirty="0">
               <a:latin typeface="+mn-lt"/>
               <a:cs typeface="Carlito"/>
@@ -6223,97 +6496,22 @@
                 <a:latin typeface="+mn-lt"/>
                 <a:cs typeface="Carlito"/>
               </a:rPr>
-              <a:t>Make the method POST and in index.js</a:t>
-            </a:r>
-          </a:p>
-          <a:p>
-            <a:pPr marL="12700">
-              <a:spcBef>
-                <a:spcPts val="95"/>
-              </a:spcBef>
-            </a:pPr>
-            <a:r>
-              <a:rPr lang="en-US" sz="2800" kern="0" dirty="0">
-                <a:latin typeface="+mn-lt"/>
-                <a:cs typeface="Carlito"/>
-              </a:rPr>
-              <a:t>use </a:t>
-            </a:r>
-            <a:r>
-              <a:rPr lang="en-US" sz="2800" kern="0" dirty="0" err="1">
-                <a:latin typeface="+mn-lt"/>
-                <a:cs typeface="Carlito"/>
-              </a:rPr>
-              <a:t>app.post</a:t>
-            </a:r>
-            <a:endParaRPr lang="en-US" sz="2800" kern="0" dirty="0">
-              <a:latin typeface="+mn-lt"/>
-              <a:cs typeface="Carlito"/>
-            </a:endParaRPr>
-          </a:p>
-          <a:p>
-            <a:pPr marL="12700">
-              <a:spcBef>
-                <a:spcPts val="95"/>
-              </a:spcBef>
-            </a:pPr>
-            <a:endParaRPr lang="en-US" sz="2800" kern="0" dirty="0">
-              <a:latin typeface="+mn-lt"/>
-              <a:cs typeface="Carlito"/>
-            </a:endParaRPr>
-          </a:p>
-          <a:p>
-            <a:pPr marL="12700">
-              <a:spcBef>
-                <a:spcPts val="95"/>
-              </a:spcBef>
-            </a:pPr>
-            <a:r>
-              <a:rPr lang="en-US" sz="2800" kern="0" dirty="0">
-                <a:latin typeface="+mn-lt"/>
-                <a:cs typeface="Carlito"/>
-              </a:rPr>
-              <a:t>6. By default </a:t>
-            </a:r>
-            <a:r>
-              <a:rPr lang="en-US" sz="2800" kern="0" dirty="0" err="1">
-                <a:latin typeface="+mn-lt"/>
-                <a:cs typeface="Carlito"/>
-              </a:rPr>
-              <a:t>req.body</a:t>
-            </a:r>
-            <a:r>
-              <a:rPr lang="en-US" sz="2800" kern="0" dirty="0">
-                <a:latin typeface="+mn-lt"/>
-                <a:cs typeface="Carlito"/>
-              </a:rPr>
-              <a:t> gives undefined so we</a:t>
-            </a:r>
-          </a:p>
-          <a:p>
-            <a:pPr marL="12700">
-              <a:spcBef>
-                <a:spcPts val="95"/>
-              </a:spcBef>
-            </a:pPr>
-            <a:r>
-              <a:rPr lang="en-US" sz="2800" kern="0" dirty="0">
-                <a:latin typeface="+mn-lt"/>
-                <a:cs typeface="Carlito"/>
-              </a:rPr>
-              <a:t>have to use a middleware </a:t>
-            </a:r>
-            <a:r>
-              <a:rPr lang="en-US" sz="2800" kern="0" dirty="0" err="1">
-                <a:latin typeface="+mn-lt"/>
-                <a:cs typeface="Carlito"/>
-              </a:rPr>
-              <a:t>i.e</a:t>
-            </a:r>
-            <a:endParaRPr lang="en-US" sz="2800" kern="0" dirty="0">
-              <a:latin typeface="+mn-lt"/>
-              <a:cs typeface="Carlito"/>
-            </a:endParaRPr>
+              <a:t>After that because of action data gets send </a:t>
+            </a:r>
+          </a:p>
+          <a:p>
+            <a:pPr marL="12700">
+              <a:spcBef>
+                <a:spcPts val="95"/>
+              </a:spcBef>
+            </a:pPr>
+            <a:r>
+              <a:rPr lang="en-US" sz="2800" kern="0" dirty="0">
+                <a:latin typeface="+mn-lt"/>
+                <a:cs typeface="Carlito"/>
+              </a:rPr>
+              <a:t>to ‘/user’.</a:t>
+            </a:r>
           </a:p>
           <a:p>
             <a:pPr marL="527050" indent="-514350">
@@ -6381,7 +6579,7 @@
         </p:blipFill>
         <p:spPr>
           <a:xfrm>
-            <a:off x="762000" y="3124200"/>
+            <a:off x="7620000" y="4267200"/>
             <a:ext cx="3858206" cy="956884"/>
           </a:xfrm>
           <a:prstGeom prst="rect">
@@ -6389,6 +6587,444 @@
           </a:prstGeom>
         </p:spPr>
       </p:pic>
+      <p:pic>
+        <p:nvPicPr>
+          <p:cNvPr id="8" name="Picture 7">
+            <a:extLst>
+              <a:ext uri="{FF2B5EF4-FFF2-40B4-BE49-F238E27FC236}">
+                <a16:creationId xmlns:a16="http://schemas.microsoft.com/office/drawing/2014/main" id="{A81EA3DF-6380-2E28-EFD4-DE1FAA3C35AD}"/>
+              </a:ext>
+            </a:extLst>
+          </p:cNvPr>
+          <p:cNvPicPr>
+            <a:picLocks noChangeAspect="1"/>
+          </p:cNvPicPr>
+          <p:nvPr/>
+        </p:nvPicPr>
+        <p:blipFill rotWithShape="1">
+          <a:blip r:embed="rId6"/>
+          <a:srcRect l="3926"/>
+          <a:stretch/>
+        </p:blipFill>
+        <p:spPr>
+          <a:xfrm>
+            <a:off x="1295400" y="3581400"/>
+            <a:ext cx="3429000" cy="888805"/>
+          </a:xfrm>
+          <a:prstGeom prst="rect">
+            <a:avLst/>
+          </a:prstGeom>
+        </p:spPr>
+      </p:pic>
+    </p:spTree>
+    <p:extLst>
+      <p:ext uri="{BB962C8B-B14F-4D97-AF65-F5344CB8AC3E}">
+        <p14:creationId xmlns:p14="http://schemas.microsoft.com/office/powerpoint/2010/main" val="749658887"/>
+      </p:ext>
+    </p:extLst>
+  </p:cSld>
+  <p:clrMapOvr>
+    <a:masterClrMapping/>
+  </p:clrMapOvr>
+</p:sld>
+</file>
+
+<file path=ppt/slides/slide19.xml><?xml version="1.0" encoding="utf-8"?>
+<p:sld xmlns:a="http://schemas.openxmlformats.org/drawingml/2006/main" xmlns:r="http://schemas.openxmlformats.org/officeDocument/2006/relationships" xmlns:p="http://schemas.openxmlformats.org/presentationml/2006/main">
+  <p:cSld>
+    <p:spTree>
+      <p:nvGrpSpPr>
+        <p:cNvPr id="1" name=""/>
+        <p:cNvGrpSpPr/>
+        <p:nvPr/>
+      </p:nvGrpSpPr>
+      <p:grpSpPr>
+        <a:xfrm>
+          <a:off x="0" y="0"/>
+          <a:ext cx="0" cy="0"/>
+          <a:chOff x="0" y="0"/>
+          <a:chExt cx="0" cy="0"/>
+        </a:xfrm>
+      </p:grpSpPr>
+      <p:sp>
+        <p:nvSpPr>
+          <p:cNvPr id="2" name="object 2"/>
+          <p:cNvSpPr/>
+          <p:nvPr/>
+        </p:nvSpPr>
+        <p:spPr>
+          <a:xfrm>
+            <a:off x="1" y="44199"/>
+            <a:ext cx="12191999" cy="7118601"/>
+          </a:xfrm>
+          <a:prstGeom prst="rect">
+            <a:avLst/>
+          </a:prstGeom>
+          <a:blipFill>
+            <a:blip r:embed="rId2" cstate="print"/>
+            <a:stretch>
+              <a:fillRect/>
+            </a:stretch>
+          </a:blipFill>
+        </p:spPr>
+        <p:txBody>
+          <a:bodyPr wrap="square" lIns="0" tIns="0" rIns="0" bIns="0" rtlCol="0"/>
+          <a:lstStyle/>
+          <a:p>
+            <a:endParaRPr b="1" dirty="0">
+              <a:ln w="13462">
+                <a:solidFill>
+                  <a:schemeClr val="bg1"/>
+                </a:solidFill>
+                <a:prstDash val="solid"/>
+              </a:ln>
+              <a:solidFill>
+                <a:schemeClr val="tx1">
+                  <a:lumMod val="85000"/>
+                  <a:lumOff val="15000"/>
+                </a:schemeClr>
+              </a:solidFill>
+              <a:effectLst>
+                <a:outerShdw dist="38100" dir="2700000" algn="bl" rotWithShape="0">
+                  <a:schemeClr val="accent5"/>
+                </a:outerShdw>
+              </a:effectLst>
+            </a:endParaRPr>
+          </a:p>
+        </p:txBody>
+      </p:sp>
+      <p:sp>
+        <p:nvSpPr>
+          <p:cNvPr id="3" name="object 3"/>
+          <p:cNvSpPr txBox="1">
+            <a:spLocks noGrp="1"/>
+          </p:cNvSpPr>
+          <p:nvPr>
+            <p:ph type="title"/>
+          </p:nvPr>
+        </p:nvSpPr>
+        <p:spPr>
+          <a:xfrm>
+            <a:off x="762000" y="304800"/>
+            <a:ext cx="7239000" cy="535403"/>
+          </a:xfrm>
+          <a:prstGeom prst="rect">
+            <a:avLst/>
+          </a:prstGeom>
+        </p:spPr>
+        <p:txBody>
+          <a:bodyPr vert="horz" wrap="square" lIns="0" tIns="12065" rIns="0" bIns="0" rtlCol="0">
+            <a:spAutoFit/>
+          </a:bodyPr>
+          <a:lstStyle/>
+          <a:p>
+            <a:pPr marL="12700">
+              <a:lnSpc>
+                <a:spcPct val="100000"/>
+              </a:lnSpc>
+              <a:spcBef>
+                <a:spcPts val="95"/>
+              </a:spcBef>
+            </a:pPr>
+            <a:r>
+              <a:rPr lang="en-US" sz="3400" b="1" spc="-5" dirty="0">
+                <a:solidFill>
+                  <a:srgbClr val="FFFFFF"/>
+                </a:solidFill>
+                <a:latin typeface="Carlito"/>
+                <a:cs typeface="Carlito"/>
+              </a:rPr>
+              <a:t>Getter and Poster Methods</a:t>
+            </a:r>
+          </a:p>
+        </p:txBody>
+      </p:sp>
+      <p:sp>
+        <p:nvSpPr>
+          <p:cNvPr id="5" name="object 5"/>
+          <p:cNvSpPr/>
+          <p:nvPr/>
+        </p:nvSpPr>
+        <p:spPr>
+          <a:xfrm>
+            <a:off x="9816083" y="262127"/>
+            <a:ext cx="1976627" cy="822960"/>
+          </a:xfrm>
+          <a:prstGeom prst="rect">
+            <a:avLst/>
+          </a:prstGeom>
+          <a:blipFill>
+            <a:blip r:embed="rId3" cstate="print"/>
+            <a:stretch>
+              <a:fillRect/>
+            </a:stretch>
+          </a:blipFill>
+        </p:spPr>
+        <p:txBody>
+          <a:bodyPr wrap="square" lIns="0" tIns="0" rIns="0" bIns="0" rtlCol="0"/>
+          <a:lstStyle/>
+          <a:p>
+            <a:endParaRPr/>
+          </a:p>
+        </p:txBody>
+      </p:sp>
+      <p:sp>
+        <p:nvSpPr>
+          <p:cNvPr id="4" name="object 3">
+            <a:extLst>
+              <a:ext uri="{FF2B5EF4-FFF2-40B4-BE49-F238E27FC236}">
+                <a16:creationId xmlns:a16="http://schemas.microsoft.com/office/drawing/2014/main" id="{1ED9D45B-4B0D-FC76-3A8C-E89F6CD72254}"/>
+              </a:ext>
+            </a:extLst>
+          </p:cNvPr>
+          <p:cNvSpPr txBox="1">
+            <a:spLocks/>
+          </p:cNvSpPr>
+          <p:nvPr/>
+        </p:nvSpPr>
+        <p:spPr>
+          <a:xfrm>
+            <a:off x="762000" y="914400"/>
+            <a:ext cx="11283579" cy="5323893"/>
+          </a:xfrm>
+          <a:prstGeom prst="rect">
+            <a:avLst/>
+          </a:prstGeom>
+        </p:spPr>
+        <p:txBody>
+          <a:bodyPr vert="horz" wrap="square" lIns="0" tIns="12065" rIns="0" bIns="0" rtlCol="0">
+            <a:spAutoFit/>
+          </a:bodyPr>
+          <a:lstStyle>
+            <a:lvl1pPr>
+              <a:defRPr sz="6000" b="0" i="0">
+                <a:solidFill>
+                  <a:srgbClr val="E7E6E6"/>
+                </a:solidFill>
+                <a:latin typeface="Trebuchet MS"/>
+                <a:ea typeface="+mj-ea"/>
+                <a:cs typeface="Trebuchet MS"/>
+              </a:defRPr>
+            </a:lvl1pPr>
+          </a:lstStyle>
+          <a:p>
+            <a:pPr marL="527050" indent="-514350">
+              <a:spcBef>
+                <a:spcPts val="95"/>
+              </a:spcBef>
+              <a:buAutoNum type="arabicPeriod"/>
+            </a:pPr>
+            <a:r>
+              <a:rPr lang="en-US" sz="2800" kern="0" dirty="0">
+                <a:latin typeface="+mn-lt"/>
+                <a:cs typeface="Carlito"/>
+              </a:rPr>
+              <a:t>Our page gets render in root(‘/’) path. </a:t>
+            </a:r>
+          </a:p>
+          <a:p>
+            <a:pPr marL="527050" indent="-514350">
+              <a:spcBef>
+                <a:spcPts val="95"/>
+              </a:spcBef>
+              <a:buAutoNum type="arabicPeriod"/>
+            </a:pPr>
+            <a:r>
+              <a:rPr lang="en-US" sz="2800" kern="0" dirty="0">
+                <a:latin typeface="+mn-lt"/>
+                <a:cs typeface="Carlito"/>
+              </a:rPr>
+              <a:t>Make the method POST</a:t>
+            </a:r>
+          </a:p>
+          <a:p>
+            <a:pPr marL="527050" indent="-514350">
+              <a:spcBef>
+                <a:spcPts val="95"/>
+              </a:spcBef>
+              <a:buAutoNum type="arabicPeriod"/>
+            </a:pPr>
+            <a:r>
+              <a:rPr lang="en-US" sz="2800" kern="0" dirty="0">
+                <a:latin typeface="+mn-lt"/>
+                <a:cs typeface="Carlito"/>
+              </a:rPr>
+              <a:t>After that because of action data </a:t>
+            </a:r>
+          </a:p>
+          <a:p>
+            <a:pPr marL="12700">
+              <a:spcBef>
+                <a:spcPts val="95"/>
+              </a:spcBef>
+            </a:pPr>
+            <a:r>
+              <a:rPr lang="en-US" sz="2800" kern="0" dirty="0">
+                <a:latin typeface="+mn-lt"/>
+                <a:cs typeface="Carlito"/>
+              </a:rPr>
+              <a:t>gets send to ‘/user’ via post method</a:t>
+            </a:r>
+          </a:p>
+          <a:p>
+            <a:pPr marL="527050" indent="-514350">
+              <a:spcBef>
+                <a:spcPts val="95"/>
+              </a:spcBef>
+              <a:buAutoNum type="arabicPeriod" startAt="4"/>
+            </a:pPr>
+            <a:r>
+              <a:rPr lang="en-US" sz="2800" kern="0" dirty="0">
+                <a:latin typeface="+mn-lt"/>
+                <a:cs typeface="Carlito"/>
+              </a:rPr>
+              <a:t>and in index.js use </a:t>
+            </a:r>
+            <a:r>
+              <a:rPr lang="en-US" sz="2800" kern="0" dirty="0" err="1">
+                <a:latin typeface="+mn-lt"/>
+                <a:cs typeface="Carlito"/>
+              </a:rPr>
+              <a:t>app.post</a:t>
+            </a:r>
+            <a:r>
+              <a:rPr lang="en-US" sz="2800" kern="0" dirty="0">
+                <a:latin typeface="+mn-lt"/>
+                <a:cs typeface="Carlito"/>
+              </a:rPr>
+              <a:t> to get data</a:t>
+            </a:r>
+          </a:p>
+          <a:p>
+            <a:pPr marL="12700">
+              <a:spcBef>
+                <a:spcPts val="95"/>
+              </a:spcBef>
+            </a:pPr>
+            <a:r>
+              <a:rPr lang="en-US" sz="2800" kern="0" dirty="0">
+                <a:latin typeface="+mn-lt"/>
+                <a:cs typeface="Carlito"/>
+              </a:rPr>
+              <a:t>from there.</a:t>
+            </a:r>
+          </a:p>
+          <a:p>
+            <a:pPr marL="12700">
+              <a:spcBef>
+                <a:spcPts val="95"/>
+              </a:spcBef>
+            </a:pPr>
+            <a:r>
+              <a:rPr lang="en-US" sz="2800" kern="0" dirty="0">
+                <a:latin typeface="+mn-lt"/>
+                <a:cs typeface="Carlito"/>
+              </a:rPr>
+              <a:t>5.   By default </a:t>
+            </a:r>
+            <a:r>
+              <a:rPr lang="en-US" sz="2800" kern="0" dirty="0" err="1">
+                <a:latin typeface="+mn-lt"/>
+                <a:cs typeface="Carlito"/>
+              </a:rPr>
+              <a:t>req.body</a:t>
+            </a:r>
+            <a:r>
+              <a:rPr lang="en-US" sz="2800" kern="0" dirty="0">
+                <a:latin typeface="+mn-lt"/>
+                <a:cs typeface="Carlito"/>
+              </a:rPr>
+              <a:t> gives undefined so we</a:t>
+            </a:r>
+          </a:p>
+          <a:p>
+            <a:pPr marL="12700">
+              <a:spcBef>
+                <a:spcPts val="95"/>
+              </a:spcBef>
+            </a:pPr>
+            <a:r>
+              <a:rPr lang="en-US" sz="2800" kern="0" dirty="0">
+                <a:latin typeface="+mn-lt"/>
+                <a:cs typeface="Carlito"/>
+              </a:rPr>
+              <a:t>have to use a middleware </a:t>
+            </a:r>
+            <a:r>
+              <a:rPr lang="en-US" sz="2800" kern="0" dirty="0" err="1">
+                <a:latin typeface="+mn-lt"/>
+                <a:cs typeface="Carlito"/>
+              </a:rPr>
+              <a:t>i.e</a:t>
+            </a:r>
+            <a:endParaRPr lang="en-US" sz="2800" kern="0" dirty="0">
+              <a:latin typeface="+mn-lt"/>
+              <a:cs typeface="Carlito"/>
+            </a:endParaRPr>
+          </a:p>
+          <a:p>
+            <a:pPr marL="12700">
+              <a:spcBef>
+                <a:spcPts val="95"/>
+              </a:spcBef>
+            </a:pPr>
+            <a:endParaRPr lang="en-US" sz="2800" kern="0" dirty="0">
+              <a:latin typeface="+mn-lt"/>
+              <a:cs typeface="Carlito"/>
+            </a:endParaRPr>
+          </a:p>
+          <a:p>
+            <a:pPr marL="12700">
+              <a:spcBef>
+                <a:spcPts val="95"/>
+              </a:spcBef>
+            </a:pPr>
+            <a:endParaRPr lang="en-US" sz="2800" kern="0" dirty="0">
+              <a:latin typeface="+mn-lt"/>
+              <a:cs typeface="Carlito"/>
+            </a:endParaRPr>
+          </a:p>
+          <a:p>
+            <a:pPr marL="12700">
+              <a:spcBef>
+                <a:spcPts val="95"/>
+              </a:spcBef>
+            </a:pPr>
+            <a:r>
+              <a:rPr lang="en-US" sz="2800" kern="0" dirty="0">
+                <a:latin typeface="+mn-lt"/>
+                <a:cs typeface="Carlito"/>
+              </a:rPr>
+              <a:t>and for </a:t>
+            </a:r>
+            <a:r>
+              <a:rPr lang="en-US" sz="2800" kern="0" dirty="0" err="1">
+                <a:latin typeface="+mn-lt"/>
+                <a:cs typeface="Carlito"/>
+              </a:rPr>
+              <a:t>json</a:t>
+            </a:r>
+            <a:r>
+              <a:rPr lang="en-US" sz="2800" kern="0" dirty="0">
+                <a:latin typeface="+mn-lt"/>
+                <a:cs typeface="Carlito"/>
+              </a:rPr>
+              <a:t>() data use : </a:t>
+            </a:r>
+          </a:p>
+          <a:p>
+            <a:pPr marL="12700">
+              <a:spcBef>
+                <a:spcPts val="95"/>
+              </a:spcBef>
+            </a:pPr>
+            <a:endParaRPr lang="en-US" sz="2800" kern="0" dirty="0">
+              <a:latin typeface="+mn-lt"/>
+              <a:cs typeface="Carlito"/>
+            </a:endParaRPr>
+          </a:p>
+        </p:txBody>
+      </p:sp>
       <p:pic>
         <p:nvPicPr>
           <p:cNvPr id="13" name="Picture 12">
@@ -6404,14 +7040,14 @@
           <p:nvPr/>
         </p:nvPicPr>
         <p:blipFill>
-          <a:blip r:embed="rId6"/>
+          <a:blip r:embed="rId4"/>
           <a:stretch>
             <a:fillRect/>
           </a:stretch>
         </p:blipFill>
         <p:spPr>
           <a:xfrm>
-            <a:off x="7618905" y="4371173"/>
+            <a:off x="7748170" y="2543421"/>
             <a:ext cx="4215230" cy="1266579"/>
           </a:xfrm>
           <a:prstGeom prst="rect">
@@ -6434,15 +7070,73 @@
           <p:nvPr/>
         </p:nvPicPr>
         <p:blipFill>
-          <a:blip r:embed="rId7"/>
+          <a:blip r:embed="rId5"/>
           <a:stretch>
             <a:fillRect/>
           </a:stretch>
         </p:blipFill>
         <p:spPr>
           <a:xfrm>
-            <a:off x="762000" y="6169155"/>
+            <a:off x="762000" y="4495800"/>
             <a:ext cx="7706407" cy="841245"/>
+          </a:xfrm>
+          <a:prstGeom prst="rect">
+            <a:avLst/>
+          </a:prstGeom>
+        </p:spPr>
+      </p:pic>
+      <p:pic>
+        <p:nvPicPr>
+          <p:cNvPr id="8" name="Picture 7">
+            <a:extLst>
+              <a:ext uri="{FF2B5EF4-FFF2-40B4-BE49-F238E27FC236}">
+                <a16:creationId xmlns:a16="http://schemas.microsoft.com/office/drawing/2014/main" id="{F940AE69-8520-A3FF-5547-623FD2783BDF}"/>
+              </a:ext>
+            </a:extLst>
+          </p:cNvPr>
+          <p:cNvPicPr>
+            <a:picLocks noChangeAspect="1"/>
+          </p:cNvPicPr>
+          <p:nvPr/>
+        </p:nvPicPr>
+        <p:blipFill rotWithShape="1">
+          <a:blip r:embed="rId6"/>
+          <a:srcRect l="7228" t="14333"/>
+          <a:stretch/>
+        </p:blipFill>
+        <p:spPr>
+          <a:xfrm>
+            <a:off x="6933573" y="1371600"/>
+            <a:ext cx="5029827" cy="1008630"/>
+          </a:xfrm>
+          <a:prstGeom prst="rect">
+            <a:avLst/>
+          </a:prstGeom>
+        </p:spPr>
+      </p:pic>
+      <p:pic>
+        <p:nvPicPr>
+          <p:cNvPr id="11" name="Picture 10">
+            <a:extLst>
+              <a:ext uri="{FF2B5EF4-FFF2-40B4-BE49-F238E27FC236}">
+                <a16:creationId xmlns:a16="http://schemas.microsoft.com/office/drawing/2014/main" id="{FA4EEFFE-A49E-C130-8177-C32548BE8A19}"/>
+              </a:ext>
+            </a:extLst>
+          </p:cNvPr>
+          <p:cNvPicPr>
+            <a:picLocks noChangeAspect="1"/>
+          </p:cNvPicPr>
+          <p:nvPr/>
+        </p:nvPicPr>
+        <p:blipFill rotWithShape="1">
+          <a:blip r:embed="rId7"/>
+          <a:srcRect t="15598"/>
+          <a:stretch/>
+        </p:blipFill>
+        <p:spPr>
+          <a:xfrm>
+            <a:off x="762000" y="5943600"/>
+            <a:ext cx="4053240" cy="412326"/>
           </a:xfrm>
           <a:prstGeom prst="rect">
             <a:avLst/>
@@ -6452,7 +7146,7 @@
     </p:spTree>
     <p:extLst>
       <p:ext uri="{BB962C8B-B14F-4D97-AF65-F5344CB8AC3E}">
-        <p14:creationId xmlns:p14="http://schemas.microsoft.com/office/powerpoint/2010/main" val="749658887"/>
+        <p14:creationId xmlns:p14="http://schemas.microsoft.com/office/powerpoint/2010/main" val="1260108611"/>
       </p:ext>
     </p:extLst>
   </p:cSld>
@@ -7042,6 +7736,2635 @@
     <p:extLst>
       <p:ext uri="{BB962C8B-B14F-4D97-AF65-F5344CB8AC3E}">
         <p14:creationId xmlns:p14="http://schemas.microsoft.com/office/powerpoint/2010/main" val="539890603"/>
+      </p:ext>
+    </p:extLst>
+  </p:cSld>
+  <p:clrMapOvr>
+    <a:masterClrMapping/>
+  </p:clrMapOvr>
+</p:sld>
+</file>
+
+<file path=ppt/slides/slide20.xml><?xml version="1.0" encoding="utf-8"?>
+<p:sld xmlns:a="http://schemas.openxmlformats.org/drawingml/2006/main" xmlns:r="http://schemas.openxmlformats.org/officeDocument/2006/relationships" xmlns:p="http://schemas.openxmlformats.org/presentationml/2006/main">
+  <p:cSld>
+    <p:spTree>
+      <p:nvGrpSpPr>
+        <p:cNvPr id="1" name=""/>
+        <p:cNvGrpSpPr/>
+        <p:nvPr/>
+      </p:nvGrpSpPr>
+      <p:grpSpPr>
+        <a:xfrm>
+          <a:off x="0" y="0"/>
+          <a:ext cx="0" cy="0"/>
+          <a:chOff x="0" y="0"/>
+          <a:chExt cx="0" cy="0"/>
+        </a:xfrm>
+      </p:grpSpPr>
+      <p:sp>
+        <p:nvSpPr>
+          <p:cNvPr id="2" name="object 2"/>
+          <p:cNvSpPr/>
+          <p:nvPr/>
+        </p:nvSpPr>
+        <p:spPr>
+          <a:xfrm>
+            <a:off x="1" y="44199"/>
+            <a:ext cx="12191999" cy="7118601"/>
+          </a:xfrm>
+          <a:prstGeom prst="rect">
+            <a:avLst/>
+          </a:prstGeom>
+          <a:blipFill>
+            <a:blip r:embed="rId2" cstate="print"/>
+            <a:stretch>
+              <a:fillRect/>
+            </a:stretch>
+          </a:blipFill>
+        </p:spPr>
+        <p:txBody>
+          <a:bodyPr wrap="square" lIns="0" tIns="0" rIns="0" bIns="0" rtlCol="0"/>
+          <a:lstStyle/>
+          <a:p>
+            <a:endParaRPr b="1" dirty="0">
+              <a:ln w="13462">
+                <a:solidFill>
+                  <a:schemeClr val="bg1"/>
+                </a:solidFill>
+                <a:prstDash val="solid"/>
+              </a:ln>
+              <a:solidFill>
+                <a:schemeClr val="tx1">
+                  <a:lumMod val="85000"/>
+                  <a:lumOff val="15000"/>
+                </a:schemeClr>
+              </a:solidFill>
+              <a:effectLst>
+                <a:outerShdw dist="38100" dir="2700000" algn="bl" rotWithShape="0">
+                  <a:schemeClr val="accent5"/>
+                </a:outerShdw>
+              </a:effectLst>
+            </a:endParaRPr>
+          </a:p>
+        </p:txBody>
+      </p:sp>
+      <p:sp>
+        <p:nvSpPr>
+          <p:cNvPr id="3" name="object 3"/>
+          <p:cNvSpPr txBox="1">
+            <a:spLocks noGrp="1"/>
+          </p:cNvSpPr>
+          <p:nvPr>
+            <p:ph type="title"/>
+          </p:nvPr>
+        </p:nvSpPr>
+        <p:spPr>
+          <a:xfrm>
+            <a:off x="762000" y="304800"/>
+            <a:ext cx="7239000" cy="535403"/>
+          </a:xfrm>
+          <a:prstGeom prst="rect">
+            <a:avLst/>
+          </a:prstGeom>
+        </p:spPr>
+        <p:txBody>
+          <a:bodyPr vert="horz" wrap="square" lIns="0" tIns="12065" rIns="0" bIns="0" rtlCol="0">
+            <a:spAutoFit/>
+          </a:bodyPr>
+          <a:lstStyle/>
+          <a:p>
+            <a:pPr marL="12700">
+              <a:lnSpc>
+                <a:spcPct val="100000"/>
+              </a:lnSpc>
+              <a:spcBef>
+                <a:spcPts val="95"/>
+              </a:spcBef>
+            </a:pPr>
+            <a:r>
+              <a:rPr lang="en-US" sz="3400" b="1" spc="-5" dirty="0">
+                <a:solidFill>
+                  <a:srgbClr val="FFFFFF"/>
+                </a:solidFill>
+                <a:latin typeface="Carlito"/>
+                <a:cs typeface="Carlito"/>
+              </a:rPr>
+              <a:t>RESTful Routing</a:t>
+            </a:r>
+          </a:p>
+        </p:txBody>
+      </p:sp>
+      <p:sp>
+        <p:nvSpPr>
+          <p:cNvPr id="5" name="object 5"/>
+          <p:cNvSpPr/>
+          <p:nvPr/>
+        </p:nvSpPr>
+        <p:spPr>
+          <a:xfrm>
+            <a:off x="9816083" y="262127"/>
+            <a:ext cx="1976627" cy="822960"/>
+          </a:xfrm>
+          <a:prstGeom prst="rect">
+            <a:avLst/>
+          </a:prstGeom>
+          <a:blipFill>
+            <a:blip r:embed="rId3" cstate="print"/>
+            <a:stretch>
+              <a:fillRect/>
+            </a:stretch>
+          </a:blipFill>
+        </p:spPr>
+        <p:txBody>
+          <a:bodyPr wrap="square" lIns="0" tIns="0" rIns="0" bIns="0" rtlCol="0"/>
+          <a:lstStyle/>
+          <a:p>
+            <a:endParaRPr/>
+          </a:p>
+        </p:txBody>
+      </p:sp>
+      <p:sp>
+        <p:nvSpPr>
+          <p:cNvPr id="4" name="object 3">
+            <a:extLst>
+              <a:ext uri="{FF2B5EF4-FFF2-40B4-BE49-F238E27FC236}">
+                <a16:creationId xmlns:a16="http://schemas.microsoft.com/office/drawing/2014/main" id="{1ED9D45B-4B0D-FC76-3A8C-E89F6CD72254}"/>
+              </a:ext>
+            </a:extLst>
+          </p:cNvPr>
+          <p:cNvSpPr txBox="1">
+            <a:spLocks/>
+          </p:cNvSpPr>
+          <p:nvPr/>
+        </p:nvSpPr>
+        <p:spPr>
+          <a:xfrm>
+            <a:off x="762000" y="914400"/>
+            <a:ext cx="11277599" cy="5582939"/>
+          </a:xfrm>
+          <a:prstGeom prst="rect">
+            <a:avLst/>
+          </a:prstGeom>
+        </p:spPr>
+        <p:txBody>
+          <a:bodyPr vert="horz" wrap="square" lIns="0" tIns="12065" rIns="0" bIns="0" rtlCol="0">
+            <a:spAutoFit/>
+          </a:bodyPr>
+          <a:lstStyle>
+            <a:lvl1pPr>
+              <a:defRPr sz="6000" b="0" i="0">
+                <a:solidFill>
+                  <a:srgbClr val="E7E6E6"/>
+                </a:solidFill>
+                <a:latin typeface="Trebuchet MS"/>
+                <a:ea typeface="+mj-ea"/>
+                <a:cs typeface="Trebuchet MS"/>
+              </a:defRPr>
+            </a:lvl1pPr>
+          </a:lstStyle>
+          <a:p>
+            <a:pPr marL="12700">
+              <a:spcBef>
+                <a:spcPts val="95"/>
+              </a:spcBef>
+            </a:pPr>
+            <a:r>
+              <a:rPr lang="en-US" sz="2800" kern="0" dirty="0">
+                <a:latin typeface="+mn-lt"/>
+                <a:cs typeface="Carlito"/>
+              </a:rPr>
+              <a:t>Representational State Transfer.</a:t>
+            </a:r>
+          </a:p>
+          <a:p>
+            <a:pPr marL="12700">
+              <a:spcBef>
+                <a:spcPts val="95"/>
+              </a:spcBef>
+            </a:pPr>
+            <a:r>
+              <a:rPr lang="en-US" sz="2800" kern="0" dirty="0" err="1">
+                <a:latin typeface="+mn-lt"/>
+                <a:cs typeface="Carlito"/>
+              </a:rPr>
+              <a:t>Resful</a:t>
+            </a:r>
+            <a:r>
+              <a:rPr lang="en-US" sz="2800" kern="0" dirty="0">
+                <a:latin typeface="+mn-lt"/>
+                <a:cs typeface="Carlito"/>
+              </a:rPr>
+              <a:t> Routing : HTML, CSS , JS show </a:t>
+            </a:r>
+            <a:r>
+              <a:rPr lang="en-US" sz="2800" kern="0" dirty="0" err="1">
+                <a:latin typeface="+mn-lt"/>
+                <a:cs typeface="Carlito"/>
+              </a:rPr>
+              <a:t>kar</a:t>
+            </a:r>
+            <a:r>
+              <a:rPr lang="en-US" sz="2800" kern="0" dirty="0">
+                <a:latin typeface="+mn-lt"/>
+                <a:cs typeface="Carlito"/>
+              </a:rPr>
+              <a:t> </a:t>
+            </a:r>
+            <a:r>
+              <a:rPr lang="en-US" sz="2800" kern="0" dirty="0" err="1">
+                <a:latin typeface="+mn-lt"/>
+                <a:cs typeface="Carlito"/>
+              </a:rPr>
+              <a:t>rahe</a:t>
+            </a:r>
+            <a:r>
+              <a:rPr lang="en-US" sz="2800" kern="0" dirty="0">
+                <a:latin typeface="+mn-lt"/>
+                <a:cs typeface="Carlito"/>
+              </a:rPr>
+              <a:t> thee.</a:t>
+            </a:r>
+          </a:p>
+          <a:p>
+            <a:pPr marL="12700">
+              <a:spcBef>
+                <a:spcPts val="95"/>
+              </a:spcBef>
+            </a:pPr>
+            <a:r>
+              <a:rPr lang="en-US" sz="2800" kern="0" dirty="0" err="1">
+                <a:latin typeface="+mn-lt"/>
+                <a:cs typeface="Carlito"/>
+              </a:rPr>
+              <a:t>Resful</a:t>
+            </a:r>
+            <a:r>
+              <a:rPr lang="en-US" sz="2800" kern="0" dirty="0">
+                <a:latin typeface="+mn-lt"/>
+                <a:cs typeface="Carlito"/>
+              </a:rPr>
+              <a:t> API : Data from URL hit .</a:t>
+            </a:r>
+          </a:p>
+          <a:p>
+            <a:pPr marL="12700">
+              <a:spcBef>
+                <a:spcPts val="95"/>
+              </a:spcBef>
+            </a:pPr>
+            <a:endParaRPr lang="en-US" sz="2800" kern="0" dirty="0">
+              <a:latin typeface="+mn-lt"/>
+              <a:cs typeface="Carlito"/>
+            </a:endParaRPr>
+          </a:p>
+          <a:p>
+            <a:pPr marL="12700">
+              <a:spcBef>
+                <a:spcPts val="95"/>
+              </a:spcBef>
+            </a:pPr>
+            <a:endParaRPr lang="en-US" sz="2800" kern="0" dirty="0">
+              <a:latin typeface="+mn-lt"/>
+              <a:cs typeface="Carlito"/>
+            </a:endParaRPr>
+          </a:p>
+          <a:p>
+            <a:pPr marL="12700">
+              <a:spcBef>
+                <a:spcPts val="95"/>
+              </a:spcBef>
+            </a:pPr>
+            <a:endParaRPr lang="en-US" sz="2800" kern="0" dirty="0">
+              <a:latin typeface="+mn-lt"/>
+              <a:cs typeface="Carlito"/>
+            </a:endParaRPr>
+          </a:p>
+          <a:p>
+            <a:pPr marL="12700">
+              <a:spcBef>
+                <a:spcPts val="95"/>
+              </a:spcBef>
+            </a:pPr>
+            <a:endParaRPr lang="en-US" sz="2800" kern="0" dirty="0">
+              <a:latin typeface="+mn-lt"/>
+              <a:cs typeface="Carlito"/>
+            </a:endParaRPr>
+          </a:p>
+          <a:p>
+            <a:pPr marL="12700">
+              <a:spcBef>
+                <a:spcPts val="95"/>
+              </a:spcBef>
+            </a:pPr>
+            <a:endParaRPr lang="en-US" sz="2800" kern="0" dirty="0">
+              <a:latin typeface="+mn-lt"/>
+              <a:cs typeface="Carlito"/>
+            </a:endParaRPr>
+          </a:p>
+          <a:p>
+            <a:pPr marL="12700">
+              <a:spcBef>
+                <a:spcPts val="95"/>
+              </a:spcBef>
+            </a:pPr>
+            <a:endParaRPr lang="en-US" sz="2800" kern="0" dirty="0">
+              <a:latin typeface="+mn-lt"/>
+              <a:cs typeface="Carlito"/>
+            </a:endParaRPr>
+          </a:p>
+          <a:p>
+            <a:pPr marL="12700">
+              <a:spcBef>
+                <a:spcPts val="95"/>
+              </a:spcBef>
+            </a:pPr>
+            <a:endParaRPr lang="en-US" sz="2800" kern="0" dirty="0">
+              <a:latin typeface="+mn-lt"/>
+              <a:cs typeface="Carlito"/>
+            </a:endParaRPr>
+          </a:p>
+          <a:p>
+            <a:pPr marL="12700">
+              <a:spcBef>
+                <a:spcPts val="95"/>
+              </a:spcBef>
+            </a:pPr>
+            <a:endParaRPr lang="en-US" sz="2800" kern="0" dirty="0">
+              <a:latin typeface="+mn-lt"/>
+              <a:cs typeface="Carlito"/>
+            </a:endParaRPr>
+          </a:p>
+          <a:p>
+            <a:pPr marL="12700">
+              <a:spcBef>
+                <a:spcPts val="95"/>
+              </a:spcBef>
+            </a:pPr>
+            <a:r>
+              <a:rPr lang="en-US" sz="1600" kern="0" dirty="0">
+                <a:latin typeface="+mn-lt"/>
+                <a:cs typeface="Carlito"/>
+              </a:rPr>
+              <a:t>source : medium</a:t>
+            </a:r>
+          </a:p>
+          <a:p>
+            <a:pPr marL="12700">
+              <a:spcBef>
+                <a:spcPts val="95"/>
+              </a:spcBef>
+            </a:pPr>
+            <a:r>
+              <a:rPr lang="en-US" sz="2800" kern="0" dirty="0">
+                <a:latin typeface="+mn-lt"/>
+                <a:cs typeface="Carlito"/>
+              </a:rPr>
+              <a:t>Path used as a convention to make routes with their methods and operations</a:t>
+            </a:r>
+          </a:p>
+        </p:txBody>
+      </p:sp>
+      <p:pic>
+        <p:nvPicPr>
+          <p:cNvPr id="1026" name="Picture 2">
+            <a:extLst>
+              <a:ext uri="{FF2B5EF4-FFF2-40B4-BE49-F238E27FC236}">
+                <a16:creationId xmlns:a16="http://schemas.microsoft.com/office/drawing/2014/main" id="{703ACE67-76D0-5BC4-052E-E8651D99EFC4}"/>
+              </a:ext>
+            </a:extLst>
+          </p:cNvPr>
+          <p:cNvPicPr>
+            <a:picLocks noChangeAspect="1" noChangeArrowheads="1"/>
+          </p:cNvPicPr>
+          <p:nvPr/>
+        </p:nvPicPr>
+        <p:blipFill>
+          <a:blip r:embed="rId4">
+            <a:extLst>
+              <a:ext uri="{28A0092B-C50C-407E-A947-70E740481C1C}">
+                <a14:useLocalDpi xmlns:a14="http://schemas.microsoft.com/office/drawing/2010/main" val="0"/>
+              </a:ext>
+            </a:extLst>
+          </a:blip>
+          <a:srcRect/>
+          <a:stretch>
+            <a:fillRect/>
+          </a:stretch>
+        </p:blipFill>
+        <p:spPr bwMode="auto">
+          <a:xfrm>
+            <a:off x="762000" y="2209800"/>
+            <a:ext cx="4672833" cy="3576637"/>
+          </a:xfrm>
+          <a:prstGeom prst="rect">
+            <a:avLst/>
+          </a:prstGeom>
+          <a:noFill/>
+          <a:extLst>
+            <a:ext uri="{909E8E84-426E-40DD-AFC4-6F175D3DCCD1}">
+              <a14:hiddenFill xmlns:a14="http://schemas.microsoft.com/office/drawing/2010/main">
+                <a:solidFill>
+                  <a:srgbClr val="FFFFFF"/>
+                </a:solidFill>
+              </a14:hiddenFill>
+            </a:ext>
+          </a:extLst>
+        </p:spPr>
+      </p:pic>
+      <mc:AlternateContent xmlns:mc="http://schemas.openxmlformats.org/markup-compatibility/2006">
+        <mc:Choice xmlns:p14="http://schemas.microsoft.com/office/powerpoint/2010/main" xmlns:aink="http://schemas.microsoft.com/office/drawing/2016/ink" Requires="p14 aink">
+          <p:contentPart p14:bwMode="auto" r:id="rId5">
+            <p14:nvContentPartPr>
+              <p14:cNvPr id="6" name="Ink 5">
+                <a:extLst>
+                  <a:ext uri="{FF2B5EF4-FFF2-40B4-BE49-F238E27FC236}">
+                    <a16:creationId xmlns:a16="http://schemas.microsoft.com/office/drawing/2014/main" id="{B2CBA332-2206-EE2C-3395-79C5DBCD88FF}"/>
+                  </a:ext>
+                </a:extLst>
+              </p14:cNvPr>
+              <p14:cNvContentPartPr/>
+              <p14:nvPr/>
+            </p14:nvContentPartPr>
+            <p14:xfrm>
+              <a:off x="3132325" y="3278566"/>
+              <a:ext cx="9000" cy="75960"/>
+            </p14:xfrm>
+          </p:contentPart>
+        </mc:Choice>
+        <mc:Fallback>
+          <p:pic>
+            <p:nvPicPr>
+              <p:cNvPr id="6" name="Ink 5">
+                <a:extLst>
+                  <a:ext uri="{FF2B5EF4-FFF2-40B4-BE49-F238E27FC236}">
+                    <a16:creationId xmlns:a16="http://schemas.microsoft.com/office/drawing/2014/main" id="{B2CBA332-2206-EE2C-3395-79C5DBCD88FF}"/>
+                  </a:ext>
+                </a:extLst>
+              </p:cNvPr>
+              <p:cNvPicPr/>
+              <p:nvPr/>
+            </p:nvPicPr>
+            <p:blipFill>
+              <a:blip r:embed="rId6"/>
+              <a:stretch>
+                <a:fillRect/>
+              </a:stretch>
+            </p:blipFill>
+            <p:spPr>
+              <a:xfrm>
+                <a:off x="3123685" y="3224566"/>
+                <a:ext cx="26640" cy="183600"/>
+              </a:xfrm>
+              <a:prstGeom prst="rect">
+                <a:avLst/>
+              </a:prstGeom>
+            </p:spPr>
+          </p:pic>
+        </mc:Fallback>
+      </mc:AlternateContent>
+      <mc:AlternateContent xmlns:mc="http://schemas.openxmlformats.org/markup-compatibility/2006">
+        <mc:Choice xmlns:p14="http://schemas.microsoft.com/office/powerpoint/2010/main" xmlns:aink="http://schemas.microsoft.com/office/drawing/2016/ink" Requires="p14 aink">
+          <p:contentPart p14:bwMode="auto" r:id="rId7">
+            <p14:nvContentPartPr>
+              <p14:cNvPr id="7" name="Ink 6">
+                <a:extLst>
+                  <a:ext uri="{FF2B5EF4-FFF2-40B4-BE49-F238E27FC236}">
+                    <a16:creationId xmlns:a16="http://schemas.microsoft.com/office/drawing/2014/main" id="{1C14EE1F-8094-6124-81AA-3C954498B8F6}"/>
+                  </a:ext>
+                </a:extLst>
+              </p14:cNvPr>
+              <p14:cNvContentPartPr/>
+              <p14:nvPr/>
+            </p14:nvContentPartPr>
+            <p14:xfrm>
+              <a:off x="3081565" y="3259846"/>
+              <a:ext cx="67680" cy="199440"/>
+            </p14:xfrm>
+          </p:contentPart>
+        </mc:Choice>
+        <mc:Fallback>
+          <p:pic>
+            <p:nvPicPr>
+              <p:cNvPr id="7" name="Ink 6">
+                <a:extLst>
+                  <a:ext uri="{FF2B5EF4-FFF2-40B4-BE49-F238E27FC236}">
+                    <a16:creationId xmlns:a16="http://schemas.microsoft.com/office/drawing/2014/main" id="{1C14EE1F-8094-6124-81AA-3C954498B8F6}"/>
+                  </a:ext>
+                </a:extLst>
+              </p:cNvPr>
+              <p:cNvPicPr/>
+              <p:nvPr/>
+            </p:nvPicPr>
+            <p:blipFill>
+              <a:blip r:embed="rId8"/>
+              <a:stretch>
+                <a:fillRect/>
+              </a:stretch>
+            </p:blipFill>
+            <p:spPr>
+              <a:xfrm>
+                <a:off x="3072565" y="3205846"/>
+                <a:ext cx="85320" cy="307080"/>
+              </a:xfrm>
+              <a:prstGeom prst="rect">
+                <a:avLst/>
+              </a:prstGeom>
+            </p:spPr>
+          </p:pic>
+        </mc:Fallback>
+      </mc:AlternateContent>
+      <p:grpSp>
+        <p:nvGrpSpPr>
+          <p:cNvPr id="15" name="Group 14">
+            <a:extLst>
+              <a:ext uri="{FF2B5EF4-FFF2-40B4-BE49-F238E27FC236}">
+                <a16:creationId xmlns:a16="http://schemas.microsoft.com/office/drawing/2014/main" id="{C421592E-465F-397D-5841-01D7CF8EF219}"/>
+              </a:ext>
+            </a:extLst>
+          </p:cNvPr>
+          <p:cNvGrpSpPr/>
+          <p:nvPr/>
+        </p:nvGrpSpPr>
+        <p:grpSpPr>
+          <a:xfrm>
+            <a:off x="3127297" y="3332080"/>
+            <a:ext cx="24120" cy="29160"/>
+            <a:chOff x="3127297" y="3332080"/>
+            <a:chExt cx="24120" cy="29160"/>
+          </a:xfrm>
+        </p:grpSpPr>
+        <mc:AlternateContent xmlns:mc="http://schemas.openxmlformats.org/markup-compatibility/2006">
+          <mc:Choice xmlns:p14="http://schemas.microsoft.com/office/powerpoint/2010/main" xmlns:aink="http://schemas.microsoft.com/office/drawing/2016/ink" Requires="p14 aink">
+            <p:contentPart p14:bwMode="auto" r:id="rId9">
+              <p14:nvContentPartPr>
+                <p14:cNvPr id="9" name="Ink 8">
+                  <a:extLst>
+                    <a:ext uri="{FF2B5EF4-FFF2-40B4-BE49-F238E27FC236}">
+                      <a16:creationId xmlns:a16="http://schemas.microsoft.com/office/drawing/2014/main" id="{06271886-BF2F-F7A7-4E31-CE92FF7C58EB}"/>
+                    </a:ext>
+                  </a:extLst>
+                </p14:cNvPr>
+                <p14:cNvContentPartPr/>
+                <p14:nvPr/>
+              </p14:nvContentPartPr>
+              <p14:xfrm>
+                <a:off x="3127297" y="3332080"/>
+                <a:ext cx="19440" cy="29160"/>
+              </p14:xfrm>
+            </p:contentPart>
+          </mc:Choice>
+          <mc:Fallback>
+            <p:pic>
+              <p:nvPicPr>
+                <p:cNvPr id="9" name="Ink 8">
+                  <a:extLst>
+                    <a:ext uri="{FF2B5EF4-FFF2-40B4-BE49-F238E27FC236}">
+                      <a16:creationId xmlns:a16="http://schemas.microsoft.com/office/drawing/2014/main" id="{06271886-BF2F-F7A7-4E31-CE92FF7C58EB}"/>
+                    </a:ext>
+                  </a:extLst>
+                </p:cNvPr>
+                <p:cNvPicPr/>
+                <p:nvPr/>
+              </p:nvPicPr>
+              <p:blipFill>
+                <a:blip r:embed="rId10"/>
+                <a:stretch>
+                  <a:fillRect/>
+                </a:stretch>
+              </p:blipFill>
+              <p:spPr>
+                <a:xfrm>
+                  <a:off x="3118657" y="3278080"/>
+                  <a:ext cx="37080" cy="136800"/>
+                </a:xfrm>
+                <a:prstGeom prst="rect">
+                  <a:avLst/>
+                </a:prstGeom>
+              </p:spPr>
+            </p:pic>
+          </mc:Fallback>
+        </mc:AlternateContent>
+        <mc:AlternateContent xmlns:mc="http://schemas.openxmlformats.org/markup-compatibility/2006">
+          <mc:Choice xmlns:p14="http://schemas.microsoft.com/office/powerpoint/2010/main" xmlns:aink="http://schemas.microsoft.com/office/drawing/2016/ink" Requires="p14 aink">
+            <p:contentPart p14:bwMode="auto" r:id="rId11">
+              <p14:nvContentPartPr>
+                <p14:cNvPr id="10" name="Ink 9">
+                  <a:extLst>
+                    <a:ext uri="{FF2B5EF4-FFF2-40B4-BE49-F238E27FC236}">
+                      <a16:creationId xmlns:a16="http://schemas.microsoft.com/office/drawing/2014/main" id="{14B7152E-1B34-EED8-D147-A4687CB2A731}"/>
+                    </a:ext>
+                  </a:extLst>
+                </p14:cNvPr>
+                <p14:cNvContentPartPr/>
+                <p14:nvPr/>
+              </p14:nvContentPartPr>
+              <p14:xfrm>
+                <a:off x="3151057" y="3354760"/>
+                <a:ext cx="360" cy="360"/>
+              </p14:xfrm>
+            </p:contentPart>
+          </mc:Choice>
+          <mc:Fallback>
+            <p:pic>
+              <p:nvPicPr>
+                <p:cNvPr id="10" name="Ink 9">
+                  <a:extLst>
+                    <a:ext uri="{FF2B5EF4-FFF2-40B4-BE49-F238E27FC236}">
+                      <a16:creationId xmlns:a16="http://schemas.microsoft.com/office/drawing/2014/main" id="{14B7152E-1B34-EED8-D147-A4687CB2A731}"/>
+                    </a:ext>
+                  </a:extLst>
+                </p:cNvPr>
+                <p:cNvPicPr/>
+                <p:nvPr/>
+              </p:nvPicPr>
+              <p:blipFill>
+                <a:blip r:embed="rId12"/>
+                <a:stretch>
+                  <a:fillRect/>
+                </a:stretch>
+              </p:blipFill>
+              <p:spPr>
+                <a:xfrm>
+                  <a:off x="3142057" y="3300760"/>
+                  <a:ext cx="18000" cy="108000"/>
+                </a:xfrm>
+                <a:prstGeom prst="rect">
+                  <a:avLst/>
+                </a:prstGeom>
+              </p:spPr>
+            </p:pic>
+          </mc:Fallback>
+        </mc:AlternateContent>
+        <mc:AlternateContent xmlns:mc="http://schemas.openxmlformats.org/markup-compatibility/2006">
+          <mc:Choice xmlns:p14="http://schemas.microsoft.com/office/powerpoint/2010/main" xmlns:aink="http://schemas.microsoft.com/office/drawing/2016/ink" Requires="p14 aink">
+            <p:contentPart p14:bwMode="auto" r:id="rId13">
+              <p14:nvContentPartPr>
+                <p14:cNvPr id="12" name="Ink 11">
+                  <a:extLst>
+                    <a:ext uri="{FF2B5EF4-FFF2-40B4-BE49-F238E27FC236}">
+                      <a16:creationId xmlns:a16="http://schemas.microsoft.com/office/drawing/2014/main" id="{7129D587-1AAF-7679-3A76-B9A8B36E14CC}"/>
+                    </a:ext>
+                  </a:extLst>
+                </p14:cNvPr>
+                <p14:cNvContentPartPr/>
+                <p14:nvPr/>
+              </p14:nvContentPartPr>
+              <p14:xfrm>
+                <a:off x="3151057" y="3354760"/>
+                <a:ext cx="360" cy="360"/>
+              </p14:xfrm>
+            </p:contentPart>
+          </mc:Choice>
+          <mc:Fallback>
+            <p:pic>
+              <p:nvPicPr>
+                <p:cNvPr id="12" name="Ink 11">
+                  <a:extLst>
+                    <a:ext uri="{FF2B5EF4-FFF2-40B4-BE49-F238E27FC236}">
+                      <a16:creationId xmlns:a16="http://schemas.microsoft.com/office/drawing/2014/main" id="{7129D587-1AAF-7679-3A76-B9A8B36E14CC}"/>
+                    </a:ext>
+                  </a:extLst>
+                </p:cNvPr>
+                <p:cNvPicPr/>
+                <p:nvPr/>
+              </p:nvPicPr>
+              <p:blipFill>
+                <a:blip r:embed="rId12"/>
+                <a:stretch>
+                  <a:fillRect/>
+                </a:stretch>
+              </p:blipFill>
+              <p:spPr>
+                <a:xfrm>
+                  <a:off x="3142057" y="3300760"/>
+                  <a:ext cx="18000" cy="108000"/>
+                </a:xfrm>
+                <a:prstGeom prst="rect">
+                  <a:avLst/>
+                </a:prstGeom>
+              </p:spPr>
+            </p:pic>
+          </mc:Fallback>
+        </mc:AlternateContent>
+        <mc:AlternateContent xmlns:mc="http://schemas.openxmlformats.org/markup-compatibility/2006">
+          <mc:Choice xmlns:p14="http://schemas.microsoft.com/office/powerpoint/2010/main" xmlns:aink="http://schemas.microsoft.com/office/drawing/2016/ink" Requires="p14 aink">
+            <p:contentPart p14:bwMode="auto" r:id="rId14">
+              <p14:nvContentPartPr>
+                <p14:cNvPr id="14" name="Ink 13">
+                  <a:extLst>
+                    <a:ext uri="{FF2B5EF4-FFF2-40B4-BE49-F238E27FC236}">
+                      <a16:creationId xmlns:a16="http://schemas.microsoft.com/office/drawing/2014/main" id="{8AE323D2-631E-F313-BF0A-4440179104FC}"/>
+                    </a:ext>
+                  </a:extLst>
+                </p14:cNvPr>
+                <p14:cNvContentPartPr/>
+                <p14:nvPr/>
+              </p14:nvContentPartPr>
+              <p14:xfrm>
+                <a:off x="3147457" y="3354760"/>
+                <a:ext cx="360" cy="360"/>
+              </p14:xfrm>
+            </p:contentPart>
+          </mc:Choice>
+          <mc:Fallback>
+            <p:pic>
+              <p:nvPicPr>
+                <p:cNvPr id="14" name="Ink 13">
+                  <a:extLst>
+                    <a:ext uri="{FF2B5EF4-FFF2-40B4-BE49-F238E27FC236}">
+                      <a16:creationId xmlns:a16="http://schemas.microsoft.com/office/drawing/2014/main" id="{8AE323D2-631E-F313-BF0A-4440179104FC}"/>
+                    </a:ext>
+                  </a:extLst>
+                </p:cNvPr>
+                <p:cNvPicPr/>
+                <p:nvPr/>
+              </p:nvPicPr>
+              <p:blipFill>
+                <a:blip r:embed="rId15"/>
+                <a:stretch>
+                  <a:fillRect/>
+                </a:stretch>
+              </p:blipFill>
+              <p:spPr>
+                <a:xfrm>
+                  <a:off x="3138457" y="3300760"/>
+                  <a:ext cx="18000" cy="108000"/>
+                </a:xfrm>
+                <a:prstGeom prst="rect">
+                  <a:avLst/>
+                </a:prstGeom>
+              </p:spPr>
+            </p:pic>
+          </mc:Fallback>
+        </mc:AlternateContent>
+      </p:grpSp>
+      <mc:AlternateContent xmlns:mc="http://schemas.openxmlformats.org/markup-compatibility/2006">
+        <mc:Choice xmlns:p14="http://schemas.microsoft.com/office/powerpoint/2010/main" Requires="p14">
+          <p:contentPart p14:bwMode="auto" r:id="rId16">
+            <p14:nvContentPartPr>
+              <p14:cNvPr id="17" name="Ink 16">
+                <a:extLst>
+                  <a:ext uri="{FF2B5EF4-FFF2-40B4-BE49-F238E27FC236}">
+                    <a16:creationId xmlns:a16="http://schemas.microsoft.com/office/drawing/2014/main" id="{466DCF41-FA3C-41E3-FF82-8EB5AA97CE47}"/>
+                  </a:ext>
+                </a:extLst>
+              </p14:cNvPr>
+              <p14:cNvContentPartPr/>
+              <p14:nvPr/>
+            </p14:nvContentPartPr>
+            <p14:xfrm>
+              <a:off x="5792017" y="3509200"/>
+              <a:ext cx="360" cy="360"/>
+            </p14:xfrm>
+          </p:contentPart>
+        </mc:Choice>
+        <mc:Fallback>
+          <p:pic>
+            <p:nvPicPr>
+              <p:cNvPr id="17" name="Ink 16">
+                <a:extLst>
+                  <a:ext uri="{FF2B5EF4-FFF2-40B4-BE49-F238E27FC236}">
+                    <a16:creationId xmlns:a16="http://schemas.microsoft.com/office/drawing/2014/main" id="{466DCF41-FA3C-41E3-FF82-8EB5AA97CE47}"/>
+                  </a:ext>
+                </a:extLst>
+              </p:cNvPr>
+              <p:cNvPicPr/>
+              <p:nvPr/>
+            </p:nvPicPr>
+            <p:blipFill>
+              <a:blip r:embed="rId17"/>
+              <a:stretch>
+                <a:fillRect/>
+              </a:stretch>
+            </p:blipFill>
+            <p:spPr>
+              <a:xfrm>
+                <a:off x="5756377" y="3473560"/>
+                <a:ext cx="72000" cy="72000"/>
+              </a:xfrm>
+              <a:prstGeom prst="rect">
+                <a:avLst/>
+              </a:prstGeom>
+            </p:spPr>
+          </p:pic>
+        </mc:Fallback>
+      </mc:AlternateContent>
+      <p:grpSp>
+        <p:nvGrpSpPr>
+          <p:cNvPr id="20" name="Group 19">
+            <a:extLst>
+              <a:ext uri="{FF2B5EF4-FFF2-40B4-BE49-F238E27FC236}">
+                <a16:creationId xmlns:a16="http://schemas.microsoft.com/office/drawing/2014/main" id="{C41FE413-5ED9-B762-BB9B-F4C55637F0C3}"/>
+              </a:ext>
+            </a:extLst>
+          </p:cNvPr>
+          <p:cNvGrpSpPr/>
+          <p:nvPr/>
+        </p:nvGrpSpPr>
+        <p:grpSpPr>
+          <a:xfrm>
+            <a:off x="3114697" y="3321640"/>
+            <a:ext cx="6840" cy="43200"/>
+            <a:chOff x="3114697" y="3321640"/>
+            <a:chExt cx="6840" cy="43200"/>
+          </a:xfrm>
+        </p:grpSpPr>
+        <mc:AlternateContent xmlns:mc="http://schemas.openxmlformats.org/markup-compatibility/2006">
+          <mc:Choice xmlns:p14="http://schemas.microsoft.com/office/powerpoint/2010/main" Requires="p14">
+            <p:contentPart p14:bwMode="auto" r:id="rId18">
+              <p14:nvContentPartPr>
+                <p14:cNvPr id="18" name="Ink 17">
+                  <a:extLst>
+                    <a:ext uri="{FF2B5EF4-FFF2-40B4-BE49-F238E27FC236}">
+                      <a16:creationId xmlns:a16="http://schemas.microsoft.com/office/drawing/2014/main" id="{4D86A65E-EF42-79C4-6027-AC40EFD15650}"/>
+                    </a:ext>
+                  </a:extLst>
+                </p14:cNvPr>
+                <p14:cNvContentPartPr/>
+                <p14:nvPr/>
+              </p14:nvContentPartPr>
+              <p14:xfrm>
+                <a:off x="3121177" y="3321640"/>
+                <a:ext cx="360" cy="360"/>
+              </p14:xfrm>
+            </p:contentPart>
+          </mc:Choice>
+          <mc:Fallback>
+            <p:pic>
+              <p:nvPicPr>
+                <p:cNvPr id="18" name="Ink 17">
+                  <a:extLst>
+                    <a:ext uri="{FF2B5EF4-FFF2-40B4-BE49-F238E27FC236}">
+                      <a16:creationId xmlns:a16="http://schemas.microsoft.com/office/drawing/2014/main" id="{4D86A65E-EF42-79C4-6027-AC40EFD15650}"/>
+                    </a:ext>
+                  </a:extLst>
+                </p:cNvPr>
+                <p:cNvPicPr/>
+                <p:nvPr/>
+              </p:nvPicPr>
+              <p:blipFill>
+                <a:blip r:embed="rId17"/>
+                <a:stretch>
+                  <a:fillRect/>
+                </a:stretch>
+              </p:blipFill>
+              <p:spPr>
+                <a:xfrm>
+                  <a:off x="3085537" y="3286000"/>
+                  <a:ext cx="72000" cy="72000"/>
+                </a:xfrm>
+                <a:prstGeom prst="rect">
+                  <a:avLst/>
+                </a:prstGeom>
+              </p:spPr>
+            </p:pic>
+          </mc:Fallback>
+        </mc:AlternateContent>
+        <mc:AlternateContent xmlns:mc="http://schemas.openxmlformats.org/markup-compatibility/2006">
+          <mc:Choice xmlns:p14="http://schemas.microsoft.com/office/powerpoint/2010/main" Requires="p14">
+            <p:contentPart p14:bwMode="auto" r:id="rId19">
+              <p14:nvContentPartPr>
+                <p14:cNvPr id="19" name="Ink 18">
+                  <a:extLst>
+                    <a:ext uri="{FF2B5EF4-FFF2-40B4-BE49-F238E27FC236}">
+                      <a16:creationId xmlns:a16="http://schemas.microsoft.com/office/drawing/2014/main" id="{01FDB151-C290-9C1E-169A-CD37725D8B5C}"/>
+                    </a:ext>
+                  </a:extLst>
+                </p14:cNvPr>
+                <p14:cNvContentPartPr/>
+                <p14:nvPr/>
+              </p14:nvContentPartPr>
+              <p14:xfrm>
+                <a:off x="3114697" y="3364480"/>
+                <a:ext cx="360" cy="360"/>
+              </p14:xfrm>
+            </p:contentPart>
+          </mc:Choice>
+          <mc:Fallback>
+            <p:pic>
+              <p:nvPicPr>
+                <p:cNvPr id="19" name="Ink 18">
+                  <a:extLst>
+                    <a:ext uri="{FF2B5EF4-FFF2-40B4-BE49-F238E27FC236}">
+                      <a16:creationId xmlns:a16="http://schemas.microsoft.com/office/drawing/2014/main" id="{01FDB151-C290-9C1E-169A-CD37725D8B5C}"/>
+                    </a:ext>
+                  </a:extLst>
+                </p:cNvPr>
+                <p:cNvPicPr/>
+                <p:nvPr/>
+              </p:nvPicPr>
+              <p:blipFill>
+                <a:blip r:embed="rId17"/>
+                <a:stretch>
+                  <a:fillRect/>
+                </a:stretch>
+              </p:blipFill>
+              <p:spPr>
+                <a:xfrm>
+                  <a:off x="3078697" y="3328840"/>
+                  <a:ext cx="72000" cy="72000"/>
+                </a:xfrm>
+                <a:prstGeom prst="rect">
+                  <a:avLst/>
+                </a:prstGeom>
+              </p:spPr>
+            </p:pic>
+          </mc:Fallback>
+        </mc:AlternateContent>
+      </p:grpSp>
+    </p:spTree>
+    <p:extLst>
+      <p:ext uri="{BB962C8B-B14F-4D97-AF65-F5344CB8AC3E}">
+        <p14:creationId xmlns:p14="http://schemas.microsoft.com/office/powerpoint/2010/main" val="4025062995"/>
+      </p:ext>
+    </p:extLst>
+  </p:cSld>
+  <p:clrMapOvr>
+    <a:masterClrMapping/>
+  </p:clrMapOvr>
+</p:sld>
+</file>
+
+<file path=ppt/slides/slide21.xml><?xml version="1.0" encoding="utf-8"?>
+<p:sld xmlns:a="http://schemas.openxmlformats.org/drawingml/2006/main" xmlns:r="http://schemas.openxmlformats.org/officeDocument/2006/relationships" xmlns:p="http://schemas.openxmlformats.org/presentationml/2006/main">
+  <p:cSld>
+    <p:spTree>
+      <p:nvGrpSpPr>
+        <p:cNvPr id="1" name=""/>
+        <p:cNvGrpSpPr/>
+        <p:nvPr/>
+      </p:nvGrpSpPr>
+      <p:grpSpPr>
+        <a:xfrm>
+          <a:off x="0" y="0"/>
+          <a:ext cx="0" cy="0"/>
+          <a:chOff x="0" y="0"/>
+          <a:chExt cx="0" cy="0"/>
+        </a:xfrm>
+      </p:grpSpPr>
+      <p:sp>
+        <p:nvSpPr>
+          <p:cNvPr id="2" name="object 2"/>
+          <p:cNvSpPr/>
+          <p:nvPr/>
+        </p:nvSpPr>
+        <p:spPr>
+          <a:xfrm>
+            <a:off x="1" y="44199"/>
+            <a:ext cx="12191999" cy="7118601"/>
+          </a:xfrm>
+          <a:prstGeom prst="rect">
+            <a:avLst/>
+          </a:prstGeom>
+          <a:blipFill>
+            <a:blip r:embed="rId2" cstate="print"/>
+            <a:stretch>
+              <a:fillRect/>
+            </a:stretch>
+          </a:blipFill>
+        </p:spPr>
+        <p:txBody>
+          <a:bodyPr wrap="square" lIns="0" tIns="0" rIns="0" bIns="0" rtlCol="0"/>
+          <a:lstStyle/>
+          <a:p>
+            <a:endParaRPr b="1" dirty="0">
+              <a:ln w="13462">
+                <a:solidFill>
+                  <a:schemeClr val="bg1"/>
+                </a:solidFill>
+                <a:prstDash val="solid"/>
+              </a:ln>
+              <a:solidFill>
+                <a:schemeClr val="tx1">
+                  <a:lumMod val="85000"/>
+                  <a:lumOff val="15000"/>
+                </a:schemeClr>
+              </a:solidFill>
+              <a:effectLst>
+                <a:outerShdw dist="38100" dir="2700000" algn="bl" rotWithShape="0">
+                  <a:schemeClr val="accent5"/>
+                </a:outerShdw>
+              </a:effectLst>
+            </a:endParaRPr>
+          </a:p>
+        </p:txBody>
+      </p:sp>
+      <p:sp>
+        <p:nvSpPr>
+          <p:cNvPr id="3" name="object 3"/>
+          <p:cNvSpPr txBox="1">
+            <a:spLocks noGrp="1"/>
+          </p:cNvSpPr>
+          <p:nvPr>
+            <p:ph type="title"/>
+          </p:nvPr>
+        </p:nvSpPr>
+        <p:spPr>
+          <a:xfrm>
+            <a:off x="762000" y="304800"/>
+            <a:ext cx="7239000" cy="535403"/>
+          </a:xfrm>
+          <a:prstGeom prst="rect">
+            <a:avLst/>
+          </a:prstGeom>
+        </p:spPr>
+        <p:txBody>
+          <a:bodyPr vert="horz" wrap="square" lIns="0" tIns="12065" rIns="0" bIns="0" rtlCol="0">
+            <a:spAutoFit/>
+          </a:bodyPr>
+          <a:lstStyle/>
+          <a:p>
+            <a:pPr marL="12700">
+              <a:lnSpc>
+                <a:spcPct val="100000"/>
+              </a:lnSpc>
+              <a:spcBef>
+                <a:spcPts val="95"/>
+              </a:spcBef>
+            </a:pPr>
+            <a:r>
+              <a:rPr lang="en-US" sz="3400" b="1" spc="-5" dirty="0">
+                <a:solidFill>
+                  <a:srgbClr val="FFFFFF"/>
+                </a:solidFill>
+                <a:latin typeface="Carlito"/>
+                <a:cs typeface="Carlito"/>
+              </a:rPr>
+              <a:t>RESTful Routing</a:t>
+            </a:r>
+          </a:p>
+        </p:txBody>
+      </p:sp>
+      <p:sp>
+        <p:nvSpPr>
+          <p:cNvPr id="5" name="object 5"/>
+          <p:cNvSpPr/>
+          <p:nvPr/>
+        </p:nvSpPr>
+        <p:spPr>
+          <a:xfrm>
+            <a:off x="9816083" y="262127"/>
+            <a:ext cx="1976627" cy="822960"/>
+          </a:xfrm>
+          <a:prstGeom prst="rect">
+            <a:avLst/>
+          </a:prstGeom>
+          <a:blipFill>
+            <a:blip r:embed="rId3" cstate="print"/>
+            <a:stretch>
+              <a:fillRect/>
+            </a:stretch>
+          </a:blipFill>
+        </p:spPr>
+        <p:txBody>
+          <a:bodyPr wrap="square" lIns="0" tIns="0" rIns="0" bIns="0" rtlCol="0"/>
+          <a:lstStyle/>
+          <a:p>
+            <a:endParaRPr/>
+          </a:p>
+        </p:txBody>
+      </p:sp>
+      <p:sp>
+        <p:nvSpPr>
+          <p:cNvPr id="4" name="object 3">
+            <a:extLst>
+              <a:ext uri="{FF2B5EF4-FFF2-40B4-BE49-F238E27FC236}">
+                <a16:creationId xmlns:a16="http://schemas.microsoft.com/office/drawing/2014/main" id="{1ED9D45B-4B0D-FC76-3A8C-E89F6CD72254}"/>
+              </a:ext>
+            </a:extLst>
+          </p:cNvPr>
+          <p:cNvSpPr txBox="1">
+            <a:spLocks/>
+          </p:cNvSpPr>
+          <p:nvPr/>
+        </p:nvSpPr>
+        <p:spPr>
+          <a:xfrm>
+            <a:off x="762000" y="914400"/>
+            <a:ext cx="11277599" cy="6185668"/>
+          </a:xfrm>
+          <a:prstGeom prst="rect">
+            <a:avLst/>
+          </a:prstGeom>
+        </p:spPr>
+        <p:txBody>
+          <a:bodyPr vert="horz" wrap="square" lIns="0" tIns="12065" rIns="0" bIns="0" rtlCol="0">
+            <a:spAutoFit/>
+          </a:bodyPr>
+          <a:lstStyle>
+            <a:lvl1pPr>
+              <a:defRPr sz="6000" b="0" i="0">
+                <a:solidFill>
+                  <a:srgbClr val="E7E6E6"/>
+                </a:solidFill>
+                <a:latin typeface="Trebuchet MS"/>
+                <a:ea typeface="+mj-ea"/>
+                <a:cs typeface="Trebuchet MS"/>
+              </a:defRPr>
+            </a:lvl1pPr>
+          </a:lstStyle>
+          <a:p>
+            <a:pPr marL="527050" indent="-514350">
+              <a:spcBef>
+                <a:spcPts val="95"/>
+              </a:spcBef>
+              <a:buAutoNum type="arabicPeriod"/>
+            </a:pPr>
+            <a:r>
+              <a:rPr lang="en-US" sz="2800" kern="0" dirty="0">
+                <a:latin typeface="+mn-lt"/>
+                <a:cs typeface="Carlito"/>
+              </a:rPr>
+              <a:t>First make an array to replicate DB.</a:t>
+            </a:r>
+          </a:p>
+          <a:p>
+            <a:pPr marL="527050" indent="-514350">
+              <a:spcBef>
+                <a:spcPts val="95"/>
+              </a:spcBef>
+              <a:buAutoNum type="arabicPeriod"/>
+            </a:pPr>
+            <a:r>
+              <a:rPr lang="en-US" sz="2800" kern="0" dirty="0">
+                <a:latin typeface="+mn-lt"/>
+                <a:cs typeface="Carlito"/>
+              </a:rPr>
+              <a:t>Then make the get data and send it to the </a:t>
+            </a:r>
+            <a:r>
+              <a:rPr lang="en-US" sz="2800" kern="0" dirty="0" err="1">
+                <a:latin typeface="+mn-lt"/>
+                <a:cs typeface="Carlito"/>
+              </a:rPr>
+              <a:t>index.ejs</a:t>
+            </a:r>
+            <a:r>
+              <a:rPr lang="en-US" sz="2800" kern="0" dirty="0">
+                <a:latin typeface="+mn-lt"/>
+                <a:cs typeface="Carlito"/>
+              </a:rPr>
+              <a:t> to render the cards .</a:t>
+            </a:r>
+          </a:p>
+          <a:p>
+            <a:pPr marL="527050" indent="-514350">
+              <a:spcBef>
+                <a:spcPts val="95"/>
+              </a:spcBef>
+              <a:buAutoNum type="arabicPeriod"/>
+            </a:pPr>
+            <a:r>
+              <a:rPr lang="en-US" sz="2800" kern="0" dirty="0">
+                <a:latin typeface="+mn-lt"/>
+                <a:cs typeface="Carlito"/>
+              </a:rPr>
+              <a:t>Next create a </a:t>
+            </a:r>
+            <a:r>
+              <a:rPr lang="en-US" sz="2800" kern="0" dirty="0" err="1">
+                <a:latin typeface="+mn-lt"/>
+                <a:cs typeface="Carlito"/>
+              </a:rPr>
+              <a:t>ejs</a:t>
+            </a:r>
+            <a:r>
+              <a:rPr lang="en-US" sz="2800" kern="0" dirty="0">
+                <a:latin typeface="+mn-lt"/>
+                <a:cs typeface="Carlito"/>
+              </a:rPr>
+              <a:t> file in form to add new task in path /article/new</a:t>
+            </a:r>
+          </a:p>
+          <a:p>
+            <a:pPr marL="527050" indent="-514350">
+              <a:spcBef>
+                <a:spcPts val="95"/>
+              </a:spcBef>
+              <a:buAutoNum type="arabicPeriod"/>
+            </a:pPr>
+            <a:r>
+              <a:rPr lang="en-US" sz="2800" kern="0" dirty="0">
+                <a:latin typeface="+mn-lt"/>
+                <a:cs typeface="Carlito"/>
+              </a:rPr>
+              <a:t>Next Post the form to add it to the array . </a:t>
+            </a:r>
+          </a:p>
+          <a:p>
+            <a:pPr marL="527050" indent="-514350">
+              <a:spcBef>
+                <a:spcPts val="95"/>
+              </a:spcBef>
+              <a:buAutoNum type="arabicPeriod"/>
+            </a:pPr>
+            <a:r>
+              <a:rPr lang="en-US" sz="2800" kern="0" dirty="0">
+                <a:latin typeface="+mn-lt"/>
+                <a:cs typeface="Carlito"/>
+              </a:rPr>
+              <a:t>Next we have to show a particular id of article. So make a get request with the id as params and make a new </a:t>
+            </a:r>
+            <a:r>
+              <a:rPr lang="en-US" sz="2800" kern="0" dirty="0" err="1">
+                <a:latin typeface="+mn-lt"/>
+                <a:cs typeface="Carlito"/>
+              </a:rPr>
+              <a:t>ejs</a:t>
+            </a:r>
+            <a:r>
+              <a:rPr lang="en-US" sz="2800" kern="0" dirty="0">
+                <a:latin typeface="+mn-lt"/>
+                <a:cs typeface="Carlito"/>
+              </a:rPr>
+              <a:t> to show article.</a:t>
+            </a:r>
+          </a:p>
+          <a:p>
+            <a:pPr marL="527050" indent="-514350">
+              <a:spcBef>
+                <a:spcPts val="95"/>
+              </a:spcBef>
+              <a:buAutoNum type="arabicPeriod"/>
+            </a:pPr>
+            <a:r>
+              <a:rPr lang="en-US" sz="2800" kern="0" dirty="0">
+                <a:latin typeface="+mn-lt"/>
+                <a:cs typeface="Carlito"/>
+              </a:rPr>
+              <a:t>In the list of all articles make a button to </a:t>
+            </a:r>
+          </a:p>
+          <a:p>
+            <a:pPr marL="12700">
+              <a:spcBef>
+                <a:spcPts val="95"/>
+              </a:spcBef>
+            </a:pPr>
+            <a:r>
+              <a:rPr lang="en-US" sz="2800" kern="0" dirty="0">
+                <a:latin typeface="+mn-lt"/>
+                <a:cs typeface="Carlito"/>
+              </a:rPr>
+              <a:t>enable click functionality and take it’s input to </a:t>
+            </a:r>
+          </a:p>
+          <a:p>
+            <a:pPr marL="12700">
+              <a:spcBef>
+                <a:spcPts val="95"/>
+              </a:spcBef>
+            </a:pPr>
+            <a:r>
+              <a:rPr lang="en-US" sz="2800" kern="0" dirty="0">
+                <a:latin typeface="+mn-lt"/>
+                <a:cs typeface="Carlito"/>
+              </a:rPr>
+              <a:t>a particular id ; </a:t>
+            </a:r>
+          </a:p>
+          <a:p>
+            <a:pPr marL="527050" indent="-514350">
+              <a:spcBef>
+                <a:spcPts val="95"/>
+              </a:spcBef>
+              <a:buAutoNum type="arabicPeriod" startAt="7"/>
+            </a:pPr>
+            <a:r>
+              <a:rPr lang="en-US" sz="2800" kern="0" dirty="0">
+                <a:latin typeface="+mn-lt"/>
+                <a:cs typeface="Carlito"/>
+              </a:rPr>
+              <a:t>Use find to get the details of the article and </a:t>
+            </a:r>
+          </a:p>
+          <a:p>
+            <a:pPr marL="12700">
+              <a:spcBef>
+                <a:spcPts val="95"/>
+              </a:spcBef>
+            </a:pPr>
+            <a:r>
+              <a:rPr lang="en-US" sz="2800" kern="0" dirty="0">
+                <a:latin typeface="+mn-lt"/>
+                <a:cs typeface="Carlito"/>
+              </a:rPr>
+              <a:t>return the item .</a:t>
+            </a:r>
+          </a:p>
+          <a:p>
+            <a:pPr marL="12700">
+              <a:spcBef>
+                <a:spcPts val="95"/>
+              </a:spcBef>
+            </a:pPr>
+            <a:r>
+              <a:rPr lang="en-US" sz="2800" kern="0" dirty="0">
+                <a:latin typeface="+mn-lt"/>
+                <a:cs typeface="Carlito"/>
+              </a:rPr>
+              <a:t>8.   Now we have to edit the form , to do that we have to first make a form and add some existing data.</a:t>
+            </a:r>
+          </a:p>
+          <a:p>
+            <a:pPr marL="527050" indent="-514350">
+              <a:spcBef>
+                <a:spcPts val="95"/>
+              </a:spcBef>
+              <a:buAutoNum type="arabicPeriod"/>
+            </a:pPr>
+            <a:endParaRPr lang="en-US" sz="2800" kern="0" dirty="0">
+              <a:latin typeface="+mn-lt"/>
+              <a:cs typeface="Carlito"/>
+            </a:endParaRPr>
+          </a:p>
+        </p:txBody>
+      </p:sp>
+      <p:pic>
+        <p:nvPicPr>
+          <p:cNvPr id="7" name="Picture 6">
+            <a:extLst>
+              <a:ext uri="{FF2B5EF4-FFF2-40B4-BE49-F238E27FC236}">
+                <a16:creationId xmlns:a16="http://schemas.microsoft.com/office/drawing/2014/main" id="{580C794A-BB99-2C14-541D-115BEFD8ABE7}"/>
+              </a:ext>
+            </a:extLst>
+          </p:cNvPr>
+          <p:cNvPicPr>
+            <a:picLocks noChangeAspect="1"/>
+          </p:cNvPicPr>
+          <p:nvPr/>
+        </p:nvPicPr>
+        <p:blipFill>
+          <a:blip r:embed="rId4"/>
+          <a:stretch>
+            <a:fillRect/>
+          </a:stretch>
+        </p:blipFill>
+        <p:spPr>
+          <a:xfrm>
+            <a:off x="8152719" y="3505200"/>
+            <a:ext cx="3886881" cy="1711898"/>
+          </a:xfrm>
+          <a:prstGeom prst="rect">
+            <a:avLst/>
+          </a:prstGeom>
+        </p:spPr>
+      </p:pic>
+    </p:spTree>
+    <p:extLst>
+      <p:ext uri="{BB962C8B-B14F-4D97-AF65-F5344CB8AC3E}">
+        <p14:creationId xmlns:p14="http://schemas.microsoft.com/office/powerpoint/2010/main" val="1964917125"/>
+      </p:ext>
+    </p:extLst>
+  </p:cSld>
+  <p:clrMapOvr>
+    <a:masterClrMapping/>
+  </p:clrMapOvr>
+</p:sld>
+</file>
+
+<file path=ppt/slides/slide22.xml><?xml version="1.0" encoding="utf-8"?>
+<p:sld xmlns:a="http://schemas.openxmlformats.org/drawingml/2006/main" xmlns:r="http://schemas.openxmlformats.org/officeDocument/2006/relationships" xmlns:p="http://schemas.openxmlformats.org/presentationml/2006/main">
+  <p:cSld>
+    <p:spTree>
+      <p:nvGrpSpPr>
+        <p:cNvPr id="1" name=""/>
+        <p:cNvGrpSpPr/>
+        <p:nvPr/>
+      </p:nvGrpSpPr>
+      <p:grpSpPr>
+        <a:xfrm>
+          <a:off x="0" y="0"/>
+          <a:ext cx="0" cy="0"/>
+          <a:chOff x="0" y="0"/>
+          <a:chExt cx="0" cy="0"/>
+        </a:xfrm>
+      </p:grpSpPr>
+      <p:sp>
+        <p:nvSpPr>
+          <p:cNvPr id="2" name="object 2"/>
+          <p:cNvSpPr/>
+          <p:nvPr/>
+        </p:nvSpPr>
+        <p:spPr>
+          <a:xfrm>
+            <a:off x="1" y="44199"/>
+            <a:ext cx="12191999" cy="7118601"/>
+          </a:xfrm>
+          <a:prstGeom prst="rect">
+            <a:avLst/>
+          </a:prstGeom>
+          <a:blipFill>
+            <a:blip r:embed="rId2" cstate="print"/>
+            <a:stretch>
+              <a:fillRect/>
+            </a:stretch>
+          </a:blipFill>
+        </p:spPr>
+        <p:txBody>
+          <a:bodyPr wrap="square" lIns="0" tIns="0" rIns="0" bIns="0" rtlCol="0"/>
+          <a:lstStyle/>
+          <a:p>
+            <a:endParaRPr b="1" dirty="0">
+              <a:ln w="13462">
+                <a:solidFill>
+                  <a:schemeClr val="bg1"/>
+                </a:solidFill>
+                <a:prstDash val="solid"/>
+              </a:ln>
+              <a:solidFill>
+                <a:schemeClr val="tx1">
+                  <a:lumMod val="85000"/>
+                  <a:lumOff val="15000"/>
+                </a:schemeClr>
+              </a:solidFill>
+              <a:effectLst>
+                <a:outerShdw dist="38100" dir="2700000" algn="bl" rotWithShape="0">
+                  <a:schemeClr val="accent5"/>
+                </a:outerShdw>
+              </a:effectLst>
+            </a:endParaRPr>
+          </a:p>
+        </p:txBody>
+      </p:sp>
+      <p:sp>
+        <p:nvSpPr>
+          <p:cNvPr id="3" name="object 3"/>
+          <p:cNvSpPr txBox="1">
+            <a:spLocks noGrp="1"/>
+          </p:cNvSpPr>
+          <p:nvPr>
+            <p:ph type="title"/>
+          </p:nvPr>
+        </p:nvSpPr>
+        <p:spPr>
+          <a:xfrm>
+            <a:off x="762000" y="304800"/>
+            <a:ext cx="7239000" cy="535403"/>
+          </a:xfrm>
+          <a:prstGeom prst="rect">
+            <a:avLst/>
+          </a:prstGeom>
+        </p:spPr>
+        <p:txBody>
+          <a:bodyPr vert="horz" wrap="square" lIns="0" tIns="12065" rIns="0" bIns="0" rtlCol="0">
+            <a:spAutoFit/>
+          </a:bodyPr>
+          <a:lstStyle/>
+          <a:p>
+            <a:pPr marL="12700">
+              <a:lnSpc>
+                <a:spcPct val="100000"/>
+              </a:lnSpc>
+              <a:spcBef>
+                <a:spcPts val="95"/>
+              </a:spcBef>
+            </a:pPr>
+            <a:r>
+              <a:rPr lang="en-US" sz="3400" b="1" spc="-5" dirty="0">
+                <a:solidFill>
+                  <a:srgbClr val="FFFFFF"/>
+                </a:solidFill>
+                <a:latin typeface="Carlito"/>
+                <a:cs typeface="Carlito"/>
+              </a:rPr>
+              <a:t>RESTful Routing</a:t>
+            </a:r>
+          </a:p>
+        </p:txBody>
+      </p:sp>
+      <p:sp>
+        <p:nvSpPr>
+          <p:cNvPr id="5" name="object 5"/>
+          <p:cNvSpPr/>
+          <p:nvPr/>
+        </p:nvSpPr>
+        <p:spPr>
+          <a:xfrm>
+            <a:off x="9816083" y="262127"/>
+            <a:ext cx="1976627" cy="822960"/>
+          </a:xfrm>
+          <a:prstGeom prst="rect">
+            <a:avLst/>
+          </a:prstGeom>
+          <a:blipFill>
+            <a:blip r:embed="rId3" cstate="print"/>
+            <a:stretch>
+              <a:fillRect/>
+            </a:stretch>
+          </a:blipFill>
+        </p:spPr>
+        <p:txBody>
+          <a:bodyPr wrap="square" lIns="0" tIns="0" rIns="0" bIns="0" rtlCol="0"/>
+          <a:lstStyle/>
+          <a:p>
+            <a:endParaRPr/>
+          </a:p>
+        </p:txBody>
+      </p:sp>
+      <p:sp>
+        <p:nvSpPr>
+          <p:cNvPr id="4" name="object 3">
+            <a:extLst>
+              <a:ext uri="{FF2B5EF4-FFF2-40B4-BE49-F238E27FC236}">
+                <a16:creationId xmlns:a16="http://schemas.microsoft.com/office/drawing/2014/main" id="{1ED9D45B-4B0D-FC76-3A8C-E89F6CD72254}"/>
+              </a:ext>
+            </a:extLst>
+          </p:cNvPr>
+          <p:cNvSpPr txBox="1">
+            <a:spLocks/>
+          </p:cNvSpPr>
+          <p:nvPr/>
+        </p:nvSpPr>
+        <p:spPr>
+          <a:xfrm>
+            <a:off x="762000" y="914400"/>
+            <a:ext cx="11277599" cy="5298245"/>
+          </a:xfrm>
+          <a:prstGeom prst="rect">
+            <a:avLst/>
+          </a:prstGeom>
+        </p:spPr>
+        <p:txBody>
+          <a:bodyPr vert="horz" wrap="square" lIns="0" tIns="12065" rIns="0" bIns="0" rtlCol="0">
+            <a:spAutoFit/>
+          </a:bodyPr>
+          <a:lstStyle>
+            <a:lvl1pPr>
+              <a:defRPr sz="6000" b="0" i="0">
+                <a:solidFill>
+                  <a:srgbClr val="E7E6E6"/>
+                </a:solidFill>
+                <a:latin typeface="Trebuchet MS"/>
+                <a:ea typeface="+mj-ea"/>
+                <a:cs typeface="Trebuchet MS"/>
+              </a:defRPr>
+            </a:lvl1pPr>
+          </a:lstStyle>
+          <a:p>
+            <a:pPr marL="527050" indent="-514350">
+              <a:spcBef>
+                <a:spcPts val="95"/>
+              </a:spcBef>
+              <a:buAutoNum type="arabicPeriod"/>
+            </a:pPr>
+            <a:r>
+              <a:rPr lang="en-US" sz="2800" kern="0" dirty="0">
+                <a:latin typeface="+mn-lt"/>
+                <a:cs typeface="Carlito"/>
+              </a:rPr>
+              <a:t>Post will create a new data so we will be using PUT or PATCH.</a:t>
+            </a:r>
+          </a:p>
+          <a:p>
+            <a:pPr marL="527050" indent="-514350">
+              <a:spcBef>
+                <a:spcPts val="95"/>
+              </a:spcBef>
+              <a:buAutoNum type="arabicPeriod"/>
+            </a:pPr>
+            <a:r>
+              <a:rPr lang="en-US" sz="2800" kern="0" dirty="0">
+                <a:latin typeface="+mn-lt"/>
+                <a:cs typeface="Carlito"/>
+              </a:rPr>
+              <a:t>PUT : It will modify the entire resource like if we send 2 out of 4 fields in an update operation then it will remove the existing resources.</a:t>
+            </a:r>
+          </a:p>
+          <a:p>
+            <a:pPr marL="527050" indent="-514350">
+              <a:spcBef>
+                <a:spcPts val="95"/>
+              </a:spcBef>
+              <a:buAutoNum type="arabicPeriod"/>
+            </a:pPr>
+            <a:r>
+              <a:rPr lang="en-US" sz="2800" kern="0" dirty="0">
+                <a:latin typeface="+mn-lt"/>
+                <a:cs typeface="Carlito"/>
+              </a:rPr>
+              <a:t>PATCH : It will modify the part of resource required to achieve </a:t>
+            </a:r>
+            <a:r>
+              <a:rPr lang="en-US" sz="2800" kern="0" dirty="0" err="1">
+                <a:latin typeface="+mn-lt"/>
+                <a:cs typeface="Carlito"/>
+              </a:rPr>
+              <a:t>editing.It</a:t>
+            </a:r>
+            <a:r>
+              <a:rPr lang="en-US" sz="2800" kern="0" dirty="0">
+                <a:latin typeface="+mn-lt"/>
+                <a:cs typeface="Carlito"/>
+              </a:rPr>
+              <a:t> do not replaces the existing data entirely.</a:t>
+            </a:r>
+          </a:p>
+          <a:p>
+            <a:pPr marL="527050" indent="-514350">
+              <a:spcBef>
+                <a:spcPts val="95"/>
+              </a:spcBef>
+              <a:buAutoNum type="arabicPeriod"/>
+            </a:pPr>
+            <a:r>
+              <a:rPr lang="en-US" sz="2800" kern="0" dirty="0">
+                <a:latin typeface="+mn-lt"/>
+                <a:cs typeface="Carlito"/>
+              </a:rPr>
+              <a:t>So we will use ‘patch’  </a:t>
+            </a:r>
+          </a:p>
+          <a:p>
+            <a:pPr marL="527050" indent="-514350">
+              <a:spcBef>
+                <a:spcPts val="95"/>
+              </a:spcBef>
+              <a:buAutoNum type="arabicPeriod"/>
+            </a:pPr>
+            <a:r>
+              <a:rPr lang="en-US" sz="2800" kern="0" dirty="0">
+                <a:latin typeface="+mn-lt"/>
+                <a:cs typeface="Carlito"/>
+              </a:rPr>
+              <a:t>And to use patch in the form we have to</a:t>
+            </a:r>
+          </a:p>
+          <a:p>
+            <a:pPr marL="12700">
+              <a:spcBef>
+                <a:spcPts val="95"/>
+              </a:spcBef>
+            </a:pPr>
+            <a:r>
+              <a:rPr lang="en-US" sz="2800" kern="0" dirty="0">
+                <a:latin typeface="+mn-lt"/>
+                <a:cs typeface="Carlito"/>
+              </a:rPr>
+              <a:t>override method POST to PATCH , so we will</a:t>
+            </a:r>
+          </a:p>
+          <a:p>
+            <a:pPr marL="12700">
+              <a:spcBef>
+                <a:spcPts val="95"/>
+              </a:spcBef>
+            </a:pPr>
+            <a:r>
+              <a:rPr lang="en-US" sz="2800" kern="0" dirty="0">
+                <a:latin typeface="+mn-lt"/>
+                <a:cs typeface="Carlito"/>
+              </a:rPr>
+              <a:t>use an </a:t>
+            </a:r>
+            <a:r>
+              <a:rPr lang="en-US" sz="2800" kern="0" dirty="0" err="1">
+                <a:latin typeface="+mn-lt"/>
+                <a:cs typeface="Carlito"/>
+              </a:rPr>
+              <a:t>npm</a:t>
+            </a:r>
+            <a:r>
+              <a:rPr lang="en-US" sz="2800" kern="0" dirty="0">
+                <a:latin typeface="+mn-lt"/>
+                <a:cs typeface="Carlito"/>
+              </a:rPr>
+              <a:t> package. ‘method-override’</a:t>
+            </a:r>
+          </a:p>
+          <a:p>
+            <a:pPr marL="12700">
+              <a:spcBef>
+                <a:spcPts val="95"/>
+              </a:spcBef>
+            </a:pPr>
+            <a:r>
+              <a:rPr lang="en-US" sz="2800" kern="0" dirty="0">
+                <a:latin typeface="+mn-lt"/>
+                <a:cs typeface="Carlito"/>
+              </a:rPr>
+              <a:t>and use the middleware for it.</a:t>
+            </a:r>
+          </a:p>
+          <a:p>
+            <a:pPr marL="12700">
+              <a:spcBef>
+                <a:spcPts val="95"/>
+              </a:spcBef>
+            </a:pPr>
+            <a:r>
+              <a:rPr lang="en-US" sz="2800" kern="0" dirty="0">
+                <a:latin typeface="+mn-lt"/>
+                <a:cs typeface="Carlito"/>
+              </a:rPr>
+              <a:t>6.   And use it to override the </a:t>
+            </a:r>
+            <a:r>
+              <a:rPr lang="en-US" sz="2800" kern="0" dirty="0" err="1">
+                <a:latin typeface="+mn-lt"/>
+                <a:cs typeface="Carlito"/>
+              </a:rPr>
+              <a:t>url</a:t>
+            </a:r>
+            <a:r>
+              <a:rPr lang="en-US" sz="2800" kern="0" dirty="0">
+                <a:latin typeface="+mn-lt"/>
+                <a:cs typeface="Carlito"/>
+              </a:rPr>
+              <a:t> in form.</a:t>
+            </a:r>
+          </a:p>
+          <a:p>
+            <a:pPr marL="12700">
+              <a:spcBef>
+                <a:spcPts val="95"/>
+              </a:spcBef>
+            </a:pPr>
+            <a:r>
+              <a:rPr lang="en-US" sz="2800" kern="0" dirty="0">
+                <a:latin typeface="+mn-lt"/>
+                <a:cs typeface="Carlito"/>
+              </a:rPr>
+              <a:t>7.   Now we will get our data in </a:t>
+            </a:r>
+            <a:r>
+              <a:rPr lang="en-US" sz="2800" kern="0" dirty="0" err="1">
+                <a:latin typeface="+mn-lt"/>
+                <a:cs typeface="Carlito"/>
+              </a:rPr>
+              <a:t>req.body</a:t>
+            </a:r>
+            <a:r>
+              <a:rPr lang="en-US" sz="2800" kern="0" dirty="0">
+                <a:latin typeface="+mn-lt"/>
+                <a:cs typeface="Carlito"/>
+              </a:rPr>
+              <a:t> because method was POST.</a:t>
+            </a:r>
+          </a:p>
+        </p:txBody>
+      </p:sp>
+      <p:pic>
+        <p:nvPicPr>
+          <p:cNvPr id="8" name="Picture 7">
+            <a:extLst>
+              <a:ext uri="{FF2B5EF4-FFF2-40B4-BE49-F238E27FC236}">
+                <a16:creationId xmlns:a16="http://schemas.microsoft.com/office/drawing/2014/main" id="{04DCFDC6-B69D-AFF4-0BEA-4D1FBCC88EE3}"/>
+              </a:ext>
+            </a:extLst>
+          </p:cNvPr>
+          <p:cNvPicPr>
+            <a:picLocks noChangeAspect="1"/>
+          </p:cNvPicPr>
+          <p:nvPr/>
+        </p:nvPicPr>
+        <p:blipFill>
+          <a:blip r:embed="rId4"/>
+          <a:stretch>
+            <a:fillRect/>
+          </a:stretch>
+        </p:blipFill>
+        <p:spPr>
+          <a:xfrm>
+            <a:off x="7390720" y="2783763"/>
+            <a:ext cx="4420280" cy="1407237"/>
+          </a:xfrm>
+          <a:prstGeom prst="rect">
+            <a:avLst/>
+          </a:prstGeom>
+        </p:spPr>
+      </p:pic>
+      <p:pic>
+        <p:nvPicPr>
+          <p:cNvPr id="10" name="Picture 9">
+            <a:extLst>
+              <a:ext uri="{FF2B5EF4-FFF2-40B4-BE49-F238E27FC236}">
+                <a16:creationId xmlns:a16="http://schemas.microsoft.com/office/drawing/2014/main" id="{7DD0438E-8459-08B0-F72B-41804B028E0F}"/>
+              </a:ext>
+            </a:extLst>
+          </p:cNvPr>
+          <p:cNvPicPr>
+            <a:picLocks noChangeAspect="1"/>
+          </p:cNvPicPr>
+          <p:nvPr/>
+        </p:nvPicPr>
+        <p:blipFill>
+          <a:blip r:embed="rId5"/>
+          <a:stretch>
+            <a:fillRect/>
+          </a:stretch>
+        </p:blipFill>
+        <p:spPr>
+          <a:xfrm>
+            <a:off x="6586677" y="4444311"/>
+            <a:ext cx="5206033" cy="797924"/>
+          </a:xfrm>
+          <a:prstGeom prst="rect">
+            <a:avLst/>
+          </a:prstGeom>
+        </p:spPr>
+      </p:pic>
+      <p:pic>
+        <p:nvPicPr>
+          <p:cNvPr id="14" name="Picture 13">
+            <a:extLst>
+              <a:ext uri="{FF2B5EF4-FFF2-40B4-BE49-F238E27FC236}">
+                <a16:creationId xmlns:a16="http://schemas.microsoft.com/office/drawing/2014/main" id="{FCBB9AF7-5DE9-0DEB-5574-62967B4B5C3F}"/>
+              </a:ext>
+            </a:extLst>
+          </p:cNvPr>
+          <p:cNvPicPr>
+            <a:picLocks noChangeAspect="1"/>
+          </p:cNvPicPr>
+          <p:nvPr/>
+        </p:nvPicPr>
+        <p:blipFill>
+          <a:blip r:embed="rId6"/>
+          <a:stretch>
+            <a:fillRect/>
+          </a:stretch>
+        </p:blipFill>
+        <p:spPr>
+          <a:xfrm>
+            <a:off x="6824009" y="5257800"/>
+            <a:ext cx="4986991" cy="405859"/>
+          </a:xfrm>
+          <a:prstGeom prst="rect">
+            <a:avLst/>
+          </a:prstGeom>
+        </p:spPr>
+      </p:pic>
+    </p:spTree>
+    <p:extLst>
+      <p:ext uri="{BB962C8B-B14F-4D97-AF65-F5344CB8AC3E}">
+        <p14:creationId xmlns:p14="http://schemas.microsoft.com/office/powerpoint/2010/main" val="4035069073"/>
+      </p:ext>
+    </p:extLst>
+  </p:cSld>
+  <p:clrMapOvr>
+    <a:masterClrMapping/>
+  </p:clrMapOvr>
+</p:sld>
+</file>
+
+<file path=ppt/slides/slide23.xml><?xml version="1.0" encoding="utf-8"?>
+<p:sld xmlns:a="http://schemas.openxmlformats.org/drawingml/2006/main" xmlns:r="http://schemas.openxmlformats.org/officeDocument/2006/relationships" xmlns:p="http://schemas.openxmlformats.org/presentationml/2006/main">
+  <p:cSld>
+    <p:spTree>
+      <p:nvGrpSpPr>
+        <p:cNvPr id="1" name=""/>
+        <p:cNvGrpSpPr/>
+        <p:nvPr/>
+      </p:nvGrpSpPr>
+      <p:grpSpPr>
+        <a:xfrm>
+          <a:off x="0" y="0"/>
+          <a:ext cx="0" cy="0"/>
+          <a:chOff x="0" y="0"/>
+          <a:chExt cx="0" cy="0"/>
+        </a:xfrm>
+      </p:grpSpPr>
+      <p:sp>
+        <p:nvSpPr>
+          <p:cNvPr id="2" name="object 2"/>
+          <p:cNvSpPr/>
+          <p:nvPr/>
+        </p:nvSpPr>
+        <p:spPr>
+          <a:xfrm>
+            <a:off x="1" y="44199"/>
+            <a:ext cx="12191999" cy="7118601"/>
+          </a:xfrm>
+          <a:prstGeom prst="rect">
+            <a:avLst/>
+          </a:prstGeom>
+          <a:blipFill>
+            <a:blip r:embed="rId2" cstate="print"/>
+            <a:stretch>
+              <a:fillRect/>
+            </a:stretch>
+          </a:blipFill>
+        </p:spPr>
+        <p:txBody>
+          <a:bodyPr wrap="square" lIns="0" tIns="0" rIns="0" bIns="0" rtlCol="0"/>
+          <a:lstStyle/>
+          <a:p>
+            <a:endParaRPr b="1" dirty="0">
+              <a:ln w="13462">
+                <a:solidFill>
+                  <a:schemeClr val="bg1"/>
+                </a:solidFill>
+                <a:prstDash val="solid"/>
+              </a:ln>
+              <a:solidFill>
+                <a:schemeClr val="tx1">
+                  <a:lumMod val="85000"/>
+                  <a:lumOff val="15000"/>
+                </a:schemeClr>
+              </a:solidFill>
+              <a:effectLst>
+                <a:outerShdw dist="38100" dir="2700000" algn="bl" rotWithShape="0">
+                  <a:schemeClr val="accent5"/>
+                </a:outerShdw>
+              </a:effectLst>
+            </a:endParaRPr>
+          </a:p>
+        </p:txBody>
+      </p:sp>
+      <p:sp>
+        <p:nvSpPr>
+          <p:cNvPr id="3" name="object 3"/>
+          <p:cNvSpPr txBox="1">
+            <a:spLocks noGrp="1"/>
+          </p:cNvSpPr>
+          <p:nvPr>
+            <p:ph type="title"/>
+          </p:nvPr>
+        </p:nvSpPr>
+        <p:spPr>
+          <a:xfrm>
+            <a:off x="762000" y="304800"/>
+            <a:ext cx="7239000" cy="535403"/>
+          </a:xfrm>
+          <a:prstGeom prst="rect">
+            <a:avLst/>
+          </a:prstGeom>
+        </p:spPr>
+        <p:txBody>
+          <a:bodyPr vert="horz" wrap="square" lIns="0" tIns="12065" rIns="0" bIns="0" rtlCol="0">
+            <a:spAutoFit/>
+          </a:bodyPr>
+          <a:lstStyle/>
+          <a:p>
+            <a:pPr marL="12700">
+              <a:lnSpc>
+                <a:spcPct val="100000"/>
+              </a:lnSpc>
+              <a:spcBef>
+                <a:spcPts val="95"/>
+              </a:spcBef>
+            </a:pPr>
+            <a:r>
+              <a:rPr lang="en-US" sz="3400" b="1" spc="-5" dirty="0">
+                <a:solidFill>
+                  <a:srgbClr val="FFFFFF"/>
+                </a:solidFill>
+                <a:latin typeface="Carlito"/>
+                <a:cs typeface="Carlito"/>
+              </a:rPr>
+              <a:t>RESTful Routing</a:t>
+            </a:r>
+          </a:p>
+        </p:txBody>
+      </p:sp>
+      <p:sp>
+        <p:nvSpPr>
+          <p:cNvPr id="5" name="object 5"/>
+          <p:cNvSpPr/>
+          <p:nvPr/>
+        </p:nvSpPr>
+        <p:spPr>
+          <a:xfrm>
+            <a:off x="9816083" y="262127"/>
+            <a:ext cx="1976627" cy="822960"/>
+          </a:xfrm>
+          <a:prstGeom prst="rect">
+            <a:avLst/>
+          </a:prstGeom>
+          <a:blipFill>
+            <a:blip r:embed="rId3" cstate="print"/>
+            <a:stretch>
+              <a:fillRect/>
+            </a:stretch>
+          </a:blipFill>
+        </p:spPr>
+        <p:txBody>
+          <a:bodyPr wrap="square" lIns="0" tIns="0" rIns="0" bIns="0" rtlCol="0"/>
+          <a:lstStyle/>
+          <a:p>
+            <a:endParaRPr/>
+          </a:p>
+        </p:txBody>
+      </p:sp>
+      <p:sp>
+        <p:nvSpPr>
+          <p:cNvPr id="4" name="object 3">
+            <a:extLst>
+              <a:ext uri="{FF2B5EF4-FFF2-40B4-BE49-F238E27FC236}">
+                <a16:creationId xmlns:a16="http://schemas.microsoft.com/office/drawing/2014/main" id="{1ED9D45B-4B0D-FC76-3A8C-E89F6CD72254}"/>
+              </a:ext>
+            </a:extLst>
+          </p:cNvPr>
+          <p:cNvSpPr txBox="1">
+            <a:spLocks/>
+          </p:cNvSpPr>
+          <p:nvPr/>
+        </p:nvSpPr>
+        <p:spPr>
+          <a:xfrm>
+            <a:off x="762000" y="914400"/>
+            <a:ext cx="11277599" cy="3536224"/>
+          </a:xfrm>
+          <a:prstGeom prst="rect">
+            <a:avLst/>
+          </a:prstGeom>
+        </p:spPr>
+        <p:txBody>
+          <a:bodyPr vert="horz" wrap="square" lIns="0" tIns="12065" rIns="0" bIns="0" rtlCol="0">
+            <a:spAutoFit/>
+          </a:bodyPr>
+          <a:lstStyle>
+            <a:lvl1pPr>
+              <a:defRPr sz="6000" b="0" i="0">
+                <a:solidFill>
+                  <a:srgbClr val="E7E6E6"/>
+                </a:solidFill>
+                <a:latin typeface="Trebuchet MS"/>
+                <a:ea typeface="+mj-ea"/>
+                <a:cs typeface="Trebuchet MS"/>
+              </a:defRPr>
+            </a:lvl1pPr>
+          </a:lstStyle>
+          <a:p>
+            <a:pPr marL="527050" indent="-514350">
+              <a:spcBef>
+                <a:spcPts val="95"/>
+              </a:spcBef>
+              <a:buAutoNum type="arabicPeriod"/>
+            </a:pPr>
+            <a:r>
+              <a:rPr lang="en-US" sz="2800" kern="0" dirty="0">
+                <a:latin typeface="+mn-lt"/>
+                <a:cs typeface="Carlito"/>
+              </a:rPr>
+              <a:t>Now to delete we have to just search the id of the post and override the method delete. But without form we cannot send a method.</a:t>
+            </a:r>
+          </a:p>
+          <a:p>
+            <a:pPr marL="527050" indent="-514350">
+              <a:spcBef>
+                <a:spcPts val="95"/>
+              </a:spcBef>
+              <a:buAutoNum type="arabicPeriod"/>
+            </a:pPr>
+            <a:endParaRPr lang="en-US" sz="2800" kern="0" dirty="0">
+              <a:latin typeface="+mn-lt"/>
+              <a:cs typeface="Carlito"/>
+            </a:endParaRPr>
+          </a:p>
+          <a:p>
+            <a:pPr marL="527050" indent="-514350">
+              <a:spcBef>
+                <a:spcPts val="95"/>
+              </a:spcBef>
+              <a:buAutoNum type="arabicPeriod"/>
+            </a:pPr>
+            <a:endParaRPr lang="en-US" sz="2800" kern="0" dirty="0">
+              <a:latin typeface="+mn-lt"/>
+              <a:cs typeface="Carlito"/>
+            </a:endParaRPr>
+          </a:p>
+          <a:p>
+            <a:pPr marL="527050" indent="-514350">
+              <a:spcBef>
+                <a:spcPts val="95"/>
+              </a:spcBef>
+              <a:buAutoNum type="arabicPeriod"/>
+            </a:pPr>
+            <a:endParaRPr lang="en-US" sz="2800" kern="0" dirty="0">
+              <a:latin typeface="+mn-lt"/>
+              <a:cs typeface="Carlito"/>
+            </a:endParaRPr>
+          </a:p>
+          <a:p>
+            <a:pPr marL="527050" indent="-514350">
+              <a:spcBef>
+                <a:spcPts val="95"/>
+              </a:spcBef>
+              <a:buAutoNum type="arabicPeriod"/>
+            </a:pPr>
+            <a:endParaRPr lang="en-US" sz="2800" kern="0" dirty="0">
+              <a:latin typeface="+mn-lt"/>
+              <a:cs typeface="Carlito"/>
+            </a:endParaRPr>
+          </a:p>
+          <a:p>
+            <a:pPr marL="527050" indent="-514350">
+              <a:spcBef>
+                <a:spcPts val="95"/>
+              </a:spcBef>
+              <a:buAutoNum type="arabicPeriod"/>
+            </a:pPr>
+            <a:endParaRPr lang="en-US" sz="2800" kern="0" dirty="0">
+              <a:latin typeface="+mn-lt"/>
+              <a:cs typeface="Carlito"/>
+            </a:endParaRPr>
+          </a:p>
+          <a:p>
+            <a:pPr marL="527050" indent="-514350">
+              <a:spcBef>
+                <a:spcPts val="95"/>
+              </a:spcBef>
+              <a:buAutoNum type="arabicPeriod"/>
+            </a:pPr>
+            <a:endParaRPr lang="en-US" sz="2800" kern="0" dirty="0">
+              <a:latin typeface="+mn-lt"/>
+              <a:cs typeface="Carlito"/>
+            </a:endParaRPr>
+          </a:p>
+        </p:txBody>
+      </p:sp>
+      <p:pic>
+        <p:nvPicPr>
+          <p:cNvPr id="7" name="Picture 6">
+            <a:extLst>
+              <a:ext uri="{FF2B5EF4-FFF2-40B4-BE49-F238E27FC236}">
+                <a16:creationId xmlns:a16="http://schemas.microsoft.com/office/drawing/2014/main" id="{A32A11CB-FB7B-D040-1824-3E6DD26183A3}"/>
+              </a:ext>
+            </a:extLst>
+          </p:cNvPr>
+          <p:cNvPicPr>
+            <a:picLocks noChangeAspect="1"/>
+          </p:cNvPicPr>
+          <p:nvPr/>
+        </p:nvPicPr>
+        <p:blipFill>
+          <a:blip r:embed="rId4"/>
+          <a:stretch>
+            <a:fillRect/>
+          </a:stretch>
+        </p:blipFill>
+        <p:spPr>
+          <a:xfrm>
+            <a:off x="7889361" y="2057400"/>
+            <a:ext cx="3853443" cy="1531666"/>
+          </a:xfrm>
+          <a:prstGeom prst="rect">
+            <a:avLst/>
+          </a:prstGeom>
+        </p:spPr>
+      </p:pic>
+    </p:spTree>
+    <p:extLst>
+      <p:ext uri="{BB962C8B-B14F-4D97-AF65-F5344CB8AC3E}">
+        <p14:creationId xmlns:p14="http://schemas.microsoft.com/office/powerpoint/2010/main" val="658790110"/>
+      </p:ext>
+    </p:extLst>
+  </p:cSld>
+  <p:clrMapOvr>
+    <a:masterClrMapping/>
+  </p:clrMapOvr>
+</p:sld>
+</file>
+
+<file path=ppt/slides/slide24.xml><?xml version="1.0" encoding="utf-8"?>
+<p:sld xmlns:a="http://schemas.openxmlformats.org/drawingml/2006/main" xmlns:r="http://schemas.openxmlformats.org/officeDocument/2006/relationships" xmlns:p="http://schemas.openxmlformats.org/presentationml/2006/main">
+  <p:cSld>
+    <p:spTree>
+      <p:nvGrpSpPr>
+        <p:cNvPr id="1" name=""/>
+        <p:cNvGrpSpPr/>
+        <p:nvPr/>
+      </p:nvGrpSpPr>
+      <p:grpSpPr>
+        <a:xfrm>
+          <a:off x="0" y="0"/>
+          <a:ext cx="0" cy="0"/>
+          <a:chOff x="0" y="0"/>
+          <a:chExt cx="0" cy="0"/>
+        </a:xfrm>
+      </p:grpSpPr>
+      <p:sp>
+        <p:nvSpPr>
+          <p:cNvPr id="2" name="object 2"/>
+          <p:cNvSpPr/>
+          <p:nvPr/>
+        </p:nvSpPr>
+        <p:spPr>
+          <a:xfrm>
+            <a:off x="1" y="44199"/>
+            <a:ext cx="12191999" cy="7118601"/>
+          </a:xfrm>
+          <a:prstGeom prst="rect">
+            <a:avLst/>
+          </a:prstGeom>
+          <a:blipFill>
+            <a:blip r:embed="rId2" cstate="print"/>
+            <a:stretch>
+              <a:fillRect/>
+            </a:stretch>
+          </a:blipFill>
+        </p:spPr>
+        <p:txBody>
+          <a:bodyPr wrap="square" lIns="0" tIns="0" rIns="0" bIns="0" rtlCol="0"/>
+          <a:lstStyle/>
+          <a:p>
+            <a:endParaRPr b="1" dirty="0">
+              <a:ln w="13462">
+                <a:solidFill>
+                  <a:schemeClr val="bg1"/>
+                </a:solidFill>
+                <a:prstDash val="solid"/>
+              </a:ln>
+              <a:solidFill>
+                <a:schemeClr val="tx1">
+                  <a:lumMod val="85000"/>
+                  <a:lumOff val="15000"/>
+                </a:schemeClr>
+              </a:solidFill>
+              <a:effectLst>
+                <a:outerShdw dist="38100" dir="2700000" algn="bl" rotWithShape="0">
+                  <a:schemeClr val="accent5"/>
+                </a:outerShdw>
+              </a:effectLst>
+            </a:endParaRPr>
+          </a:p>
+        </p:txBody>
+      </p:sp>
+      <p:sp>
+        <p:nvSpPr>
+          <p:cNvPr id="3" name="object 3"/>
+          <p:cNvSpPr txBox="1">
+            <a:spLocks noGrp="1"/>
+          </p:cNvSpPr>
+          <p:nvPr>
+            <p:ph type="title"/>
+          </p:nvPr>
+        </p:nvSpPr>
+        <p:spPr>
+          <a:xfrm>
+            <a:off x="762000" y="304800"/>
+            <a:ext cx="7239000" cy="535403"/>
+          </a:xfrm>
+          <a:prstGeom prst="rect">
+            <a:avLst/>
+          </a:prstGeom>
+        </p:spPr>
+        <p:txBody>
+          <a:bodyPr vert="horz" wrap="square" lIns="0" tIns="12065" rIns="0" bIns="0" rtlCol="0">
+            <a:spAutoFit/>
+          </a:bodyPr>
+          <a:lstStyle/>
+          <a:p>
+            <a:pPr marL="12700">
+              <a:lnSpc>
+                <a:spcPct val="100000"/>
+              </a:lnSpc>
+              <a:spcBef>
+                <a:spcPts val="95"/>
+              </a:spcBef>
+            </a:pPr>
+            <a:r>
+              <a:rPr lang="en-US" sz="3400" b="1" spc="-5" dirty="0">
+                <a:solidFill>
+                  <a:srgbClr val="FFFFFF"/>
+                </a:solidFill>
+                <a:latin typeface="Carlito"/>
+                <a:cs typeface="Carlito"/>
+              </a:rPr>
+              <a:t>CSR vs SSR</a:t>
+            </a:r>
+          </a:p>
+        </p:txBody>
+      </p:sp>
+      <p:sp>
+        <p:nvSpPr>
+          <p:cNvPr id="5" name="object 5"/>
+          <p:cNvSpPr/>
+          <p:nvPr/>
+        </p:nvSpPr>
+        <p:spPr>
+          <a:xfrm>
+            <a:off x="9816083" y="262127"/>
+            <a:ext cx="1976627" cy="822960"/>
+          </a:xfrm>
+          <a:prstGeom prst="rect">
+            <a:avLst/>
+          </a:prstGeom>
+          <a:blipFill>
+            <a:blip r:embed="rId3" cstate="print"/>
+            <a:stretch>
+              <a:fillRect/>
+            </a:stretch>
+          </a:blipFill>
+        </p:spPr>
+        <p:txBody>
+          <a:bodyPr wrap="square" lIns="0" tIns="0" rIns="0" bIns="0" rtlCol="0"/>
+          <a:lstStyle/>
+          <a:p>
+            <a:endParaRPr/>
+          </a:p>
+        </p:txBody>
+      </p:sp>
+      <p:sp>
+        <p:nvSpPr>
+          <p:cNvPr id="4" name="object 3">
+            <a:extLst>
+              <a:ext uri="{FF2B5EF4-FFF2-40B4-BE49-F238E27FC236}">
+                <a16:creationId xmlns:a16="http://schemas.microsoft.com/office/drawing/2014/main" id="{1ED9D45B-4B0D-FC76-3A8C-E89F6CD72254}"/>
+              </a:ext>
+            </a:extLst>
+          </p:cNvPr>
+          <p:cNvSpPr txBox="1">
+            <a:spLocks/>
+          </p:cNvSpPr>
+          <p:nvPr/>
+        </p:nvSpPr>
+        <p:spPr>
+          <a:xfrm>
+            <a:off x="762000" y="914400"/>
+            <a:ext cx="11277599" cy="4410823"/>
+          </a:xfrm>
+          <a:prstGeom prst="rect">
+            <a:avLst/>
+          </a:prstGeom>
+        </p:spPr>
+        <p:txBody>
+          <a:bodyPr vert="horz" wrap="square" lIns="0" tIns="12065" rIns="0" bIns="0" rtlCol="0">
+            <a:spAutoFit/>
+          </a:bodyPr>
+          <a:lstStyle>
+            <a:lvl1pPr>
+              <a:defRPr sz="6000" b="0" i="0">
+                <a:solidFill>
+                  <a:srgbClr val="E7E6E6"/>
+                </a:solidFill>
+                <a:latin typeface="Trebuchet MS"/>
+                <a:ea typeface="+mj-ea"/>
+                <a:cs typeface="Trebuchet MS"/>
+              </a:defRPr>
+            </a:lvl1pPr>
+          </a:lstStyle>
+          <a:p>
+            <a:pPr marL="527050" indent="-514350">
+              <a:spcBef>
+                <a:spcPts val="95"/>
+              </a:spcBef>
+              <a:buAutoNum type="arabicPeriod"/>
+            </a:pPr>
+            <a:r>
+              <a:rPr lang="en-US" sz="2800" kern="0" dirty="0">
+                <a:latin typeface="+mn-lt"/>
+                <a:cs typeface="Carlito"/>
+              </a:rPr>
+              <a:t>Everything will be done in the client side so , we will be using AJAX request to send our data through </a:t>
+            </a:r>
+            <a:r>
+              <a:rPr lang="en-US" sz="2800" kern="0" dirty="0" err="1">
+                <a:latin typeface="+mn-lt"/>
+                <a:cs typeface="Carlito"/>
+              </a:rPr>
+              <a:t>api</a:t>
+            </a:r>
+            <a:r>
+              <a:rPr lang="en-US" sz="2800" kern="0" dirty="0">
+                <a:latin typeface="+mn-lt"/>
+                <a:cs typeface="Carlito"/>
+              </a:rPr>
+              <a:t>.</a:t>
+            </a:r>
+          </a:p>
+          <a:p>
+            <a:pPr marL="527050" indent="-514350">
+              <a:spcBef>
+                <a:spcPts val="95"/>
+              </a:spcBef>
+              <a:buAutoNum type="arabicPeriod"/>
+            </a:pPr>
+            <a:r>
+              <a:rPr lang="en-US" sz="2800" kern="0" dirty="0">
+                <a:latin typeface="+mn-lt"/>
+                <a:cs typeface="Carlito"/>
+              </a:rPr>
+              <a:t>For this we will be using public folder which will include </a:t>
+            </a:r>
+            <a:r>
+              <a:rPr lang="en-US" sz="2800" kern="0" dirty="0" err="1">
+                <a:latin typeface="+mn-lt"/>
+                <a:cs typeface="Carlito"/>
+              </a:rPr>
+              <a:t>js</a:t>
+            </a:r>
+            <a:r>
+              <a:rPr lang="en-US" sz="2800" kern="0" dirty="0">
+                <a:latin typeface="+mn-lt"/>
+                <a:cs typeface="Carlito"/>
+              </a:rPr>
+              <a:t> and html files.</a:t>
+            </a:r>
+          </a:p>
+          <a:p>
+            <a:pPr marL="527050" indent="-514350">
+              <a:spcBef>
+                <a:spcPts val="95"/>
+              </a:spcBef>
+              <a:buAutoNum type="arabicPeriod"/>
+            </a:pPr>
+            <a:r>
+              <a:rPr lang="en-US" sz="2800" kern="0" dirty="0">
+                <a:latin typeface="+mn-lt"/>
+                <a:cs typeface="Carlito"/>
+              </a:rPr>
+              <a:t>Here we have to make an array and when </a:t>
+            </a:r>
+          </a:p>
+          <a:p>
+            <a:pPr marL="12700">
+              <a:spcBef>
+                <a:spcPts val="95"/>
+              </a:spcBef>
+            </a:pPr>
+            <a:r>
+              <a:rPr lang="en-US" sz="2800" kern="0" dirty="0">
+                <a:latin typeface="+mn-lt"/>
+                <a:cs typeface="Carlito"/>
+              </a:rPr>
+              <a:t>client request the data we have to give it to</a:t>
+            </a:r>
+          </a:p>
+          <a:p>
+            <a:pPr marL="12700">
+              <a:spcBef>
+                <a:spcPts val="95"/>
+              </a:spcBef>
+            </a:pPr>
+            <a:r>
+              <a:rPr lang="en-US" sz="2800" kern="0" dirty="0">
+                <a:latin typeface="+mn-lt"/>
+                <a:cs typeface="Carlito"/>
+              </a:rPr>
+              <a:t>client. So we want data to be in </a:t>
+            </a:r>
+            <a:r>
+              <a:rPr lang="en-US" sz="2800" kern="0" dirty="0" err="1">
+                <a:latin typeface="+mn-lt"/>
+                <a:cs typeface="Carlito"/>
+              </a:rPr>
+              <a:t>json</a:t>
+            </a:r>
+            <a:r>
+              <a:rPr lang="en-US" sz="2800" kern="0" dirty="0">
+                <a:latin typeface="+mn-lt"/>
+                <a:cs typeface="Carlito"/>
+              </a:rPr>
+              <a:t> format.</a:t>
+            </a:r>
+          </a:p>
+          <a:p>
+            <a:pPr marL="527050" indent="-514350">
+              <a:spcBef>
+                <a:spcPts val="95"/>
+              </a:spcBef>
+              <a:buAutoNum type="arabicPeriod" startAt="4"/>
+            </a:pPr>
+            <a:r>
+              <a:rPr lang="en-US" sz="2800" kern="0" dirty="0">
+                <a:latin typeface="+mn-lt"/>
+                <a:cs typeface="Carlito"/>
+              </a:rPr>
+              <a:t>We have to go to ‘/</a:t>
+            </a:r>
+            <a:r>
+              <a:rPr lang="en-US" sz="2800" kern="0" dirty="0" err="1">
+                <a:latin typeface="+mn-lt"/>
+                <a:cs typeface="Carlito"/>
+              </a:rPr>
+              <a:t>todos</a:t>
+            </a:r>
+            <a:r>
+              <a:rPr lang="en-US" sz="2800" kern="0" dirty="0">
+                <a:latin typeface="+mn-lt"/>
+                <a:cs typeface="Carlito"/>
+              </a:rPr>
+              <a:t>’ by using AJAX that will be written in JS .</a:t>
+            </a:r>
+          </a:p>
+          <a:p>
+            <a:pPr marL="527050" indent="-514350">
+              <a:spcBef>
+                <a:spcPts val="95"/>
+              </a:spcBef>
+              <a:buAutoNum type="arabicPeriod" startAt="4"/>
+            </a:pPr>
+            <a:r>
+              <a:rPr lang="en-US" sz="2800" kern="0" dirty="0">
+                <a:latin typeface="+mn-lt"/>
+                <a:cs typeface="Carlito"/>
+              </a:rPr>
+              <a:t>loop through the data in </a:t>
+            </a:r>
+            <a:r>
+              <a:rPr lang="en-US" sz="2800" kern="0" dirty="0" err="1">
+                <a:latin typeface="+mn-lt"/>
+                <a:cs typeface="Carlito"/>
+              </a:rPr>
+              <a:t>js</a:t>
+            </a:r>
+            <a:r>
+              <a:rPr lang="en-US" sz="2800" kern="0">
+                <a:latin typeface="+mn-lt"/>
+                <a:cs typeface="Carlito"/>
+              </a:rPr>
+              <a:t> file and </a:t>
+            </a:r>
+            <a:r>
+              <a:rPr lang="en-US" sz="2800" kern="0" dirty="0">
+                <a:latin typeface="+mn-lt"/>
+                <a:cs typeface="Carlito"/>
+              </a:rPr>
+              <a:t>show it in </a:t>
+            </a:r>
+            <a:r>
+              <a:rPr lang="en-US" sz="2800" kern="0">
+                <a:latin typeface="+mn-lt"/>
+                <a:cs typeface="Carlito"/>
+              </a:rPr>
+              <a:t>the                                                page</a:t>
+            </a:r>
+            <a:endParaRPr lang="en-US" sz="2800" kern="0" dirty="0">
+              <a:latin typeface="+mn-lt"/>
+              <a:cs typeface="Carlito"/>
+            </a:endParaRPr>
+          </a:p>
+          <a:p>
+            <a:pPr marL="527050" indent="-514350">
+              <a:spcBef>
+                <a:spcPts val="95"/>
+              </a:spcBef>
+              <a:buAutoNum type="arabicPeriod"/>
+            </a:pPr>
+            <a:endParaRPr lang="en-US" sz="2800" kern="0" dirty="0">
+              <a:latin typeface="+mn-lt"/>
+              <a:cs typeface="Carlito"/>
+            </a:endParaRPr>
+          </a:p>
+        </p:txBody>
+      </p:sp>
+      <p:pic>
+        <p:nvPicPr>
+          <p:cNvPr id="8" name="Picture 7">
+            <a:extLst>
+              <a:ext uri="{FF2B5EF4-FFF2-40B4-BE49-F238E27FC236}">
+                <a16:creationId xmlns:a16="http://schemas.microsoft.com/office/drawing/2014/main" id="{5FC58AFF-A90A-2F36-6A30-943F586841D6}"/>
+              </a:ext>
+            </a:extLst>
+          </p:cNvPr>
+          <p:cNvPicPr>
+            <a:picLocks noChangeAspect="1"/>
+          </p:cNvPicPr>
+          <p:nvPr/>
+        </p:nvPicPr>
+        <p:blipFill>
+          <a:blip r:embed="rId4"/>
+          <a:stretch>
+            <a:fillRect/>
+          </a:stretch>
+        </p:blipFill>
+        <p:spPr>
+          <a:xfrm>
+            <a:off x="7620000" y="2234295"/>
+            <a:ext cx="4164083" cy="1270905"/>
+          </a:xfrm>
+          <a:prstGeom prst="rect">
+            <a:avLst/>
+          </a:prstGeom>
+        </p:spPr>
+      </p:pic>
+      <p:pic>
+        <p:nvPicPr>
+          <p:cNvPr id="10" name="Picture 9">
+            <a:extLst>
+              <a:ext uri="{FF2B5EF4-FFF2-40B4-BE49-F238E27FC236}">
+                <a16:creationId xmlns:a16="http://schemas.microsoft.com/office/drawing/2014/main" id="{E8E91EA6-82B2-7F96-9ACE-42A1D2D593FC}"/>
+              </a:ext>
+            </a:extLst>
+          </p:cNvPr>
+          <p:cNvPicPr>
+            <a:picLocks noChangeAspect="1"/>
+          </p:cNvPicPr>
+          <p:nvPr/>
+        </p:nvPicPr>
+        <p:blipFill>
+          <a:blip r:embed="rId5"/>
+          <a:stretch>
+            <a:fillRect/>
+          </a:stretch>
+        </p:blipFill>
+        <p:spPr>
+          <a:xfrm>
+            <a:off x="8662931" y="3939944"/>
+            <a:ext cx="3129779" cy="1428928"/>
+          </a:xfrm>
+          <a:prstGeom prst="rect">
+            <a:avLst/>
+          </a:prstGeom>
+        </p:spPr>
+      </p:pic>
+    </p:spTree>
+    <p:extLst>
+      <p:ext uri="{BB962C8B-B14F-4D97-AF65-F5344CB8AC3E}">
+        <p14:creationId xmlns:p14="http://schemas.microsoft.com/office/powerpoint/2010/main" val="1050036196"/>
       </p:ext>
     </p:extLst>
   </p:cSld>

--- a/NodeJS.pptx
+++ b/NodeJS.pptx
@@ -10074,7 +10074,7 @@
         <p:spPr>
           <a:xfrm>
             <a:off x="762000" y="914400"/>
-            <a:ext cx="11277599" cy="4410823"/>
+            <a:ext cx="11277599" cy="5298245"/>
           </a:xfrm>
           <a:prstGeom prst="rect">
             <a:avLst/>
@@ -10262,42 +10262,55 @@
               <a:t>js</a:t>
             </a:r>
             <a:r>
-              <a:rPr lang="en-US" sz="2800" kern="0">
-                <a:latin typeface="+mn-lt"/>
-                <a:cs typeface="Carlito"/>
-              </a:rPr>
-              <a:t> file and </a:t>
-            </a:r>
-            <a:r>
-              <a:rPr lang="en-US" sz="2800" kern="0" dirty="0">
-                <a:latin typeface="+mn-lt"/>
-                <a:cs typeface="Carlito"/>
-              </a:rPr>
-              <a:t>show it in </a:t>
-            </a:r>
-            <a:r>
-              <a:rPr lang="en-US" sz="2800" kern="0">
-                <a:latin typeface="+mn-lt"/>
-                <a:cs typeface="Carlito"/>
-              </a:rPr>
-              <a:t>the                                                page</a:t>
-            </a:r>
-            <a:endParaRPr lang="en-US" sz="2800" kern="0" dirty="0">
-              <a:latin typeface="+mn-lt"/>
-              <a:cs typeface="Carlito"/>
-            </a:endParaRPr>
+              <a:rPr lang="en-US" sz="2800" kern="0" dirty="0">
+                <a:latin typeface="+mn-lt"/>
+                <a:cs typeface="Carlito"/>
+              </a:rPr>
+              <a:t> file and                                                                 show it in the page. Put it in a function</a:t>
+            </a:r>
           </a:p>
           <a:p>
             <a:pPr marL="527050" indent="-514350">
               <a:spcBef>
                 <a:spcPts val="95"/>
               </a:spcBef>
-              <a:buAutoNum type="arabicPeriod"/>
-            </a:pPr>
-            <a:endParaRPr lang="en-US" sz="2800" kern="0" dirty="0">
-              <a:latin typeface="+mn-lt"/>
-              <a:cs typeface="Carlito"/>
-            </a:endParaRPr>
+              <a:buAutoNum type="arabicPeriod" startAt="4"/>
+            </a:pPr>
+            <a:r>
+              <a:rPr lang="en-US" sz="2800" kern="0" dirty="0">
+                <a:latin typeface="+mn-lt"/>
+                <a:cs typeface="Carlito"/>
+              </a:rPr>
+              <a:t>Now use post request to send the data </a:t>
+            </a:r>
+          </a:p>
+          <a:p>
+            <a:pPr marL="12700">
+              <a:spcBef>
+                <a:spcPts val="95"/>
+              </a:spcBef>
+            </a:pPr>
+            <a:r>
+              <a:rPr lang="en-US" sz="2800" kern="0" dirty="0">
+                <a:latin typeface="+mn-lt"/>
+                <a:cs typeface="Carlito"/>
+              </a:rPr>
+              <a:t>to the server , where the server will add the</a:t>
+            </a:r>
+          </a:p>
+          <a:p>
+            <a:pPr marL="12700">
+              <a:spcBef>
+                <a:spcPts val="95"/>
+              </a:spcBef>
+            </a:pPr>
+            <a:r>
+              <a:rPr lang="en-US" sz="2800" kern="0" dirty="0">
+                <a:latin typeface="+mn-lt"/>
+                <a:cs typeface="Carlito"/>
+              </a:rPr>
+              <a:t>data to the array or database accordingly.</a:t>
+            </a:r>
           </a:p>
         </p:txBody>
       </p:sp>
@@ -10333,10 +10346,10 @@
       </p:pic>
       <p:pic>
         <p:nvPicPr>
-          <p:cNvPr id="10" name="Picture 9">
+          <p:cNvPr id="12" name="Picture 11">
             <a:extLst>
               <a:ext uri="{FF2B5EF4-FFF2-40B4-BE49-F238E27FC236}">
-                <a16:creationId xmlns:a16="http://schemas.microsoft.com/office/drawing/2014/main" id="{E8E91EA6-82B2-7F96-9ACE-42A1D2D593FC}"/>
+                <a16:creationId xmlns:a16="http://schemas.microsoft.com/office/drawing/2014/main" id="{5C89E262-5228-D342-D1D4-D03D3886CC96}"/>
               </a:ext>
             </a:extLst>
           </p:cNvPr>
@@ -10345,16 +10358,44 @@
           </p:cNvPicPr>
           <p:nvPr/>
         </p:nvPicPr>
-        <p:blipFill>
+        <p:blipFill rotWithShape="1">
           <a:blip r:embed="rId5"/>
-          <a:stretch>
-            <a:fillRect/>
-          </a:stretch>
+          <a:srcRect b="16259"/>
+          <a:stretch/>
         </p:blipFill>
         <p:spPr>
           <a:xfrm>
-            <a:off x="8662931" y="3939944"/>
-            <a:ext cx="3129779" cy="1428928"/>
+            <a:off x="7086600" y="3886200"/>
+            <a:ext cx="4706110" cy="1143000"/>
+          </a:xfrm>
+          <a:prstGeom prst="rect">
+            <a:avLst/>
+          </a:prstGeom>
+        </p:spPr>
+      </p:pic>
+      <p:pic>
+        <p:nvPicPr>
+          <p:cNvPr id="14" name="Picture 13">
+            <a:extLst>
+              <a:ext uri="{FF2B5EF4-FFF2-40B4-BE49-F238E27FC236}">
+                <a16:creationId xmlns:a16="http://schemas.microsoft.com/office/drawing/2014/main" id="{8EAB81E6-1D6A-EAE1-E762-C95AB28426BB}"/>
+              </a:ext>
+            </a:extLst>
+          </p:cNvPr>
+          <p:cNvPicPr>
+            <a:picLocks noChangeAspect="1"/>
+          </p:cNvPicPr>
+          <p:nvPr/>
+        </p:nvPicPr>
+        <p:blipFill rotWithShape="1">
+          <a:blip r:embed="rId6"/>
+          <a:srcRect t="6973"/>
+          <a:stretch/>
+        </p:blipFill>
+        <p:spPr>
+          <a:xfrm>
+            <a:off x="7128894" y="4953000"/>
+            <a:ext cx="3920106" cy="1889475"/>
           </a:xfrm>
           <a:prstGeom prst="rect">
             <a:avLst/>

--- a/NodeJS.pptx
+++ b/NodeJS.pptx
@@ -29,6 +29,12 @@
     <p:sldId id="400" r:id="rId23"/>
     <p:sldId id="401" r:id="rId24"/>
     <p:sldId id="402" r:id="rId25"/>
+    <p:sldId id="403" r:id="rId26"/>
+    <p:sldId id="404" r:id="rId27"/>
+    <p:sldId id="405" r:id="rId28"/>
+    <p:sldId id="406" r:id="rId29"/>
+    <p:sldId id="407" r:id="rId30"/>
+    <p:sldId id="408" r:id="rId31"/>
   </p:sldIdLst>
   <p:sldSz cx="12192000" cy="6858000"/>
   <p:notesSz cx="12192000" cy="6858000"/>
@@ -537,7 +543,7 @@
           <a:p>
             <a:fld id="{1D8BD707-D9CF-40AE-B4C6-C98DA3205C09}" type="datetimeFigureOut">
               <a:rPr lang="en-US"/>
-              <a:t>2/1/2024</a:t>
+              <a:t>2/22/2024</a:t>
             </a:fld>
             <a:endParaRPr lang="en-US"/>
           </a:p>
@@ -714,7 +720,7 @@
           <a:p>
             <a:fld id="{1D8BD707-D9CF-40AE-B4C6-C98DA3205C09}" type="datetimeFigureOut">
               <a:rPr lang="en-US"/>
-              <a:t>2/1/2024</a:t>
+              <a:t>2/22/2024</a:t>
             </a:fld>
             <a:endParaRPr lang="en-US"/>
           </a:p>
@@ -928,7 +934,7 @@
           <a:p>
             <a:fld id="{1D8BD707-D9CF-40AE-B4C6-C98DA3205C09}" type="datetimeFigureOut">
               <a:rPr lang="en-US"/>
-              <a:t>2/1/2024</a:t>
+              <a:t>2/22/2024</a:t>
             </a:fld>
             <a:endParaRPr lang="en-US"/>
           </a:p>
@@ -1076,7 +1082,7 @@
           <a:p>
             <a:fld id="{1D8BD707-D9CF-40AE-B4C6-C98DA3205C09}" type="datetimeFigureOut">
               <a:rPr lang="en-US"/>
-              <a:t>2/1/2024</a:t>
+              <a:t>2/22/2024</a:t>
             </a:fld>
             <a:endParaRPr lang="en-US"/>
           </a:p>
@@ -1203,7 +1209,7 @@
           <a:p>
             <a:fld id="{1D8BD707-D9CF-40AE-B4C6-C98DA3205C09}" type="datetimeFigureOut">
               <a:rPr lang="en-US"/>
-              <a:t>2/1/2024</a:t>
+              <a:t>2/22/2024</a:t>
             </a:fld>
             <a:endParaRPr lang="en-US"/>
           </a:p>
@@ -1457,7 +1463,7 @@
           <a:p>
             <a:fld id="{1D8BD707-D9CF-40AE-B4C6-C98DA3205C09}" type="datetimeFigureOut">
               <a:rPr lang="en-US"/>
-              <a:t>2/1/2024</a:t>
+              <a:t>2/22/2024</a:t>
             </a:fld>
             <a:endParaRPr lang="en-US"/>
           </a:p>
@@ -8172,8 +8178,8 @@
           </a:extLst>
         </p:spPr>
       </p:pic>
-      <mc:AlternateContent xmlns:mc="http://schemas.openxmlformats.org/markup-compatibility/2006">
-        <mc:Choice xmlns:p14="http://schemas.microsoft.com/office/powerpoint/2010/main" xmlns:aink="http://schemas.microsoft.com/office/drawing/2016/ink" Requires="p14 aink">
+      <mc:AlternateContent xmlns:mc="http://schemas.openxmlformats.org/markup-compatibility/2006" xmlns:p14="http://schemas.microsoft.com/office/powerpoint/2010/main" xmlns:aink="http://schemas.microsoft.com/office/drawing/2016/ink">
+        <mc:Choice Requires="p14 aink">
           <p:contentPart p14:bwMode="auto" r:id="rId5">
             <p14:nvContentPartPr>
               <p14:cNvPr id="6" name="Ink 5">
@@ -8192,7 +8198,7 @@
             </p14:xfrm>
           </p:contentPart>
         </mc:Choice>
-        <mc:Fallback>
+        <mc:Fallback xmlns="">
           <p:pic>
             <p:nvPicPr>
               <p:cNvPr id="6" name="Ink 5">
@@ -8223,8 +8229,8 @@
           </p:pic>
         </mc:Fallback>
       </mc:AlternateContent>
-      <mc:AlternateContent xmlns:mc="http://schemas.openxmlformats.org/markup-compatibility/2006">
-        <mc:Choice xmlns:p14="http://schemas.microsoft.com/office/powerpoint/2010/main" xmlns:aink="http://schemas.microsoft.com/office/drawing/2016/ink" Requires="p14 aink">
+      <mc:AlternateContent xmlns:mc="http://schemas.openxmlformats.org/markup-compatibility/2006" xmlns:p14="http://schemas.microsoft.com/office/powerpoint/2010/main" xmlns:aink="http://schemas.microsoft.com/office/drawing/2016/ink">
+        <mc:Choice Requires="p14 aink">
           <p:contentPart p14:bwMode="auto" r:id="rId7">
             <p14:nvContentPartPr>
               <p14:cNvPr id="7" name="Ink 6">
@@ -8243,7 +8249,7 @@
             </p14:xfrm>
           </p:contentPart>
         </mc:Choice>
-        <mc:Fallback>
+        <mc:Fallback xmlns="">
           <p:pic>
             <p:nvPicPr>
               <p:cNvPr id="7" name="Ink 6">
@@ -8294,8 +8300,8 @@
             <a:chExt cx="24120" cy="29160"/>
           </a:xfrm>
         </p:grpSpPr>
-        <mc:AlternateContent xmlns:mc="http://schemas.openxmlformats.org/markup-compatibility/2006">
-          <mc:Choice xmlns:p14="http://schemas.microsoft.com/office/powerpoint/2010/main" xmlns:aink="http://schemas.microsoft.com/office/drawing/2016/ink" Requires="p14 aink">
+        <mc:AlternateContent xmlns:mc="http://schemas.openxmlformats.org/markup-compatibility/2006" xmlns:p14="http://schemas.microsoft.com/office/powerpoint/2010/main" xmlns:aink="http://schemas.microsoft.com/office/drawing/2016/ink">
+          <mc:Choice Requires="p14 aink">
             <p:contentPart p14:bwMode="auto" r:id="rId9">
               <p14:nvContentPartPr>
                 <p14:cNvPr id="9" name="Ink 8">
@@ -8314,7 +8320,7 @@
               </p14:xfrm>
             </p:contentPart>
           </mc:Choice>
-          <mc:Fallback>
+          <mc:Fallback xmlns="">
             <p:pic>
               <p:nvPicPr>
                 <p:cNvPr id="9" name="Ink 8">
@@ -8345,8 +8351,8 @@
             </p:pic>
           </mc:Fallback>
         </mc:AlternateContent>
-        <mc:AlternateContent xmlns:mc="http://schemas.openxmlformats.org/markup-compatibility/2006">
-          <mc:Choice xmlns:p14="http://schemas.microsoft.com/office/powerpoint/2010/main" xmlns:aink="http://schemas.microsoft.com/office/drawing/2016/ink" Requires="p14 aink">
+        <mc:AlternateContent xmlns:mc="http://schemas.openxmlformats.org/markup-compatibility/2006" xmlns:p14="http://schemas.microsoft.com/office/powerpoint/2010/main" xmlns:aink="http://schemas.microsoft.com/office/drawing/2016/ink">
+          <mc:Choice Requires="p14 aink">
             <p:contentPart p14:bwMode="auto" r:id="rId11">
               <p14:nvContentPartPr>
                 <p14:cNvPr id="10" name="Ink 9">
@@ -8365,7 +8371,7 @@
               </p14:xfrm>
             </p:contentPart>
           </mc:Choice>
-          <mc:Fallback>
+          <mc:Fallback xmlns="">
             <p:pic>
               <p:nvPicPr>
                 <p:cNvPr id="10" name="Ink 9">
@@ -8396,8 +8402,8 @@
             </p:pic>
           </mc:Fallback>
         </mc:AlternateContent>
-        <mc:AlternateContent xmlns:mc="http://schemas.openxmlformats.org/markup-compatibility/2006">
-          <mc:Choice xmlns:p14="http://schemas.microsoft.com/office/powerpoint/2010/main" xmlns:aink="http://schemas.microsoft.com/office/drawing/2016/ink" Requires="p14 aink">
+        <mc:AlternateContent xmlns:mc="http://schemas.openxmlformats.org/markup-compatibility/2006" xmlns:p14="http://schemas.microsoft.com/office/powerpoint/2010/main" xmlns:aink="http://schemas.microsoft.com/office/drawing/2016/ink">
+          <mc:Choice Requires="p14 aink">
             <p:contentPart p14:bwMode="auto" r:id="rId13">
               <p14:nvContentPartPr>
                 <p14:cNvPr id="12" name="Ink 11">
@@ -8416,7 +8422,7 @@
               </p14:xfrm>
             </p:contentPart>
           </mc:Choice>
-          <mc:Fallback>
+          <mc:Fallback xmlns="">
             <p:pic>
               <p:nvPicPr>
                 <p:cNvPr id="12" name="Ink 11">
@@ -8447,8 +8453,8 @@
             </p:pic>
           </mc:Fallback>
         </mc:AlternateContent>
-        <mc:AlternateContent xmlns:mc="http://schemas.openxmlformats.org/markup-compatibility/2006">
-          <mc:Choice xmlns:p14="http://schemas.microsoft.com/office/powerpoint/2010/main" xmlns:aink="http://schemas.microsoft.com/office/drawing/2016/ink" Requires="p14 aink">
+        <mc:AlternateContent xmlns:mc="http://schemas.openxmlformats.org/markup-compatibility/2006" xmlns:p14="http://schemas.microsoft.com/office/powerpoint/2010/main" xmlns:aink="http://schemas.microsoft.com/office/drawing/2016/ink">
+          <mc:Choice Requires="p14 aink">
             <p:contentPart p14:bwMode="auto" r:id="rId14">
               <p14:nvContentPartPr>
                 <p14:cNvPr id="14" name="Ink 13">
@@ -8467,7 +8473,7 @@
               </p14:xfrm>
             </p:contentPart>
           </mc:Choice>
-          <mc:Fallback>
+          <mc:Fallback xmlns="">
             <p:pic>
               <p:nvPicPr>
                 <p:cNvPr id="14" name="Ink 13">
@@ -8499,8 +8505,8 @@
           </mc:Fallback>
         </mc:AlternateContent>
       </p:grpSp>
-      <mc:AlternateContent xmlns:mc="http://schemas.openxmlformats.org/markup-compatibility/2006">
-        <mc:Choice xmlns:p14="http://schemas.microsoft.com/office/powerpoint/2010/main" Requires="p14">
+      <mc:AlternateContent xmlns:mc="http://schemas.openxmlformats.org/markup-compatibility/2006" xmlns:p14="http://schemas.microsoft.com/office/powerpoint/2010/main">
+        <mc:Choice Requires="p14">
           <p:contentPart p14:bwMode="auto" r:id="rId16">
             <p14:nvContentPartPr>
               <p14:cNvPr id="17" name="Ink 16">
@@ -8519,7 +8525,7 @@
             </p14:xfrm>
           </p:contentPart>
         </mc:Choice>
-        <mc:Fallback>
+        <mc:Fallback xmlns="">
           <p:pic>
             <p:nvPicPr>
               <p:cNvPr id="17" name="Ink 16">
@@ -8570,8 +8576,8 @@
             <a:chExt cx="6840" cy="43200"/>
           </a:xfrm>
         </p:grpSpPr>
-        <mc:AlternateContent xmlns:mc="http://schemas.openxmlformats.org/markup-compatibility/2006">
-          <mc:Choice xmlns:p14="http://schemas.microsoft.com/office/powerpoint/2010/main" Requires="p14">
+        <mc:AlternateContent xmlns:mc="http://schemas.openxmlformats.org/markup-compatibility/2006" xmlns:p14="http://schemas.microsoft.com/office/powerpoint/2010/main">
+          <mc:Choice Requires="p14">
             <p:contentPart p14:bwMode="auto" r:id="rId18">
               <p14:nvContentPartPr>
                 <p14:cNvPr id="18" name="Ink 17">
@@ -8590,7 +8596,7 @@
               </p14:xfrm>
             </p:contentPart>
           </mc:Choice>
-          <mc:Fallback>
+          <mc:Fallback xmlns="">
             <p:pic>
               <p:nvPicPr>
                 <p:cNvPr id="18" name="Ink 17">
@@ -8621,8 +8627,8 @@
             </p:pic>
           </mc:Fallback>
         </mc:AlternateContent>
-        <mc:AlternateContent xmlns:mc="http://schemas.openxmlformats.org/markup-compatibility/2006">
-          <mc:Choice xmlns:p14="http://schemas.microsoft.com/office/powerpoint/2010/main" Requires="p14">
+        <mc:AlternateContent xmlns:mc="http://schemas.openxmlformats.org/markup-compatibility/2006" xmlns:p14="http://schemas.microsoft.com/office/powerpoint/2010/main">
+          <mc:Choice Requires="p14">
             <p:contentPart p14:bwMode="auto" r:id="rId19">
               <p14:nvContentPartPr>
                 <p14:cNvPr id="19" name="Ink 18">
@@ -8641,7 +8647,7 @@
               </p14:xfrm>
             </p:contentPart>
           </mc:Choice>
-          <mc:Fallback>
+          <mc:Fallback xmlns="">
             <p:pic>
               <p:nvPicPr>
                 <p:cNvPr id="19" name="Ink 18">
@@ -10415,6 +10421,2585 @@
 </p:sld>
 </file>
 
+<file path=ppt/slides/slide25.xml><?xml version="1.0" encoding="utf-8"?>
+<p:sld xmlns:a="http://schemas.openxmlformats.org/drawingml/2006/main" xmlns:r="http://schemas.openxmlformats.org/officeDocument/2006/relationships" xmlns:p="http://schemas.openxmlformats.org/presentationml/2006/main">
+  <p:cSld>
+    <p:spTree>
+      <p:nvGrpSpPr>
+        <p:cNvPr id="1" name="">
+          <a:extLst>
+            <a:ext uri="{FF2B5EF4-FFF2-40B4-BE49-F238E27FC236}">
+              <a16:creationId xmlns:a16="http://schemas.microsoft.com/office/drawing/2014/main" id="{37EC0905-53C0-585A-48BC-5F7E4CAC5603}"/>
+            </a:ext>
+          </a:extLst>
+        </p:cNvPr>
+        <p:cNvGrpSpPr/>
+        <p:nvPr/>
+      </p:nvGrpSpPr>
+      <p:grpSpPr>
+        <a:xfrm>
+          <a:off x="0" y="0"/>
+          <a:ext cx="0" cy="0"/>
+          <a:chOff x="0" y="0"/>
+          <a:chExt cx="0" cy="0"/>
+        </a:xfrm>
+      </p:grpSpPr>
+      <p:sp>
+        <p:nvSpPr>
+          <p:cNvPr id="2" name="object 2">
+            <a:extLst>
+              <a:ext uri="{FF2B5EF4-FFF2-40B4-BE49-F238E27FC236}">
+                <a16:creationId xmlns:a16="http://schemas.microsoft.com/office/drawing/2014/main" id="{8FEBA1F9-6570-840F-4864-ECC646D94EFA}"/>
+              </a:ext>
+            </a:extLst>
+          </p:cNvPr>
+          <p:cNvSpPr/>
+          <p:nvPr/>
+        </p:nvSpPr>
+        <p:spPr>
+          <a:xfrm>
+            <a:off x="1" y="44199"/>
+            <a:ext cx="12191999" cy="7118601"/>
+          </a:xfrm>
+          <a:prstGeom prst="rect">
+            <a:avLst/>
+          </a:prstGeom>
+          <a:blipFill>
+            <a:blip r:embed="rId2" cstate="print"/>
+            <a:stretch>
+              <a:fillRect/>
+            </a:stretch>
+          </a:blipFill>
+        </p:spPr>
+        <p:txBody>
+          <a:bodyPr wrap="square" lIns="0" tIns="0" rIns="0" bIns="0" rtlCol="0"/>
+          <a:lstStyle/>
+          <a:p>
+            <a:endParaRPr b="1" dirty="0">
+              <a:ln w="13462">
+                <a:solidFill>
+                  <a:schemeClr val="bg1"/>
+                </a:solidFill>
+                <a:prstDash val="solid"/>
+              </a:ln>
+              <a:solidFill>
+                <a:schemeClr val="tx1">
+                  <a:lumMod val="85000"/>
+                  <a:lumOff val="15000"/>
+                </a:schemeClr>
+              </a:solidFill>
+              <a:effectLst>
+                <a:outerShdw dist="38100" dir="2700000" algn="bl" rotWithShape="0">
+                  <a:schemeClr val="accent5"/>
+                </a:outerShdw>
+              </a:effectLst>
+            </a:endParaRPr>
+          </a:p>
+        </p:txBody>
+      </p:sp>
+      <p:sp>
+        <p:nvSpPr>
+          <p:cNvPr id="3" name="object 3">
+            <a:extLst>
+              <a:ext uri="{FF2B5EF4-FFF2-40B4-BE49-F238E27FC236}">
+                <a16:creationId xmlns:a16="http://schemas.microsoft.com/office/drawing/2014/main" id="{CC5C38BC-DE78-1E83-EBF0-62AB068EFCFA}"/>
+              </a:ext>
+            </a:extLst>
+          </p:cNvPr>
+          <p:cNvSpPr txBox="1">
+            <a:spLocks noGrp="1"/>
+          </p:cNvSpPr>
+          <p:nvPr>
+            <p:ph type="title"/>
+          </p:nvPr>
+        </p:nvSpPr>
+        <p:spPr>
+          <a:xfrm>
+            <a:off x="762000" y="304800"/>
+            <a:ext cx="7239000" cy="535403"/>
+          </a:xfrm>
+          <a:prstGeom prst="rect">
+            <a:avLst/>
+          </a:prstGeom>
+        </p:spPr>
+        <p:txBody>
+          <a:bodyPr vert="horz" wrap="square" lIns="0" tIns="12065" rIns="0" bIns="0" rtlCol="0">
+            <a:spAutoFit/>
+          </a:bodyPr>
+          <a:lstStyle/>
+          <a:p>
+            <a:pPr marL="12700">
+              <a:lnSpc>
+                <a:spcPct val="100000"/>
+              </a:lnSpc>
+              <a:spcBef>
+                <a:spcPts val="95"/>
+              </a:spcBef>
+            </a:pPr>
+            <a:r>
+              <a:rPr lang="en-US" sz="3400" b="1" spc="-5" dirty="0">
+                <a:solidFill>
+                  <a:srgbClr val="FFFFFF"/>
+                </a:solidFill>
+                <a:latin typeface="Carlito"/>
+                <a:cs typeface="Carlito"/>
+              </a:rPr>
+              <a:t>Databases</a:t>
+            </a:r>
+          </a:p>
+        </p:txBody>
+      </p:sp>
+      <p:sp>
+        <p:nvSpPr>
+          <p:cNvPr id="5" name="object 5">
+            <a:extLst>
+              <a:ext uri="{FF2B5EF4-FFF2-40B4-BE49-F238E27FC236}">
+                <a16:creationId xmlns:a16="http://schemas.microsoft.com/office/drawing/2014/main" id="{6F88FFC1-7A90-5A16-8AD4-B69DCBC6F597}"/>
+              </a:ext>
+            </a:extLst>
+          </p:cNvPr>
+          <p:cNvSpPr/>
+          <p:nvPr/>
+        </p:nvSpPr>
+        <p:spPr>
+          <a:xfrm>
+            <a:off x="9816083" y="262127"/>
+            <a:ext cx="1976627" cy="822960"/>
+          </a:xfrm>
+          <a:prstGeom prst="rect">
+            <a:avLst/>
+          </a:prstGeom>
+          <a:blipFill>
+            <a:blip r:embed="rId3" cstate="print"/>
+            <a:stretch>
+              <a:fillRect/>
+            </a:stretch>
+          </a:blipFill>
+        </p:spPr>
+        <p:txBody>
+          <a:bodyPr wrap="square" lIns="0" tIns="0" rIns="0" bIns="0" rtlCol="0"/>
+          <a:lstStyle/>
+          <a:p>
+            <a:endParaRPr/>
+          </a:p>
+        </p:txBody>
+      </p:sp>
+      <p:sp>
+        <p:nvSpPr>
+          <p:cNvPr id="4" name="object 3">
+            <a:extLst>
+              <a:ext uri="{FF2B5EF4-FFF2-40B4-BE49-F238E27FC236}">
+                <a16:creationId xmlns:a16="http://schemas.microsoft.com/office/drawing/2014/main" id="{5E752CA2-C9CE-4BD9-6D99-6EA1AB948186}"/>
+              </a:ext>
+            </a:extLst>
+          </p:cNvPr>
+          <p:cNvSpPr txBox="1">
+            <a:spLocks/>
+          </p:cNvSpPr>
+          <p:nvPr/>
+        </p:nvSpPr>
+        <p:spPr>
+          <a:xfrm>
+            <a:off x="762000" y="914400"/>
+            <a:ext cx="11277599" cy="5013552"/>
+          </a:xfrm>
+          <a:prstGeom prst="rect">
+            <a:avLst/>
+          </a:prstGeom>
+        </p:spPr>
+        <p:txBody>
+          <a:bodyPr vert="horz" wrap="square" lIns="0" tIns="12065" rIns="0" bIns="0" rtlCol="0">
+            <a:spAutoFit/>
+          </a:bodyPr>
+          <a:lstStyle>
+            <a:lvl1pPr>
+              <a:defRPr sz="6000" b="0" i="0">
+                <a:solidFill>
+                  <a:srgbClr val="E7E6E6"/>
+                </a:solidFill>
+                <a:latin typeface="Trebuchet MS"/>
+                <a:ea typeface="+mj-ea"/>
+                <a:cs typeface="Trebuchet MS"/>
+              </a:defRPr>
+            </a:lvl1pPr>
+          </a:lstStyle>
+          <a:p>
+            <a:pPr marL="527050" indent="-514350">
+              <a:spcBef>
+                <a:spcPts val="95"/>
+              </a:spcBef>
+              <a:buAutoNum type="arabicPeriod"/>
+            </a:pPr>
+            <a:r>
+              <a:rPr lang="en-US" sz="3200" kern="0" dirty="0">
+                <a:latin typeface="+mn-lt"/>
+                <a:cs typeface="Carlito"/>
+              </a:rPr>
+              <a:t>Databases are used to prevent </a:t>
+            </a:r>
+            <a:r>
+              <a:rPr lang="en-US" sz="3200" kern="0" dirty="0" err="1">
+                <a:latin typeface="+mn-lt"/>
+                <a:cs typeface="Carlito"/>
+              </a:rPr>
+              <a:t>duplicacy</a:t>
+            </a:r>
+            <a:r>
+              <a:rPr lang="en-US" sz="3200" kern="0" dirty="0">
+                <a:latin typeface="+mn-lt"/>
+                <a:cs typeface="Carlito"/>
+              </a:rPr>
+              <a:t>, data inefficiency , better security , scalability.</a:t>
+            </a:r>
+          </a:p>
+          <a:p>
+            <a:pPr marL="527050" indent="-514350">
+              <a:spcBef>
+                <a:spcPts val="95"/>
+              </a:spcBef>
+              <a:buAutoNum type="arabicPeriod"/>
+            </a:pPr>
+            <a:r>
+              <a:rPr lang="en-US" sz="3200" kern="0" dirty="0">
+                <a:latin typeface="+mn-lt"/>
+                <a:cs typeface="Carlito"/>
+              </a:rPr>
+              <a:t>Most important is to prevent Data Redundancy : different </a:t>
+            </a:r>
+            <a:r>
+              <a:rPr lang="en-US" sz="3200" kern="0" dirty="0" err="1">
+                <a:latin typeface="+mn-lt"/>
+                <a:cs typeface="Carlito"/>
+              </a:rPr>
+              <a:t>datas</a:t>
+            </a:r>
+            <a:r>
+              <a:rPr lang="en-US" sz="3200" kern="0" dirty="0">
+                <a:latin typeface="+mn-lt"/>
+                <a:cs typeface="Carlito"/>
+              </a:rPr>
+              <a:t> in 2 different places.</a:t>
+            </a:r>
+          </a:p>
+          <a:p>
+            <a:pPr marL="527050" indent="-514350">
+              <a:spcBef>
+                <a:spcPts val="95"/>
+              </a:spcBef>
+              <a:buAutoNum type="arabicPeriod"/>
+            </a:pPr>
+            <a:r>
+              <a:rPr lang="en-US" sz="3200" kern="0" dirty="0">
+                <a:latin typeface="+mn-lt"/>
+                <a:cs typeface="Carlito"/>
+              </a:rPr>
+              <a:t>Types of DB languages : SQL and NoSQL </a:t>
+            </a:r>
+          </a:p>
+          <a:p>
+            <a:pPr marL="527050" indent="-514350">
+              <a:spcBef>
+                <a:spcPts val="95"/>
+              </a:spcBef>
+              <a:buAutoNum type="arabicPeriod"/>
+            </a:pPr>
+            <a:r>
+              <a:rPr lang="en-US" sz="3200" kern="0" dirty="0">
+                <a:latin typeface="+mn-lt"/>
+                <a:cs typeface="Carlito"/>
+              </a:rPr>
+              <a:t>Types of DBMS : </a:t>
+            </a:r>
+          </a:p>
+          <a:p>
+            <a:pPr marL="584200" indent="-571500">
+              <a:spcBef>
+                <a:spcPts val="95"/>
+              </a:spcBef>
+              <a:buAutoNum type="romanLcPeriod"/>
+            </a:pPr>
+            <a:r>
+              <a:rPr lang="en-US" sz="3200" kern="0" dirty="0">
+                <a:latin typeface="+mn-lt"/>
+                <a:cs typeface="Carlito"/>
+              </a:rPr>
+              <a:t>Relational:  Those </a:t>
+            </a:r>
+            <a:r>
+              <a:rPr lang="en-US" sz="3200" kern="0" dirty="0" err="1">
+                <a:latin typeface="+mn-lt"/>
+                <a:cs typeface="Carlito"/>
+              </a:rPr>
+              <a:t>dbs</a:t>
+            </a:r>
+            <a:r>
+              <a:rPr lang="en-US" sz="3200" kern="0" dirty="0">
+                <a:latin typeface="+mn-lt"/>
+                <a:cs typeface="Carlito"/>
+              </a:rPr>
+              <a:t> with tables .</a:t>
+            </a:r>
+          </a:p>
+          <a:p>
+            <a:pPr marL="584200" indent="-571500">
+              <a:spcBef>
+                <a:spcPts val="95"/>
+              </a:spcBef>
+              <a:buFontTx/>
+              <a:buAutoNum type="romanLcPeriod"/>
+            </a:pPr>
+            <a:r>
+              <a:rPr lang="en-US" sz="3200" kern="0" dirty="0">
+                <a:latin typeface="+mn-lt"/>
+                <a:cs typeface="Carlito"/>
+              </a:rPr>
+              <a:t>Non relational : Those </a:t>
+            </a:r>
+            <a:r>
+              <a:rPr lang="en-US" sz="3200" kern="0" dirty="0" err="1">
+                <a:latin typeface="+mn-lt"/>
+                <a:cs typeface="Carlito"/>
+              </a:rPr>
+              <a:t>dbs</a:t>
+            </a:r>
+            <a:r>
+              <a:rPr lang="en-US" sz="3200" kern="0" dirty="0">
+                <a:latin typeface="+mn-lt"/>
+                <a:cs typeface="Carlito"/>
+              </a:rPr>
+              <a:t> without tables .</a:t>
+            </a:r>
+          </a:p>
+          <a:p>
+            <a:pPr marL="12700">
+              <a:spcBef>
+                <a:spcPts val="95"/>
+              </a:spcBef>
+            </a:pPr>
+            <a:r>
+              <a:rPr lang="en-US" sz="3200" kern="0" dirty="0">
+                <a:latin typeface="+mn-lt"/>
+                <a:cs typeface="Carlito"/>
+              </a:rPr>
+              <a:t>5.    Databases are </a:t>
+            </a:r>
+            <a:r>
+              <a:rPr lang="en-US" sz="3200" kern="0" dirty="0" err="1">
+                <a:latin typeface="+mn-lt"/>
+                <a:cs typeface="Carlito"/>
+              </a:rPr>
+              <a:t>choosen</a:t>
+            </a:r>
+            <a:r>
+              <a:rPr lang="en-US" sz="3200" kern="0" dirty="0">
+                <a:latin typeface="+mn-lt"/>
+                <a:cs typeface="Carlito"/>
+              </a:rPr>
+              <a:t> based on CAP theorem ( consistency </a:t>
+            </a:r>
+            <a:r>
+              <a:rPr lang="en-US" sz="3200" kern="0" dirty="0" err="1">
+                <a:latin typeface="+mn-lt"/>
+                <a:cs typeface="Carlito"/>
+              </a:rPr>
+              <a:t>avaibility</a:t>
+            </a:r>
+            <a:r>
+              <a:rPr lang="en-US" sz="3200" kern="0" dirty="0">
+                <a:latin typeface="+mn-lt"/>
+                <a:cs typeface="Carlito"/>
+              </a:rPr>
+              <a:t> and partition tolerance) </a:t>
+            </a:r>
+          </a:p>
+        </p:txBody>
+      </p:sp>
+    </p:spTree>
+    <p:extLst>
+      <p:ext uri="{BB962C8B-B14F-4D97-AF65-F5344CB8AC3E}">
+        <p14:creationId xmlns:p14="http://schemas.microsoft.com/office/powerpoint/2010/main" val="3179969331"/>
+      </p:ext>
+    </p:extLst>
+  </p:cSld>
+  <p:clrMapOvr>
+    <a:masterClrMapping/>
+  </p:clrMapOvr>
+</p:sld>
+</file>
+
+<file path=ppt/slides/slide26.xml><?xml version="1.0" encoding="utf-8"?>
+<p:sld xmlns:a="http://schemas.openxmlformats.org/drawingml/2006/main" xmlns:r="http://schemas.openxmlformats.org/officeDocument/2006/relationships" xmlns:p="http://schemas.openxmlformats.org/presentationml/2006/main">
+  <p:cSld>
+    <p:spTree>
+      <p:nvGrpSpPr>
+        <p:cNvPr id="1" name="">
+          <a:extLst>
+            <a:ext uri="{FF2B5EF4-FFF2-40B4-BE49-F238E27FC236}">
+              <a16:creationId xmlns:a16="http://schemas.microsoft.com/office/drawing/2014/main" id="{23283EF0-6147-11C3-FACE-EB592BEEB28A}"/>
+            </a:ext>
+          </a:extLst>
+        </p:cNvPr>
+        <p:cNvGrpSpPr/>
+        <p:nvPr/>
+      </p:nvGrpSpPr>
+      <p:grpSpPr>
+        <a:xfrm>
+          <a:off x="0" y="0"/>
+          <a:ext cx="0" cy="0"/>
+          <a:chOff x="0" y="0"/>
+          <a:chExt cx="0" cy="0"/>
+        </a:xfrm>
+      </p:grpSpPr>
+      <p:sp>
+        <p:nvSpPr>
+          <p:cNvPr id="2" name="object 2">
+            <a:extLst>
+              <a:ext uri="{FF2B5EF4-FFF2-40B4-BE49-F238E27FC236}">
+                <a16:creationId xmlns:a16="http://schemas.microsoft.com/office/drawing/2014/main" id="{16B8D884-B32F-8B5C-677F-75A04CAA27BA}"/>
+              </a:ext>
+            </a:extLst>
+          </p:cNvPr>
+          <p:cNvSpPr/>
+          <p:nvPr/>
+        </p:nvSpPr>
+        <p:spPr>
+          <a:xfrm>
+            <a:off x="1" y="44199"/>
+            <a:ext cx="12191999" cy="7118601"/>
+          </a:xfrm>
+          <a:prstGeom prst="rect">
+            <a:avLst/>
+          </a:prstGeom>
+          <a:blipFill>
+            <a:blip r:embed="rId2" cstate="print"/>
+            <a:stretch>
+              <a:fillRect/>
+            </a:stretch>
+          </a:blipFill>
+        </p:spPr>
+        <p:txBody>
+          <a:bodyPr wrap="square" lIns="0" tIns="0" rIns="0" bIns="0" rtlCol="0"/>
+          <a:lstStyle/>
+          <a:p>
+            <a:endParaRPr b="1" dirty="0">
+              <a:ln w="13462">
+                <a:solidFill>
+                  <a:schemeClr val="bg1"/>
+                </a:solidFill>
+                <a:prstDash val="solid"/>
+              </a:ln>
+              <a:solidFill>
+                <a:schemeClr val="tx1">
+                  <a:lumMod val="85000"/>
+                  <a:lumOff val="15000"/>
+                </a:schemeClr>
+              </a:solidFill>
+              <a:effectLst>
+                <a:outerShdw dist="38100" dir="2700000" algn="bl" rotWithShape="0">
+                  <a:schemeClr val="accent5"/>
+                </a:outerShdw>
+              </a:effectLst>
+            </a:endParaRPr>
+          </a:p>
+        </p:txBody>
+      </p:sp>
+      <p:sp>
+        <p:nvSpPr>
+          <p:cNvPr id="3" name="object 3">
+            <a:extLst>
+              <a:ext uri="{FF2B5EF4-FFF2-40B4-BE49-F238E27FC236}">
+                <a16:creationId xmlns:a16="http://schemas.microsoft.com/office/drawing/2014/main" id="{785AC217-0769-F739-3E96-39C9450FFC37}"/>
+              </a:ext>
+            </a:extLst>
+          </p:cNvPr>
+          <p:cNvSpPr txBox="1">
+            <a:spLocks noGrp="1"/>
+          </p:cNvSpPr>
+          <p:nvPr>
+            <p:ph type="title"/>
+          </p:nvPr>
+        </p:nvSpPr>
+        <p:spPr>
+          <a:xfrm>
+            <a:off x="762000" y="304800"/>
+            <a:ext cx="7239000" cy="535403"/>
+          </a:xfrm>
+          <a:prstGeom prst="rect">
+            <a:avLst/>
+          </a:prstGeom>
+        </p:spPr>
+        <p:txBody>
+          <a:bodyPr vert="horz" wrap="square" lIns="0" tIns="12065" rIns="0" bIns="0" rtlCol="0">
+            <a:spAutoFit/>
+          </a:bodyPr>
+          <a:lstStyle/>
+          <a:p>
+            <a:pPr marL="12700">
+              <a:lnSpc>
+                <a:spcPct val="100000"/>
+              </a:lnSpc>
+              <a:spcBef>
+                <a:spcPts val="95"/>
+              </a:spcBef>
+            </a:pPr>
+            <a:r>
+              <a:rPr lang="en-US" sz="3400" b="1" spc="-5" dirty="0">
+                <a:solidFill>
+                  <a:srgbClr val="FFFFFF"/>
+                </a:solidFill>
+                <a:latin typeface="Carlito"/>
+                <a:cs typeface="Carlito"/>
+              </a:rPr>
+              <a:t>MongoDB</a:t>
+            </a:r>
+          </a:p>
+        </p:txBody>
+      </p:sp>
+      <p:sp>
+        <p:nvSpPr>
+          <p:cNvPr id="5" name="object 5">
+            <a:extLst>
+              <a:ext uri="{FF2B5EF4-FFF2-40B4-BE49-F238E27FC236}">
+                <a16:creationId xmlns:a16="http://schemas.microsoft.com/office/drawing/2014/main" id="{049C6C23-9AE1-3C56-4E62-099F6249A42A}"/>
+              </a:ext>
+            </a:extLst>
+          </p:cNvPr>
+          <p:cNvSpPr/>
+          <p:nvPr/>
+        </p:nvSpPr>
+        <p:spPr>
+          <a:xfrm>
+            <a:off x="9816083" y="262127"/>
+            <a:ext cx="1976627" cy="822960"/>
+          </a:xfrm>
+          <a:prstGeom prst="rect">
+            <a:avLst/>
+          </a:prstGeom>
+          <a:blipFill>
+            <a:blip r:embed="rId3" cstate="print"/>
+            <a:stretch>
+              <a:fillRect/>
+            </a:stretch>
+          </a:blipFill>
+        </p:spPr>
+        <p:txBody>
+          <a:bodyPr wrap="square" lIns="0" tIns="0" rIns="0" bIns="0" rtlCol="0"/>
+          <a:lstStyle/>
+          <a:p>
+            <a:endParaRPr/>
+          </a:p>
+        </p:txBody>
+      </p:sp>
+      <p:sp>
+        <p:nvSpPr>
+          <p:cNvPr id="4" name="object 3">
+            <a:extLst>
+              <a:ext uri="{FF2B5EF4-FFF2-40B4-BE49-F238E27FC236}">
+                <a16:creationId xmlns:a16="http://schemas.microsoft.com/office/drawing/2014/main" id="{144E76CA-0865-7F8B-A490-FC457B923A76}"/>
+              </a:ext>
+            </a:extLst>
+          </p:cNvPr>
+          <p:cNvSpPr txBox="1">
+            <a:spLocks/>
+          </p:cNvSpPr>
+          <p:nvPr/>
+        </p:nvSpPr>
+        <p:spPr>
+          <a:xfrm>
+            <a:off x="762000" y="914400"/>
+            <a:ext cx="11277599" cy="5323893"/>
+          </a:xfrm>
+          <a:prstGeom prst="rect">
+            <a:avLst/>
+          </a:prstGeom>
+        </p:spPr>
+        <p:txBody>
+          <a:bodyPr vert="horz" wrap="square" lIns="0" tIns="12065" rIns="0" bIns="0" rtlCol="0">
+            <a:spAutoFit/>
+          </a:bodyPr>
+          <a:lstStyle>
+            <a:lvl1pPr>
+              <a:defRPr sz="6000" b="0" i="0">
+                <a:solidFill>
+                  <a:srgbClr val="E7E6E6"/>
+                </a:solidFill>
+                <a:latin typeface="Trebuchet MS"/>
+                <a:ea typeface="+mj-ea"/>
+                <a:cs typeface="Trebuchet MS"/>
+              </a:defRPr>
+            </a:lvl1pPr>
+          </a:lstStyle>
+          <a:p>
+            <a:pPr marL="527050" indent="-514350">
+              <a:spcBef>
+                <a:spcPts val="95"/>
+              </a:spcBef>
+              <a:buAutoNum type="arabicPeriod"/>
+            </a:pPr>
+            <a:r>
+              <a:rPr lang="en-US" sz="2800" kern="0" dirty="0">
+                <a:latin typeface="+mn-lt"/>
+                <a:cs typeface="Carlito"/>
+              </a:rPr>
+              <a:t>Install </a:t>
+            </a:r>
+            <a:r>
+              <a:rPr lang="en-US" sz="2800" kern="0" dirty="0" err="1">
+                <a:latin typeface="+mn-lt"/>
+                <a:cs typeface="Carlito"/>
+              </a:rPr>
+              <a:t>mongodb</a:t>
+            </a:r>
+            <a:r>
+              <a:rPr lang="en-US" sz="2800" kern="0" dirty="0">
+                <a:latin typeface="+mn-lt"/>
+                <a:cs typeface="Carlito"/>
+              </a:rPr>
+              <a:t>, then go to </a:t>
+            </a:r>
+            <a:r>
+              <a:rPr lang="en-US" sz="2800" kern="0" dirty="0" err="1">
+                <a:latin typeface="+mn-lt"/>
+                <a:cs typeface="Carlito"/>
+              </a:rPr>
+              <a:t>cmd</a:t>
+            </a:r>
+            <a:r>
+              <a:rPr lang="en-US" sz="2800" kern="0" dirty="0">
+                <a:latin typeface="+mn-lt"/>
+                <a:cs typeface="Carlito"/>
+              </a:rPr>
+              <a:t> and open </a:t>
+            </a:r>
+            <a:r>
+              <a:rPr lang="en-US" sz="2800" kern="0" dirty="0" err="1">
+                <a:latin typeface="+mn-lt"/>
+                <a:cs typeface="Carlito"/>
+              </a:rPr>
+              <a:t>mongosh</a:t>
+            </a:r>
+            <a:r>
+              <a:rPr lang="en-US" sz="2800" kern="0" dirty="0">
+                <a:latin typeface="+mn-lt"/>
+                <a:cs typeface="Carlito"/>
+              </a:rPr>
+              <a:t>.</a:t>
+            </a:r>
+          </a:p>
+          <a:p>
+            <a:pPr marL="527050" indent="-514350">
+              <a:spcBef>
+                <a:spcPts val="95"/>
+              </a:spcBef>
+              <a:buAutoNum type="arabicPeriod"/>
+            </a:pPr>
+            <a:r>
+              <a:rPr lang="en-US" sz="2800" kern="0" dirty="0">
+                <a:latin typeface="+mn-lt"/>
+                <a:cs typeface="Carlito"/>
+              </a:rPr>
+              <a:t>show databases : shows all the list of databases.</a:t>
+            </a:r>
+          </a:p>
+          <a:p>
+            <a:pPr marL="527050" indent="-514350">
+              <a:spcBef>
+                <a:spcPts val="95"/>
+              </a:spcBef>
+              <a:buAutoNum type="arabicPeriod"/>
+            </a:pPr>
+            <a:r>
+              <a:rPr lang="en-US" sz="2800" kern="0" dirty="0">
+                <a:latin typeface="+mn-lt"/>
+                <a:cs typeface="Carlito"/>
+              </a:rPr>
+              <a:t>use --</a:t>
+            </a:r>
+            <a:r>
+              <a:rPr lang="en-US" sz="2800" kern="0" dirty="0" err="1">
+                <a:latin typeface="+mn-lt"/>
+                <a:cs typeface="Carlito"/>
+              </a:rPr>
+              <a:t>db_name</a:t>
+            </a:r>
+            <a:r>
+              <a:rPr lang="en-US" sz="2800" kern="0" dirty="0">
+                <a:latin typeface="+mn-lt"/>
+                <a:cs typeface="Carlito"/>
+              </a:rPr>
+              <a:t>-- : makes a </a:t>
+            </a:r>
+            <a:r>
+              <a:rPr lang="en-US" sz="2800" kern="0" dirty="0" err="1">
+                <a:latin typeface="+mn-lt"/>
+                <a:cs typeface="Carlito"/>
+              </a:rPr>
+              <a:t>db</a:t>
+            </a:r>
+            <a:r>
+              <a:rPr lang="en-US" sz="2800" kern="0" dirty="0">
+                <a:latin typeface="+mn-lt"/>
+                <a:cs typeface="Carlito"/>
+              </a:rPr>
+              <a:t> if not exist.</a:t>
+            </a:r>
+          </a:p>
+          <a:p>
+            <a:pPr marL="12700">
+              <a:spcBef>
+                <a:spcPts val="95"/>
+              </a:spcBef>
+            </a:pPr>
+            <a:r>
+              <a:rPr lang="en-US" sz="2800" kern="0" dirty="0">
+                <a:latin typeface="+mn-lt"/>
+                <a:cs typeface="Carlito"/>
+              </a:rPr>
+              <a:t>note: empty data do not show up </a:t>
+            </a:r>
+          </a:p>
+          <a:p>
+            <a:pPr marL="527050" indent="-514350">
+              <a:spcBef>
+                <a:spcPts val="95"/>
+              </a:spcBef>
+              <a:buAutoNum type="arabicPeriod" startAt="4"/>
+            </a:pPr>
+            <a:r>
+              <a:rPr lang="en-US" sz="2800" kern="0" dirty="0">
+                <a:latin typeface="+mn-lt"/>
+                <a:cs typeface="Carlito"/>
+              </a:rPr>
+              <a:t>Document : A single atomic entity is called a document.</a:t>
+            </a:r>
+          </a:p>
+          <a:p>
+            <a:pPr marL="527050" indent="-514350">
+              <a:spcBef>
+                <a:spcPts val="95"/>
+              </a:spcBef>
+              <a:buAutoNum type="arabicPeriod" startAt="4"/>
+            </a:pPr>
+            <a:r>
+              <a:rPr lang="en-US" sz="2800" kern="0" dirty="0">
+                <a:latin typeface="+mn-lt"/>
+                <a:cs typeface="Carlito"/>
+              </a:rPr>
+              <a:t>BSON : Binary JSON </a:t>
+            </a:r>
+          </a:p>
+          <a:p>
+            <a:pPr marL="527050" indent="-514350">
+              <a:spcBef>
+                <a:spcPts val="95"/>
+              </a:spcBef>
+              <a:buAutoNum type="arabicPeriod" startAt="4"/>
+            </a:pPr>
+            <a:r>
+              <a:rPr lang="en-US" sz="2800" kern="0" dirty="0">
+                <a:latin typeface="+mn-lt"/>
+                <a:cs typeface="Carlito"/>
+              </a:rPr>
+              <a:t>So we will make a collection and inside it we will make document.</a:t>
+            </a:r>
+          </a:p>
+          <a:p>
+            <a:pPr marL="527050" indent="-514350">
+              <a:spcBef>
+                <a:spcPts val="95"/>
+              </a:spcBef>
+              <a:buAutoNum type="arabicPeriod" startAt="4"/>
+            </a:pPr>
+            <a:r>
+              <a:rPr lang="en-US" sz="2800" kern="0" dirty="0">
+                <a:latin typeface="+mn-lt"/>
+                <a:cs typeface="Carlito"/>
+              </a:rPr>
+              <a:t>Let’s make a </a:t>
+            </a:r>
+            <a:r>
+              <a:rPr lang="en-US" sz="2800" kern="0" dirty="0" err="1">
+                <a:latin typeface="+mn-lt"/>
+                <a:cs typeface="Carlito"/>
+              </a:rPr>
+              <a:t>db</a:t>
+            </a:r>
+            <a:r>
+              <a:rPr lang="en-US" sz="2800" kern="0" dirty="0">
+                <a:latin typeface="+mn-lt"/>
+                <a:cs typeface="Carlito"/>
+              </a:rPr>
+              <a:t> with collections of user product </a:t>
+            </a:r>
+            <a:r>
+              <a:rPr lang="en-US" sz="2800" kern="0" dirty="0" err="1">
+                <a:latin typeface="+mn-lt"/>
+                <a:cs typeface="Carlito"/>
+              </a:rPr>
+              <a:t>etc</a:t>
+            </a:r>
+            <a:r>
+              <a:rPr lang="en-US" sz="2800" kern="0" dirty="0">
+                <a:latin typeface="+mn-lt"/>
+                <a:cs typeface="Carlito"/>
+              </a:rPr>
+              <a:t>…</a:t>
+            </a:r>
+          </a:p>
+          <a:p>
+            <a:pPr marL="527050" indent="-514350">
+              <a:spcBef>
+                <a:spcPts val="95"/>
+              </a:spcBef>
+              <a:buAutoNum type="arabicPeriod"/>
+            </a:pPr>
+            <a:endParaRPr lang="en-US" sz="2800" kern="0" dirty="0">
+              <a:latin typeface="+mn-lt"/>
+              <a:cs typeface="Carlito"/>
+            </a:endParaRPr>
+          </a:p>
+          <a:p>
+            <a:pPr marL="527050" indent="-514350">
+              <a:spcBef>
+                <a:spcPts val="95"/>
+              </a:spcBef>
+              <a:buAutoNum type="arabicPeriod"/>
+            </a:pPr>
+            <a:endParaRPr lang="en-US" sz="2800" kern="0" dirty="0">
+              <a:latin typeface="+mn-lt"/>
+              <a:cs typeface="Carlito"/>
+            </a:endParaRPr>
+          </a:p>
+          <a:p>
+            <a:pPr marL="527050" indent="-514350">
+              <a:spcBef>
+                <a:spcPts val="95"/>
+              </a:spcBef>
+              <a:buAutoNum type="arabicPeriod"/>
+            </a:pPr>
+            <a:endParaRPr lang="en-US" sz="2800" kern="0" dirty="0">
+              <a:latin typeface="+mn-lt"/>
+              <a:cs typeface="Carlito"/>
+            </a:endParaRPr>
+          </a:p>
+          <a:p>
+            <a:pPr marL="12700">
+              <a:spcBef>
+                <a:spcPts val="95"/>
+              </a:spcBef>
+            </a:pPr>
+            <a:r>
+              <a:rPr lang="en-US" sz="2800" kern="0" dirty="0">
+                <a:latin typeface="+mn-lt"/>
+                <a:cs typeface="Carlito"/>
+              </a:rPr>
+              <a:t>8.   We can check using show collections</a:t>
+            </a:r>
+          </a:p>
+        </p:txBody>
+      </p:sp>
+      <p:pic>
+        <p:nvPicPr>
+          <p:cNvPr id="7" name="Picture 6">
+            <a:extLst>
+              <a:ext uri="{FF2B5EF4-FFF2-40B4-BE49-F238E27FC236}">
+                <a16:creationId xmlns:a16="http://schemas.microsoft.com/office/drawing/2014/main" id="{95F20442-B0B5-8772-B8DA-B95D3F3BECA0}"/>
+              </a:ext>
+            </a:extLst>
+          </p:cNvPr>
+          <p:cNvPicPr>
+            <a:picLocks noChangeAspect="1"/>
+          </p:cNvPicPr>
+          <p:nvPr/>
+        </p:nvPicPr>
+        <p:blipFill rotWithShape="1">
+          <a:blip r:embed="rId4"/>
+          <a:srcRect b="11478"/>
+          <a:stretch/>
+        </p:blipFill>
+        <p:spPr>
+          <a:xfrm>
+            <a:off x="762000" y="4495801"/>
+            <a:ext cx="4734437" cy="990600"/>
+          </a:xfrm>
+          <a:prstGeom prst="rect">
+            <a:avLst/>
+          </a:prstGeom>
+        </p:spPr>
+      </p:pic>
+      <p:pic>
+        <p:nvPicPr>
+          <p:cNvPr id="10" name="Picture 9">
+            <a:extLst>
+              <a:ext uri="{FF2B5EF4-FFF2-40B4-BE49-F238E27FC236}">
+                <a16:creationId xmlns:a16="http://schemas.microsoft.com/office/drawing/2014/main" id="{056600B3-0D2F-014B-C2D2-AD4B4F637A3E}"/>
+              </a:ext>
+            </a:extLst>
+          </p:cNvPr>
+          <p:cNvPicPr>
+            <a:picLocks noChangeAspect="1"/>
+          </p:cNvPicPr>
+          <p:nvPr/>
+        </p:nvPicPr>
+        <p:blipFill>
+          <a:blip r:embed="rId5"/>
+          <a:stretch>
+            <a:fillRect/>
+          </a:stretch>
+        </p:blipFill>
+        <p:spPr>
+          <a:xfrm>
+            <a:off x="762000" y="6211750"/>
+            <a:ext cx="4344006" cy="619211"/>
+          </a:xfrm>
+          <a:prstGeom prst="rect">
+            <a:avLst/>
+          </a:prstGeom>
+        </p:spPr>
+      </p:pic>
+    </p:spTree>
+    <p:extLst>
+      <p:ext uri="{BB962C8B-B14F-4D97-AF65-F5344CB8AC3E}">
+        <p14:creationId xmlns:p14="http://schemas.microsoft.com/office/powerpoint/2010/main" val="3177512606"/>
+      </p:ext>
+    </p:extLst>
+  </p:cSld>
+  <p:clrMapOvr>
+    <a:masterClrMapping/>
+  </p:clrMapOvr>
+</p:sld>
+</file>
+
+<file path=ppt/slides/slide27.xml><?xml version="1.0" encoding="utf-8"?>
+<p:sld xmlns:a="http://schemas.openxmlformats.org/drawingml/2006/main" xmlns:r="http://schemas.openxmlformats.org/officeDocument/2006/relationships" xmlns:p="http://schemas.openxmlformats.org/presentationml/2006/main">
+  <p:cSld>
+    <p:spTree>
+      <p:nvGrpSpPr>
+        <p:cNvPr id="1" name="">
+          <a:extLst>
+            <a:ext uri="{FF2B5EF4-FFF2-40B4-BE49-F238E27FC236}">
+              <a16:creationId xmlns:a16="http://schemas.microsoft.com/office/drawing/2014/main" id="{6C2FB81B-7A74-C196-6517-4B8CE0B049DD}"/>
+            </a:ext>
+          </a:extLst>
+        </p:cNvPr>
+        <p:cNvGrpSpPr/>
+        <p:nvPr/>
+      </p:nvGrpSpPr>
+      <p:grpSpPr>
+        <a:xfrm>
+          <a:off x="0" y="0"/>
+          <a:ext cx="0" cy="0"/>
+          <a:chOff x="0" y="0"/>
+          <a:chExt cx="0" cy="0"/>
+        </a:xfrm>
+      </p:grpSpPr>
+      <p:sp>
+        <p:nvSpPr>
+          <p:cNvPr id="2" name="object 2">
+            <a:extLst>
+              <a:ext uri="{FF2B5EF4-FFF2-40B4-BE49-F238E27FC236}">
+                <a16:creationId xmlns:a16="http://schemas.microsoft.com/office/drawing/2014/main" id="{5070A3D8-0323-0DCF-3FA3-6317FD4E1C68}"/>
+              </a:ext>
+            </a:extLst>
+          </p:cNvPr>
+          <p:cNvSpPr/>
+          <p:nvPr/>
+        </p:nvSpPr>
+        <p:spPr>
+          <a:xfrm>
+            <a:off x="1" y="44199"/>
+            <a:ext cx="12191999" cy="7118601"/>
+          </a:xfrm>
+          <a:prstGeom prst="rect">
+            <a:avLst/>
+          </a:prstGeom>
+          <a:blipFill>
+            <a:blip r:embed="rId2" cstate="print"/>
+            <a:stretch>
+              <a:fillRect/>
+            </a:stretch>
+          </a:blipFill>
+        </p:spPr>
+        <p:txBody>
+          <a:bodyPr wrap="square" lIns="0" tIns="0" rIns="0" bIns="0" rtlCol="0"/>
+          <a:lstStyle/>
+          <a:p>
+            <a:endParaRPr b="1" dirty="0">
+              <a:ln w="13462">
+                <a:solidFill>
+                  <a:schemeClr val="bg1"/>
+                </a:solidFill>
+                <a:prstDash val="solid"/>
+              </a:ln>
+              <a:solidFill>
+                <a:schemeClr val="tx1">
+                  <a:lumMod val="85000"/>
+                  <a:lumOff val="15000"/>
+                </a:schemeClr>
+              </a:solidFill>
+              <a:effectLst>
+                <a:outerShdw dist="38100" dir="2700000" algn="bl" rotWithShape="0">
+                  <a:schemeClr val="accent5"/>
+                </a:outerShdw>
+              </a:effectLst>
+            </a:endParaRPr>
+          </a:p>
+        </p:txBody>
+      </p:sp>
+      <p:sp>
+        <p:nvSpPr>
+          <p:cNvPr id="3" name="object 3">
+            <a:extLst>
+              <a:ext uri="{FF2B5EF4-FFF2-40B4-BE49-F238E27FC236}">
+                <a16:creationId xmlns:a16="http://schemas.microsoft.com/office/drawing/2014/main" id="{19E9CBF9-4D7F-E7B0-44D3-F4202315D764}"/>
+              </a:ext>
+            </a:extLst>
+          </p:cNvPr>
+          <p:cNvSpPr txBox="1">
+            <a:spLocks noGrp="1"/>
+          </p:cNvSpPr>
+          <p:nvPr>
+            <p:ph type="title"/>
+          </p:nvPr>
+        </p:nvSpPr>
+        <p:spPr>
+          <a:xfrm>
+            <a:off x="762000" y="304800"/>
+            <a:ext cx="7239000" cy="535403"/>
+          </a:xfrm>
+          <a:prstGeom prst="rect">
+            <a:avLst/>
+          </a:prstGeom>
+        </p:spPr>
+        <p:txBody>
+          <a:bodyPr vert="horz" wrap="square" lIns="0" tIns="12065" rIns="0" bIns="0" rtlCol="0">
+            <a:spAutoFit/>
+          </a:bodyPr>
+          <a:lstStyle/>
+          <a:p>
+            <a:pPr marL="12700">
+              <a:lnSpc>
+                <a:spcPct val="100000"/>
+              </a:lnSpc>
+              <a:spcBef>
+                <a:spcPts val="95"/>
+              </a:spcBef>
+            </a:pPr>
+            <a:r>
+              <a:rPr lang="en-US" sz="3400" b="1" spc="-5" dirty="0">
+                <a:solidFill>
+                  <a:srgbClr val="FFFFFF"/>
+                </a:solidFill>
+                <a:latin typeface="Carlito"/>
+                <a:cs typeface="Carlito"/>
+              </a:rPr>
+              <a:t>MongoDB</a:t>
+            </a:r>
+          </a:p>
+        </p:txBody>
+      </p:sp>
+      <p:sp>
+        <p:nvSpPr>
+          <p:cNvPr id="5" name="object 5">
+            <a:extLst>
+              <a:ext uri="{FF2B5EF4-FFF2-40B4-BE49-F238E27FC236}">
+                <a16:creationId xmlns:a16="http://schemas.microsoft.com/office/drawing/2014/main" id="{50C6C2FB-E4F3-FD8E-E125-8102F76A92EF}"/>
+              </a:ext>
+            </a:extLst>
+          </p:cNvPr>
+          <p:cNvSpPr/>
+          <p:nvPr/>
+        </p:nvSpPr>
+        <p:spPr>
+          <a:xfrm>
+            <a:off x="9816083" y="262127"/>
+            <a:ext cx="1976627" cy="822960"/>
+          </a:xfrm>
+          <a:prstGeom prst="rect">
+            <a:avLst/>
+          </a:prstGeom>
+          <a:blipFill>
+            <a:blip r:embed="rId3" cstate="print"/>
+            <a:stretch>
+              <a:fillRect/>
+            </a:stretch>
+          </a:blipFill>
+        </p:spPr>
+        <p:txBody>
+          <a:bodyPr wrap="square" lIns="0" tIns="0" rIns="0" bIns="0" rtlCol="0"/>
+          <a:lstStyle/>
+          <a:p>
+            <a:endParaRPr/>
+          </a:p>
+        </p:txBody>
+      </p:sp>
+      <p:sp>
+        <p:nvSpPr>
+          <p:cNvPr id="4" name="object 3">
+            <a:extLst>
+              <a:ext uri="{FF2B5EF4-FFF2-40B4-BE49-F238E27FC236}">
+                <a16:creationId xmlns:a16="http://schemas.microsoft.com/office/drawing/2014/main" id="{AB631724-E91E-2106-D54D-B6C28A84CF14}"/>
+              </a:ext>
+            </a:extLst>
+          </p:cNvPr>
+          <p:cNvSpPr txBox="1">
+            <a:spLocks/>
+          </p:cNvSpPr>
+          <p:nvPr/>
+        </p:nvSpPr>
+        <p:spPr>
+          <a:xfrm>
+            <a:off x="762000" y="914400"/>
+            <a:ext cx="11277599" cy="5323893"/>
+          </a:xfrm>
+          <a:prstGeom prst="rect">
+            <a:avLst/>
+          </a:prstGeom>
+        </p:spPr>
+        <p:txBody>
+          <a:bodyPr vert="horz" wrap="square" lIns="0" tIns="12065" rIns="0" bIns="0" rtlCol="0">
+            <a:spAutoFit/>
+          </a:bodyPr>
+          <a:lstStyle>
+            <a:lvl1pPr>
+              <a:defRPr sz="6000" b="0" i="0">
+                <a:solidFill>
+                  <a:srgbClr val="E7E6E6"/>
+                </a:solidFill>
+                <a:latin typeface="Trebuchet MS"/>
+                <a:ea typeface="+mj-ea"/>
+                <a:cs typeface="Trebuchet MS"/>
+              </a:defRPr>
+            </a:lvl1pPr>
+          </a:lstStyle>
+          <a:p>
+            <a:pPr marL="527050" indent="-514350">
+              <a:spcBef>
+                <a:spcPts val="95"/>
+              </a:spcBef>
+              <a:buAutoNum type="arabicPeriod"/>
+            </a:pPr>
+            <a:r>
+              <a:rPr lang="en-US" sz="2800" kern="0" dirty="0">
+                <a:latin typeface="+mn-lt"/>
+                <a:cs typeface="Carlito"/>
+              </a:rPr>
+              <a:t>We can check the movies using find</a:t>
+            </a:r>
+          </a:p>
+          <a:p>
+            <a:pPr marL="527050" indent="-514350">
+              <a:spcBef>
+                <a:spcPts val="95"/>
+              </a:spcBef>
+              <a:buAutoNum type="arabicPeriod"/>
+            </a:pPr>
+            <a:endParaRPr lang="en-US" sz="2800" kern="0" dirty="0">
+              <a:latin typeface="+mn-lt"/>
+              <a:cs typeface="Carlito"/>
+            </a:endParaRPr>
+          </a:p>
+          <a:p>
+            <a:pPr marL="527050" indent="-514350">
+              <a:spcBef>
+                <a:spcPts val="95"/>
+              </a:spcBef>
+              <a:buAutoNum type="arabicPeriod"/>
+            </a:pPr>
+            <a:endParaRPr lang="en-US" sz="2800" kern="0" dirty="0">
+              <a:latin typeface="+mn-lt"/>
+              <a:cs typeface="Carlito"/>
+            </a:endParaRPr>
+          </a:p>
+          <a:p>
+            <a:pPr marL="527050" indent="-514350">
+              <a:spcBef>
+                <a:spcPts val="95"/>
+              </a:spcBef>
+              <a:buAutoNum type="arabicPeriod"/>
+            </a:pPr>
+            <a:r>
+              <a:rPr lang="en-US" sz="2800" kern="0" dirty="0" err="1">
+                <a:latin typeface="+mn-lt"/>
+                <a:cs typeface="Carlito"/>
+              </a:rPr>
+              <a:t>insertMany</a:t>
+            </a:r>
+            <a:r>
+              <a:rPr lang="en-US" sz="2800" kern="0" dirty="0">
+                <a:latin typeface="+mn-lt"/>
+                <a:cs typeface="Carlito"/>
+              </a:rPr>
+              <a:t> : use array to enclose all objects.</a:t>
+            </a:r>
+          </a:p>
+          <a:p>
+            <a:pPr marL="527050" indent="-514350">
+              <a:spcBef>
+                <a:spcPts val="95"/>
+              </a:spcBef>
+              <a:buAutoNum type="arabicPeriod"/>
+            </a:pPr>
+            <a:endParaRPr lang="en-US" sz="2800" kern="0" dirty="0">
+              <a:latin typeface="+mn-lt"/>
+              <a:cs typeface="Carlito"/>
+            </a:endParaRPr>
+          </a:p>
+          <a:p>
+            <a:pPr marL="527050" indent="-514350">
+              <a:spcBef>
+                <a:spcPts val="95"/>
+              </a:spcBef>
+              <a:buAutoNum type="arabicPeriod"/>
+            </a:pPr>
+            <a:endParaRPr lang="en-US" sz="2800" kern="0" dirty="0">
+              <a:latin typeface="+mn-lt"/>
+              <a:cs typeface="Carlito"/>
+            </a:endParaRPr>
+          </a:p>
+          <a:p>
+            <a:pPr marL="527050" indent="-514350">
+              <a:spcBef>
+                <a:spcPts val="95"/>
+              </a:spcBef>
+              <a:buAutoNum type="arabicPeriod"/>
+            </a:pPr>
+            <a:endParaRPr lang="en-US" sz="2800" kern="0" dirty="0">
+              <a:latin typeface="+mn-lt"/>
+              <a:cs typeface="Carlito"/>
+            </a:endParaRPr>
+          </a:p>
+          <a:p>
+            <a:pPr marL="527050" indent="-514350">
+              <a:spcBef>
+                <a:spcPts val="95"/>
+              </a:spcBef>
+              <a:buAutoNum type="arabicPeriod"/>
+            </a:pPr>
+            <a:endParaRPr lang="en-US" sz="2800" kern="0" dirty="0">
+              <a:latin typeface="+mn-lt"/>
+              <a:cs typeface="Carlito"/>
+            </a:endParaRPr>
+          </a:p>
+          <a:p>
+            <a:pPr marL="527050" indent="-514350">
+              <a:spcBef>
+                <a:spcPts val="95"/>
+              </a:spcBef>
+              <a:buAutoNum type="arabicPeriod"/>
+            </a:pPr>
+            <a:r>
+              <a:rPr lang="en-US" sz="2800" kern="0" dirty="0">
+                <a:latin typeface="+mn-lt"/>
+                <a:cs typeface="Carlito"/>
+              </a:rPr>
+              <a:t>Edit : </a:t>
+            </a:r>
+            <a:r>
+              <a:rPr lang="en-US" sz="2800" kern="0" dirty="0" err="1">
+                <a:latin typeface="+mn-lt"/>
+                <a:cs typeface="Carlito"/>
+              </a:rPr>
+              <a:t>updateOne</a:t>
+            </a:r>
+            <a:endParaRPr lang="en-US" sz="2800" kern="0" dirty="0">
+              <a:latin typeface="+mn-lt"/>
+              <a:cs typeface="Carlito"/>
+            </a:endParaRPr>
+          </a:p>
+          <a:p>
+            <a:pPr marL="527050" indent="-514350">
+              <a:spcBef>
+                <a:spcPts val="95"/>
+              </a:spcBef>
+              <a:buAutoNum type="arabicPeriod"/>
+            </a:pPr>
+            <a:r>
+              <a:rPr lang="en-US" sz="2800" kern="0" dirty="0">
+                <a:latin typeface="+mn-lt"/>
+                <a:cs typeface="Carlito"/>
+              </a:rPr>
+              <a:t>We can also use </a:t>
+            </a:r>
+            <a:r>
+              <a:rPr lang="en-US" sz="2800" kern="0" dirty="0" err="1">
+                <a:latin typeface="+mn-lt"/>
+                <a:cs typeface="Carlito"/>
+              </a:rPr>
+              <a:t>updateMany</a:t>
+            </a:r>
+            <a:r>
+              <a:rPr lang="en-US" sz="2800" kern="0" dirty="0">
+                <a:latin typeface="+mn-lt"/>
+                <a:cs typeface="Carlito"/>
+              </a:rPr>
+              <a:t> too.</a:t>
+            </a:r>
+          </a:p>
+          <a:p>
+            <a:pPr marL="527050" indent="-514350">
+              <a:spcBef>
+                <a:spcPts val="95"/>
+              </a:spcBef>
+              <a:buAutoNum type="arabicPeriod"/>
+            </a:pPr>
+            <a:r>
+              <a:rPr lang="en-US" sz="2800" kern="0" dirty="0">
+                <a:latin typeface="+mn-lt"/>
+                <a:cs typeface="Carlito"/>
+              </a:rPr>
+              <a:t>Delete : </a:t>
+            </a:r>
+            <a:r>
+              <a:rPr lang="en-US" sz="2800" kern="0" dirty="0" err="1">
+                <a:latin typeface="+mn-lt"/>
+                <a:cs typeface="Carlito"/>
+              </a:rPr>
+              <a:t>DeleteOne</a:t>
+            </a:r>
+            <a:r>
+              <a:rPr lang="en-US" sz="2800" kern="0" dirty="0">
+                <a:latin typeface="+mn-lt"/>
+                <a:cs typeface="Carlito"/>
+              </a:rPr>
+              <a:t> : will delete the first </a:t>
+            </a:r>
+            <a:r>
+              <a:rPr lang="en-US" sz="2800" kern="0" dirty="0" err="1">
+                <a:latin typeface="+mn-lt"/>
+                <a:cs typeface="Carlito"/>
+              </a:rPr>
+              <a:t>occurance</a:t>
+            </a:r>
+            <a:endParaRPr lang="en-US" sz="2800" kern="0" dirty="0">
+              <a:latin typeface="+mn-lt"/>
+              <a:cs typeface="Carlito"/>
+            </a:endParaRPr>
+          </a:p>
+          <a:p>
+            <a:pPr marL="527050" indent="-514350">
+              <a:spcBef>
+                <a:spcPts val="95"/>
+              </a:spcBef>
+              <a:buAutoNum type="arabicPeriod"/>
+            </a:pPr>
+            <a:r>
+              <a:rPr lang="en-US" sz="2800" kern="0" dirty="0" err="1">
+                <a:latin typeface="+mn-lt"/>
+                <a:cs typeface="Carlito"/>
+              </a:rPr>
+              <a:t>DeleteMany</a:t>
+            </a:r>
+            <a:r>
+              <a:rPr lang="en-US" sz="2800" kern="0" dirty="0">
+                <a:latin typeface="+mn-lt"/>
+                <a:cs typeface="Carlito"/>
+              </a:rPr>
+              <a:t> : will delete all </a:t>
+            </a:r>
+            <a:r>
+              <a:rPr lang="en-US" sz="2800" kern="0" dirty="0" err="1">
+                <a:latin typeface="+mn-lt"/>
+                <a:cs typeface="Carlito"/>
+              </a:rPr>
+              <a:t>occurance</a:t>
+            </a:r>
+            <a:endParaRPr lang="en-US" sz="2800" kern="0" dirty="0">
+              <a:latin typeface="+mn-lt"/>
+              <a:cs typeface="Carlito"/>
+            </a:endParaRPr>
+          </a:p>
+        </p:txBody>
+      </p:sp>
+      <p:pic>
+        <p:nvPicPr>
+          <p:cNvPr id="8" name="Picture 7">
+            <a:extLst>
+              <a:ext uri="{FF2B5EF4-FFF2-40B4-BE49-F238E27FC236}">
+                <a16:creationId xmlns:a16="http://schemas.microsoft.com/office/drawing/2014/main" id="{5E350877-D897-89F5-99D3-7589B8C556EC}"/>
+              </a:ext>
+            </a:extLst>
+          </p:cNvPr>
+          <p:cNvPicPr>
+            <a:picLocks noChangeAspect="1"/>
+          </p:cNvPicPr>
+          <p:nvPr/>
+        </p:nvPicPr>
+        <p:blipFill>
+          <a:blip r:embed="rId4"/>
+          <a:stretch>
+            <a:fillRect/>
+          </a:stretch>
+        </p:blipFill>
+        <p:spPr>
+          <a:xfrm>
+            <a:off x="764458" y="1438189"/>
+            <a:ext cx="8754697" cy="619211"/>
+          </a:xfrm>
+          <a:prstGeom prst="rect">
+            <a:avLst/>
+          </a:prstGeom>
+        </p:spPr>
+      </p:pic>
+      <p:pic>
+        <p:nvPicPr>
+          <p:cNvPr id="11" name="Picture 10">
+            <a:extLst>
+              <a:ext uri="{FF2B5EF4-FFF2-40B4-BE49-F238E27FC236}">
+                <a16:creationId xmlns:a16="http://schemas.microsoft.com/office/drawing/2014/main" id="{C2A315AA-9FDB-589A-7C65-FBA28285BDC2}"/>
+              </a:ext>
+            </a:extLst>
+          </p:cNvPr>
+          <p:cNvPicPr>
+            <a:picLocks noChangeAspect="1"/>
+          </p:cNvPicPr>
+          <p:nvPr/>
+        </p:nvPicPr>
+        <p:blipFill>
+          <a:blip r:embed="rId5"/>
+          <a:stretch>
+            <a:fillRect/>
+          </a:stretch>
+        </p:blipFill>
+        <p:spPr>
+          <a:xfrm>
+            <a:off x="789867" y="2653885"/>
+            <a:ext cx="7439733" cy="1765715"/>
+          </a:xfrm>
+          <a:prstGeom prst="rect">
+            <a:avLst/>
+          </a:prstGeom>
+        </p:spPr>
+      </p:pic>
+      <p:pic>
+        <p:nvPicPr>
+          <p:cNvPr id="13" name="Picture 12">
+            <a:extLst>
+              <a:ext uri="{FF2B5EF4-FFF2-40B4-BE49-F238E27FC236}">
+                <a16:creationId xmlns:a16="http://schemas.microsoft.com/office/drawing/2014/main" id="{01F097F3-2D70-7F55-979D-DEAB2E3E4EC9}"/>
+              </a:ext>
+            </a:extLst>
+          </p:cNvPr>
+          <p:cNvPicPr>
+            <a:picLocks noChangeAspect="1"/>
+          </p:cNvPicPr>
+          <p:nvPr/>
+        </p:nvPicPr>
+        <p:blipFill rotWithShape="1">
+          <a:blip r:embed="rId6"/>
+          <a:srcRect b="67292"/>
+          <a:stretch/>
+        </p:blipFill>
+        <p:spPr>
+          <a:xfrm>
+            <a:off x="3809999" y="4434465"/>
+            <a:ext cx="6715569" cy="581620"/>
+          </a:xfrm>
+          <a:prstGeom prst="rect">
+            <a:avLst/>
+          </a:prstGeom>
+        </p:spPr>
+      </p:pic>
+      <p:pic>
+        <p:nvPicPr>
+          <p:cNvPr id="15" name="Picture 14">
+            <a:extLst>
+              <a:ext uri="{FF2B5EF4-FFF2-40B4-BE49-F238E27FC236}">
+                <a16:creationId xmlns:a16="http://schemas.microsoft.com/office/drawing/2014/main" id="{5B542DB9-65DB-B640-10B9-05DCC6083640}"/>
+              </a:ext>
+            </a:extLst>
+          </p:cNvPr>
+          <p:cNvPicPr>
+            <a:picLocks noChangeAspect="1"/>
+          </p:cNvPicPr>
+          <p:nvPr/>
+        </p:nvPicPr>
+        <p:blipFill>
+          <a:blip r:embed="rId7"/>
+          <a:stretch>
+            <a:fillRect/>
+          </a:stretch>
+        </p:blipFill>
+        <p:spPr>
+          <a:xfrm>
+            <a:off x="1295400" y="6257414"/>
+            <a:ext cx="5489136" cy="524386"/>
+          </a:xfrm>
+          <a:prstGeom prst="rect">
+            <a:avLst/>
+          </a:prstGeom>
+        </p:spPr>
+      </p:pic>
+    </p:spTree>
+    <p:extLst>
+      <p:ext uri="{BB962C8B-B14F-4D97-AF65-F5344CB8AC3E}">
+        <p14:creationId xmlns:p14="http://schemas.microsoft.com/office/powerpoint/2010/main" val="1519997744"/>
+      </p:ext>
+    </p:extLst>
+  </p:cSld>
+  <p:clrMapOvr>
+    <a:masterClrMapping/>
+  </p:clrMapOvr>
+</p:sld>
+</file>
+
+<file path=ppt/slides/slide28.xml><?xml version="1.0" encoding="utf-8"?>
+<p:sld xmlns:a="http://schemas.openxmlformats.org/drawingml/2006/main" xmlns:r="http://schemas.openxmlformats.org/officeDocument/2006/relationships" xmlns:p="http://schemas.openxmlformats.org/presentationml/2006/main">
+  <p:cSld>
+    <p:spTree>
+      <p:nvGrpSpPr>
+        <p:cNvPr id="1" name="">
+          <a:extLst>
+            <a:ext uri="{FF2B5EF4-FFF2-40B4-BE49-F238E27FC236}">
+              <a16:creationId xmlns:a16="http://schemas.microsoft.com/office/drawing/2014/main" id="{22B7A843-4B76-8790-6920-9FEE48D14CF1}"/>
+            </a:ext>
+          </a:extLst>
+        </p:cNvPr>
+        <p:cNvGrpSpPr/>
+        <p:nvPr/>
+      </p:nvGrpSpPr>
+      <p:grpSpPr>
+        <a:xfrm>
+          <a:off x="0" y="0"/>
+          <a:ext cx="0" cy="0"/>
+          <a:chOff x="0" y="0"/>
+          <a:chExt cx="0" cy="0"/>
+        </a:xfrm>
+      </p:grpSpPr>
+      <p:sp>
+        <p:nvSpPr>
+          <p:cNvPr id="2" name="object 2">
+            <a:extLst>
+              <a:ext uri="{FF2B5EF4-FFF2-40B4-BE49-F238E27FC236}">
+                <a16:creationId xmlns:a16="http://schemas.microsoft.com/office/drawing/2014/main" id="{12239502-4ACC-6190-0D03-61C58D0501C3}"/>
+              </a:ext>
+            </a:extLst>
+          </p:cNvPr>
+          <p:cNvSpPr/>
+          <p:nvPr/>
+        </p:nvSpPr>
+        <p:spPr>
+          <a:xfrm>
+            <a:off x="1" y="44199"/>
+            <a:ext cx="12191999" cy="7118601"/>
+          </a:xfrm>
+          <a:prstGeom prst="rect">
+            <a:avLst/>
+          </a:prstGeom>
+          <a:blipFill>
+            <a:blip r:embed="rId2" cstate="print"/>
+            <a:stretch>
+              <a:fillRect/>
+            </a:stretch>
+          </a:blipFill>
+        </p:spPr>
+        <p:txBody>
+          <a:bodyPr wrap="square" lIns="0" tIns="0" rIns="0" bIns="0" rtlCol="0"/>
+          <a:lstStyle/>
+          <a:p>
+            <a:endParaRPr b="1" dirty="0">
+              <a:ln w="13462">
+                <a:solidFill>
+                  <a:schemeClr val="bg1"/>
+                </a:solidFill>
+                <a:prstDash val="solid"/>
+              </a:ln>
+              <a:solidFill>
+                <a:schemeClr val="tx1">
+                  <a:lumMod val="85000"/>
+                  <a:lumOff val="15000"/>
+                </a:schemeClr>
+              </a:solidFill>
+              <a:effectLst>
+                <a:outerShdw dist="38100" dir="2700000" algn="bl" rotWithShape="0">
+                  <a:schemeClr val="accent5"/>
+                </a:outerShdw>
+              </a:effectLst>
+            </a:endParaRPr>
+          </a:p>
+        </p:txBody>
+      </p:sp>
+      <p:sp>
+        <p:nvSpPr>
+          <p:cNvPr id="3" name="object 3">
+            <a:extLst>
+              <a:ext uri="{FF2B5EF4-FFF2-40B4-BE49-F238E27FC236}">
+                <a16:creationId xmlns:a16="http://schemas.microsoft.com/office/drawing/2014/main" id="{8EF8C84E-A0F6-7BE0-84FF-1D01C80673A7}"/>
+              </a:ext>
+            </a:extLst>
+          </p:cNvPr>
+          <p:cNvSpPr txBox="1">
+            <a:spLocks noGrp="1"/>
+          </p:cNvSpPr>
+          <p:nvPr>
+            <p:ph type="title"/>
+          </p:nvPr>
+        </p:nvSpPr>
+        <p:spPr>
+          <a:xfrm>
+            <a:off x="762000" y="304800"/>
+            <a:ext cx="7239000" cy="535403"/>
+          </a:xfrm>
+          <a:prstGeom prst="rect">
+            <a:avLst/>
+          </a:prstGeom>
+        </p:spPr>
+        <p:txBody>
+          <a:bodyPr vert="horz" wrap="square" lIns="0" tIns="12065" rIns="0" bIns="0" rtlCol="0">
+            <a:spAutoFit/>
+          </a:bodyPr>
+          <a:lstStyle/>
+          <a:p>
+            <a:pPr marL="12700">
+              <a:lnSpc>
+                <a:spcPct val="100000"/>
+              </a:lnSpc>
+              <a:spcBef>
+                <a:spcPts val="95"/>
+              </a:spcBef>
+            </a:pPr>
+            <a:r>
+              <a:rPr lang="en-US" sz="3400" b="1" spc="-5" dirty="0">
+                <a:solidFill>
+                  <a:srgbClr val="FFFFFF"/>
+                </a:solidFill>
+                <a:latin typeface="Carlito"/>
+                <a:cs typeface="Carlito"/>
+              </a:rPr>
+              <a:t>MongoDB Operations</a:t>
+            </a:r>
+          </a:p>
+        </p:txBody>
+      </p:sp>
+      <p:sp>
+        <p:nvSpPr>
+          <p:cNvPr id="5" name="object 5">
+            <a:extLst>
+              <a:ext uri="{FF2B5EF4-FFF2-40B4-BE49-F238E27FC236}">
+                <a16:creationId xmlns:a16="http://schemas.microsoft.com/office/drawing/2014/main" id="{BF256A88-CAC8-D37A-1D94-FB3856BC141E}"/>
+              </a:ext>
+            </a:extLst>
+          </p:cNvPr>
+          <p:cNvSpPr/>
+          <p:nvPr/>
+        </p:nvSpPr>
+        <p:spPr>
+          <a:xfrm>
+            <a:off x="9816083" y="262127"/>
+            <a:ext cx="1976627" cy="822960"/>
+          </a:xfrm>
+          <a:prstGeom prst="rect">
+            <a:avLst/>
+          </a:prstGeom>
+          <a:blipFill>
+            <a:blip r:embed="rId3" cstate="print"/>
+            <a:stretch>
+              <a:fillRect/>
+            </a:stretch>
+          </a:blipFill>
+        </p:spPr>
+        <p:txBody>
+          <a:bodyPr wrap="square" lIns="0" tIns="0" rIns="0" bIns="0" rtlCol="0"/>
+          <a:lstStyle/>
+          <a:p>
+            <a:endParaRPr/>
+          </a:p>
+        </p:txBody>
+      </p:sp>
+      <p:sp>
+        <p:nvSpPr>
+          <p:cNvPr id="4" name="object 3">
+            <a:extLst>
+              <a:ext uri="{FF2B5EF4-FFF2-40B4-BE49-F238E27FC236}">
+                <a16:creationId xmlns:a16="http://schemas.microsoft.com/office/drawing/2014/main" id="{6B996E06-2EE2-2908-ACD0-1701B486A7A5}"/>
+              </a:ext>
+            </a:extLst>
+          </p:cNvPr>
+          <p:cNvSpPr txBox="1">
+            <a:spLocks/>
+          </p:cNvSpPr>
+          <p:nvPr/>
+        </p:nvSpPr>
+        <p:spPr>
+          <a:xfrm>
+            <a:off x="762000" y="914400"/>
+            <a:ext cx="11277599" cy="5767605"/>
+          </a:xfrm>
+          <a:prstGeom prst="rect">
+            <a:avLst/>
+          </a:prstGeom>
+        </p:spPr>
+        <p:txBody>
+          <a:bodyPr vert="horz" wrap="square" lIns="0" tIns="12065" rIns="0" bIns="0" rtlCol="0">
+            <a:spAutoFit/>
+          </a:bodyPr>
+          <a:lstStyle>
+            <a:lvl1pPr>
+              <a:defRPr sz="6000" b="0" i="0">
+                <a:solidFill>
+                  <a:srgbClr val="E7E6E6"/>
+                </a:solidFill>
+                <a:latin typeface="Trebuchet MS"/>
+                <a:ea typeface="+mj-ea"/>
+                <a:cs typeface="Trebuchet MS"/>
+              </a:defRPr>
+            </a:lvl1pPr>
+          </a:lstStyle>
+          <a:p>
+            <a:pPr marL="527050" indent="-514350">
+              <a:spcBef>
+                <a:spcPts val="95"/>
+              </a:spcBef>
+              <a:buAutoNum type="arabicPeriod"/>
+            </a:pPr>
+            <a:r>
+              <a:rPr lang="en-US" sz="2800" kern="0" dirty="0">
+                <a:latin typeface="+mn-lt"/>
+                <a:cs typeface="Carlito"/>
+              </a:rPr>
+              <a:t>Equals :</a:t>
+            </a:r>
+          </a:p>
+          <a:p>
+            <a:pPr marL="527050" indent="-514350">
+              <a:spcBef>
+                <a:spcPts val="95"/>
+              </a:spcBef>
+              <a:buAutoNum type="arabicPeriod"/>
+            </a:pPr>
+            <a:r>
+              <a:rPr lang="en-US" sz="2800" kern="0" dirty="0">
+                <a:latin typeface="+mn-lt"/>
+                <a:cs typeface="Carlito"/>
+              </a:rPr>
+              <a:t>Greater and Greater Than Equals : </a:t>
+            </a:r>
+          </a:p>
+          <a:p>
+            <a:pPr marL="527050" indent="-514350">
+              <a:spcBef>
+                <a:spcPts val="95"/>
+              </a:spcBef>
+              <a:buAutoNum type="arabicPeriod"/>
+            </a:pPr>
+            <a:endParaRPr lang="en-US" sz="2800" kern="0" dirty="0">
+              <a:latin typeface="+mn-lt"/>
+              <a:cs typeface="Carlito"/>
+            </a:endParaRPr>
+          </a:p>
+          <a:p>
+            <a:pPr marL="527050" indent="-514350">
+              <a:spcBef>
+                <a:spcPts val="95"/>
+              </a:spcBef>
+              <a:buAutoNum type="arabicPeriod"/>
+            </a:pPr>
+            <a:r>
+              <a:rPr lang="en-US" sz="2800" kern="0" dirty="0">
+                <a:latin typeface="+mn-lt"/>
+                <a:cs typeface="Carlito"/>
+              </a:rPr>
+              <a:t>Lesser and Lesser Than Equals : </a:t>
+            </a:r>
+          </a:p>
+          <a:p>
+            <a:pPr marL="527050" indent="-514350">
+              <a:spcBef>
+                <a:spcPts val="95"/>
+              </a:spcBef>
+              <a:buAutoNum type="arabicPeriod"/>
+            </a:pPr>
+            <a:endParaRPr lang="en-US" sz="2800" kern="0" dirty="0">
+              <a:latin typeface="+mn-lt"/>
+              <a:cs typeface="Carlito"/>
+            </a:endParaRPr>
+          </a:p>
+          <a:p>
+            <a:pPr marL="527050" indent="-514350">
+              <a:spcBef>
+                <a:spcPts val="95"/>
+              </a:spcBef>
+              <a:buAutoNum type="arabicPeriod"/>
+            </a:pPr>
+            <a:r>
+              <a:rPr lang="en-US" sz="2800" kern="0" dirty="0">
+                <a:latin typeface="+mn-lt"/>
+                <a:cs typeface="Carlito"/>
+              </a:rPr>
+              <a:t>$inside : value in this range:</a:t>
+            </a:r>
+          </a:p>
+          <a:p>
+            <a:pPr marL="527050" indent="-514350">
+              <a:spcBef>
+                <a:spcPts val="95"/>
+              </a:spcBef>
+              <a:buAutoNum type="arabicPeriod"/>
+            </a:pPr>
+            <a:endParaRPr lang="en-US" sz="2800" kern="0" dirty="0">
+              <a:latin typeface="+mn-lt"/>
+              <a:cs typeface="Carlito"/>
+            </a:endParaRPr>
+          </a:p>
+          <a:p>
+            <a:pPr marL="527050" indent="-514350">
+              <a:spcBef>
+                <a:spcPts val="95"/>
+              </a:spcBef>
+              <a:buAutoNum type="arabicPeriod"/>
+            </a:pPr>
+            <a:r>
+              <a:rPr lang="en-US" sz="2800" kern="0" dirty="0">
+                <a:latin typeface="+mn-lt"/>
+                <a:cs typeface="Carlito"/>
+              </a:rPr>
+              <a:t>And ($and)</a:t>
+            </a:r>
+          </a:p>
+          <a:p>
+            <a:pPr marL="527050" indent="-514350">
+              <a:spcBef>
+                <a:spcPts val="95"/>
+              </a:spcBef>
+              <a:buAutoNum type="arabicPeriod"/>
+            </a:pPr>
+            <a:endParaRPr lang="en-US" sz="2800" kern="0" dirty="0">
+              <a:latin typeface="+mn-lt"/>
+              <a:cs typeface="Carlito"/>
+            </a:endParaRPr>
+          </a:p>
+          <a:p>
+            <a:pPr marL="527050" indent="-514350">
+              <a:spcBef>
+                <a:spcPts val="95"/>
+              </a:spcBef>
+              <a:buAutoNum type="arabicPeriod"/>
+            </a:pPr>
+            <a:endParaRPr lang="en-US" sz="2800" kern="0" dirty="0">
+              <a:latin typeface="+mn-lt"/>
+              <a:cs typeface="Carlito"/>
+            </a:endParaRPr>
+          </a:p>
+          <a:p>
+            <a:pPr marL="527050" indent="-514350">
+              <a:spcBef>
+                <a:spcPts val="95"/>
+              </a:spcBef>
+              <a:buAutoNum type="arabicPeriod"/>
+            </a:pPr>
+            <a:r>
+              <a:rPr lang="en-US" sz="2800" kern="0" dirty="0">
+                <a:latin typeface="+mn-lt"/>
+                <a:cs typeface="Carlito"/>
+              </a:rPr>
+              <a:t> OR ( $ or)</a:t>
+            </a:r>
+          </a:p>
+          <a:p>
+            <a:pPr marL="12700">
+              <a:spcBef>
+                <a:spcPts val="95"/>
+              </a:spcBef>
+            </a:pPr>
+            <a:endParaRPr lang="en-US" sz="2800" kern="0" dirty="0">
+              <a:latin typeface="+mn-lt"/>
+              <a:cs typeface="Carlito"/>
+            </a:endParaRPr>
+          </a:p>
+          <a:p>
+            <a:pPr marL="527050" indent="-514350">
+              <a:spcBef>
+                <a:spcPts val="95"/>
+              </a:spcBef>
+              <a:buAutoNum type="arabicPeriod"/>
+            </a:pPr>
+            <a:endParaRPr lang="en-US" sz="2800" kern="0" dirty="0">
+              <a:latin typeface="+mn-lt"/>
+              <a:cs typeface="Carlito"/>
+            </a:endParaRPr>
+          </a:p>
+        </p:txBody>
+      </p:sp>
+      <p:pic>
+        <p:nvPicPr>
+          <p:cNvPr id="7" name="Picture 6">
+            <a:extLst>
+              <a:ext uri="{FF2B5EF4-FFF2-40B4-BE49-F238E27FC236}">
+                <a16:creationId xmlns:a16="http://schemas.microsoft.com/office/drawing/2014/main" id="{9C2F21A1-4C54-C68E-5873-1C890D4618F8}"/>
+              </a:ext>
+            </a:extLst>
+          </p:cNvPr>
+          <p:cNvPicPr>
+            <a:picLocks noChangeAspect="1"/>
+          </p:cNvPicPr>
+          <p:nvPr/>
+        </p:nvPicPr>
+        <p:blipFill>
+          <a:blip r:embed="rId4"/>
+          <a:stretch>
+            <a:fillRect/>
+          </a:stretch>
+        </p:blipFill>
+        <p:spPr>
+          <a:xfrm>
+            <a:off x="2514600" y="914400"/>
+            <a:ext cx="7273054" cy="539244"/>
+          </a:xfrm>
+          <a:prstGeom prst="rect">
+            <a:avLst/>
+          </a:prstGeom>
+        </p:spPr>
+      </p:pic>
+      <p:pic>
+        <p:nvPicPr>
+          <p:cNvPr id="8" name="Picture 7">
+            <a:extLst>
+              <a:ext uri="{FF2B5EF4-FFF2-40B4-BE49-F238E27FC236}">
+                <a16:creationId xmlns:a16="http://schemas.microsoft.com/office/drawing/2014/main" id="{01DDFAE5-5878-295D-8954-6391FE1255EA}"/>
+              </a:ext>
+            </a:extLst>
+          </p:cNvPr>
+          <p:cNvPicPr>
+            <a:picLocks noChangeAspect="1"/>
+          </p:cNvPicPr>
+          <p:nvPr/>
+        </p:nvPicPr>
+        <p:blipFill>
+          <a:blip r:embed="rId5"/>
+          <a:stretch>
+            <a:fillRect/>
+          </a:stretch>
+        </p:blipFill>
+        <p:spPr>
+          <a:xfrm>
+            <a:off x="1295400" y="1752600"/>
+            <a:ext cx="7924800" cy="512359"/>
+          </a:xfrm>
+          <a:prstGeom prst="rect">
+            <a:avLst/>
+          </a:prstGeom>
+        </p:spPr>
+      </p:pic>
+      <p:pic>
+        <p:nvPicPr>
+          <p:cNvPr id="10" name="Picture 9">
+            <a:extLst>
+              <a:ext uri="{FF2B5EF4-FFF2-40B4-BE49-F238E27FC236}">
+                <a16:creationId xmlns:a16="http://schemas.microsoft.com/office/drawing/2014/main" id="{940527B8-2E35-A6F8-4792-9A70851CC53A}"/>
+              </a:ext>
+            </a:extLst>
+          </p:cNvPr>
+          <p:cNvPicPr>
+            <a:picLocks noChangeAspect="1"/>
+          </p:cNvPicPr>
+          <p:nvPr/>
+        </p:nvPicPr>
+        <p:blipFill>
+          <a:blip r:embed="rId6"/>
+          <a:stretch>
+            <a:fillRect/>
+          </a:stretch>
+        </p:blipFill>
+        <p:spPr>
+          <a:xfrm>
+            <a:off x="1295400" y="2667000"/>
+            <a:ext cx="7924800" cy="499239"/>
+          </a:xfrm>
+          <a:prstGeom prst="rect">
+            <a:avLst/>
+          </a:prstGeom>
+        </p:spPr>
+      </p:pic>
+      <p:pic>
+        <p:nvPicPr>
+          <p:cNvPr id="12" name="Picture 11">
+            <a:extLst>
+              <a:ext uri="{FF2B5EF4-FFF2-40B4-BE49-F238E27FC236}">
+                <a16:creationId xmlns:a16="http://schemas.microsoft.com/office/drawing/2014/main" id="{A3D5C99F-85C5-65B0-A9C4-09738D84AE51}"/>
+              </a:ext>
+            </a:extLst>
+          </p:cNvPr>
+          <p:cNvPicPr>
+            <a:picLocks noChangeAspect="1"/>
+          </p:cNvPicPr>
+          <p:nvPr/>
+        </p:nvPicPr>
+        <p:blipFill>
+          <a:blip r:embed="rId7"/>
+          <a:stretch>
+            <a:fillRect/>
+          </a:stretch>
+        </p:blipFill>
+        <p:spPr>
+          <a:xfrm>
+            <a:off x="1295400" y="3522263"/>
+            <a:ext cx="7924800" cy="524075"/>
+          </a:xfrm>
+          <a:prstGeom prst="rect">
+            <a:avLst/>
+          </a:prstGeom>
+        </p:spPr>
+      </p:pic>
+      <p:pic>
+        <p:nvPicPr>
+          <p:cNvPr id="14" name="Picture 13">
+            <a:extLst>
+              <a:ext uri="{FF2B5EF4-FFF2-40B4-BE49-F238E27FC236}">
+                <a16:creationId xmlns:a16="http://schemas.microsoft.com/office/drawing/2014/main" id="{2427A379-843A-8803-C61D-F398E8588D48}"/>
+              </a:ext>
+            </a:extLst>
+          </p:cNvPr>
+          <p:cNvPicPr>
+            <a:picLocks noChangeAspect="1"/>
+          </p:cNvPicPr>
+          <p:nvPr/>
+        </p:nvPicPr>
+        <p:blipFill>
+          <a:blip r:embed="rId8"/>
+          <a:stretch>
+            <a:fillRect/>
+          </a:stretch>
+        </p:blipFill>
+        <p:spPr>
+          <a:xfrm>
+            <a:off x="1295400" y="4419600"/>
+            <a:ext cx="6553200" cy="947825"/>
+          </a:xfrm>
+          <a:prstGeom prst="rect">
+            <a:avLst/>
+          </a:prstGeom>
+        </p:spPr>
+      </p:pic>
+      <p:pic>
+        <p:nvPicPr>
+          <p:cNvPr id="16" name="Picture 15">
+            <a:extLst>
+              <a:ext uri="{FF2B5EF4-FFF2-40B4-BE49-F238E27FC236}">
+                <a16:creationId xmlns:a16="http://schemas.microsoft.com/office/drawing/2014/main" id="{8BB4874B-5C98-7015-B87F-4A3BBBE6C9DC}"/>
+              </a:ext>
+            </a:extLst>
+          </p:cNvPr>
+          <p:cNvPicPr>
+            <a:picLocks noChangeAspect="1"/>
+          </p:cNvPicPr>
+          <p:nvPr/>
+        </p:nvPicPr>
+        <p:blipFill>
+          <a:blip r:embed="rId9"/>
+          <a:stretch>
+            <a:fillRect/>
+          </a:stretch>
+        </p:blipFill>
+        <p:spPr>
+          <a:xfrm>
+            <a:off x="1295399" y="5740687"/>
+            <a:ext cx="6956277" cy="1015515"/>
+          </a:xfrm>
+          <a:prstGeom prst="rect">
+            <a:avLst/>
+          </a:prstGeom>
+        </p:spPr>
+      </p:pic>
+    </p:spTree>
+    <p:extLst>
+      <p:ext uri="{BB962C8B-B14F-4D97-AF65-F5344CB8AC3E}">
+        <p14:creationId xmlns:p14="http://schemas.microsoft.com/office/powerpoint/2010/main" val="363157581"/>
+      </p:ext>
+    </p:extLst>
+  </p:cSld>
+  <p:clrMapOvr>
+    <a:masterClrMapping/>
+  </p:clrMapOvr>
+</p:sld>
+</file>
+
+<file path=ppt/slides/slide29.xml><?xml version="1.0" encoding="utf-8"?>
+<p:sld xmlns:a="http://schemas.openxmlformats.org/drawingml/2006/main" xmlns:r="http://schemas.openxmlformats.org/officeDocument/2006/relationships" xmlns:p="http://schemas.openxmlformats.org/presentationml/2006/main">
+  <p:cSld>
+    <p:spTree>
+      <p:nvGrpSpPr>
+        <p:cNvPr id="1" name="">
+          <a:extLst>
+            <a:ext uri="{FF2B5EF4-FFF2-40B4-BE49-F238E27FC236}">
+              <a16:creationId xmlns:a16="http://schemas.microsoft.com/office/drawing/2014/main" id="{42BD791E-71A7-638E-204B-5CB6ADA97A7F}"/>
+            </a:ext>
+          </a:extLst>
+        </p:cNvPr>
+        <p:cNvGrpSpPr/>
+        <p:nvPr/>
+      </p:nvGrpSpPr>
+      <p:grpSpPr>
+        <a:xfrm>
+          <a:off x="0" y="0"/>
+          <a:ext cx="0" cy="0"/>
+          <a:chOff x="0" y="0"/>
+          <a:chExt cx="0" cy="0"/>
+        </a:xfrm>
+      </p:grpSpPr>
+      <p:sp>
+        <p:nvSpPr>
+          <p:cNvPr id="2" name="object 2">
+            <a:extLst>
+              <a:ext uri="{FF2B5EF4-FFF2-40B4-BE49-F238E27FC236}">
+                <a16:creationId xmlns:a16="http://schemas.microsoft.com/office/drawing/2014/main" id="{C6984072-2BDC-47CB-EA15-4E5F7737BB6B}"/>
+              </a:ext>
+            </a:extLst>
+          </p:cNvPr>
+          <p:cNvSpPr/>
+          <p:nvPr/>
+        </p:nvSpPr>
+        <p:spPr>
+          <a:xfrm>
+            <a:off x="1" y="44199"/>
+            <a:ext cx="12191999" cy="7118601"/>
+          </a:xfrm>
+          <a:prstGeom prst="rect">
+            <a:avLst/>
+          </a:prstGeom>
+          <a:blipFill>
+            <a:blip r:embed="rId2" cstate="print"/>
+            <a:stretch>
+              <a:fillRect/>
+            </a:stretch>
+          </a:blipFill>
+        </p:spPr>
+        <p:txBody>
+          <a:bodyPr wrap="square" lIns="0" tIns="0" rIns="0" bIns="0" rtlCol="0"/>
+          <a:lstStyle/>
+          <a:p>
+            <a:endParaRPr b="1" dirty="0">
+              <a:ln w="13462">
+                <a:solidFill>
+                  <a:schemeClr val="bg1"/>
+                </a:solidFill>
+                <a:prstDash val="solid"/>
+              </a:ln>
+              <a:solidFill>
+                <a:schemeClr val="tx1">
+                  <a:lumMod val="85000"/>
+                  <a:lumOff val="15000"/>
+                </a:schemeClr>
+              </a:solidFill>
+              <a:effectLst>
+                <a:outerShdw dist="38100" dir="2700000" algn="bl" rotWithShape="0">
+                  <a:schemeClr val="accent5"/>
+                </a:outerShdw>
+              </a:effectLst>
+            </a:endParaRPr>
+          </a:p>
+        </p:txBody>
+      </p:sp>
+      <p:sp>
+        <p:nvSpPr>
+          <p:cNvPr id="3" name="object 3">
+            <a:extLst>
+              <a:ext uri="{FF2B5EF4-FFF2-40B4-BE49-F238E27FC236}">
+                <a16:creationId xmlns:a16="http://schemas.microsoft.com/office/drawing/2014/main" id="{3E648F8D-2964-D74D-ED93-FACF0895951A}"/>
+              </a:ext>
+            </a:extLst>
+          </p:cNvPr>
+          <p:cNvSpPr txBox="1">
+            <a:spLocks noGrp="1"/>
+          </p:cNvSpPr>
+          <p:nvPr>
+            <p:ph type="title"/>
+          </p:nvPr>
+        </p:nvSpPr>
+        <p:spPr>
+          <a:xfrm>
+            <a:off x="762000" y="304800"/>
+            <a:ext cx="7239000" cy="535403"/>
+          </a:xfrm>
+          <a:prstGeom prst="rect">
+            <a:avLst/>
+          </a:prstGeom>
+        </p:spPr>
+        <p:txBody>
+          <a:bodyPr vert="horz" wrap="square" lIns="0" tIns="12065" rIns="0" bIns="0" rtlCol="0">
+            <a:spAutoFit/>
+          </a:bodyPr>
+          <a:lstStyle/>
+          <a:p>
+            <a:pPr marL="12700">
+              <a:lnSpc>
+                <a:spcPct val="100000"/>
+              </a:lnSpc>
+              <a:spcBef>
+                <a:spcPts val="95"/>
+              </a:spcBef>
+            </a:pPr>
+            <a:r>
+              <a:rPr lang="en-US" sz="3400" b="1" spc="-5" dirty="0">
+                <a:solidFill>
+                  <a:srgbClr val="FFFFFF"/>
+                </a:solidFill>
+                <a:latin typeface="Carlito"/>
+                <a:cs typeface="Carlito"/>
+              </a:rPr>
+              <a:t>Mongoose</a:t>
+            </a:r>
+          </a:p>
+        </p:txBody>
+      </p:sp>
+      <p:sp>
+        <p:nvSpPr>
+          <p:cNvPr id="5" name="object 5">
+            <a:extLst>
+              <a:ext uri="{FF2B5EF4-FFF2-40B4-BE49-F238E27FC236}">
+                <a16:creationId xmlns:a16="http://schemas.microsoft.com/office/drawing/2014/main" id="{20E3D160-AAA5-D507-5ACA-984114D809BC}"/>
+              </a:ext>
+            </a:extLst>
+          </p:cNvPr>
+          <p:cNvSpPr/>
+          <p:nvPr/>
+        </p:nvSpPr>
+        <p:spPr>
+          <a:xfrm>
+            <a:off x="9816083" y="262127"/>
+            <a:ext cx="1976627" cy="822960"/>
+          </a:xfrm>
+          <a:prstGeom prst="rect">
+            <a:avLst/>
+          </a:prstGeom>
+          <a:blipFill>
+            <a:blip r:embed="rId3" cstate="print"/>
+            <a:stretch>
+              <a:fillRect/>
+            </a:stretch>
+          </a:blipFill>
+        </p:spPr>
+        <p:txBody>
+          <a:bodyPr wrap="square" lIns="0" tIns="0" rIns="0" bIns="0" rtlCol="0"/>
+          <a:lstStyle/>
+          <a:p>
+            <a:endParaRPr/>
+          </a:p>
+        </p:txBody>
+      </p:sp>
+      <p:sp>
+        <p:nvSpPr>
+          <p:cNvPr id="4" name="object 3">
+            <a:extLst>
+              <a:ext uri="{FF2B5EF4-FFF2-40B4-BE49-F238E27FC236}">
+                <a16:creationId xmlns:a16="http://schemas.microsoft.com/office/drawing/2014/main" id="{156E3158-D90F-81C5-6963-7A7CB3A3BC4E}"/>
+              </a:ext>
+            </a:extLst>
+          </p:cNvPr>
+          <p:cNvSpPr txBox="1">
+            <a:spLocks/>
+          </p:cNvSpPr>
+          <p:nvPr/>
+        </p:nvSpPr>
+        <p:spPr>
+          <a:xfrm>
+            <a:off x="762000" y="914400"/>
+            <a:ext cx="11277599" cy="6198492"/>
+          </a:xfrm>
+          <a:prstGeom prst="rect">
+            <a:avLst/>
+          </a:prstGeom>
+        </p:spPr>
+        <p:txBody>
+          <a:bodyPr vert="horz" wrap="square" lIns="0" tIns="12065" rIns="0" bIns="0" rtlCol="0">
+            <a:spAutoFit/>
+          </a:bodyPr>
+          <a:lstStyle>
+            <a:lvl1pPr>
+              <a:defRPr sz="6000" b="0" i="0">
+                <a:solidFill>
+                  <a:srgbClr val="E7E6E6"/>
+                </a:solidFill>
+                <a:latin typeface="Trebuchet MS"/>
+                <a:ea typeface="+mj-ea"/>
+                <a:cs typeface="Trebuchet MS"/>
+              </a:defRPr>
+            </a:lvl1pPr>
+          </a:lstStyle>
+          <a:p>
+            <a:pPr marL="527050" indent="-514350">
+              <a:spcBef>
+                <a:spcPts val="95"/>
+              </a:spcBef>
+              <a:buAutoNum type="arabicPeriod"/>
+            </a:pPr>
+            <a:r>
+              <a:rPr lang="en-US" sz="2800" kern="0" dirty="0">
+                <a:latin typeface="+mn-lt"/>
+                <a:cs typeface="Carlito"/>
+              </a:rPr>
+              <a:t>The layer which connects database to the server we have ODM in NoSQL and ORM in SQL server languages.</a:t>
+            </a:r>
+          </a:p>
+          <a:p>
+            <a:pPr marL="527050" indent="-514350">
+              <a:spcBef>
+                <a:spcPts val="95"/>
+              </a:spcBef>
+              <a:buAutoNum type="arabicPeriod"/>
+            </a:pPr>
+            <a:r>
+              <a:rPr lang="en-US" sz="2800" kern="0" dirty="0">
+                <a:latin typeface="+mn-lt"/>
+                <a:cs typeface="Carlito"/>
+              </a:rPr>
+              <a:t>Mongoose is an ODM layer which converts the Json to usable JS object.</a:t>
+            </a:r>
+          </a:p>
+          <a:p>
+            <a:pPr marL="527050" indent="-514350">
+              <a:spcBef>
+                <a:spcPts val="95"/>
+              </a:spcBef>
+              <a:buAutoNum type="arabicPeriod"/>
+            </a:pPr>
+            <a:r>
+              <a:rPr lang="en-US" sz="2800" kern="0" dirty="0">
+                <a:latin typeface="+mn-lt"/>
+                <a:cs typeface="Carlito"/>
+              </a:rPr>
+              <a:t>Official docs : </a:t>
+            </a:r>
+            <a:r>
+              <a:rPr lang="en-US" sz="2800" kern="0" dirty="0">
+                <a:latin typeface="+mn-lt"/>
+                <a:cs typeface="Carlito"/>
+                <a:hlinkClick r:id="rId4"/>
+              </a:rPr>
+              <a:t>https://mongoosejs.com/</a:t>
+            </a:r>
+            <a:endParaRPr lang="en-US" sz="2800" kern="0" dirty="0">
+              <a:latin typeface="+mn-lt"/>
+              <a:cs typeface="Carlito"/>
+            </a:endParaRPr>
+          </a:p>
+          <a:p>
+            <a:pPr marL="527050" indent="-514350">
+              <a:spcBef>
+                <a:spcPts val="95"/>
+              </a:spcBef>
+              <a:buAutoNum type="arabicPeriod"/>
+            </a:pPr>
+            <a:r>
+              <a:rPr lang="en-US" sz="2800" kern="0" dirty="0">
+                <a:latin typeface="+mn-lt"/>
+                <a:cs typeface="Carlito"/>
+              </a:rPr>
+              <a:t>To use mongoose just include </a:t>
+            </a:r>
+            <a:r>
+              <a:rPr lang="en-US" sz="2800" kern="0" dirty="0" err="1">
+                <a:latin typeface="+mn-lt"/>
+                <a:cs typeface="Carlito"/>
+              </a:rPr>
+              <a:t>npm</a:t>
+            </a:r>
+            <a:r>
+              <a:rPr lang="en-US" sz="2800" kern="0" dirty="0">
+                <a:latin typeface="+mn-lt"/>
+                <a:cs typeface="Carlito"/>
+              </a:rPr>
+              <a:t> </a:t>
+            </a:r>
+            <a:r>
+              <a:rPr lang="en-US" sz="2800" kern="0" dirty="0" err="1">
+                <a:latin typeface="+mn-lt"/>
+                <a:cs typeface="Carlito"/>
+              </a:rPr>
+              <a:t>i</a:t>
+            </a:r>
+            <a:r>
+              <a:rPr lang="en-US" sz="2800" kern="0" dirty="0">
+                <a:latin typeface="+mn-lt"/>
+                <a:cs typeface="Carlito"/>
+              </a:rPr>
+              <a:t> mongoose while making server.</a:t>
+            </a:r>
+          </a:p>
+          <a:p>
+            <a:pPr marL="527050" indent="-514350">
+              <a:spcBef>
+                <a:spcPts val="95"/>
+              </a:spcBef>
+              <a:buAutoNum type="arabicPeriod"/>
+            </a:pPr>
+            <a:r>
+              <a:rPr lang="en-US" sz="2800" kern="0" dirty="0">
+                <a:latin typeface="+mn-lt"/>
+                <a:cs typeface="Carlito"/>
+              </a:rPr>
+              <a:t>Models : The collections that are made inside JS project </a:t>
+            </a:r>
+          </a:p>
+          <a:p>
+            <a:pPr marL="527050" indent="-514350">
+              <a:spcBef>
+                <a:spcPts val="95"/>
+              </a:spcBef>
+              <a:buAutoNum type="arabicPeriod"/>
+            </a:pPr>
+            <a:r>
+              <a:rPr lang="en-US" sz="2800" kern="0" dirty="0">
+                <a:latin typeface="+mn-lt"/>
+                <a:cs typeface="Carlito"/>
+              </a:rPr>
+              <a:t>Schema : The blueprint which will be used for data storing.</a:t>
+            </a:r>
+          </a:p>
+          <a:p>
+            <a:pPr marL="527050" indent="-514350">
+              <a:spcBef>
+                <a:spcPts val="95"/>
+              </a:spcBef>
+              <a:buAutoNum type="arabicPeriod"/>
+            </a:pPr>
+            <a:endParaRPr lang="en-US" sz="2800" kern="0" dirty="0">
+              <a:latin typeface="+mn-lt"/>
+              <a:cs typeface="Carlito"/>
+            </a:endParaRPr>
+          </a:p>
+          <a:p>
+            <a:pPr marL="527050" indent="-514350">
+              <a:spcBef>
+                <a:spcPts val="95"/>
+              </a:spcBef>
+              <a:buAutoNum type="arabicPeriod"/>
+            </a:pPr>
+            <a:endParaRPr lang="en-US" sz="2800" kern="0" dirty="0">
+              <a:latin typeface="+mn-lt"/>
+              <a:cs typeface="Carlito"/>
+            </a:endParaRPr>
+          </a:p>
+          <a:p>
+            <a:pPr marL="527050" indent="-514350">
+              <a:spcBef>
+                <a:spcPts val="95"/>
+              </a:spcBef>
+              <a:buAutoNum type="arabicPeriod"/>
+            </a:pPr>
+            <a:endParaRPr lang="en-US" sz="2800" kern="0" dirty="0">
+              <a:latin typeface="+mn-lt"/>
+              <a:cs typeface="Carlito"/>
+            </a:endParaRPr>
+          </a:p>
+          <a:p>
+            <a:pPr marL="527050" indent="-514350">
+              <a:spcBef>
+                <a:spcPts val="95"/>
+              </a:spcBef>
+              <a:buAutoNum type="arabicPeriod"/>
+            </a:pPr>
+            <a:r>
+              <a:rPr lang="en-US" sz="2800" kern="0" dirty="0">
+                <a:latin typeface="+mn-lt"/>
+                <a:cs typeface="Carlito"/>
+              </a:rPr>
+              <a:t>Models Convention : </a:t>
+            </a:r>
+          </a:p>
+          <a:p>
+            <a:pPr marL="584200" indent="-571500">
+              <a:spcBef>
+                <a:spcPts val="95"/>
+              </a:spcBef>
+              <a:buAutoNum type="romanLcPeriod"/>
+            </a:pPr>
+            <a:r>
+              <a:rPr lang="en-US" sz="2800" kern="0" dirty="0">
+                <a:latin typeface="+mn-lt"/>
+                <a:cs typeface="Carlito"/>
+              </a:rPr>
+              <a:t>Models returns a JS class</a:t>
+            </a:r>
+          </a:p>
+          <a:p>
+            <a:pPr marL="584200" indent="-571500">
+              <a:spcBef>
+                <a:spcPts val="95"/>
+              </a:spcBef>
+              <a:buAutoNum type="romanLcPeriod"/>
+            </a:pPr>
+            <a:r>
+              <a:rPr lang="en-US" sz="2800" kern="0" dirty="0">
+                <a:latin typeface="+mn-lt"/>
+                <a:cs typeface="Carlito"/>
+              </a:rPr>
+              <a:t>Its always singular</a:t>
+            </a:r>
+          </a:p>
+          <a:p>
+            <a:pPr marL="584200" indent="-571500">
+              <a:spcBef>
+                <a:spcPts val="95"/>
+              </a:spcBef>
+              <a:buAutoNum type="romanLcPeriod"/>
+            </a:pPr>
+            <a:r>
+              <a:rPr lang="en-US" sz="2800" kern="0" dirty="0">
+                <a:latin typeface="+mn-lt"/>
+                <a:cs typeface="Carlito"/>
+              </a:rPr>
+              <a:t>1</a:t>
+            </a:r>
+            <a:r>
+              <a:rPr lang="en-US" sz="2800" kern="0" baseline="30000" dirty="0">
+                <a:latin typeface="+mn-lt"/>
+                <a:cs typeface="Carlito"/>
+              </a:rPr>
+              <a:t>st</a:t>
+            </a:r>
+            <a:r>
+              <a:rPr lang="en-US" sz="2800" kern="0" dirty="0">
+                <a:latin typeface="+mn-lt"/>
+                <a:cs typeface="Carlito"/>
+              </a:rPr>
+              <a:t> letter always capital.</a:t>
+            </a:r>
+          </a:p>
+        </p:txBody>
+      </p:sp>
+      <p:pic>
+        <p:nvPicPr>
+          <p:cNvPr id="9" name="Picture 8">
+            <a:extLst>
+              <a:ext uri="{FF2B5EF4-FFF2-40B4-BE49-F238E27FC236}">
+                <a16:creationId xmlns:a16="http://schemas.microsoft.com/office/drawing/2014/main" id="{A179A411-00F0-5503-D48D-93F13FE4EFB8}"/>
+              </a:ext>
+            </a:extLst>
+          </p:cNvPr>
+          <p:cNvPicPr>
+            <a:picLocks noChangeAspect="1"/>
+          </p:cNvPicPr>
+          <p:nvPr/>
+        </p:nvPicPr>
+        <p:blipFill>
+          <a:blip r:embed="rId5"/>
+          <a:stretch>
+            <a:fillRect/>
+          </a:stretch>
+        </p:blipFill>
+        <p:spPr>
+          <a:xfrm>
+            <a:off x="1318716" y="3962400"/>
+            <a:ext cx="3558084" cy="1367029"/>
+          </a:xfrm>
+          <a:prstGeom prst="rect">
+            <a:avLst/>
+          </a:prstGeom>
+        </p:spPr>
+      </p:pic>
+    </p:spTree>
+    <p:extLst>
+      <p:ext uri="{BB962C8B-B14F-4D97-AF65-F5344CB8AC3E}">
+        <p14:creationId xmlns:p14="http://schemas.microsoft.com/office/powerpoint/2010/main" val="3248882094"/>
+      </p:ext>
+    </p:extLst>
+  </p:cSld>
+  <p:clrMapOvr>
+    <a:masterClrMapping/>
+  </p:clrMapOvr>
+</p:sld>
+</file>
+
 <file path=ppt/slides/slide3.xml><?xml version="1.0" encoding="utf-8"?>
 <p:sld xmlns:a="http://schemas.openxmlformats.org/drawingml/2006/main" xmlns:r="http://schemas.openxmlformats.org/officeDocument/2006/relationships" xmlns:p="http://schemas.openxmlformats.org/presentationml/2006/main">
   <p:cSld>
@@ -10760,6 +13345,555 @@
     <p:extLst>
       <p:ext uri="{BB962C8B-B14F-4D97-AF65-F5344CB8AC3E}">
         <p14:creationId xmlns:p14="http://schemas.microsoft.com/office/powerpoint/2010/main" val="2498941096"/>
+      </p:ext>
+    </p:extLst>
+  </p:cSld>
+  <p:clrMapOvr>
+    <a:masterClrMapping/>
+  </p:clrMapOvr>
+</p:sld>
+</file>
+
+<file path=ppt/slides/slide30.xml><?xml version="1.0" encoding="utf-8"?>
+<p:sld xmlns:a="http://schemas.openxmlformats.org/drawingml/2006/main" xmlns:r="http://schemas.openxmlformats.org/officeDocument/2006/relationships" xmlns:p="http://schemas.openxmlformats.org/presentationml/2006/main">
+  <p:cSld>
+    <p:spTree>
+      <p:nvGrpSpPr>
+        <p:cNvPr id="1" name="">
+          <a:extLst>
+            <a:ext uri="{FF2B5EF4-FFF2-40B4-BE49-F238E27FC236}">
+              <a16:creationId xmlns:a16="http://schemas.microsoft.com/office/drawing/2014/main" id="{B541251C-11CB-F7DB-7A68-C41A9AEA9293}"/>
+            </a:ext>
+          </a:extLst>
+        </p:cNvPr>
+        <p:cNvGrpSpPr/>
+        <p:nvPr/>
+      </p:nvGrpSpPr>
+      <p:grpSpPr>
+        <a:xfrm>
+          <a:off x="0" y="0"/>
+          <a:ext cx="0" cy="0"/>
+          <a:chOff x="0" y="0"/>
+          <a:chExt cx="0" cy="0"/>
+        </a:xfrm>
+      </p:grpSpPr>
+      <p:sp>
+        <p:nvSpPr>
+          <p:cNvPr id="2" name="object 2">
+            <a:extLst>
+              <a:ext uri="{FF2B5EF4-FFF2-40B4-BE49-F238E27FC236}">
+                <a16:creationId xmlns:a16="http://schemas.microsoft.com/office/drawing/2014/main" id="{CA5EB5F8-6C56-7E80-D551-573CBF7A0CE8}"/>
+              </a:ext>
+            </a:extLst>
+          </p:cNvPr>
+          <p:cNvSpPr/>
+          <p:nvPr/>
+        </p:nvSpPr>
+        <p:spPr>
+          <a:xfrm>
+            <a:off x="1" y="44199"/>
+            <a:ext cx="12191999" cy="7118601"/>
+          </a:xfrm>
+          <a:prstGeom prst="rect">
+            <a:avLst/>
+          </a:prstGeom>
+          <a:blipFill>
+            <a:blip r:embed="rId2" cstate="print"/>
+            <a:stretch>
+              <a:fillRect/>
+            </a:stretch>
+          </a:blipFill>
+        </p:spPr>
+        <p:txBody>
+          <a:bodyPr wrap="square" lIns="0" tIns="0" rIns="0" bIns="0" rtlCol="0"/>
+          <a:lstStyle/>
+          <a:p>
+            <a:endParaRPr b="1" dirty="0">
+              <a:ln w="13462">
+                <a:solidFill>
+                  <a:schemeClr val="bg1"/>
+                </a:solidFill>
+                <a:prstDash val="solid"/>
+              </a:ln>
+              <a:solidFill>
+                <a:schemeClr val="tx1">
+                  <a:lumMod val="85000"/>
+                  <a:lumOff val="15000"/>
+                </a:schemeClr>
+              </a:solidFill>
+              <a:effectLst>
+                <a:outerShdw dist="38100" dir="2700000" algn="bl" rotWithShape="0">
+                  <a:schemeClr val="accent5"/>
+                </a:outerShdw>
+              </a:effectLst>
+            </a:endParaRPr>
+          </a:p>
+        </p:txBody>
+      </p:sp>
+      <p:sp>
+        <p:nvSpPr>
+          <p:cNvPr id="3" name="object 3">
+            <a:extLst>
+              <a:ext uri="{FF2B5EF4-FFF2-40B4-BE49-F238E27FC236}">
+                <a16:creationId xmlns:a16="http://schemas.microsoft.com/office/drawing/2014/main" id="{A6D40B8A-5FF7-5E2B-DA5D-F0CED179EE42}"/>
+              </a:ext>
+            </a:extLst>
+          </p:cNvPr>
+          <p:cNvSpPr txBox="1">
+            <a:spLocks noGrp="1"/>
+          </p:cNvSpPr>
+          <p:nvPr>
+            <p:ph type="title"/>
+          </p:nvPr>
+        </p:nvSpPr>
+        <p:spPr>
+          <a:xfrm>
+            <a:off x="762000" y="304800"/>
+            <a:ext cx="7239000" cy="535403"/>
+          </a:xfrm>
+          <a:prstGeom prst="rect">
+            <a:avLst/>
+          </a:prstGeom>
+        </p:spPr>
+        <p:txBody>
+          <a:bodyPr vert="horz" wrap="square" lIns="0" tIns="12065" rIns="0" bIns="0" rtlCol="0">
+            <a:spAutoFit/>
+          </a:bodyPr>
+          <a:lstStyle/>
+          <a:p>
+            <a:pPr marL="12700">
+              <a:lnSpc>
+                <a:spcPct val="100000"/>
+              </a:lnSpc>
+              <a:spcBef>
+                <a:spcPts val="95"/>
+              </a:spcBef>
+            </a:pPr>
+            <a:r>
+              <a:rPr lang="en-US" sz="3400" b="1" spc="-5" dirty="0">
+                <a:solidFill>
+                  <a:srgbClr val="FFFFFF"/>
+                </a:solidFill>
+                <a:latin typeface="Carlito"/>
+                <a:cs typeface="Carlito"/>
+              </a:rPr>
+              <a:t>Mongoose</a:t>
+            </a:r>
+          </a:p>
+        </p:txBody>
+      </p:sp>
+      <p:sp>
+        <p:nvSpPr>
+          <p:cNvPr id="5" name="object 5">
+            <a:extLst>
+              <a:ext uri="{FF2B5EF4-FFF2-40B4-BE49-F238E27FC236}">
+                <a16:creationId xmlns:a16="http://schemas.microsoft.com/office/drawing/2014/main" id="{DF426F46-D2E8-4F1D-EB64-B42E96C1DEF6}"/>
+              </a:ext>
+            </a:extLst>
+          </p:cNvPr>
+          <p:cNvSpPr/>
+          <p:nvPr/>
+        </p:nvSpPr>
+        <p:spPr>
+          <a:xfrm>
+            <a:off x="9816083" y="262127"/>
+            <a:ext cx="1976627" cy="822960"/>
+          </a:xfrm>
+          <a:prstGeom prst="rect">
+            <a:avLst/>
+          </a:prstGeom>
+          <a:blipFill>
+            <a:blip r:embed="rId3" cstate="print"/>
+            <a:stretch>
+              <a:fillRect/>
+            </a:stretch>
+          </a:blipFill>
+        </p:spPr>
+        <p:txBody>
+          <a:bodyPr wrap="square" lIns="0" tIns="0" rIns="0" bIns="0" rtlCol="0"/>
+          <a:lstStyle/>
+          <a:p>
+            <a:endParaRPr/>
+          </a:p>
+        </p:txBody>
+      </p:sp>
+      <p:sp>
+        <p:nvSpPr>
+          <p:cNvPr id="4" name="object 3">
+            <a:extLst>
+              <a:ext uri="{FF2B5EF4-FFF2-40B4-BE49-F238E27FC236}">
+                <a16:creationId xmlns:a16="http://schemas.microsoft.com/office/drawing/2014/main" id="{A13E2889-70AD-41DE-2A39-A95E5389FCE9}"/>
+              </a:ext>
+            </a:extLst>
+          </p:cNvPr>
+          <p:cNvSpPr txBox="1">
+            <a:spLocks/>
+          </p:cNvSpPr>
+          <p:nvPr/>
+        </p:nvSpPr>
+        <p:spPr>
+          <a:xfrm>
+            <a:off x="762000" y="914400"/>
+            <a:ext cx="11277599" cy="5767605"/>
+          </a:xfrm>
+          <a:prstGeom prst="rect">
+            <a:avLst/>
+          </a:prstGeom>
+        </p:spPr>
+        <p:txBody>
+          <a:bodyPr vert="horz" wrap="square" lIns="0" tIns="12065" rIns="0" bIns="0" rtlCol="0">
+            <a:spAutoFit/>
+          </a:bodyPr>
+          <a:lstStyle>
+            <a:lvl1pPr>
+              <a:defRPr sz="6000" b="0" i="0">
+                <a:solidFill>
+                  <a:srgbClr val="E7E6E6"/>
+                </a:solidFill>
+                <a:latin typeface="Trebuchet MS"/>
+                <a:ea typeface="+mj-ea"/>
+                <a:cs typeface="Trebuchet MS"/>
+              </a:defRPr>
+            </a:lvl1pPr>
+          </a:lstStyle>
+          <a:p>
+            <a:pPr marL="527050" indent="-514350">
+              <a:spcBef>
+                <a:spcPts val="95"/>
+              </a:spcBef>
+              <a:buAutoNum type="arabicPeriod"/>
+            </a:pPr>
+            <a:r>
+              <a:rPr lang="en-US" sz="2800" kern="0" dirty="0">
+                <a:latin typeface="+mn-lt"/>
+                <a:cs typeface="Carlito"/>
+              </a:rPr>
+              <a:t>Model : Collection for </a:t>
+            </a:r>
+            <a:r>
+              <a:rPr lang="en-US" sz="2800" kern="0" dirty="0" err="1">
+                <a:latin typeface="+mn-lt"/>
+                <a:cs typeface="Carlito"/>
+              </a:rPr>
+              <a:t>db</a:t>
+            </a:r>
+            <a:endParaRPr lang="en-US" sz="2800" kern="0" dirty="0">
+              <a:latin typeface="+mn-lt"/>
+              <a:cs typeface="Carlito"/>
+            </a:endParaRPr>
+          </a:p>
+          <a:p>
+            <a:pPr marL="527050" indent="-514350">
+              <a:spcBef>
+                <a:spcPts val="95"/>
+              </a:spcBef>
+              <a:buFontTx/>
+              <a:buAutoNum type="arabicPeriod"/>
+            </a:pPr>
+            <a:endParaRPr lang="en-US" sz="2800" kern="0" dirty="0">
+              <a:latin typeface="+mn-lt"/>
+              <a:cs typeface="Carlito"/>
+            </a:endParaRPr>
+          </a:p>
+          <a:p>
+            <a:pPr marL="527050" indent="-514350">
+              <a:spcBef>
+                <a:spcPts val="95"/>
+              </a:spcBef>
+              <a:buFontTx/>
+              <a:buAutoNum type="arabicPeriod"/>
+            </a:pPr>
+            <a:r>
+              <a:rPr lang="en-US" sz="2800" kern="0" dirty="0">
+                <a:latin typeface="+mn-lt"/>
+                <a:cs typeface="Carlito"/>
+              </a:rPr>
+              <a:t>We can make new JS objects using Models class.</a:t>
+            </a:r>
+          </a:p>
+          <a:p>
+            <a:pPr marL="527050" indent="-514350">
+              <a:spcBef>
+                <a:spcPts val="95"/>
+              </a:spcBef>
+              <a:buFontTx/>
+              <a:buAutoNum type="arabicPeriod"/>
+            </a:pPr>
+            <a:r>
+              <a:rPr lang="en-US" sz="2800" kern="0" dirty="0">
+                <a:latin typeface="+mn-lt"/>
+                <a:cs typeface="Carlito"/>
+              </a:rPr>
+              <a:t>Now we have to save it in our DB</a:t>
+            </a:r>
+          </a:p>
+          <a:p>
+            <a:pPr marL="527050" indent="-514350">
+              <a:spcBef>
+                <a:spcPts val="95"/>
+              </a:spcBef>
+              <a:buAutoNum type="arabicPeriod"/>
+            </a:pPr>
+            <a:endParaRPr lang="en-US" sz="2800" kern="0" dirty="0">
+              <a:latin typeface="+mn-lt"/>
+              <a:cs typeface="Carlito"/>
+            </a:endParaRPr>
+          </a:p>
+          <a:p>
+            <a:pPr marL="527050" indent="-514350">
+              <a:spcBef>
+                <a:spcPts val="95"/>
+              </a:spcBef>
+              <a:buAutoNum type="arabicPeriod"/>
+            </a:pPr>
+            <a:r>
+              <a:rPr lang="en-US" sz="2800" kern="0" dirty="0">
+                <a:latin typeface="+mn-lt"/>
+                <a:cs typeface="Carlito"/>
+              </a:rPr>
+              <a:t>OR we can use mongoose methods directly ,</a:t>
+            </a:r>
+          </a:p>
+          <a:p>
+            <a:pPr marL="12700">
+              <a:spcBef>
+                <a:spcPts val="95"/>
+              </a:spcBef>
+            </a:pPr>
+            <a:r>
+              <a:rPr lang="en-US" sz="2800" kern="0" dirty="0">
+                <a:latin typeface="+mn-lt"/>
+                <a:cs typeface="Carlito"/>
+              </a:rPr>
+              <a:t>					</a:t>
+            </a:r>
+          </a:p>
+          <a:p>
+            <a:pPr marL="12700">
+              <a:spcBef>
+                <a:spcPts val="95"/>
+              </a:spcBef>
+            </a:pPr>
+            <a:endParaRPr lang="en-US" sz="2800" kern="0" dirty="0">
+              <a:latin typeface="+mn-lt"/>
+              <a:cs typeface="Carlito"/>
+            </a:endParaRPr>
+          </a:p>
+          <a:p>
+            <a:pPr marL="12700">
+              <a:spcBef>
+                <a:spcPts val="95"/>
+              </a:spcBef>
+            </a:pPr>
+            <a:endParaRPr lang="en-US" sz="2800" kern="0" dirty="0">
+              <a:latin typeface="+mn-lt"/>
+              <a:cs typeface="Carlito"/>
+            </a:endParaRPr>
+          </a:p>
+          <a:p>
+            <a:pPr marL="12700">
+              <a:spcBef>
+                <a:spcPts val="95"/>
+              </a:spcBef>
+            </a:pPr>
+            <a:endParaRPr lang="en-US" sz="2800" kern="0" dirty="0">
+              <a:latin typeface="+mn-lt"/>
+              <a:cs typeface="Carlito"/>
+            </a:endParaRPr>
+          </a:p>
+          <a:p>
+            <a:pPr marL="12700">
+              <a:spcBef>
+                <a:spcPts val="95"/>
+              </a:spcBef>
+            </a:pPr>
+            <a:r>
+              <a:rPr lang="en-US" sz="2800" kern="0" dirty="0">
+                <a:latin typeface="+mn-lt"/>
+                <a:cs typeface="Carlito"/>
+              </a:rPr>
+              <a:t>Source : </a:t>
+            </a:r>
+            <a:r>
+              <a:rPr lang="en-US" sz="2800" kern="0" dirty="0">
+                <a:latin typeface="+mn-lt"/>
+                <a:cs typeface="Carlito"/>
+                <a:hlinkClick r:id="rId4"/>
+              </a:rPr>
+              <a:t>https://mongoosejs.com/docs/models.html</a:t>
+            </a:r>
+            <a:endParaRPr lang="en-US" sz="2800" kern="0" dirty="0">
+              <a:latin typeface="+mn-lt"/>
+              <a:cs typeface="Carlito"/>
+            </a:endParaRPr>
+          </a:p>
+          <a:p>
+            <a:pPr marL="12700">
+              <a:spcBef>
+                <a:spcPts val="95"/>
+              </a:spcBef>
+            </a:pPr>
+            <a:endParaRPr lang="en-US" sz="2800" kern="0" dirty="0">
+              <a:latin typeface="+mn-lt"/>
+              <a:cs typeface="Carlito"/>
+            </a:endParaRPr>
+          </a:p>
+          <a:p>
+            <a:pPr marL="527050" indent="-514350">
+              <a:spcBef>
+                <a:spcPts val="95"/>
+              </a:spcBef>
+              <a:buAutoNum type="arabicPeriod"/>
+            </a:pPr>
+            <a:endParaRPr lang="en-US" sz="2800" kern="0" dirty="0">
+              <a:latin typeface="+mn-lt"/>
+              <a:cs typeface="Carlito"/>
+            </a:endParaRPr>
+          </a:p>
+        </p:txBody>
+      </p:sp>
+      <p:pic>
+        <p:nvPicPr>
+          <p:cNvPr id="7" name="Picture 6">
+            <a:extLst>
+              <a:ext uri="{FF2B5EF4-FFF2-40B4-BE49-F238E27FC236}">
+                <a16:creationId xmlns:a16="http://schemas.microsoft.com/office/drawing/2014/main" id="{0BA16200-DB1C-B100-48B7-99EDF23634C1}"/>
+              </a:ext>
+            </a:extLst>
+          </p:cNvPr>
+          <p:cNvPicPr>
+            <a:picLocks noChangeAspect="1"/>
+          </p:cNvPicPr>
+          <p:nvPr/>
+        </p:nvPicPr>
+        <p:blipFill>
+          <a:blip r:embed="rId5"/>
+          <a:stretch>
+            <a:fillRect/>
+          </a:stretch>
+        </p:blipFill>
+        <p:spPr>
+          <a:xfrm>
+            <a:off x="5029200" y="914400"/>
+            <a:ext cx="5067911" cy="594929"/>
+          </a:xfrm>
+          <a:prstGeom prst="rect">
+            <a:avLst/>
+          </a:prstGeom>
+        </p:spPr>
+      </p:pic>
+      <p:pic>
+        <p:nvPicPr>
+          <p:cNvPr id="10" name="Picture 9">
+            <a:extLst>
+              <a:ext uri="{FF2B5EF4-FFF2-40B4-BE49-F238E27FC236}">
+                <a16:creationId xmlns:a16="http://schemas.microsoft.com/office/drawing/2014/main" id="{332DE9FE-2F8B-5E7B-5D8A-A30E1658E1E6}"/>
+              </a:ext>
+            </a:extLst>
+          </p:cNvPr>
+          <p:cNvPicPr>
+            <a:picLocks noChangeAspect="1"/>
+          </p:cNvPicPr>
+          <p:nvPr/>
+        </p:nvPicPr>
+        <p:blipFill rotWithShape="1">
+          <a:blip r:embed="rId6"/>
+          <a:srcRect t="5518" b="3005"/>
+          <a:stretch/>
+        </p:blipFill>
+        <p:spPr>
+          <a:xfrm>
+            <a:off x="8305800" y="1447800"/>
+            <a:ext cx="2265589" cy="1622986"/>
+          </a:xfrm>
+          <a:prstGeom prst="rect">
+            <a:avLst/>
+          </a:prstGeom>
+        </p:spPr>
+      </p:pic>
+      <p:pic>
+        <p:nvPicPr>
+          <p:cNvPr id="12" name="Picture 11">
+            <a:extLst>
+              <a:ext uri="{FF2B5EF4-FFF2-40B4-BE49-F238E27FC236}">
+                <a16:creationId xmlns:a16="http://schemas.microsoft.com/office/drawing/2014/main" id="{2E39694B-EB64-A7C7-3293-394E22C239DA}"/>
+              </a:ext>
+            </a:extLst>
+          </p:cNvPr>
+          <p:cNvPicPr>
+            <a:picLocks noChangeAspect="1"/>
+          </p:cNvPicPr>
+          <p:nvPr/>
+        </p:nvPicPr>
+        <p:blipFill>
+          <a:blip r:embed="rId7"/>
+          <a:stretch>
+            <a:fillRect/>
+          </a:stretch>
+        </p:blipFill>
+        <p:spPr>
+          <a:xfrm>
+            <a:off x="1295401" y="2701617"/>
+            <a:ext cx="2013018" cy="369169"/>
+          </a:xfrm>
+          <a:prstGeom prst="rect">
+            <a:avLst/>
+          </a:prstGeom>
+        </p:spPr>
+      </p:pic>
+      <p:pic>
+        <p:nvPicPr>
+          <p:cNvPr id="14" name="Picture 13">
+            <a:extLst>
+              <a:ext uri="{FF2B5EF4-FFF2-40B4-BE49-F238E27FC236}">
+                <a16:creationId xmlns:a16="http://schemas.microsoft.com/office/drawing/2014/main" id="{6A308D3E-1644-7671-A681-10B0E076F216}"/>
+              </a:ext>
+            </a:extLst>
+          </p:cNvPr>
+          <p:cNvPicPr>
+            <a:picLocks noChangeAspect="1"/>
+          </p:cNvPicPr>
+          <p:nvPr/>
+        </p:nvPicPr>
+        <p:blipFill>
+          <a:blip r:embed="rId8">
+            <a:duotone>
+              <a:prstClr val="black"/>
+              <a:srgbClr val="1F497D">
+                <a:tint val="45000"/>
+                <a:satMod val="400000"/>
+              </a:srgbClr>
+            </a:duotone>
+            <a:extLst>
+              <a:ext uri="{BEBA8EAE-BF5A-486C-A8C5-ECC9F3942E4B}">
+                <a14:imgProps xmlns:a14="http://schemas.microsoft.com/office/drawing/2010/main">
+                  <a14:imgLayer r:embed="rId9">
+                    <a14:imgEffect>
+                      <a14:brightnessContrast bright="-40000" contrast="40000"/>
+                    </a14:imgEffect>
+                  </a14:imgLayer>
+                </a14:imgProps>
+              </a:ext>
+            </a:extLst>
+          </a:blip>
+          <a:stretch>
+            <a:fillRect/>
+          </a:stretch>
+        </p:blipFill>
+        <p:spPr>
+          <a:xfrm>
+            <a:off x="1295401" y="3711606"/>
+            <a:ext cx="4979341" cy="1333623"/>
+          </a:xfrm>
+          <a:prstGeom prst="rect">
+            <a:avLst/>
+          </a:prstGeom>
+        </p:spPr>
+      </p:pic>
+    </p:spTree>
+    <p:extLst>
+      <p:ext uri="{BB962C8B-B14F-4D97-AF65-F5344CB8AC3E}">
+        <p14:creationId xmlns:p14="http://schemas.microsoft.com/office/powerpoint/2010/main" val="4118190380"/>
       </p:ext>
     </p:extLst>
   </p:cSld>
